--- a/Presentation/22BEC032-ARYAN-PURI.pptx
+++ b/Presentation/22BEC032-ARYAN-PURI.pptx
@@ -5,7 +5,7 @@
     <p:sldMasterId id="2147483660" r:id="rId1"/>
   </p:sldMasterIdLst>
   <p:notesMasterIdLst>
-    <p:notesMasterId r:id="rId10"/>
+    <p:notesMasterId r:id="rId17"/>
   </p:notesMasterIdLst>
   <p:sldIdLst>
     <p:sldId id="256" r:id="rId2"/>
@@ -15,7 +15,14 @@
     <p:sldId id="261" r:id="rId6"/>
     <p:sldId id="262" r:id="rId7"/>
     <p:sldId id="263" r:id="rId8"/>
-    <p:sldId id="259" r:id="rId9"/>
+    <p:sldId id="270" r:id="rId9"/>
+    <p:sldId id="271" r:id="rId10"/>
+    <p:sldId id="266" r:id="rId11"/>
+    <p:sldId id="265" r:id="rId12"/>
+    <p:sldId id="272" r:id="rId13"/>
+    <p:sldId id="264" r:id="rId14"/>
+    <p:sldId id="259" r:id="rId15"/>
+    <p:sldId id="274" r:id="rId16"/>
   </p:sldIdLst>
   <p:sldSz cx="12192000" cy="6858000"/>
   <p:notesSz cx="6858000" cy="9144000"/>
@@ -114,6 +121,11 @@
       </a:defRPr>
     </a:lvl9pPr>
   </p:defaultTextStyle>
+  <p:extLst>
+    <p:ext uri="{EFAFB233-063F-42B5-8137-9DF3F51BA10A}">
+      <p15:sldGuideLst xmlns:p15="http://schemas.microsoft.com/office/powerpoint/2012/main"/>
+    </p:ext>
+  </p:extLst>
 </p:presentation>
 </file>
 
@@ -1049,43 +1061,6 @@
         </a:p>
       </dgm:t>
     </dgm:pt>
-    <dgm:pt modelId="{3CCD55A8-D907-48E4-8F67-8C506248F520}">
-      <dgm:prSet phldrT="[Text]"/>
-      <dgm:spPr/>
-      <dgm:t>
-        <a:bodyPr/>
-        <a:lstStyle/>
-        <a:p>
-          <a:r>
-            <a:rPr lang="en-US" dirty="0" smtClean="0"/>
-            <a:t>Core Algorithms Used</a:t>
-          </a:r>
-          <a:endParaRPr lang="en-US" dirty="0"/>
-        </a:p>
-      </dgm:t>
-    </dgm:pt>
-    <dgm:pt modelId="{7C5C8DF2-4E07-45E8-BA54-57E3080F0762}" type="parTrans" cxnId="{893B73C2-E365-45A3-A399-A3E6D63B6FD1}">
-      <dgm:prSet/>
-      <dgm:spPr/>
-      <dgm:t>
-        <a:bodyPr/>
-        <a:lstStyle/>
-        <a:p>
-          <a:endParaRPr lang="en-US"/>
-        </a:p>
-      </dgm:t>
-    </dgm:pt>
-    <dgm:pt modelId="{9927CDA1-A95E-45AB-B696-9AACF1E42CC5}" type="sibTrans" cxnId="{893B73C2-E365-45A3-A399-A3E6D63B6FD1}">
-      <dgm:prSet/>
-      <dgm:spPr/>
-      <dgm:t>
-        <a:bodyPr/>
-        <a:lstStyle/>
-        <a:p>
-          <a:endParaRPr lang="en-US"/>
-        </a:p>
-      </dgm:t>
-    </dgm:pt>
     <dgm:pt modelId="{72849F99-3770-4015-922D-3B4BE6975D2B}">
       <dgm:prSet phldrT="[Text]"/>
       <dgm:spPr/>
@@ -1160,7 +1135,44 @@
         </a:p>
       </dgm:t>
     </dgm:pt>
-    <dgm:pt modelId="{32B0893B-1191-4D27-9C9F-D9F4A5FE0588}">
+    <dgm:pt modelId="{E197CE62-D2D9-4474-B8DD-D6A83AFE5E13}">
+      <dgm:prSet phldrT="[Text]"/>
+      <dgm:spPr/>
+      <dgm:t>
+        <a:bodyPr/>
+        <a:lstStyle/>
+        <a:p>
+          <a:r>
+            <a:rPr lang="en-US" dirty="0" smtClean="0"/>
+            <a:t>Challenges</a:t>
+          </a:r>
+          <a:endParaRPr lang="en-US" dirty="0"/>
+        </a:p>
+      </dgm:t>
+    </dgm:pt>
+    <dgm:pt modelId="{9C538898-33CF-4FD3-8EC9-BCB78387CC87}" type="parTrans" cxnId="{8F9FE852-55B8-41EF-95B9-194576ED6D23}">
+      <dgm:prSet/>
+      <dgm:spPr/>
+      <dgm:t>
+        <a:bodyPr/>
+        <a:lstStyle/>
+        <a:p>
+          <a:endParaRPr lang="en-US"/>
+        </a:p>
+      </dgm:t>
+    </dgm:pt>
+    <dgm:pt modelId="{BEB174B4-BC92-4F78-B621-FDD68AFC82E0}" type="sibTrans" cxnId="{8F9FE852-55B8-41EF-95B9-194576ED6D23}">
+      <dgm:prSet/>
+      <dgm:spPr/>
+      <dgm:t>
+        <a:bodyPr/>
+        <a:lstStyle/>
+        <a:p>
+          <a:endParaRPr lang="en-US"/>
+        </a:p>
+      </dgm:t>
+    </dgm:pt>
+    <dgm:pt modelId="{D2B65C22-24C4-40EF-B91D-7C3B1F1801E5}">
       <dgm:prSet phldrT="[Text]"/>
       <dgm:spPr/>
       <dgm:t>
@@ -1175,7 +1187,7 @@
         </a:p>
       </dgm:t>
     </dgm:pt>
-    <dgm:pt modelId="{D6196183-EC73-43DD-BF46-4C9FFDC3B4AD}" type="parTrans" cxnId="{E1FAC497-FA20-4C06-B2AA-01DBEE8CA12D}">
+    <dgm:pt modelId="{2D5A9D9E-A5A0-4ADB-AC9D-F4F62AFDFAF7}" type="parTrans" cxnId="{1A112639-CEAA-42E2-807C-5C4A998F557D}">
       <dgm:prSet/>
       <dgm:spPr/>
       <dgm:t>
@@ -1186,7 +1198,7 @@
         </a:p>
       </dgm:t>
     </dgm:pt>
-    <dgm:pt modelId="{8CCCD92E-7321-495C-8CCC-6F05F1E3C623}" type="sibTrans" cxnId="{E1FAC497-FA20-4C06-B2AA-01DBEE8CA12D}">
+    <dgm:pt modelId="{56502258-EC50-484D-A5BE-25D25443D442}" type="sibTrans" cxnId="{1A112639-CEAA-42E2-807C-5C4A998F557D}">
       <dgm:prSet/>
       <dgm:spPr/>
       <dgm:t>
@@ -1206,6 +1218,13 @@
         </dgm:presLayoutVars>
       </dgm:prSet>
       <dgm:spPr/>
+      <dgm:t>
+        <a:bodyPr/>
+        <a:lstStyle/>
+        <a:p>
+          <a:endParaRPr lang="en-US"/>
+        </a:p>
+      </dgm:t>
     </dgm:pt>
     <dgm:pt modelId="{9343E378-D2F9-4F7B-9B84-99E80207056A}" type="pres">
       <dgm:prSet presAssocID="{0D8B6200-36CB-496B-A007-5DAAA3F8C926}" presName="Name1" presStyleCnt="0"/>
@@ -1222,6 +1241,13 @@
     <dgm:pt modelId="{37778989-5798-4D95-B81A-80D77CF6FC02}" type="pres">
       <dgm:prSet presAssocID="{0D8B6200-36CB-496B-A007-5DAAA3F8C926}" presName="conn" presStyleLbl="parChTrans1D2" presStyleIdx="0" presStyleCnt="1"/>
       <dgm:spPr/>
+      <dgm:t>
+        <a:bodyPr/>
+        <a:lstStyle/>
+        <a:p>
+          <a:endParaRPr lang="en-US"/>
+        </a:p>
+      </dgm:t>
     </dgm:pt>
     <dgm:pt modelId="{290A9715-E87A-4315-8BBA-D5AA23D017BA}" type="pres">
       <dgm:prSet presAssocID="{0D8B6200-36CB-496B-A007-5DAAA3F8C926}" presName="extraNode" presStyleLbl="node1" presStyleIdx="0" presStyleCnt="7"/>
@@ -1238,6 +1264,13 @@
         </dgm:presLayoutVars>
       </dgm:prSet>
       <dgm:spPr/>
+      <dgm:t>
+        <a:bodyPr/>
+        <a:lstStyle/>
+        <a:p>
+          <a:endParaRPr lang="en-US"/>
+        </a:p>
+      </dgm:t>
     </dgm:pt>
     <dgm:pt modelId="{62FDD1CC-63AA-49A8-ABE3-3C91CE6AE960}" type="pres">
       <dgm:prSet presAssocID="{9C46430F-50A9-4207-A596-CFD56A7964A8}" presName="accent_1" presStyleCnt="0"/>
@@ -1277,6 +1310,13 @@
         </dgm:presLayoutVars>
       </dgm:prSet>
       <dgm:spPr/>
+      <dgm:t>
+        <a:bodyPr/>
+        <a:lstStyle/>
+        <a:p>
+          <a:endParaRPr lang="en-US"/>
+        </a:p>
+      </dgm:t>
     </dgm:pt>
     <dgm:pt modelId="{8460B803-9FC1-4D34-A50B-95CE10B95336}" type="pres">
       <dgm:prSet presAssocID="{148D630E-3757-4BF6-B265-BC86D0FD2B6F}" presName="accent_3" presStyleCnt="0"/>
@@ -1286,40 +1326,8 @@
       <dgm:prSet presAssocID="{148D630E-3757-4BF6-B265-BC86D0FD2B6F}" presName="accentRepeatNode" presStyleLbl="solidFgAcc1" presStyleIdx="2" presStyleCnt="7"/>
       <dgm:spPr/>
     </dgm:pt>
-    <dgm:pt modelId="{526250BC-ED36-4CC6-999F-35978BD61D6B}" type="pres">
-      <dgm:prSet presAssocID="{3CCD55A8-D907-48E4-8F67-8C506248F520}" presName="text_4" presStyleLbl="node1" presStyleIdx="3" presStyleCnt="7">
-        <dgm:presLayoutVars>
-          <dgm:bulletEnabled val="1"/>
-        </dgm:presLayoutVars>
-      </dgm:prSet>
-      <dgm:spPr/>
-    </dgm:pt>
-    <dgm:pt modelId="{464FD1B8-0A79-4B5D-8DCF-8B385CBD782B}" type="pres">
-      <dgm:prSet presAssocID="{3CCD55A8-D907-48E4-8F67-8C506248F520}" presName="accent_4" presStyleCnt="0"/>
-      <dgm:spPr/>
-    </dgm:pt>
-    <dgm:pt modelId="{D1C03DA7-4D5F-4521-AEE4-52F953241045}" type="pres">
-      <dgm:prSet presAssocID="{3CCD55A8-D907-48E4-8F67-8C506248F520}" presName="accentRepeatNode" presStyleLbl="solidFgAcc1" presStyleIdx="3" presStyleCnt="7"/>
-      <dgm:spPr/>
-    </dgm:pt>
-    <dgm:pt modelId="{544FF3D3-2A00-4FF5-B7AD-FC365984A0A8}" type="pres">
-      <dgm:prSet presAssocID="{72849F99-3770-4015-922D-3B4BE6975D2B}" presName="text_5" presStyleLbl="node1" presStyleIdx="4" presStyleCnt="7">
-        <dgm:presLayoutVars>
-          <dgm:bulletEnabled val="1"/>
-        </dgm:presLayoutVars>
-      </dgm:prSet>
-      <dgm:spPr/>
-    </dgm:pt>
-    <dgm:pt modelId="{C61E3CFB-AD6A-4FDB-ADA3-024592017847}" type="pres">
-      <dgm:prSet presAssocID="{72849F99-3770-4015-922D-3B4BE6975D2B}" presName="accent_5" presStyleCnt="0"/>
-      <dgm:spPr/>
-    </dgm:pt>
-    <dgm:pt modelId="{8387E979-7A1B-487D-A541-430DA223FA3A}" type="pres">
-      <dgm:prSet presAssocID="{72849F99-3770-4015-922D-3B4BE6975D2B}" presName="accentRepeatNode" presStyleLbl="solidFgAcc1" presStyleIdx="4" presStyleCnt="7"/>
-      <dgm:spPr/>
-    </dgm:pt>
-    <dgm:pt modelId="{1B12942A-DF78-4960-8D94-2975342D61EE}" type="pres">
-      <dgm:prSet presAssocID="{83E2B95D-66A7-4327-9961-2061916E3E46}" presName="text_6" presStyleLbl="node1" presStyleIdx="5" presStyleCnt="7">
+    <dgm:pt modelId="{88300636-204D-4FD9-9486-55F8262BDC0E}" type="pres">
+      <dgm:prSet presAssocID="{72849F99-3770-4015-922D-3B4BE6975D2B}" presName="text_4" presStyleLbl="node1" presStyleIdx="3" presStyleCnt="7">
         <dgm:presLayoutVars>
           <dgm:bulletEnabled val="1"/>
         </dgm:presLayoutVars>
@@ -1333,16 +1341,16 @@
         </a:p>
       </dgm:t>
     </dgm:pt>
-    <dgm:pt modelId="{B1D64C42-6945-4BED-B51B-D5A3F62180AC}" type="pres">
-      <dgm:prSet presAssocID="{83E2B95D-66A7-4327-9961-2061916E3E46}" presName="accent_6" presStyleCnt="0"/>
+    <dgm:pt modelId="{9C905127-35BF-4925-A364-927E6B74F246}" type="pres">
+      <dgm:prSet presAssocID="{72849F99-3770-4015-922D-3B4BE6975D2B}" presName="accent_4" presStyleCnt="0"/>
       <dgm:spPr/>
     </dgm:pt>
-    <dgm:pt modelId="{89C86576-8779-47AA-9D1F-4693468EA41D}" type="pres">
-      <dgm:prSet presAssocID="{83E2B95D-66A7-4327-9961-2061916E3E46}" presName="accentRepeatNode" presStyleLbl="solidFgAcc1" presStyleIdx="5" presStyleCnt="7"/>
+    <dgm:pt modelId="{8387E979-7A1B-487D-A541-430DA223FA3A}" type="pres">
+      <dgm:prSet presAssocID="{72849F99-3770-4015-922D-3B4BE6975D2B}" presName="accentRepeatNode" presStyleLbl="solidFgAcc1" presStyleIdx="3" presStyleCnt="7"/>
       <dgm:spPr/>
     </dgm:pt>
-    <dgm:pt modelId="{FC29BF91-7E39-43AB-B71B-CD58D9D1B668}" type="pres">
-      <dgm:prSet presAssocID="{32B0893B-1191-4D27-9C9F-D9F4A5FE0588}" presName="text_7" presStyleLbl="node1" presStyleIdx="6" presStyleCnt="7">
+    <dgm:pt modelId="{2B77186D-785D-46AA-9937-2EE65C6F063B}" type="pres">
+      <dgm:prSet presAssocID="{83E2B95D-66A7-4327-9961-2061916E3E46}" presName="text_5" presStyleLbl="node1" presStyleIdx="4" presStyleCnt="7">
         <dgm:presLayoutVars>
           <dgm:bulletEnabled val="1"/>
         </dgm:presLayoutVars>
@@ -1356,32 +1364,78 @@
         </a:p>
       </dgm:t>
     </dgm:pt>
-    <dgm:pt modelId="{DB3F3DE0-63CF-45AC-8E47-BADA42CC391F}" type="pres">
-      <dgm:prSet presAssocID="{32B0893B-1191-4D27-9C9F-D9F4A5FE0588}" presName="accent_7" presStyleCnt="0"/>
+    <dgm:pt modelId="{EBDC0869-9238-4A5D-9AC9-BF5190345CF4}" type="pres">
+      <dgm:prSet presAssocID="{83E2B95D-66A7-4327-9961-2061916E3E46}" presName="accent_5" presStyleCnt="0"/>
       <dgm:spPr/>
     </dgm:pt>
-    <dgm:pt modelId="{F94B7318-6A7F-4D09-9DD8-CD3A7CFC50BE}" type="pres">
-      <dgm:prSet presAssocID="{32B0893B-1191-4D27-9C9F-D9F4A5FE0588}" presName="accentRepeatNode" presStyleLbl="solidFgAcc1" presStyleIdx="6" presStyleCnt="7"/>
+    <dgm:pt modelId="{89C86576-8779-47AA-9D1F-4693468EA41D}" type="pres">
+      <dgm:prSet presAssocID="{83E2B95D-66A7-4327-9961-2061916E3E46}" presName="accentRepeatNode" presStyleLbl="solidFgAcc1" presStyleIdx="4" presStyleCnt="7"/>
+      <dgm:spPr/>
+    </dgm:pt>
+    <dgm:pt modelId="{A48CB934-370D-46C4-9E18-8387D2B3C2EB}" type="pres">
+      <dgm:prSet presAssocID="{E197CE62-D2D9-4474-B8DD-D6A83AFE5E13}" presName="text_6" presStyleLbl="node1" presStyleIdx="5" presStyleCnt="7">
+        <dgm:presLayoutVars>
+          <dgm:bulletEnabled val="1"/>
+        </dgm:presLayoutVars>
+      </dgm:prSet>
+      <dgm:spPr/>
+      <dgm:t>
+        <a:bodyPr/>
+        <a:lstStyle/>
+        <a:p>
+          <a:endParaRPr lang="en-US"/>
+        </a:p>
+      </dgm:t>
+    </dgm:pt>
+    <dgm:pt modelId="{F4380B07-5B96-4950-BB4B-B79F5C3628ED}" type="pres">
+      <dgm:prSet presAssocID="{E197CE62-D2D9-4474-B8DD-D6A83AFE5E13}" presName="accent_6" presStyleCnt="0"/>
+      <dgm:spPr/>
+    </dgm:pt>
+    <dgm:pt modelId="{8B8AD307-C1FF-4551-ACC3-CA91D608C3CD}" type="pres">
+      <dgm:prSet presAssocID="{E197CE62-D2D9-4474-B8DD-D6A83AFE5E13}" presName="accentRepeatNode" presStyleLbl="solidFgAcc1" presStyleIdx="5" presStyleCnt="7"/>
+      <dgm:spPr/>
+    </dgm:pt>
+    <dgm:pt modelId="{0334CE2A-2A6B-43E9-9368-1323632FE16B}" type="pres">
+      <dgm:prSet presAssocID="{D2B65C22-24C4-40EF-B91D-7C3B1F1801E5}" presName="text_7" presStyleLbl="node1" presStyleIdx="6" presStyleCnt="7">
+        <dgm:presLayoutVars>
+          <dgm:bulletEnabled val="1"/>
+        </dgm:presLayoutVars>
+      </dgm:prSet>
+      <dgm:spPr/>
+      <dgm:t>
+        <a:bodyPr/>
+        <a:lstStyle/>
+        <a:p>
+          <a:endParaRPr lang="en-US"/>
+        </a:p>
+      </dgm:t>
+    </dgm:pt>
+    <dgm:pt modelId="{C6D8DE98-1A2D-4FE8-BEE1-2318FAB5AE5D}" type="pres">
+      <dgm:prSet presAssocID="{D2B65C22-24C4-40EF-B91D-7C3B1F1801E5}" presName="accent_7" presStyleCnt="0"/>
+      <dgm:spPr/>
+    </dgm:pt>
+    <dgm:pt modelId="{AD0955EC-A162-44CE-B2DC-C714F9DB4418}" type="pres">
+      <dgm:prSet presAssocID="{D2B65C22-24C4-40EF-B91D-7C3B1F1801E5}" presName="accentRepeatNode" presStyleLbl="solidFgAcc1" presStyleIdx="6" presStyleCnt="7"/>
       <dgm:spPr/>
     </dgm:pt>
   </dgm:ptLst>
   <dgm:cxnLst>
+    <dgm:cxn modelId="{BAE68B0C-9E7C-4861-9CE2-2AC5DC103225}" type="presOf" srcId="{7D2C1D18-851C-48E4-8BBC-DEAA6E7E8A63}" destId="{3D121B7A-4475-4525-B7A2-7EC5375930D9}" srcOrd="0" destOrd="0" presId="urn:microsoft.com/office/officeart/2008/layout/VerticalCurvedList"/>
+    <dgm:cxn modelId="{399C53FF-B35B-42F6-8A1E-9109375E86C1}" srcId="{0D8B6200-36CB-496B-A007-5DAAA3F8C926}" destId="{7D2C1D18-851C-48E4-8BBC-DEAA6E7E8A63}" srcOrd="1" destOrd="0" parTransId="{E717E16D-8201-4B7D-B910-9A0CEC0D432B}" sibTransId="{D76DCCAE-BE7E-4E5B-8D8D-96DB602B1744}"/>
+    <dgm:cxn modelId="{8F9FE852-55B8-41EF-95B9-194576ED6D23}" srcId="{0D8B6200-36CB-496B-A007-5DAAA3F8C926}" destId="{E197CE62-D2D9-4474-B8DD-D6A83AFE5E13}" srcOrd="5" destOrd="0" parTransId="{9C538898-33CF-4FD3-8EC9-BCB78387CC87}" sibTransId="{BEB174B4-BC92-4F78-B621-FDD68AFC82E0}"/>
+    <dgm:cxn modelId="{1D7E246D-463A-45A0-B01C-E6C65D3BEF4D}" type="presOf" srcId="{72849F99-3770-4015-922D-3B4BE6975D2B}" destId="{88300636-204D-4FD9-9486-55F8262BDC0E}" srcOrd="0" destOrd="0" presId="urn:microsoft.com/office/officeart/2008/layout/VerticalCurvedList"/>
+    <dgm:cxn modelId="{8FA0CAF8-C600-4BD7-B2FE-45283D9FB57D}" type="presOf" srcId="{D2B65C22-24C4-40EF-B91D-7C3B1F1801E5}" destId="{0334CE2A-2A6B-43E9-9368-1323632FE16B}" srcOrd="0" destOrd="0" presId="urn:microsoft.com/office/officeart/2008/layout/VerticalCurvedList"/>
+    <dgm:cxn modelId="{EEE8F807-5201-494D-905A-775DEA33CA61}" type="presOf" srcId="{148D630E-3757-4BF6-B265-BC86D0FD2B6F}" destId="{14AB2552-7751-4877-934C-7EED7EADC334}" srcOrd="0" destOrd="0" presId="urn:microsoft.com/office/officeart/2008/layout/VerticalCurvedList"/>
+    <dgm:cxn modelId="{E0CA08E1-9DA5-4913-929E-1F58C0166DFA}" type="presOf" srcId="{981712A5-4D1F-4057-ADDF-F51F5F31B68F}" destId="{37778989-5798-4D95-B81A-80D77CF6FC02}" srcOrd="0" destOrd="0" presId="urn:microsoft.com/office/officeart/2008/layout/VerticalCurvedList"/>
+    <dgm:cxn modelId="{4B5AF97A-1C4D-43DF-B54D-2E88D1CF595A}" srcId="{0D8B6200-36CB-496B-A007-5DAAA3F8C926}" destId="{148D630E-3757-4BF6-B265-BC86D0FD2B6F}" srcOrd="2" destOrd="0" parTransId="{09BB42E4-BD8D-4F82-AF7C-9E280BBE90CA}" sibTransId="{EA4C80C4-3059-4758-8497-7462C2521651}"/>
+    <dgm:cxn modelId="{C1DBC5AD-3D8D-4671-BE55-253995E4DC0A}" type="presOf" srcId="{E197CE62-D2D9-4474-B8DD-D6A83AFE5E13}" destId="{A48CB934-370D-46C4-9E18-8387D2B3C2EB}" srcOrd="0" destOrd="0" presId="urn:microsoft.com/office/officeart/2008/layout/VerticalCurvedList"/>
+    <dgm:cxn modelId="{1A112639-CEAA-42E2-807C-5C4A998F557D}" srcId="{0D8B6200-36CB-496B-A007-5DAAA3F8C926}" destId="{D2B65C22-24C4-40EF-B91D-7C3B1F1801E5}" srcOrd="6" destOrd="0" parTransId="{2D5A9D9E-A5A0-4ADB-AC9D-F4F62AFDFAF7}" sibTransId="{56502258-EC50-484D-A5BE-25D25443D442}"/>
+    <dgm:cxn modelId="{B8A8BFC2-7F5F-4884-8C38-49D4A69EC718}" type="presOf" srcId="{9C46430F-50A9-4207-A596-CFD56A7964A8}" destId="{83DD4071-084D-40DA-837B-DC7C5BA59E04}" srcOrd="0" destOrd="0" presId="urn:microsoft.com/office/officeart/2008/layout/VerticalCurvedList"/>
     <dgm:cxn modelId="{EE05BDC6-802D-4B18-BB61-22C246282187}" type="presOf" srcId="{0D8B6200-36CB-496B-A007-5DAAA3F8C926}" destId="{4518BE26-FBAB-4EC9-99D6-BE7A85193408}" srcOrd="0" destOrd="0" presId="urn:microsoft.com/office/officeart/2008/layout/VerticalCurvedList"/>
-    <dgm:cxn modelId="{B8A8BFC2-7F5F-4884-8C38-49D4A69EC718}" type="presOf" srcId="{9C46430F-50A9-4207-A596-CFD56A7964A8}" destId="{83DD4071-084D-40DA-837B-DC7C5BA59E04}" srcOrd="0" destOrd="0" presId="urn:microsoft.com/office/officeart/2008/layout/VerticalCurvedList"/>
-    <dgm:cxn modelId="{893B73C2-E365-45A3-A399-A3E6D63B6FD1}" srcId="{0D8B6200-36CB-496B-A007-5DAAA3F8C926}" destId="{3CCD55A8-D907-48E4-8F67-8C506248F520}" srcOrd="3" destOrd="0" parTransId="{7C5C8DF2-4E07-45E8-BA54-57E3080F0762}" sibTransId="{9927CDA1-A95E-45AB-B696-9AACF1E42CC5}"/>
-    <dgm:cxn modelId="{E4A8DF67-D6CD-4EB4-B92B-4B6CE8778339}" type="presOf" srcId="{3CCD55A8-D907-48E4-8F67-8C506248F520}" destId="{526250BC-ED36-4CC6-999F-35978BD61D6B}" srcOrd="0" destOrd="0" presId="urn:microsoft.com/office/officeart/2008/layout/VerticalCurvedList"/>
-    <dgm:cxn modelId="{C25BA4EC-B277-4CAD-B90D-ECDF78F7A438}" srcId="{0D8B6200-36CB-496B-A007-5DAAA3F8C926}" destId="{83E2B95D-66A7-4327-9961-2061916E3E46}" srcOrd="5" destOrd="0" parTransId="{B123ABDF-E441-420B-B19A-54F40BEFB9E6}" sibTransId="{E3624C02-4F65-48C6-95C4-53E6A0933F60}"/>
+    <dgm:cxn modelId="{6EC377C2-30AA-41A4-B29B-B0810B82B0DA}" srcId="{0D8B6200-36CB-496B-A007-5DAAA3F8C926}" destId="{72849F99-3770-4015-922D-3B4BE6975D2B}" srcOrd="3" destOrd="0" parTransId="{358A1A72-D5E4-4DD0-B01B-38CDBAEADB5B}" sibTransId="{F97998E5-24C7-49B5-97BD-B30682308B95}"/>
+    <dgm:cxn modelId="{08704E1D-F19E-451C-A4A7-41157453A695}" type="presOf" srcId="{83E2B95D-66A7-4327-9961-2061916E3E46}" destId="{2B77186D-785D-46AA-9937-2EE65C6F063B}" srcOrd="0" destOrd="0" presId="urn:microsoft.com/office/officeart/2008/layout/VerticalCurvedList"/>
+    <dgm:cxn modelId="{C25BA4EC-B277-4CAD-B90D-ECDF78F7A438}" srcId="{0D8B6200-36CB-496B-A007-5DAAA3F8C926}" destId="{83E2B95D-66A7-4327-9961-2061916E3E46}" srcOrd="4" destOrd="0" parTransId="{B123ABDF-E441-420B-B19A-54F40BEFB9E6}" sibTransId="{E3624C02-4F65-48C6-95C4-53E6A0933F60}"/>
     <dgm:cxn modelId="{3432E45D-1782-40C6-B687-F584E4BE9999}" srcId="{0D8B6200-36CB-496B-A007-5DAAA3F8C926}" destId="{9C46430F-50A9-4207-A596-CFD56A7964A8}" srcOrd="0" destOrd="0" parTransId="{6401AA60-E921-408B-BF16-EE62C4EA14E6}" sibTransId="{981712A5-4D1F-4057-ADDF-F51F5F31B68F}"/>
-    <dgm:cxn modelId="{BAE68B0C-9E7C-4861-9CE2-2AC5DC103225}" type="presOf" srcId="{7D2C1D18-851C-48E4-8BBC-DEAA6E7E8A63}" destId="{3D121B7A-4475-4525-B7A2-7EC5375930D9}" srcOrd="0" destOrd="0" presId="urn:microsoft.com/office/officeart/2008/layout/VerticalCurvedList"/>
-    <dgm:cxn modelId="{6EC377C2-30AA-41A4-B29B-B0810B82B0DA}" srcId="{0D8B6200-36CB-496B-A007-5DAAA3F8C926}" destId="{72849F99-3770-4015-922D-3B4BE6975D2B}" srcOrd="4" destOrd="0" parTransId="{358A1A72-D5E4-4DD0-B01B-38CDBAEADB5B}" sibTransId="{F97998E5-24C7-49B5-97BD-B30682308B95}"/>
-    <dgm:cxn modelId="{4B5AF97A-1C4D-43DF-B54D-2E88D1CF595A}" srcId="{0D8B6200-36CB-496B-A007-5DAAA3F8C926}" destId="{148D630E-3757-4BF6-B265-BC86D0FD2B6F}" srcOrd="2" destOrd="0" parTransId="{09BB42E4-BD8D-4F82-AF7C-9E280BBE90CA}" sibTransId="{EA4C80C4-3059-4758-8497-7462C2521651}"/>
-    <dgm:cxn modelId="{E1FAC497-FA20-4C06-B2AA-01DBEE8CA12D}" srcId="{0D8B6200-36CB-496B-A007-5DAAA3F8C926}" destId="{32B0893B-1191-4D27-9C9F-D9F4A5FE0588}" srcOrd="6" destOrd="0" parTransId="{D6196183-EC73-43DD-BF46-4C9FFDC3B4AD}" sibTransId="{8CCCD92E-7321-495C-8CCC-6F05F1E3C623}"/>
-    <dgm:cxn modelId="{EEE8F807-5201-494D-905A-775DEA33CA61}" type="presOf" srcId="{148D630E-3757-4BF6-B265-BC86D0FD2B6F}" destId="{14AB2552-7751-4877-934C-7EED7EADC334}" srcOrd="0" destOrd="0" presId="urn:microsoft.com/office/officeart/2008/layout/VerticalCurvedList"/>
-    <dgm:cxn modelId="{A5AECE82-DF12-4C0E-9192-68E0E4D03418}" type="presOf" srcId="{32B0893B-1191-4D27-9C9F-D9F4A5FE0588}" destId="{FC29BF91-7E39-43AB-B71B-CD58D9D1B668}" srcOrd="0" destOrd="0" presId="urn:microsoft.com/office/officeart/2008/layout/VerticalCurvedList"/>
-    <dgm:cxn modelId="{8EBA69AA-899C-4AC6-8EC8-A46CC9AFFEA5}" type="presOf" srcId="{72849F99-3770-4015-922D-3B4BE6975D2B}" destId="{544FF3D3-2A00-4FF5-B7AD-FC365984A0A8}" srcOrd="0" destOrd="0" presId="urn:microsoft.com/office/officeart/2008/layout/VerticalCurvedList"/>
-    <dgm:cxn modelId="{E0CA08E1-9DA5-4913-929E-1F58C0166DFA}" type="presOf" srcId="{981712A5-4D1F-4057-ADDF-F51F5F31B68F}" destId="{37778989-5798-4D95-B81A-80D77CF6FC02}" srcOrd="0" destOrd="0" presId="urn:microsoft.com/office/officeart/2008/layout/VerticalCurvedList"/>
-    <dgm:cxn modelId="{D2F39087-6C2C-4D02-ADD3-6155C16BC046}" type="presOf" srcId="{83E2B95D-66A7-4327-9961-2061916E3E46}" destId="{1B12942A-DF78-4960-8D94-2975342D61EE}" srcOrd="0" destOrd="0" presId="urn:microsoft.com/office/officeart/2008/layout/VerticalCurvedList"/>
-    <dgm:cxn modelId="{399C53FF-B35B-42F6-8A1E-9109375E86C1}" srcId="{0D8B6200-36CB-496B-A007-5DAAA3F8C926}" destId="{7D2C1D18-851C-48E4-8BBC-DEAA6E7E8A63}" srcOrd="1" destOrd="0" parTransId="{E717E16D-8201-4B7D-B910-9A0CEC0D432B}" sibTransId="{D76DCCAE-BE7E-4E5B-8D8D-96DB602B1744}"/>
     <dgm:cxn modelId="{F2502E17-BE88-4145-A957-FBC3F8A1F0B3}" type="presParOf" srcId="{4518BE26-FBAB-4EC9-99D6-BE7A85193408}" destId="{9343E378-D2F9-4F7B-9B84-99E80207056A}" srcOrd="0" destOrd="0" presId="urn:microsoft.com/office/officeart/2008/layout/VerticalCurvedList"/>
     <dgm:cxn modelId="{00C4F62B-96C6-4707-B2EC-94BB21842413}" type="presParOf" srcId="{9343E378-D2F9-4F7B-9B84-99E80207056A}" destId="{5DA60F15-34FB-4A06-9360-14431F0B5D5B}" srcOrd="0" destOrd="0" presId="urn:microsoft.com/office/officeart/2008/layout/VerticalCurvedList"/>
     <dgm:cxn modelId="{63041955-5452-4E48-A251-44BF6E9B799F}" type="presParOf" srcId="{5DA60F15-34FB-4A06-9360-14431F0B5D5B}" destId="{8FE4046D-2646-47C4-847D-5308E63E2E9D}" srcOrd="0" destOrd="0" presId="urn:microsoft.com/office/officeart/2008/layout/VerticalCurvedList"/>
@@ -1397,18 +1451,18 @@
     <dgm:cxn modelId="{DD08A9E1-AC89-43AE-BA9C-69A82A761D0F}" type="presParOf" srcId="{9343E378-D2F9-4F7B-9B84-99E80207056A}" destId="{14AB2552-7751-4877-934C-7EED7EADC334}" srcOrd="5" destOrd="0" presId="urn:microsoft.com/office/officeart/2008/layout/VerticalCurvedList"/>
     <dgm:cxn modelId="{78CC493B-248D-4FF3-96E6-D4E3523B3741}" type="presParOf" srcId="{9343E378-D2F9-4F7B-9B84-99E80207056A}" destId="{8460B803-9FC1-4D34-A50B-95CE10B95336}" srcOrd="6" destOrd="0" presId="urn:microsoft.com/office/officeart/2008/layout/VerticalCurvedList"/>
     <dgm:cxn modelId="{89E009D5-ADC2-4D9D-BBCB-02609D8560A5}" type="presParOf" srcId="{8460B803-9FC1-4D34-A50B-95CE10B95336}" destId="{D1E5330D-0050-49F7-83E0-A7D39F8A2155}" srcOrd="0" destOrd="0" presId="urn:microsoft.com/office/officeart/2008/layout/VerticalCurvedList"/>
-    <dgm:cxn modelId="{1B5CDEFD-70E3-494A-9A72-24A73EC2CB9F}" type="presParOf" srcId="{9343E378-D2F9-4F7B-9B84-99E80207056A}" destId="{526250BC-ED36-4CC6-999F-35978BD61D6B}" srcOrd="7" destOrd="0" presId="urn:microsoft.com/office/officeart/2008/layout/VerticalCurvedList"/>
-    <dgm:cxn modelId="{9C0C5B7F-42FC-4E4B-918C-D35AB0D3AE8B}" type="presParOf" srcId="{9343E378-D2F9-4F7B-9B84-99E80207056A}" destId="{464FD1B8-0A79-4B5D-8DCF-8B385CBD782B}" srcOrd="8" destOrd="0" presId="urn:microsoft.com/office/officeart/2008/layout/VerticalCurvedList"/>
-    <dgm:cxn modelId="{458356B1-C57A-493A-AAB4-7AE5B239F300}" type="presParOf" srcId="{464FD1B8-0A79-4B5D-8DCF-8B385CBD782B}" destId="{D1C03DA7-4D5F-4521-AEE4-52F953241045}" srcOrd="0" destOrd="0" presId="urn:microsoft.com/office/officeart/2008/layout/VerticalCurvedList"/>
-    <dgm:cxn modelId="{56DFD2E6-102F-404C-80CA-6D8D090E73D7}" type="presParOf" srcId="{9343E378-D2F9-4F7B-9B84-99E80207056A}" destId="{544FF3D3-2A00-4FF5-B7AD-FC365984A0A8}" srcOrd="9" destOrd="0" presId="urn:microsoft.com/office/officeart/2008/layout/VerticalCurvedList"/>
-    <dgm:cxn modelId="{83A96CB4-0A55-4913-B87A-CA0F8E86BA23}" type="presParOf" srcId="{9343E378-D2F9-4F7B-9B84-99E80207056A}" destId="{C61E3CFB-AD6A-4FDB-ADA3-024592017847}" srcOrd="10" destOrd="0" presId="urn:microsoft.com/office/officeart/2008/layout/VerticalCurvedList"/>
-    <dgm:cxn modelId="{E3844BBE-989F-42E4-B38A-83E3AA4D3063}" type="presParOf" srcId="{C61E3CFB-AD6A-4FDB-ADA3-024592017847}" destId="{8387E979-7A1B-487D-A541-430DA223FA3A}" srcOrd="0" destOrd="0" presId="urn:microsoft.com/office/officeart/2008/layout/VerticalCurvedList"/>
-    <dgm:cxn modelId="{E3CE74B4-B7CD-4B00-99D9-B2C177A39D83}" type="presParOf" srcId="{9343E378-D2F9-4F7B-9B84-99E80207056A}" destId="{1B12942A-DF78-4960-8D94-2975342D61EE}" srcOrd="11" destOrd="0" presId="urn:microsoft.com/office/officeart/2008/layout/VerticalCurvedList"/>
-    <dgm:cxn modelId="{B02389A2-4749-4AB0-8799-3D230B2327AB}" type="presParOf" srcId="{9343E378-D2F9-4F7B-9B84-99E80207056A}" destId="{B1D64C42-6945-4BED-B51B-D5A3F62180AC}" srcOrd="12" destOrd="0" presId="urn:microsoft.com/office/officeart/2008/layout/VerticalCurvedList"/>
-    <dgm:cxn modelId="{BC1DA295-4821-4A6C-9EBD-F51C733AEA7B}" type="presParOf" srcId="{B1D64C42-6945-4BED-B51B-D5A3F62180AC}" destId="{89C86576-8779-47AA-9D1F-4693468EA41D}" srcOrd="0" destOrd="0" presId="urn:microsoft.com/office/officeart/2008/layout/VerticalCurvedList"/>
-    <dgm:cxn modelId="{976B9F11-95F6-445C-82CF-DC0C5B98F7BA}" type="presParOf" srcId="{9343E378-D2F9-4F7B-9B84-99E80207056A}" destId="{FC29BF91-7E39-43AB-B71B-CD58D9D1B668}" srcOrd="13" destOrd="0" presId="urn:microsoft.com/office/officeart/2008/layout/VerticalCurvedList"/>
-    <dgm:cxn modelId="{32FC08BF-F515-47C9-A245-01B0790C77D3}" type="presParOf" srcId="{9343E378-D2F9-4F7B-9B84-99E80207056A}" destId="{DB3F3DE0-63CF-45AC-8E47-BADA42CC391F}" srcOrd="14" destOrd="0" presId="urn:microsoft.com/office/officeart/2008/layout/VerticalCurvedList"/>
-    <dgm:cxn modelId="{BFF934B2-5A88-485B-977B-B8E8FD0D84ED}" type="presParOf" srcId="{DB3F3DE0-63CF-45AC-8E47-BADA42CC391F}" destId="{F94B7318-6A7F-4D09-9DD8-CD3A7CFC50BE}" srcOrd="0" destOrd="0" presId="urn:microsoft.com/office/officeart/2008/layout/VerticalCurvedList"/>
+    <dgm:cxn modelId="{2ED1D49E-E798-4972-BD67-381B2CBEFD38}" type="presParOf" srcId="{9343E378-D2F9-4F7B-9B84-99E80207056A}" destId="{88300636-204D-4FD9-9486-55F8262BDC0E}" srcOrd="7" destOrd="0" presId="urn:microsoft.com/office/officeart/2008/layout/VerticalCurvedList"/>
+    <dgm:cxn modelId="{7CB3D239-0E65-40D0-9613-F2D4E63DB6CB}" type="presParOf" srcId="{9343E378-D2F9-4F7B-9B84-99E80207056A}" destId="{9C905127-35BF-4925-A364-927E6B74F246}" srcOrd="8" destOrd="0" presId="urn:microsoft.com/office/officeart/2008/layout/VerticalCurvedList"/>
+    <dgm:cxn modelId="{BF55E3D2-ADF9-4613-A34F-9C2374412E6F}" type="presParOf" srcId="{9C905127-35BF-4925-A364-927E6B74F246}" destId="{8387E979-7A1B-487D-A541-430DA223FA3A}" srcOrd="0" destOrd="0" presId="urn:microsoft.com/office/officeart/2008/layout/VerticalCurvedList"/>
+    <dgm:cxn modelId="{3CC6FE32-0540-490F-B197-FBEAAF3C4411}" type="presParOf" srcId="{9343E378-D2F9-4F7B-9B84-99E80207056A}" destId="{2B77186D-785D-46AA-9937-2EE65C6F063B}" srcOrd="9" destOrd="0" presId="urn:microsoft.com/office/officeart/2008/layout/VerticalCurvedList"/>
+    <dgm:cxn modelId="{6AB97459-2293-40AB-BCD0-05067D0D6119}" type="presParOf" srcId="{9343E378-D2F9-4F7B-9B84-99E80207056A}" destId="{EBDC0869-9238-4A5D-9AC9-BF5190345CF4}" srcOrd="10" destOrd="0" presId="urn:microsoft.com/office/officeart/2008/layout/VerticalCurvedList"/>
+    <dgm:cxn modelId="{30C0DD51-15FC-4B16-A25A-5CAD6D5707C0}" type="presParOf" srcId="{EBDC0869-9238-4A5D-9AC9-BF5190345CF4}" destId="{89C86576-8779-47AA-9D1F-4693468EA41D}" srcOrd="0" destOrd="0" presId="urn:microsoft.com/office/officeart/2008/layout/VerticalCurvedList"/>
+    <dgm:cxn modelId="{DEEFF6D8-1C59-4E27-B742-4F73AD057F65}" type="presParOf" srcId="{9343E378-D2F9-4F7B-9B84-99E80207056A}" destId="{A48CB934-370D-46C4-9E18-8387D2B3C2EB}" srcOrd="11" destOrd="0" presId="urn:microsoft.com/office/officeart/2008/layout/VerticalCurvedList"/>
+    <dgm:cxn modelId="{88FC75FD-F567-4A8E-9B2C-3C3873BDFED0}" type="presParOf" srcId="{9343E378-D2F9-4F7B-9B84-99E80207056A}" destId="{F4380B07-5B96-4950-BB4B-B79F5C3628ED}" srcOrd="12" destOrd="0" presId="urn:microsoft.com/office/officeart/2008/layout/VerticalCurvedList"/>
+    <dgm:cxn modelId="{5EC04752-CAF3-4A2A-B804-74CD9C96B831}" type="presParOf" srcId="{F4380B07-5B96-4950-BB4B-B79F5C3628ED}" destId="{8B8AD307-C1FF-4551-ACC3-CA91D608C3CD}" srcOrd="0" destOrd="0" presId="urn:microsoft.com/office/officeart/2008/layout/VerticalCurvedList"/>
+    <dgm:cxn modelId="{2D473353-7AEB-4B4B-99B7-DA5077BD9CA1}" type="presParOf" srcId="{9343E378-D2F9-4F7B-9B84-99E80207056A}" destId="{0334CE2A-2A6B-43E9-9368-1323632FE16B}" srcOrd="13" destOrd="0" presId="urn:microsoft.com/office/officeart/2008/layout/VerticalCurvedList"/>
+    <dgm:cxn modelId="{E6B9D364-98FA-4FF6-A51F-D08F28272781}" type="presParOf" srcId="{9343E378-D2F9-4F7B-9B84-99E80207056A}" destId="{C6D8DE98-1A2D-4FE8-BEE1-2318FAB5AE5D}" srcOrd="14" destOrd="0" presId="urn:microsoft.com/office/officeart/2008/layout/VerticalCurvedList"/>
+    <dgm:cxn modelId="{0A2A0AC5-E7B0-43F5-9E41-98F87FF679B9}" type="presParOf" srcId="{C6D8DE98-1A2D-4FE8-BEE1-2318FAB5AE5D}" destId="{AD0955EC-A162-44CE-B2DC-C714F9DB4418}" srcOrd="0" destOrd="0" presId="urn:microsoft.com/office/officeart/2008/layout/VerticalCurvedList"/>
   </dgm:cxnLst>
   <dgm:bg/>
   <dgm:whole/>
@@ -1848,7 +1902,7 @@
         <a:fontRef idx="minor"/>
       </dsp:style>
     </dsp:sp>
-    <dsp:sp modelId="{526250BC-ED36-4CC6-999F-35978BD61D6B}">
+    <dsp:sp modelId="{88300636-204D-4FD9-9486-55F8262BDC0E}">
       <dsp:nvSpPr>
         <dsp:cNvPr id="0" name=""/>
         <dsp:cNvSpPr/>
@@ -1916,7 +1970,7 @@
           </a:pPr>
           <a:r>
             <a:rPr lang="en-US" sz="2300" kern="1200" dirty="0" smtClean="0"/>
-            <a:t>Core Algorithms Used</a:t>
+            <a:t>Applications of Computer Vision</a:t>
           </a:r>
           <a:endParaRPr lang="en-US" sz="2300" kern="1200" dirty="0"/>
         </a:p>
@@ -1926,7 +1980,7 @@
         <a:ext cx="8869556" cy="418073"/>
       </dsp:txXfrm>
     </dsp:sp>
-    <dsp:sp modelId="{D1C03DA7-4D5F-4521-AEE4-52F953241045}">
+    <dsp:sp modelId="{8387E979-7A1B-487D-A541-430DA223FA3A}">
       <dsp:nvSpPr>
         <dsp:cNvPr id="0" name=""/>
         <dsp:cNvSpPr/>
@@ -1973,7 +2027,7 @@
         <a:fontRef idx="minor"/>
       </dsp:style>
     </dsp:sp>
-    <dsp:sp modelId="{544FF3D3-2A00-4FF5-B7AD-FC365984A0A8}">
+    <dsp:sp modelId="{2B77186D-785D-46AA-9937-2EE65C6F063B}">
       <dsp:nvSpPr>
         <dsp:cNvPr id="0" name=""/>
         <dsp:cNvSpPr/>
@@ -2041,7 +2095,7 @@
           </a:pPr>
           <a:r>
             <a:rPr lang="en-US" sz="2300" kern="1200" dirty="0" smtClean="0"/>
-            <a:t>Applications of Computer Vision</a:t>
+            <a:t>Tools and Technology Used</a:t>
           </a:r>
           <a:endParaRPr lang="en-US" sz="2300" kern="1200" dirty="0"/>
         </a:p>
@@ -2051,7 +2105,7 @@
         <a:ext cx="8935800" cy="418073"/>
       </dsp:txXfrm>
     </dsp:sp>
-    <dsp:sp modelId="{8387E979-7A1B-487D-A541-430DA223FA3A}">
+    <dsp:sp modelId="{89C86576-8779-47AA-9D1F-4693468EA41D}">
       <dsp:nvSpPr>
         <dsp:cNvPr id="0" name=""/>
         <dsp:cNvSpPr/>
@@ -2098,7 +2152,7 @@
         <a:fontRef idx="minor"/>
       </dsp:style>
     </dsp:sp>
-    <dsp:sp modelId="{1B12942A-DF78-4960-8D94-2975342D61EE}">
+    <dsp:sp modelId="{A48CB934-370D-46C4-9E18-8387D2B3C2EB}">
       <dsp:nvSpPr>
         <dsp:cNvPr id="0" name=""/>
         <dsp:cNvSpPr/>
@@ -2166,7 +2220,7 @@
           </a:pPr>
           <a:r>
             <a:rPr lang="en-US" sz="2300" kern="1200" dirty="0" smtClean="0"/>
-            <a:t>Tools and Technology Used</a:t>
+            <a:t>Challenges</a:t>
           </a:r>
           <a:endParaRPr lang="en-US" sz="2300" kern="1200" dirty="0"/>
         </a:p>
@@ -2176,7 +2230,7 @@
         <a:ext cx="9143273" cy="418073"/>
       </dsp:txXfrm>
     </dsp:sp>
-    <dsp:sp modelId="{89C86576-8779-47AA-9D1F-4693468EA41D}">
+    <dsp:sp modelId="{8B8AD307-C1FF-4551-ACC3-CA91D608C3CD}">
       <dsp:nvSpPr>
         <dsp:cNvPr id="0" name=""/>
         <dsp:cNvSpPr/>
@@ -2223,7 +2277,7 @@
         <a:fontRef idx="minor"/>
       </dsp:style>
     </dsp:sp>
-    <dsp:sp modelId="{FC29BF91-7E39-43AB-B71B-CD58D9D1B668}">
+    <dsp:sp modelId="{0334CE2A-2A6B-43E9-9368-1323632FE16B}">
       <dsp:nvSpPr>
         <dsp:cNvPr id="0" name=""/>
         <dsp:cNvSpPr/>
@@ -2301,7 +2355,7 @@
         <a:ext cx="9521876" cy="418073"/>
       </dsp:txXfrm>
     </dsp:sp>
-    <dsp:sp modelId="{F94B7318-6A7F-4D09-9DD8-CD3A7CFC50BE}">
+    <dsp:sp modelId="{AD0955EC-A162-44CE-B2DC-C714F9DB4418}">
       <dsp:nvSpPr>
         <dsp:cNvPr id="0" name=""/>
         <dsp:cNvSpPr/>
@@ -4746,7 +4800,7 @@
           <a:p>
             <a:fld id="{2A7BC5EC-9E33-49A7-9216-DEE32BFA872B}" type="datetimeFigureOut">
               <a:rPr lang="en-IN" smtClean="0"/>
-              <a:t>02-02-2025</a:t>
+              <a:t>05-02-2025</a:t>
             </a:fld>
             <a:endParaRPr lang="en-IN"/>
           </a:p>
@@ -5015,7 +5069,7 @@
 </file>
 
 <file path=ppt/slideLayouts/slideLayout1.xml><?xml version="1.0" encoding="utf-8"?>
-<p:sldLayout xmlns:a="http://schemas.openxmlformats.org/drawingml/2006/main" xmlns:r="http://schemas.openxmlformats.org/officeDocument/2006/relationships" xmlns:p="http://schemas.openxmlformats.org/presentationml/2006/main" showMasterSp="0" type="title" preserve="1">
+<p:sldLayout xmlns:a="http://schemas.openxmlformats.org/drawingml/2006/main" xmlns:r="http://schemas.openxmlformats.org/officeDocument/2006/relationships" xmlns:p="http://schemas.openxmlformats.org/presentationml/2006/main" type="title" preserve="1">
   <p:cSld name="Title Slide">
     <p:spTree>
       <p:nvGrpSpPr>
@@ -9290,7 +9344,7 @@
           <a:p>
             <a:fld id="{F6A9C4AC-78AE-4945-87BF-8629A8A10DC6}" type="datetime1">
               <a:rPr lang="en-IN" smtClean="0"/>
-              <a:t>02-02-2025</a:t>
+              <a:t>05-02-2025</a:t>
             </a:fld>
             <a:endParaRPr lang="en-IN"/>
           </a:p>
@@ -9560,7 +9614,7 @@
           <a:p>
             <a:fld id="{39A3CC2C-E02D-408A-926D-CD763B43A6D3}" type="datetime1">
               <a:rPr lang="en-IN" smtClean="0"/>
-              <a:t>02-02-2025</a:t>
+              <a:t>05-02-2025</a:t>
             </a:fld>
             <a:endParaRPr lang="en-IN"/>
           </a:p>
@@ -9760,7 +9814,7 @@
           <a:p>
             <a:fld id="{39A3CC2C-E02D-408A-926D-CD763B43A6D3}" type="datetime1">
               <a:rPr lang="en-IN" smtClean="0"/>
-              <a:t>02-02-2025</a:t>
+              <a:t>05-02-2025</a:t>
             </a:fld>
             <a:endParaRPr lang="en-IN"/>
           </a:p>
@@ -10027,7 +10081,7 @@
           <a:p>
             <a:fld id="{39A3CC2C-E02D-408A-926D-CD763B43A6D3}" type="datetime1">
               <a:rPr lang="en-IN" smtClean="0"/>
-              <a:t>02-02-2025</a:t>
+              <a:t>05-02-2025</a:t>
             </a:fld>
             <a:endParaRPr lang="en-IN"/>
           </a:p>
@@ -10465,7 +10519,7 @@
           <a:p>
             <a:fld id="{39A3CC2C-E02D-408A-926D-CD763B43A6D3}" type="datetime1">
               <a:rPr lang="en-IN" smtClean="0"/>
-              <a:t>02-02-2025</a:t>
+              <a:t>05-02-2025</a:t>
             </a:fld>
             <a:endParaRPr lang="en-IN"/>
           </a:p>
@@ -11015,7 +11069,7 @@
           <a:p>
             <a:fld id="{39A3CC2C-E02D-408A-926D-CD763B43A6D3}" type="datetime1">
               <a:rPr lang="en-IN" smtClean="0"/>
-              <a:t>02-02-2025</a:t>
+              <a:t>05-02-2025</a:t>
             </a:fld>
             <a:endParaRPr lang="en-IN"/>
           </a:p>
@@ -11739,7 +11793,7 @@
           <a:p>
             <a:fld id="{39A3CC2C-E02D-408A-926D-CD763B43A6D3}" type="datetime1">
               <a:rPr lang="en-IN" smtClean="0"/>
-              <a:t>02-02-2025</a:t>
+              <a:t>05-02-2025</a:t>
             </a:fld>
             <a:endParaRPr lang="en-IN"/>
           </a:p>
@@ -11913,7 +11967,7 @@
           <a:p>
             <a:fld id="{8BC07190-C773-4795-9CB1-91054EFC1944}" type="datetime1">
               <a:rPr lang="en-IN" smtClean="0"/>
-              <a:t>02-02-2025</a:t>
+              <a:t>05-02-2025</a:t>
             </a:fld>
             <a:endParaRPr lang="en-IN"/>
           </a:p>
@@ -12096,7 +12150,7 @@
           <a:p>
             <a:fld id="{0DC6BC1D-ADB7-4C71-BAE5-DC9B63599D7D}" type="datetime1">
               <a:rPr lang="en-IN" smtClean="0"/>
-              <a:t>02-02-2025</a:t>
+              <a:t>05-02-2025</a:t>
             </a:fld>
             <a:endParaRPr lang="en-IN"/>
           </a:p>
@@ -12269,7 +12323,7 @@
           <a:p>
             <a:fld id="{97FE4B94-E4FD-4737-8C8C-9AEADB23C545}" type="datetime1">
               <a:rPr lang="en-IN" smtClean="0"/>
-              <a:t>02-02-2025</a:t>
+              <a:t>05-02-2025</a:t>
             </a:fld>
             <a:endParaRPr lang="en-IN"/>
           </a:p>
@@ -12522,7 +12576,7 @@
           <a:p>
             <a:fld id="{ABC59FC6-F408-470B-83FD-D275F464AE1C}" type="datetime1">
               <a:rPr lang="en-IN" smtClean="0"/>
-              <a:t>02-02-2025</a:t>
+              <a:t>05-02-2025</a:t>
             </a:fld>
             <a:endParaRPr lang="en-IN"/>
           </a:p>
@@ -12757,7 +12811,7 @@
           <a:p>
             <a:fld id="{25238236-B933-4F38-8446-2F15045CDFFA}" type="datetime1">
               <a:rPr lang="en-IN" smtClean="0"/>
-              <a:t>02-02-2025</a:t>
+              <a:t>05-02-2025</a:t>
             </a:fld>
             <a:endParaRPr lang="en-IN"/>
           </a:p>
@@ -13141,7 +13195,7 @@
           <a:p>
             <a:fld id="{1CBADFDF-B2AA-492A-9486-2139597BA49C}" type="datetime1">
               <a:rPr lang="en-IN" smtClean="0"/>
-              <a:t>02-02-2025</a:t>
+              <a:t>05-02-2025</a:t>
             </a:fld>
             <a:endParaRPr lang="en-IN"/>
           </a:p>
@@ -13262,7 +13316,7 @@
           <a:p>
             <a:fld id="{C8BA6409-1C39-45BD-ABED-E8127D5B8DA2}" type="datetime1">
               <a:rPr lang="en-IN" smtClean="0"/>
-              <a:t>02-02-2025</a:t>
+              <a:t>05-02-2025</a:t>
             </a:fld>
             <a:endParaRPr lang="en-IN"/>
           </a:p>
@@ -13360,7 +13414,7 @@
           <a:p>
             <a:fld id="{E0DE04FF-EEBD-432F-A8FD-37D1F851470E}" type="datetime1">
               <a:rPr lang="en-IN" smtClean="0"/>
-              <a:t>02-02-2025</a:t>
+              <a:t>05-02-2025</a:t>
             </a:fld>
             <a:endParaRPr lang="en-IN"/>
           </a:p>
@@ -13612,7 +13666,7 @@
           <a:p>
             <a:fld id="{77B6C7F9-9949-4E08-8E17-E0AE4CD201EC}" type="datetime1">
               <a:rPr lang="en-IN" smtClean="0"/>
-              <a:t>02-02-2025</a:t>
+              <a:t>05-02-2025</a:t>
             </a:fld>
             <a:endParaRPr lang="en-IN"/>
           </a:p>
@@ -13895,7 +13949,7 @@
           <a:p>
             <a:fld id="{2596FA6F-C774-47F3-B2BD-2E12A35AF6B4}" type="datetime1">
               <a:rPr lang="en-IN" smtClean="0"/>
-              <a:t>02-02-2025</a:t>
+              <a:t>05-02-2025</a:t>
             </a:fld>
             <a:endParaRPr lang="en-IN"/>
           </a:p>
@@ -13963,9 +14017,33 @@
 <p:sldMaster xmlns:a="http://schemas.openxmlformats.org/drawingml/2006/main" xmlns:r="http://schemas.openxmlformats.org/officeDocument/2006/relationships" xmlns:p="http://schemas.openxmlformats.org/presentationml/2006/main">
   <p:cSld>
     <p:bg>
-      <p:bgRef idx="1003">
-        <a:schemeClr val="bg2"/>
-      </p:bgRef>
+      <p:bgPr>
+        <a:blipFill dpi="0" rotWithShape="1">
+          <a:blip r:embed="rId19">
+            <a:alphaModFix amt="85000"/>
+            <a:duotone>
+              <a:schemeClr val="bg2">
+                <a:shade val="88000"/>
+                <a:hueMod val="106000"/>
+                <a:satMod val="140000"/>
+                <a:lumMod val="54000"/>
+              </a:schemeClr>
+              <a:schemeClr val="bg2">
+                <a:tint val="98000"/>
+                <a:hueMod val="90000"/>
+                <a:satMod val="150000"/>
+                <a:lumMod val="160000"/>
+              </a:schemeClr>
+            </a:duotone>
+            <a:lum/>
+          </a:blip>
+          <a:srcRect/>
+          <a:stretch>
+            <a:fillRect/>
+          </a:stretch>
+        </a:blipFill>
+        <a:effectLst/>
+      </p:bgPr>
     </p:bg>
     <p:spTree>
       <p:nvGrpSpPr>
@@ -13990,7 +14068,7 @@
           <p:nvPr/>
         </p:nvPicPr>
         <p:blipFill>
-          <a:blip r:embed="rId19">
+          <a:blip r:embed="rId20">
             <a:alphaModFix amt="30000"/>
             <a:extLst>
               <a:ext uri="{28A0092B-C50C-407E-A947-70E740481C1C}">
@@ -16975,7 +17053,7 @@
           <a:p>
             <a:fld id="{39A3CC2C-E02D-408A-926D-CD763B43A6D3}" type="datetime1">
               <a:rPr lang="en-IN" smtClean="0"/>
-              <a:t>02-02-2025</a:t>
+              <a:t>05-02-2025</a:t>
             </a:fld>
             <a:endParaRPr lang="en-IN"/>
           </a:p>
@@ -17485,7 +17563,7 @@
         </p:nvSpPr>
         <p:spPr>
           <a:xfrm>
-            <a:off x="2022048" y="4623436"/>
+            <a:off x="2031475" y="5514729"/>
             <a:ext cx="8125905" cy="523220"/>
           </a:xfrm>
           <a:prstGeom prst="rect">
@@ -17516,7 +17594,7 @@
         </p:nvSpPr>
         <p:spPr>
           <a:xfrm flipH="1">
-            <a:off x="2478540" y="5146656"/>
+            <a:off x="2487967" y="6037949"/>
             <a:ext cx="7212920" cy="461665"/>
           </a:xfrm>
           <a:prstGeom prst="rect">
@@ -17547,8 +17625,8 @@
         </p:nvSpPr>
         <p:spPr>
           <a:xfrm>
-            <a:off x="4732253" y="5808375"/>
-            <a:ext cx="2705493" cy="830997"/>
+            <a:off x="3949828" y="2756802"/>
+            <a:ext cx="4270346" cy="830997"/>
           </a:xfrm>
           <a:prstGeom prst="rect">
             <a:avLst/>
@@ -17563,17 +17641,38 @@
           <a:p>
             <a:pPr algn="ctr"/>
             <a:r>
-              <a:rPr lang="en-IN" sz="2400" b="1" dirty="0" smtClean="0"/>
-              <a:t>Aryan Puri </a:t>
+              <a:rPr lang="en-IN" sz="2400" b="1" dirty="0" smtClean="0">
+                <a:solidFill>
+                  <a:schemeClr val="bg1">
+                    <a:lumMod val="95000"/>
+                    <a:lumOff val="5000"/>
+                  </a:schemeClr>
+                </a:solidFill>
+              </a:rPr>
+              <a:t>Presented By: Aryan Puri </a:t>
             </a:r>
           </a:p>
           <a:p>
             <a:pPr algn="ctr"/>
             <a:r>
-              <a:rPr lang="en-IN" sz="2400" b="1" dirty="0" smtClean="0"/>
-              <a:t>22BEC032</a:t>
-            </a:r>
-            <a:endParaRPr lang="en-IN" sz="2400" b="1" dirty="0"/>
+              <a:rPr lang="en-IN" sz="2400" b="1" dirty="0" smtClean="0">
+                <a:solidFill>
+                  <a:schemeClr val="bg1">
+                    <a:lumMod val="95000"/>
+                    <a:lumOff val="5000"/>
+                  </a:schemeClr>
+                </a:solidFill>
+              </a:rPr>
+              <a:t>Roll No. : 22BEC032</a:t>
+            </a:r>
+            <a:endParaRPr lang="en-IN" sz="2400" b="1" dirty="0">
+              <a:solidFill>
+                <a:schemeClr val="bg1">
+                  <a:lumMod val="95000"/>
+                  <a:lumOff val="5000"/>
+                </a:schemeClr>
+              </a:solidFill>
+            </a:endParaRPr>
           </a:p>
         </p:txBody>
       </p:sp>
@@ -17602,14 +17701,14 @@
       </p:sp>
       <p:pic>
         <p:nvPicPr>
-          <p:cNvPr id="13" name="Picture 12"/>
+          <p:cNvPr id="2" name="Picture 1"/>
           <p:cNvPicPr>
             <a:picLocks noChangeAspect="1"/>
           </p:cNvPicPr>
           <p:nvPr/>
         </p:nvPicPr>
         <p:blipFill>
-          <a:blip r:embed="rId2" cstate="print">
+          <a:blip r:embed="rId2">
             <a:extLst>
               <a:ext uri="{28A0092B-C50C-407E-A947-70E740481C1C}">
                 <a14:useLocalDpi xmlns:a14="http://schemas.microsoft.com/office/drawing/2010/main" val="0"/>
@@ -17622,8 +17721,8 @@
         </p:blipFill>
         <p:spPr>
           <a:xfrm>
-            <a:off x="5325297" y="3255354"/>
-            <a:ext cx="1527990" cy="1341920"/>
+            <a:off x="5290840" y="4111019"/>
+            <a:ext cx="1607172" cy="1403710"/>
           </a:xfrm>
           <a:prstGeom prst="rect">
             <a:avLst/>
@@ -17634,6 +17733,4892 @@
     <p:extLst>
       <p:ext uri="{BB962C8B-B14F-4D97-AF65-F5344CB8AC3E}">
         <p14:creationId xmlns:p14="http://schemas.microsoft.com/office/powerpoint/2010/main" val="1364765375"/>
+      </p:ext>
+    </p:extLst>
+  </p:cSld>
+  <p:clrMapOvr>
+    <a:masterClrMapping/>
+  </p:clrMapOvr>
+  <p:transition spd="slow">
+    <p:wipe/>
+  </p:transition>
+  <p:timing>
+    <p:tnLst>
+      <p:par>
+        <p:cTn id="1" dur="indefinite" restart="never" nodeType="tmRoot"/>
+      </p:par>
+    </p:tnLst>
+  </p:timing>
+</p:sld>
+</file>
+
+<file path=ppt/slides/slide10.xml><?xml version="1.0" encoding="utf-8"?>
+<p:sld xmlns:a="http://schemas.openxmlformats.org/drawingml/2006/main" xmlns:r="http://schemas.openxmlformats.org/officeDocument/2006/relationships" xmlns:p="http://schemas.openxmlformats.org/presentationml/2006/main">
+  <p:cSld>
+    <p:spTree>
+      <p:nvGrpSpPr>
+        <p:cNvPr id="1" name=""/>
+        <p:cNvGrpSpPr/>
+        <p:nvPr/>
+      </p:nvGrpSpPr>
+      <p:grpSpPr>
+        <a:xfrm>
+          <a:off x="0" y="0"/>
+          <a:ext cx="0" cy="0"/>
+          <a:chOff x="0" y="0"/>
+          <a:chExt cx="0" cy="0"/>
+        </a:xfrm>
+      </p:grpSpPr>
+      <p:sp>
+        <p:nvSpPr>
+          <p:cNvPr id="2" name="Title 1"/>
+          <p:cNvSpPr>
+            <a:spLocks noGrp="1"/>
+          </p:cNvSpPr>
+          <p:nvPr>
+            <p:ph type="title"/>
+          </p:nvPr>
+        </p:nvSpPr>
+        <p:spPr>
+          <a:xfrm>
+            <a:off x="1141412" y="-246671"/>
+            <a:ext cx="9905998" cy="1478570"/>
+          </a:xfrm>
+        </p:spPr>
+        <p:txBody>
+          <a:bodyPr/>
+          <a:lstStyle/>
+          <a:p>
+            <a:pPr algn="ctr"/>
+            <a:r>
+              <a:rPr lang="en-IN" b="1" dirty="0" smtClean="0">
+                <a:solidFill>
+                  <a:schemeClr val="bg2">
+                    <a:lumMod val="50000"/>
+                  </a:schemeClr>
+                </a:solidFill>
+              </a:rPr>
+              <a:t>Tools and Technologies Used</a:t>
+            </a:r>
+            <a:endParaRPr lang="en-IN" b="1" dirty="0">
+              <a:solidFill>
+                <a:schemeClr val="bg2">
+                  <a:lumMod val="50000"/>
+                </a:schemeClr>
+              </a:solidFill>
+            </a:endParaRPr>
+          </a:p>
+        </p:txBody>
+      </p:sp>
+      <p:sp>
+        <p:nvSpPr>
+          <p:cNvPr id="4" name="Slide Number Placeholder 3"/>
+          <p:cNvSpPr>
+            <a:spLocks noGrp="1"/>
+          </p:cNvSpPr>
+          <p:nvPr>
+            <p:ph type="sldNum" sz="quarter" idx="12"/>
+          </p:nvPr>
+        </p:nvSpPr>
+        <p:spPr>
+          <a:xfrm>
+            <a:off x="10270532" y="5106380"/>
+            <a:ext cx="771089" cy="491745"/>
+          </a:xfrm>
+        </p:spPr>
+        <p:txBody>
+          <a:bodyPr/>
+          <a:lstStyle/>
+          <a:p>
+            <a:fld id="{E9D42EC4-55FD-406C-82BB-203E3BBE455C}" type="slidenum">
+              <a:rPr lang="en-IN" smtClean="0"/>
+              <a:t>10</a:t>
+            </a:fld>
+            <a:endParaRPr lang="en-IN"/>
+          </a:p>
+        </p:txBody>
+      </p:sp>
+      <p:sp>
+        <p:nvSpPr>
+          <p:cNvPr id="10" name="Rounded Rectangle 9"/>
+          <p:cNvSpPr/>
+          <p:nvPr/>
+        </p:nvSpPr>
+        <p:spPr>
+          <a:xfrm>
+            <a:off x="856813" y="1136702"/>
+            <a:ext cx="4278198" cy="910105"/>
+          </a:xfrm>
+          <a:prstGeom prst="roundRect">
+            <a:avLst/>
+          </a:prstGeom>
+          <a:solidFill>
+            <a:srgbClr val="92D050"/>
+          </a:solidFill>
+        </p:spPr>
+        <p:style>
+          <a:lnRef idx="2">
+            <a:schemeClr val="accent1">
+              <a:shade val="50000"/>
+            </a:schemeClr>
+          </a:lnRef>
+          <a:fillRef idx="1">
+            <a:schemeClr val="accent1"/>
+          </a:fillRef>
+          <a:effectRef idx="0">
+            <a:schemeClr val="accent1"/>
+          </a:effectRef>
+          <a:fontRef idx="minor">
+            <a:schemeClr val="lt1"/>
+          </a:fontRef>
+        </p:style>
+        <p:txBody>
+          <a:bodyPr rtlCol="0" anchor="ctr"/>
+          <a:lstStyle/>
+          <a:p>
+            <a:pPr algn="ctr"/>
+            <a:r>
+              <a:rPr lang="en-IN" sz="2800" b="1" dirty="0" smtClean="0">
+                <a:solidFill>
+                  <a:srgbClr val="451717"/>
+                </a:solidFill>
+              </a:rPr>
+              <a:t>Libraries and Frameworks:</a:t>
+            </a:r>
+            <a:endParaRPr lang="en-IN" sz="2800" b="1" dirty="0">
+              <a:solidFill>
+                <a:srgbClr val="451717"/>
+              </a:solidFill>
+            </a:endParaRPr>
+          </a:p>
+        </p:txBody>
+      </p:sp>
+      <p:sp>
+        <p:nvSpPr>
+          <p:cNvPr id="15" name="Rectangle 14"/>
+          <p:cNvSpPr/>
+          <p:nvPr/>
+        </p:nvSpPr>
+        <p:spPr>
+          <a:xfrm>
+            <a:off x="5571241" y="1111205"/>
+            <a:ext cx="5951846" cy="950529"/>
+          </a:xfrm>
+          <a:prstGeom prst="rect">
+            <a:avLst/>
+          </a:prstGeom>
+          <a:solidFill>
+            <a:schemeClr val="tx2">
+              <a:lumMod val="20000"/>
+              <a:lumOff val="80000"/>
+            </a:schemeClr>
+          </a:solidFill>
+          <a:ln>
+            <a:solidFill>
+              <a:schemeClr val="bg1">
+                <a:lumMod val="95000"/>
+                <a:lumOff val="5000"/>
+              </a:schemeClr>
+            </a:solidFill>
+          </a:ln>
+        </p:spPr>
+        <p:style>
+          <a:lnRef idx="2">
+            <a:schemeClr val="accent1">
+              <a:shade val="50000"/>
+            </a:schemeClr>
+          </a:lnRef>
+          <a:fillRef idx="1">
+            <a:schemeClr val="accent1"/>
+          </a:fillRef>
+          <a:effectRef idx="0">
+            <a:schemeClr val="accent1"/>
+          </a:effectRef>
+          <a:fontRef idx="minor">
+            <a:schemeClr val="lt1"/>
+          </a:fontRef>
+        </p:style>
+        <p:txBody>
+          <a:bodyPr numCol="2" rtlCol="0" anchor="ctr"/>
+          <a:lstStyle/>
+          <a:p>
+            <a:pPr algn="ctr"/>
+            <a:endParaRPr lang="en-IN" sz="2400" dirty="0" smtClean="0">
+              <a:solidFill>
+                <a:schemeClr val="bg2">
+                  <a:lumMod val="50000"/>
+                </a:schemeClr>
+              </a:solidFill>
+            </a:endParaRPr>
+          </a:p>
+        </p:txBody>
+      </p:sp>
+      <p:pic>
+        <p:nvPicPr>
+          <p:cNvPr id="1028" name="Picture 4" descr="OpenCV&quot; Icon - Download for free – Iconduck"/>
+          <p:cNvPicPr>
+            <a:picLocks noChangeAspect="1" noChangeArrowheads="1"/>
+          </p:cNvPicPr>
+          <p:nvPr/>
+        </p:nvPicPr>
+        <p:blipFill>
+          <a:blip r:embed="rId2" cstate="print">
+            <a:extLst>
+              <a:ext uri="{28A0092B-C50C-407E-A947-70E740481C1C}">
+                <a14:useLocalDpi xmlns:a14="http://schemas.microsoft.com/office/drawing/2010/main" val="0"/>
+              </a:ext>
+            </a:extLst>
+          </a:blip>
+          <a:srcRect/>
+          <a:stretch>
+            <a:fillRect/>
+          </a:stretch>
+        </p:blipFill>
+        <p:spPr bwMode="auto">
+          <a:xfrm>
+            <a:off x="6796548" y="1284674"/>
+            <a:ext cx="869329" cy="670207"/>
+          </a:xfrm>
+          <a:prstGeom prst="rect">
+            <a:avLst/>
+          </a:prstGeom>
+          <a:noFill/>
+          <a:extLst>
+            <a:ext uri="{909E8E84-426E-40DD-AFC4-6F175D3DCCD1}">
+              <a14:hiddenFill xmlns:a14="http://schemas.microsoft.com/office/drawing/2010/main">
+                <a:solidFill>
+                  <a:srgbClr val="FFFFFF"/>
+                </a:solidFill>
+              </a14:hiddenFill>
+            </a:ext>
+          </a:extLst>
+        </p:spPr>
+      </p:pic>
+      <p:pic>
+        <p:nvPicPr>
+          <p:cNvPr id="1030" name="Picture 6" descr="NumPy logo refresh · Issue #37 · numpy/numpy.org · GitHub"/>
+          <p:cNvPicPr>
+            <a:picLocks noChangeAspect="1" noChangeArrowheads="1"/>
+          </p:cNvPicPr>
+          <p:nvPr/>
+        </p:nvPicPr>
+        <p:blipFill>
+          <a:blip r:embed="rId3" cstate="print">
+            <a:extLst>
+              <a:ext uri="{28A0092B-C50C-407E-A947-70E740481C1C}">
+                <a14:useLocalDpi xmlns:a14="http://schemas.microsoft.com/office/drawing/2010/main" val="0"/>
+              </a:ext>
+            </a:extLst>
+          </a:blip>
+          <a:srcRect/>
+          <a:stretch>
+            <a:fillRect/>
+          </a:stretch>
+        </p:blipFill>
+        <p:spPr bwMode="auto">
+          <a:xfrm>
+            <a:off x="7876878" y="1284674"/>
+            <a:ext cx="1003152" cy="745783"/>
+          </a:xfrm>
+          <a:prstGeom prst="rect">
+            <a:avLst/>
+          </a:prstGeom>
+          <a:noFill/>
+          <a:extLst>
+            <a:ext uri="{909E8E84-426E-40DD-AFC4-6F175D3DCCD1}">
+              <a14:hiddenFill xmlns:a14="http://schemas.microsoft.com/office/drawing/2010/main">
+                <a:solidFill>
+                  <a:srgbClr val="FFFFFF"/>
+                </a:solidFill>
+              </a14:hiddenFill>
+            </a:ext>
+          </a:extLst>
+        </p:spPr>
+      </p:pic>
+      <p:pic>
+        <p:nvPicPr>
+          <p:cNvPr id="1034" name="Picture 10" descr="File:Created with Matplotlib-logo.svg - Wikimedia Commons"/>
+          <p:cNvPicPr>
+            <a:picLocks noChangeAspect="1" noChangeArrowheads="1"/>
+          </p:cNvPicPr>
+          <p:nvPr/>
+        </p:nvPicPr>
+        <p:blipFill>
+          <a:blip r:embed="rId4" cstate="print">
+            <a:extLst>
+              <a:ext uri="{28A0092B-C50C-407E-A947-70E740481C1C}">
+                <a14:useLocalDpi xmlns:a14="http://schemas.microsoft.com/office/drawing/2010/main" val="0"/>
+              </a:ext>
+            </a:extLst>
+          </a:blip>
+          <a:srcRect/>
+          <a:stretch>
+            <a:fillRect/>
+          </a:stretch>
+        </p:blipFill>
+        <p:spPr bwMode="auto">
+          <a:xfrm>
+            <a:off x="9037054" y="1221246"/>
+            <a:ext cx="785182" cy="745782"/>
+          </a:xfrm>
+          <a:prstGeom prst="rect">
+            <a:avLst/>
+          </a:prstGeom>
+          <a:noFill/>
+          <a:extLst>
+            <a:ext uri="{909E8E84-426E-40DD-AFC4-6F175D3DCCD1}">
+              <a14:hiddenFill xmlns:a14="http://schemas.microsoft.com/office/drawing/2010/main">
+                <a:solidFill>
+                  <a:srgbClr val="FFFFFF"/>
+                </a:solidFill>
+              </a14:hiddenFill>
+            </a:ext>
+          </a:extLst>
+        </p:spPr>
+      </p:pic>
+      <p:pic>
+        <p:nvPicPr>
+          <p:cNvPr id="1036" name="Picture 12" descr="File:PyTorch logo black.svg - Wikipedia"/>
+          <p:cNvPicPr>
+            <a:picLocks noChangeAspect="1" noChangeArrowheads="1"/>
+          </p:cNvPicPr>
+          <p:nvPr/>
+        </p:nvPicPr>
+        <p:blipFill>
+          <a:blip r:embed="rId5" cstate="print">
+            <a:extLst>
+              <a:ext uri="{28A0092B-C50C-407E-A947-70E740481C1C}">
+                <a14:useLocalDpi xmlns:a14="http://schemas.microsoft.com/office/drawing/2010/main" val="0"/>
+              </a:ext>
+            </a:extLst>
+          </a:blip>
+          <a:srcRect/>
+          <a:stretch>
+            <a:fillRect/>
+          </a:stretch>
+        </p:blipFill>
+        <p:spPr bwMode="auto">
+          <a:xfrm>
+            <a:off x="9952723" y="1421806"/>
+            <a:ext cx="1344235" cy="380431"/>
+          </a:xfrm>
+          <a:prstGeom prst="rect">
+            <a:avLst/>
+          </a:prstGeom>
+          <a:noFill/>
+          <a:extLst>
+            <a:ext uri="{909E8E84-426E-40DD-AFC4-6F175D3DCCD1}">
+              <a14:hiddenFill xmlns:a14="http://schemas.microsoft.com/office/drawing/2010/main">
+                <a:solidFill>
+                  <a:srgbClr val="FFFFFF"/>
+                </a:solidFill>
+              </a14:hiddenFill>
+            </a:ext>
+          </a:extLst>
+        </p:spPr>
+      </p:pic>
+      <p:pic>
+        <p:nvPicPr>
+          <p:cNvPr id="1040" name="Picture 16" descr="File:TensorFlow logo.svg - Wikipedia"/>
+          <p:cNvPicPr>
+            <a:picLocks noChangeAspect="1" noChangeArrowheads="1"/>
+          </p:cNvPicPr>
+          <p:nvPr/>
+        </p:nvPicPr>
+        <p:blipFill>
+          <a:blip r:embed="rId6" cstate="print">
+            <a:extLst>
+              <a:ext uri="{28A0092B-C50C-407E-A947-70E740481C1C}">
+                <a14:useLocalDpi xmlns:a14="http://schemas.microsoft.com/office/drawing/2010/main" val="0"/>
+              </a:ext>
+            </a:extLst>
+          </a:blip>
+          <a:srcRect/>
+          <a:stretch>
+            <a:fillRect/>
+          </a:stretch>
+        </p:blipFill>
+        <p:spPr bwMode="auto">
+          <a:xfrm>
+            <a:off x="5730463" y="1136702"/>
+            <a:ext cx="982048" cy="893756"/>
+          </a:xfrm>
+          <a:prstGeom prst="rect">
+            <a:avLst/>
+          </a:prstGeom>
+          <a:noFill/>
+          <a:extLst>
+            <a:ext uri="{909E8E84-426E-40DD-AFC4-6F175D3DCCD1}">
+              <a14:hiddenFill xmlns:a14="http://schemas.microsoft.com/office/drawing/2010/main">
+                <a:solidFill>
+                  <a:srgbClr val="FFFFFF"/>
+                </a:solidFill>
+              </a14:hiddenFill>
+            </a:ext>
+          </a:extLst>
+        </p:spPr>
+      </p:pic>
+      <p:sp>
+        <p:nvSpPr>
+          <p:cNvPr id="24" name="Rounded Rectangle 23"/>
+          <p:cNvSpPr/>
+          <p:nvPr/>
+        </p:nvSpPr>
+        <p:spPr>
+          <a:xfrm>
+            <a:off x="851024" y="2248570"/>
+            <a:ext cx="4278198" cy="959462"/>
+          </a:xfrm>
+          <a:prstGeom prst="roundRect">
+            <a:avLst/>
+          </a:prstGeom>
+          <a:solidFill>
+            <a:srgbClr val="92D050"/>
+          </a:solidFill>
+        </p:spPr>
+        <p:style>
+          <a:lnRef idx="2">
+            <a:schemeClr val="accent1">
+              <a:shade val="50000"/>
+            </a:schemeClr>
+          </a:lnRef>
+          <a:fillRef idx="1">
+            <a:schemeClr val="accent1"/>
+          </a:fillRef>
+          <a:effectRef idx="0">
+            <a:schemeClr val="accent1"/>
+          </a:effectRef>
+          <a:fontRef idx="minor">
+            <a:schemeClr val="lt1"/>
+          </a:fontRef>
+        </p:style>
+        <p:txBody>
+          <a:bodyPr rtlCol="0" anchor="ctr"/>
+          <a:lstStyle/>
+          <a:p>
+            <a:pPr algn="ctr"/>
+            <a:r>
+              <a:rPr lang="en-IN" sz="2800" b="1" dirty="0" smtClean="0">
+                <a:solidFill>
+                  <a:srgbClr val="451717"/>
+                </a:solidFill>
+              </a:rPr>
+              <a:t>Programming Languages:</a:t>
+            </a:r>
+            <a:endParaRPr lang="en-IN" sz="2800" b="1" dirty="0">
+              <a:solidFill>
+                <a:srgbClr val="451717"/>
+              </a:solidFill>
+            </a:endParaRPr>
+          </a:p>
+        </p:txBody>
+      </p:sp>
+      <p:sp>
+        <p:nvSpPr>
+          <p:cNvPr id="25" name="Rectangle 24"/>
+          <p:cNvSpPr/>
+          <p:nvPr/>
+        </p:nvSpPr>
+        <p:spPr>
+          <a:xfrm>
+            <a:off x="5565452" y="2220365"/>
+            <a:ext cx="5951846" cy="1002079"/>
+          </a:xfrm>
+          <a:prstGeom prst="rect">
+            <a:avLst/>
+          </a:prstGeom>
+          <a:solidFill>
+            <a:schemeClr val="tx2">
+              <a:lumMod val="20000"/>
+              <a:lumOff val="80000"/>
+            </a:schemeClr>
+          </a:solidFill>
+          <a:ln>
+            <a:solidFill>
+              <a:schemeClr val="bg1">
+                <a:lumMod val="95000"/>
+                <a:lumOff val="5000"/>
+              </a:schemeClr>
+            </a:solidFill>
+          </a:ln>
+        </p:spPr>
+        <p:style>
+          <a:lnRef idx="2">
+            <a:schemeClr val="accent1">
+              <a:shade val="50000"/>
+            </a:schemeClr>
+          </a:lnRef>
+          <a:fillRef idx="1">
+            <a:schemeClr val="accent1"/>
+          </a:fillRef>
+          <a:effectRef idx="0">
+            <a:schemeClr val="accent1"/>
+          </a:effectRef>
+          <a:fontRef idx="minor">
+            <a:schemeClr val="lt1"/>
+          </a:fontRef>
+        </p:style>
+        <p:txBody>
+          <a:bodyPr numCol="2" rtlCol="0" anchor="ctr"/>
+          <a:lstStyle/>
+          <a:p>
+            <a:pPr algn="ctr"/>
+            <a:endParaRPr lang="en-IN" sz="2400" dirty="0" smtClean="0">
+              <a:solidFill>
+                <a:schemeClr val="bg2">
+                  <a:lumMod val="50000"/>
+                </a:schemeClr>
+              </a:solidFill>
+            </a:endParaRPr>
+          </a:p>
+        </p:txBody>
+      </p:sp>
+      <p:sp>
+        <p:nvSpPr>
+          <p:cNvPr id="31" name="Rounded Rectangle 30"/>
+          <p:cNvSpPr/>
+          <p:nvPr/>
+        </p:nvSpPr>
+        <p:spPr>
+          <a:xfrm>
+            <a:off x="851024" y="3436484"/>
+            <a:ext cx="4278198" cy="1050847"/>
+          </a:xfrm>
+          <a:prstGeom prst="roundRect">
+            <a:avLst/>
+          </a:prstGeom>
+          <a:solidFill>
+            <a:srgbClr val="92D050"/>
+          </a:solidFill>
+        </p:spPr>
+        <p:style>
+          <a:lnRef idx="2">
+            <a:schemeClr val="accent1">
+              <a:shade val="50000"/>
+            </a:schemeClr>
+          </a:lnRef>
+          <a:fillRef idx="1">
+            <a:schemeClr val="accent1"/>
+          </a:fillRef>
+          <a:effectRef idx="0">
+            <a:schemeClr val="accent1"/>
+          </a:effectRef>
+          <a:fontRef idx="minor">
+            <a:schemeClr val="lt1"/>
+          </a:fontRef>
+        </p:style>
+        <p:txBody>
+          <a:bodyPr rtlCol="0" anchor="ctr"/>
+          <a:lstStyle/>
+          <a:p>
+            <a:pPr algn="ctr"/>
+            <a:r>
+              <a:rPr lang="en-IN" sz="2800" b="1" dirty="0" smtClean="0">
+                <a:solidFill>
+                  <a:srgbClr val="451717"/>
+                </a:solidFill>
+              </a:rPr>
+              <a:t>Hardware:</a:t>
+            </a:r>
+            <a:endParaRPr lang="en-IN" sz="2800" b="1" dirty="0">
+              <a:solidFill>
+                <a:srgbClr val="451717"/>
+              </a:solidFill>
+            </a:endParaRPr>
+          </a:p>
+        </p:txBody>
+      </p:sp>
+      <p:sp>
+        <p:nvSpPr>
+          <p:cNvPr id="32" name="Rectangle 31"/>
+          <p:cNvSpPr/>
+          <p:nvPr/>
+        </p:nvSpPr>
+        <p:spPr>
+          <a:xfrm>
+            <a:off x="5565452" y="3408279"/>
+            <a:ext cx="5951846" cy="1097523"/>
+          </a:xfrm>
+          <a:prstGeom prst="rect">
+            <a:avLst/>
+          </a:prstGeom>
+          <a:solidFill>
+            <a:schemeClr val="tx2">
+              <a:lumMod val="20000"/>
+              <a:lumOff val="80000"/>
+            </a:schemeClr>
+          </a:solidFill>
+          <a:ln>
+            <a:solidFill>
+              <a:schemeClr val="bg1">
+                <a:lumMod val="95000"/>
+                <a:lumOff val="5000"/>
+              </a:schemeClr>
+            </a:solidFill>
+          </a:ln>
+        </p:spPr>
+        <p:style>
+          <a:lnRef idx="2">
+            <a:schemeClr val="accent1">
+              <a:shade val="50000"/>
+            </a:schemeClr>
+          </a:lnRef>
+          <a:fillRef idx="1">
+            <a:schemeClr val="accent1"/>
+          </a:fillRef>
+          <a:effectRef idx="0">
+            <a:schemeClr val="accent1"/>
+          </a:effectRef>
+          <a:fontRef idx="minor">
+            <a:schemeClr val="lt1"/>
+          </a:fontRef>
+        </p:style>
+        <p:txBody>
+          <a:bodyPr numCol="2" rtlCol="0" anchor="ctr"/>
+          <a:lstStyle/>
+          <a:p>
+            <a:pPr algn="ctr"/>
+            <a:endParaRPr lang="en-IN" sz="2400" dirty="0" smtClean="0">
+              <a:solidFill>
+                <a:schemeClr val="bg2">
+                  <a:lumMod val="50000"/>
+                </a:schemeClr>
+              </a:solidFill>
+            </a:endParaRPr>
+          </a:p>
+        </p:txBody>
+      </p:sp>
+      <p:sp>
+        <p:nvSpPr>
+          <p:cNvPr id="45" name="Rounded Rectangle 44"/>
+          <p:cNvSpPr/>
+          <p:nvPr/>
+        </p:nvSpPr>
+        <p:spPr>
+          <a:xfrm>
+            <a:off x="851024" y="4715783"/>
+            <a:ext cx="4278198" cy="1710418"/>
+          </a:xfrm>
+          <a:prstGeom prst="roundRect">
+            <a:avLst/>
+          </a:prstGeom>
+          <a:solidFill>
+            <a:srgbClr val="92D050"/>
+          </a:solidFill>
+        </p:spPr>
+        <p:style>
+          <a:lnRef idx="2">
+            <a:schemeClr val="accent1">
+              <a:shade val="50000"/>
+            </a:schemeClr>
+          </a:lnRef>
+          <a:fillRef idx="1">
+            <a:schemeClr val="accent1"/>
+          </a:fillRef>
+          <a:effectRef idx="0">
+            <a:schemeClr val="accent1"/>
+          </a:effectRef>
+          <a:fontRef idx="minor">
+            <a:schemeClr val="lt1"/>
+          </a:fontRef>
+        </p:style>
+        <p:txBody>
+          <a:bodyPr rtlCol="0" anchor="ctr"/>
+          <a:lstStyle/>
+          <a:p>
+            <a:pPr algn="ctr"/>
+            <a:r>
+              <a:rPr lang="en-IN" sz="2800" b="1" dirty="0" smtClean="0">
+                <a:solidFill>
+                  <a:srgbClr val="451717"/>
+                </a:solidFill>
+              </a:rPr>
+              <a:t>Core Algorithms:</a:t>
+            </a:r>
+            <a:endParaRPr lang="en-IN" sz="2800" b="1" dirty="0">
+              <a:solidFill>
+                <a:srgbClr val="451717"/>
+              </a:solidFill>
+            </a:endParaRPr>
+          </a:p>
+        </p:txBody>
+      </p:sp>
+      <p:sp>
+        <p:nvSpPr>
+          <p:cNvPr id="46" name="Rectangle 45"/>
+          <p:cNvSpPr/>
+          <p:nvPr/>
+        </p:nvSpPr>
+        <p:spPr>
+          <a:xfrm>
+            <a:off x="5565452" y="4687578"/>
+            <a:ext cx="5951846" cy="1786390"/>
+          </a:xfrm>
+          <a:prstGeom prst="rect">
+            <a:avLst/>
+          </a:prstGeom>
+          <a:solidFill>
+            <a:schemeClr val="tx2">
+              <a:lumMod val="20000"/>
+              <a:lumOff val="80000"/>
+            </a:schemeClr>
+          </a:solidFill>
+          <a:ln>
+            <a:solidFill>
+              <a:schemeClr val="bg1">
+                <a:lumMod val="95000"/>
+                <a:lumOff val="5000"/>
+              </a:schemeClr>
+            </a:solidFill>
+          </a:ln>
+        </p:spPr>
+        <p:style>
+          <a:lnRef idx="2">
+            <a:schemeClr val="accent1">
+              <a:shade val="50000"/>
+            </a:schemeClr>
+          </a:lnRef>
+          <a:fillRef idx="1">
+            <a:schemeClr val="accent1"/>
+          </a:fillRef>
+          <a:effectRef idx="0">
+            <a:schemeClr val="accent1"/>
+          </a:effectRef>
+          <a:fontRef idx="minor">
+            <a:schemeClr val="lt1"/>
+          </a:fontRef>
+        </p:style>
+        <p:txBody>
+          <a:bodyPr numCol="2" rtlCol="0" anchor="ctr"/>
+          <a:lstStyle/>
+          <a:p>
+            <a:pPr algn="ctr"/>
+            <a:endParaRPr lang="en-IN" sz="2400" dirty="0" smtClean="0">
+              <a:solidFill>
+                <a:schemeClr val="bg2">
+                  <a:lumMod val="50000"/>
+                </a:schemeClr>
+              </a:solidFill>
+            </a:endParaRPr>
+          </a:p>
+        </p:txBody>
+      </p:sp>
+      <p:pic>
+        <p:nvPicPr>
+          <p:cNvPr id="1042" name="Picture 18" descr="File:ISO C++ Logo.svg - Wikipedia"/>
+          <p:cNvPicPr>
+            <a:picLocks noChangeAspect="1" noChangeArrowheads="1"/>
+          </p:cNvPicPr>
+          <p:nvPr/>
+        </p:nvPicPr>
+        <p:blipFill>
+          <a:blip r:embed="rId7" cstate="print">
+            <a:extLst>
+              <a:ext uri="{28A0092B-C50C-407E-A947-70E740481C1C}">
+                <a14:useLocalDpi xmlns:a14="http://schemas.microsoft.com/office/drawing/2010/main" val="0"/>
+              </a:ext>
+            </a:extLst>
+          </a:blip>
+          <a:srcRect/>
+          <a:stretch>
+            <a:fillRect/>
+          </a:stretch>
+        </p:blipFill>
+        <p:spPr bwMode="auto">
+          <a:xfrm>
+            <a:off x="6260504" y="2373543"/>
+            <a:ext cx="845370" cy="718933"/>
+          </a:xfrm>
+          <a:prstGeom prst="rect">
+            <a:avLst/>
+          </a:prstGeom>
+          <a:noFill/>
+          <a:extLst>
+            <a:ext uri="{909E8E84-426E-40DD-AFC4-6F175D3DCCD1}">
+              <a14:hiddenFill xmlns:a14="http://schemas.microsoft.com/office/drawing/2010/main">
+                <a:solidFill>
+                  <a:srgbClr val="FFFFFF"/>
+                </a:solidFill>
+              </a14:hiddenFill>
+            </a:ext>
+          </a:extLst>
+        </p:spPr>
+      </p:pic>
+      <p:pic>
+        <p:nvPicPr>
+          <p:cNvPr id="1044" name="Picture 20" descr="File:Python-logo-notext.svg - Wikipedia"/>
+          <p:cNvPicPr>
+            <a:picLocks noChangeAspect="1" noChangeArrowheads="1"/>
+          </p:cNvPicPr>
+          <p:nvPr/>
+        </p:nvPicPr>
+        <p:blipFill>
+          <a:blip r:embed="rId8" cstate="print">
+            <a:extLst>
+              <a:ext uri="{28A0092B-C50C-407E-A947-70E740481C1C}">
+                <a14:useLocalDpi xmlns:a14="http://schemas.microsoft.com/office/drawing/2010/main" val="0"/>
+              </a:ext>
+            </a:extLst>
+          </a:blip>
+          <a:srcRect/>
+          <a:stretch>
+            <a:fillRect/>
+          </a:stretch>
+        </p:blipFill>
+        <p:spPr bwMode="auto">
+          <a:xfrm>
+            <a:off x="7542104" y="2417365"/>
+            <a:ext cx="920130" cy="762918"/>
+          </a:xfrm>
+          <a:prstGeom prst="rect">
+            <a:avLst/>
+          </a:prstGeom>
+          <a:noFill/>
+          <a:extLst>
+            <a:ext uri="{909E8E84-426E-40DD-AFC4-6F175D3DCCD1}">
+              <a14:hiddenFill xmlns:a14="http://schemas.microsoft.com/office/drawing/2010/main">
+                <a:solidFill>
+                  <a:srgbClr val="FFFFFF"/>
+                </a:solidFill>
+              </a14:hiddenFill>
+            </a:ext>
+          </a:extLst>
+        </p:spPr>
+      </p:pic>
+      <p:pic>
+        <p:nvPicPr>
+          <p:cNvPr id="16" name="Picture 15"/>
+          <p:cNvPicPr>
+            <a:picLocks noChangeAspect="1"/>
+          </p:cNvPicPr>
+          <p:nvPr/>
+        </p:nvPicPr>
+        <p:blipFill>
+          <a:blip r:embed="rId9" cstate="print">
+            <a:extLst>
+              <a:ext uri="{28A0092B-C50C-407E-A947-70E740481C1C}">
+                <a14:useLocalDpi xmlns:a14="http://schemas.microsoft.com/office/drawing/2010/main" val="0"/>
+              </a:ext>
+            </a:extLst>
+          </a:blip>
+          <a:stretch>
+            <a:fillRect/>
+          </a:stretch>
+        </p:blipFill>
+        <p:spPr>
+          <a:xfrm>
+            <a:off x="8744977" y="2244036"/>
+            <a:ext cx="2200105" cy="935889"/>
+          </a:xfrm>
+          <a:prstGeom prst="rect">
+            <a:avLst/>
+          </a:prstGeom>
+        </p:spPr>
+      </p:pic>
+      <p:sp>
+        <p:nvSpPr>
+          <p:cNvPr id="17" name="TextBox 16"/>
+          <p:cNvSpPr txBox="1"/>
+          <p:nvPr/>
+        </p:nvSpPr>
+        <p:spPr>
+          <a:xfrm flipH="1">
+            <a:off x="6104666" y="3576633"/>
+            <a:ext cx="4873415" cy="369332"/>
+          </a:xfrm>
+          <a:prstGeom prst="rect">
+            <a:avLst/>
+          </a:prstGeom>
+          <a:noFill/>
+        </p:spPr>
+        <p:txBody>
+          <a:bodyPr wrap="square" rtlCol="0">
+            <a:spAutoFit/>
+          </a:bodyPr>
+          <a:lstStyle/>
+          <a:p>
+            <a:pPr algn="ctr"/>
+            <a:r>
+              <a:rPr lang="en-IN" dirty="0" smtClean="0">
+                <a:solidFill>
+                  <a:schemeClr val="bg2">
+                    <a:lumMod val="50000"/>
+                  </a:schemeClr>
+                </a:solidFill>
+              </a:rPr>
+              <a:t>High Performance GPUs and TPUs are Required.</a:t>
+            </a:r>
+            <a:endParaRPr lang="en-IN" dirty="0">
+              <a:solidFill>
+                <a:schemeClr val="bg2">
+                  <a:lumMod val="50000"/>
+                </a:schemeClr>
+              </a:solidFill>
+            </a:endParaRPr>
+          </a:p>
+        </p:txBody>
+      </p:sp>
+      <p:sp>
+        <p:nvSpPr>
+          <p:cNvPr id="57" name="TextBox 56"/>
+          <p:cNvSpPr txBox="1"/>
+          <p:nvPr/>
+        </p:nvSpPr>
+        <p:spPr>
+          <a:xfrm flipH="1">
+            <a:off x="5962289" y="3945965"/>
+            <a:ext cx="5256012" cy="369332"/>
+          </a:xfrm>
+          <a:prstGeom prst="rect">
+            <a:avLst/>
+          </a:prstGeom>
+          <a:noFill/>
+        </p:spPr>
+        <p:txBody>
+          <a:bodyPr wrap="square" rtlCol="0">
+            <a:spAutoFit/>
+          </a:bodyPr>
+          <a:lstStyle/>
+          <a:p>
+            <a:pPr algn="ctr"/>
+            <a:r>
+              <a:rPr lang="en-IN" dirty="0" smtClean="0">
+                <a:solidFill>
+                  <a:schemeClr val="bg2">
+                    <a:lumMod val="50000"/>
+                  </a:schemeClr>
+                </a:solidFill>
+              </a:rPr>
+              <a:t>Edge AI devices that helps to run our AI Model Locally.</a:t>
+            </a:r>
+            <a:endParaRPr lang="en-IN" dirty="0">
+              <a:solidFill>
+                <a:schemeClr val="bg2">
+                  <a:lumMod val="50000"/>
+                </a:schemeClr>
+              </a:solidFill>
+            </a:endParaRPr>
+          </a:p>
+        </p:txBody>
+      </p:sp>
+      <p:sp>
+        <p:nvSpPr>
+          <p:cNvPr id="19" name="TextBox 18"/>
+          <p:cNvSpPr txBox="1"/>
+          <p:nvPr/>
+        </p:nvSpPr>
+        <p:spPr>
+          <a:xfrm flipH="1">
+            <a:off x="5956500" y="4788915"/>
+            <a:ext cx="5169748" cy="369332"/>
+          </a:xfrm>
+          <a:prstGeom prst="rect">
+            <a:avLst/>
+          </a:prstGeom>
+          <a:noFill/>
+        </p:spPr>
+        <p:txBody>
+          <a:bodyPr wrap="square" rtlCol="0">
+            <a:spAutoFit/>
+          </a:bodyPr>
+          <a:lstStyle/>
+          <a:p>
+            <a:pPr algn="ctr"/>
+            <a:r>
+              <a:rPr lang="en-IN" b="1" dirty="0" smtClean="0">
+                <a:solidFill>
+                  <a:schemeClr val="bg2">
+                    <a:lumMod val="50000"/>
+                  </a:schemeClr>
+                </a:solidFill>
+              </a:rPr>
+              <a:t>YOLO</a:t>
+            </a:r>
+            <a:r>
+              <a:rPr lang="en-IN" dirty="0" smtClean="0">
+                <a:solidFill>
+                  <a:schemeClr val="bg2">
+                    <a:lumMod val="50000"/>
+                  </a:schemeClr>
+                </a:solidFill>
+              </a:rPr>
+              <a:t>(You Look Only Once)-used for object detection </a:t>
+            </a:r>
+            <a:endParaRPr lang="en-IN" dirty="0">
+              <a:solidFill>
+                <a:schemeClr val="bg2">
+                  <a:lumMod val="50000"/>
+                </a:schemeClr>
+              </a:solidFill>
+            </a:endParaRPr>
+          </a:p>
+        </p:txBody>
+      </p:sp>
+      <p:sp>
+        <p:nvSpPr>
+          <p:cNvPr id="59" name="TextBox 58"/>
+          <p:cNvSpPr txBox="1"/>
+          <p:nvPr/>
+        </p:nvSpPr>
+        <p:spPr>
+          <a:xfrm flipH="1">
+            <a:off x="5565452" y="5156739"/>
+            <a:ext cx="5951846" cy="646331"/>
+          </a:xfrm>
+          <a:prstGeom prst="rect">
+            <a:avLst/>
+          </a:prstGeom>
+          <a:noFill/>
+        </p:spPr>
+        <p:txBody>
+          <a:bodyPr wrap="square" rtlCol="0">
+            <a:spAutoFit/>
+          </a:bodyPr>
+          <a:lstStyle/>
+          <a:p>
+            <a:pPr algn="ctr"/>
+            <a:r>
+              <a:rPr lang="en-IN" b="1" dirty="0" smtClean="0">
+                <a:solidFill>
+                  <a:schemeClr val="bg2">
+                    <a:lumMod val="50000"/>
+                  </a:schemeClr>
+                </a:solidFill>
+              </a:rPr>
+              <a:t>CNN</a:t>
+            </a:r>
+            <a:r>
+              <a:rPr lang="en-IN" dirty="0" smtClean="0">
+                <a:solidFill>
+                  <a:schemeClr val="bg2">
+                    <a:lumMod val="50000"/>
+                  </a:schemeClr>
+                </a:solidFill>
+              </a:rPr>
+              <a:t>(Convolutional Neural Networks)-used for classification and recognition of objects </a:t>
+            </a:r>
+            <a:endParaRPr lang="en-IN" dirty="0">
+              <a:solidFill>
+                <a:schemeClr val="bg2">
+                  <a:lumMod val="50000"/>
+                </a:schemeClr>
+              </a:solidFill>
+            </a:endParaRPr>
+          </a:p>
+        </p:txBody>
+      </p:sp>
+      <p:sp>
+        <p:nvSpPr>
+          <p:cNvPr id="60" name="TextBox 59"/>
+          <p:cNvSpPr txBox="1"/>
+          <p:nvPr/>
+        </p:nvSpPr>
+        <p:spPr>
+          <a:xfrm flipH="1">
+            <a:off x="5565452" y="5799601"/>
+            <a:ext cx="5951846" cy="646331"/>
+          </a:xfrm>
+          <a:prstGeom prst="rect">
+            <a:avLst/>
+          </a:prstGeom>
+          <a:noFill/>
+        </p:spPr>
+        <p:txBody>
+          <a:bodyPr wrap="square" rtlCol="0">
+            <a:spAutoFit/>
+          </a:bodyPr>
+          <a:lstStyle/>
+          <a:p>
+            <a:pPr algn="ctr"/>
+            <a:r>
+              <a:rPr lang="en-IN" b="1" dirty="0" smtClean="0">
+                <a:solidFill>
+                  <a:schemeClr val="bg2">
+                    <a:lumMod val="50000"/>
+                  </a:schemeClr>
+                </a:solidFill>
+              </a:rPr>
+              <a:t>Canny Edge Detector</a:t>
+            </a:r>
+            <a:r>
+              <a:rPr lang="en-IN" dirty="0" smtClean="0">
+                <a:solidFill>
+                  <a:schemeClr val="bg2">
+                    <a:lumMod val="50000"/>
+                  </a:schemeClr>
+                </a:solidFill>
+              </a:rPr>
+              <a:t>-used</a:t>
+            </a:r>
+            <a:r>
+              <a:rPr lang="en-IN" b="1" dirty="0" smtClean="0">
+                <a:solidFill>
+                  <a:schemeClr val="bg2">
+                    <a:lumMod val="50000"/>
+                  </a:schemeClr>
+                </a:solidFill>
+              </a:rPr>
+              <a:t> </a:t>
+            </a:r>
+            <a:r>
+              <a:rPr lang="en-IN" dirty="0" smtClean="0">
+                <a:solidFill>
+                  <a:schemeClr val="bg2">
+                    <a:lumMod val="50000"/>
+                  </a:schemeClr>
+                </a:solidFill>
+              </a:rPr>
+              <a:t>for detecting the edges of objects in the image.</a:t>
+            </a:r>
+            <a:endParaRPr lang="en-IN" dirty="0">
+              <a:solidFill>
+                <a:schemeClr val="bg2">
+                  <a:lumMod val="50000"/>
+                </a:schemeClr>
+              </a:solidFill>
+            </a:endParaRPr>
+          </a:p>
+        </p:txBody>
+      </p:sp>
+    </p:spTree>
+    <p:extLst>
+      <p:ext uri="{BB962C8B-B14F-4D97-AF65-F5344CB8AC3E}">
+        <p14:creationId xmlns:p14="http://schemas.microsoft.com/office/powerpoint/2010/main" val="3823713584"/>
+      </p:ext>
+    </p:extLst>
+  </p:cSld>
+  <p:clrMapOvr>
+    <a:masterClrMapping/>
+  </p:clrMapOvr>
+  <p:transition spd="slow">
+    <p:wipe/>
+  </p:transition>
+  <p:timing>
+    <p:tnLst>
+      <p:par>
+        <p:cTn id="1" dur="indefinite" restart="never" nodeType="tmRoot"/>
+      </p:par>
+    </p:tnLst>
+  </p:timing>
+</p:sld>
+</file>
+
+<file path=ppt/slides/slide11.xml><?xml version="1.0" encoding="utf-8"?>
+<p:sld xmlns:a="http://schemas.openxmlformats.org/drawingml/2006/main" xmlns:r="http://schemas.openxmlformats.org/officeDocument/2006/relationships" xmlns:p="http://schemas.openxmlformats.org/presentationml/2006/main">
+  <p:cSld>
+    <p:spTree>
+      <p:nvGrpSpPr>
+        <p:cNvPr id="1" name=""/>
+        <p:cNvGrpSpPr/>
+        <p:nvPr/>
+      </p:nvGrpSpPr>
+      <p:grpSpPr>
+        <a:xfrm>
+          <a:off x="0" y="0"/>
+          <a:ext cx="0" cy="0"/>
+          <a:chOff x="0" y="0"/>
+          <a:chExt cx="0" cy="0"/>
+        </a:xfrm>
+      </p:grpSpPr>
+      <p:sp>
+        <p:nvSpPr>
+          <p:cNvPr id="2" name="Title 1"/>
+          <p:cNvSpPr>
+            <a:spLocks noGrp="1"/>
+          </p:cNvSpPr>
+          <p:nvPr>
+            <p:ph type="title"/>
+          </p:nvPr>
+        </p:nvSpPr>
+        <p:spPr>
+          <a:xfrm>
+            <a:off x="1141412" y="-178316"/>
+            <a:ext cx="9905998" cy="1478570"/>
+          </a:xfrm>
+        </p:spPr>
+        <p:txBody>
+          <a:bodyPr/>
+          <a:lstStyle/>
+          <a:p>
+            <a:pPr algn="ctr"/>
+            <a:r>
+              <a:rPr lang="en-IN" b="1" dirty="0" smtClean="0">
+                <a:solidFill>
+                  <a:schemeClr val="bg2">
+                    <a:lumMod val="50000"/>
+                  </a:schemeClr>
+                </a:solidFill>
+              </a:rPr>
+              <a:t>Challenges</a:t>
+            </a:r>
+            <a:endParaRPr lang="en-IN" b="1" dirty="0">
+              <a:solidFill>
+                <a:schemeClr val="bg2">
+                  <a:lumMod val="50000"/>
+                </a:schemeClr>
+              </a:solidFill>
+            </a:endParaRPr>
+          </a:p>
+        </p:txBody>
+      </p:sp>
+      <p:sp>
+        <p:nvSpPr>
+          <p:cNvPr id="3" name="Content Placeholder 2"/>
+          <p:cNvSpPr>
+            <a:spLocks noGrp="1"/>
+          </p:cNvSpPr>
+          <p:nvPr>
+            <p:ph idx="1"/>
+          </p:nvPr>
+        </p:nvSpPr>
+        <p:spPr>
+          <a:xfrm>
+            <a:off x="675797" y="979714"/>
+            <a:ext cx="10837228" cy="5786846"/>
+          </a:xfrm>
+        </p:spPr>
+        <p:txBody>
+          <a:bodyPr>
+            <a:normAutofit fontScale="92500" lnSpcReduction="10000"/>
+          </a:bodyPr>
+          <a:lstStyle/>
+          <a:p>
+            <a:r>
+              <a:rPr lang="en-IN" sz="2800" b="1" dirty="0" smtClean="0">
+                <a:solidFill>
+                  <a:schemeClr val="bg2">
+                    <a:lumMod val="50000"/>
+                  </a:schemeClr>
+                </a:solidFill>
+              </a:rPr>
+              <a:t>High Computational Cost :</a:t>
+            </a:r>
+          </a:p>
+          <a:p>
+            <a:pPr lvl="1"/>
+            <a:r>
+              <a:rPr lang="en-IN" sz="2400" dirty="0">
+                <a:solidFill>
+                  <a:srgbClr val="451717"/>
+                </a:solidFill>
+              </a:rPr>
+              <a:t>1920 x 1080 </a:t>
+            </a:r>
+            <a:r>
+              <a:rPr lang="en-IN" sz="2400" dirty="0" smtClean="0">
+                <a:solidFill>
+                  <a:srgbClr val="451717"/>
+                </a:solidFill>
+              </a:rPr>
+              <a:t>pixels are there in HD Image, require large computational power.</a:t>
+            </a:r>
+          </a:p>
+          <a:p>
+            <a:pPr lvl="1"/>
+            <a:r>
+              <a:rPr lang="en-IN" sz="2400" dirty="0">
+                <a:solidFill>
+                  <a:srgbClr val="451717"/>
+                </a:solidFill>
+              </a:rPr>
+              <a:t>-</a:t>
+            </a:r>
+            <a:r>
+              <a:rPr lang="en-IN" sz="2400" dirty="0" smtClean="0">
+                <a:solidFill>
+                  <a:srgbClr val="451717"/>
+                </a:solidFill>
+              </a:rPr>
+              <a:t>Resolution of images are increasing day by day, resulting in fast GPUs required. </a:t>
+            </a:r>
+            <a:r>
+              <a:rPr lang="en-IN" sz="2400" dirty="0" smtClean="0">
+                <a:solidFill>
+                  <a:srgbClr val="451717"/>
+                </a:solidFill>
+                <a:hlinkClick r:id="" action="ppaction://hlinkshowjump?jump=lastslide"/>
+              </a:rPr>
+              <a:t>[10]</a:t>
+            </a:r>
+            <a:endParaRPr lang="en-IN" sz="2400" dirty="0" smtClean="0">
+              <a:solidFill>
+                <a:srgbClr val="451717"/>
+              </a:solidFill>
+            </a:endParaRPr>
+          </a:p>
+          <a:p>
+            <a:pPr marL="457200" lvl="1" indent="0">
+              <a:buNone/>
+            </a:pPr>
+            <a:endParaRPr lang="en-IN" dirty="0" smtClean="0"/>
+          </a:p>
+          <a:p>
+            <a:r>
+              <a:rPr lang="en-IN" sz="2800" b="1" dirty="0" smtClean="0">
+                <a:solidFill>
+                  <a:schemeClr val="bg2">
+                    <a:lumMod val="50000"/>
+                  </a:schemeClr>
+                </a:solidFill>
+              </a:rPr>
+              <a:t>Loss of Information :</a:t>
+            </a:r>
+          </a:p>
+          <a:p>
+            <a:pPr lvl="1"/>
+            <a:r>
+              <a:rPr lang="en-IN" sz="2400" dirty="0" smtClean="0">
+                <a:solidFill>
+                  <a:srgbClr val="451717"/>
+                </a:solidFill>
+              </a:rPr>
+              <a:t>Analog Intensities are digitized into digital form result in loss of data.</a:t>
+            </a:r>
+          </a:p>
+          <a:p>
+            <a:pPr lvl="1"/>
+            <a:r>
+              <a:rPr lang="en-IN" sz="2400" dirty="0" smtClean="0">
+                <a:solidFill>
+                  <a:srgbClr val="451717"/>
+                </a:solidFill>
+              </a:rPr>
+              <a:t>-So, we can not get the exact image of real world, results in limiting the power of CV. </a:t>
+            </a:r>
+            <a:r>
+              <a:rPr lang="en-IN" sz="2400" dirty="0" smtClean="0">
+                <a:hlinkClick r:id="" action="ppaction://hlinkshowjump?jump=lastslide"/>
+              </a:rPr>
+              <a:t>[10]</a:t>
+            </a:r>
+            <a:endParaRPr lang="en-IN" sz="2400" dirty="0" smtClean="0"/>
+          </a:p>
+          <a:p>
+            <a:pPr marL="457200" lvl="1" indent="0">
+              <a:buNone/>
+            </a:pPr>
+            <a:endParaRPr lang="en-IN" dirty="0" smtClean="0"/>
+          </a:p>
+          <a:p>
+            <a:r>
+              <a:rPr lang="en-IN" sz="2800" b="1" dirty="0">
+                <a:solidFill>
+                  <a:schemeClr val="bg2">
+                    <a:lumMod val="50000"/>
+                  </a:schemeClr>
+                </a:solidFill>
+              </a:rPr>
+              <a:t>Data Quality and </a:t>
+            </a:r>
+            <a:r>
+              <a:rPr lang="en-IN" sz="2800" b="1" dirty="0" smtClean="0">
+                <a:solidFill>
+                  <a:schemeClr val="bg2">
+                    <a:lumMod val="50000"/>
+                  </a:schemeClr>
+                </a:solidFill>
+              </a:rPr>
+              <a:t>Quantity :</a:t>
+            </a:r>
+          </a:p>
+          <a:p>
+            <a:pPr lvl="1"/>
+            <a:r>
+              <a:rPr lang="en-IN" sz="2400" dirty="0" smtClean="0">
+                <a:solidFill>
+                  <a:srgbClr val="451717"/>
+                </a:solidFill>
+              </a:rPr>
+              <a:t>To train a model a large data set of good quality is required, require a lot of time</a:t>
+            </a:r>
+            <a:r>
+              <a:rPr lang="en-IN" sz="2400" b="1" dirty="0" smtClean="0">
+                <a:solidFill>
+                  <a:srgbClr val="451717"/>
+                </a:solidFill>
+              </a:rPr>
+              <a:t>.</a:t>
+            </a:r>
+            <a:endParaRPr lang="en-IN" sz="2400" dirty="0" smtClean="0">
+              <a:solidFill>
+                <a:srgbClr val="451717"/>
+              </a:solidFill>
+            </a:endParaRPr>
+          </a:p>
+          <a:p>
+            <a:pPr lvl="1"/>
+            <a:r>
+              <a:rPr lang="en-IN" sz="2400" dirty="0" smtClean="0">
+                <a:solidFill>
+                  <a:srgbClr val="451717"/>
+                </a:solidFill>
+              </a:rPr>
+              <a:t>-Biased Data set may affect the generalization of the model. </a:t>
+            </a:r>
+            <a:r>
+              <a:rPr lang="en-IN" sz="2400" dirty="0" smtClean="0">
+                <a:solidFill>
+                  <a:srgbClr val="451717"/>
+                </a:solidFill>
+                <a:hlinkClick r:id="" action="ppaction://hlinkshowjump?jump=lastslide"/>
+              </a:rPr>
+              <a:t>[10]</a:t>
+            </a:r>
+            <a:endParaRPr lang="en-IN" sz="2400" dirty="0">
+              <a:solidFill>
+                <a:srgbClr val="451717"/>
+              </a:solidFill>
+            </a:endParaRPr>
+          </a:p>
+        </p:txBody>
+      </p:sp>
+      <p:sp>
+        <p:nvSpPr>
+          <p:cNvPr id="4" name="Slide Number Placeholder 3"/>
+          <p:cNvSpPr>
+            <a:spLocks noGrp="1"/>
+          </p:cNvSpPr>
+          <p:nvPr>
+            <p:ph type="sldNum" sz="quarter" idx="12"/>
+          </p:nvPr>
+        </p:nvSpPr>
+        <p:spPr/>
+        <p:txBody>
+          <a:bodyPr/>
+          <a:lstStyle/>
+          <a:p>
+            <a:fld id="{E9D42EC4-55FD-406C-82BB-203E3BBE455C}" type="slidenum">
+              <a:rPr lang="en-IN" smtClean="0"/>
+              <a:t>11</a:t>
+            </a:fld>
+            <a:endParaRPr lang="en-IN"/>
+          </a:p>
+        </p:txBody>
+      </p:sp>
+    </p:spTree>
+    <p:extLst>
+      <p:ext uri="{BB962C8B-B14F-4D97-AF65-F5344CB8AC3E}">
+        <p14:creationId xmlns:p14="http://schemas.microsoft.com/office/powerpoint/2010/main" val="1259377825"/>
+      </p:ext>
+    </p:extLst>
+  </p:cSld>
+  <p:clrMapOvr>
+    <a:masterClrMapping/>
+  </p:clrMapOvr>
+  <p:transition spd="slow">
+    <p:wipe/>
+  </p:transition>
+  <p:timing>
+    <p:tnLst>
+      <p:par>
+        <p:cTn id="1" dur="indefinite" restart="never" nodeType="tmRoot">
+          <p:childTnLst>
+            <p:seq concurrent="1" nextAc="seek">
+              <p:cTn id="2" dur="indefinite" nodeType="mainSeq">
+                <p:childTnLst>
+                  <p:par>
+                    <p:cTn id="3" fill="hold">
+                      <p:stCondLst>
+                        <p:cond delay="indefinite"/>
+                      </p:stCondLst>
+                      <p:childTnLst>
+                        <p:par>
+                          <p:cTn id="4" fill="hold">
+                            <p:stCondLst>
+                              <p:cond delay="0"/>
+                            </p:stCondLst>
+                            <p:childTnLst>
+                              <p:par>
+                                <p:cTn id="5" presetID="2" presetClass="entr" presetSubtype="4" fill="hold" nodeType="clickEffect">
+                                  <p:stCondLst>
+                                    <p:cond delay="0"/>
+                                  </p:stCondLst>
+                                  <p:childTnLst>
+                                    <p:set>
+                                      <p:cBhvr>
+                                        <p:cTn id="6" dur="1" fill="hold">
+                                          <p:stCondLst>
+                                            <p:cond delay="0"/>
+                                          </p:stCondLst>
+                                        </p:cTn>
+                                        <p:tgtEl>
+                                          <p:spTgt spid="3">
+                                            <p:txEl>
+                                              <p:pRg st="0" end="0"/>
+                                            </p:txEl>
+                                          </p:spTgt>
+                                        </p:tgtEl>
+                                        <p:attrNameLst>
+                                          <p:attrName>style.visibility</p:attrName>
+                                        </p:attrNameLst>
+                                      </p:cBhvr>
+                                      <p:to>
+                                        <p:strVal val="visible"/>
+                                      </p:to>
+                                    </p:set>
+                                    <p:anim calcmode="lin" valueType="num">
+                                      <p:cBhvr additive="base">
+                                        <p:cTn id="7" dur="500" fill="hold"/>
+                                        <p:tgtEl>
+                                          <p:spTgt spid="3">
+                                            <p:txEl>
+                                              <p:pRg st="0" end="0"/>
+                                            </p:txEl>
+                                          </p:spTgt>
+                                        </p:tgtEl>
+                                        <p:attrNameLst>
+                                          <p:attrName>ppt_x</p:attrName>
+                                        </p:attrNameLst>
+                                      </p:cBhvr>
+                                      <p:tavLst>
+                                        <p:tav tm="0">
+                                          <p:val>
+                                            <p:strVal val="#ppt_x"/>
+                                          </p:val>
+                                        </p:tav>
+                                        <p:tav tm="100000">
+                                          <p:val>
+                                            <p:strVal val="#ppt_x"/>
+                                          </p:val>
+                                        </p:tav>
+                                      </p:tavLst>
+                                    </p:anim>
+                                    <p:anim calcmode="lin" valueType="num">
+                                      <p:cBhvr additive="base">
+                                        <p:cTn id="8" dur="500" fill="hold"/>
+                                        <p:tgtEl>
+                                          <p:spTgt spid="3">
+                                            <p:txEl>
+                                              <p:pRg st="0" end="0"/>
+                                            </p:txEl>
+                                          </p:spTgt>
+                                        </p:tgtEl>
+                                        <p:attrNameLst>
+                                          <p:attrName>ppt_y</p:attrName>
+                                        </p:attrNameLst>
+                                      </p:cBhvr>
+                                      <p:tavLst>
+                                        <p:tav tm="0">
+                                          <p:val>
+                                            <p:strVal val="1+#ppt_h/2"/>
+                                          </p:val>
+                                        </p:tav>
+                                        <p:tav tm="100000">
+                                          <p:val>
+                                            <p:strVal val="#ppt_y"/>
+                                          </p:val>
+                                        </p:tav>
+                                      </p:tavLst>
+                                    </p:anim>
+                                  </p:childTnLst>
+                                </p:cTn>
+                              </p:par>
+                              <p:par>
+                                <p:cTn id="9" presetID="2" presetClass="entr" presetSubtype="4" fill="hold" nodeType="withEffect">
+                                  <p:stCondLst>
+                                    <p:cond delay="0"/>
+                                  </p:stCondLst>
+                                  <p:childTnLst>
+                                    <p:set>
+                                      <p:cBhvr>
+                                        <p:cTn id="10" dur="1" fill="hold">
+                                          <p:stCondLst>
+                                            <p:cond delay="0"/>
+                                          </p:stCondLst>
+                                        </p:cTn>
+                                        <p:tgtEl>
+                                          <p:spTgt spid="3">
+                                            <p:txEl>
+                                              <p:pRg st="1" end="1"/>
+                                            </p:txEl>
+                                          </p:spTgt>
+                                        </p:tgtEl>
+                                        <p:attrNameLst>
+                                          <p:attrName>style.visibility</p:attrName>
+                                        </p:attrNameLst>
+                                      </p:cBhvr>
+                                      <p:to>
+                                        <p:strVal val="visible"/>
+                                      </p:to>
+                                    </p:set>
+                                    <p:anim calcmode="lin" valueType="num">
+                                      <p:cBhvr additive="base">
+                                        <p:cTn id="11" dur="500" fill="hold"/>
+                                        <p:tgtEl>
+                                          <p:spTgt spid="3">
+                                            <p:txEl>
+                                              <p:pRg st="1" end="1"/>
+                                            </p:txEl>
+                                          </p:spTgt>
+                                        </p:tgtEl>
+                                        <p:attrNameLst>
+                                          <p:attrName>ppt_x</p:attrName>
+                                        </p:attrNameLst>
+                                      </p:cBhvr>
+                                      <p:tavLst>
+                                        <p:tav tm="0">
+                                          <p:val>
+                                            <p:strVal val="#ppt_x"/>
+                                          </p:val>
+                                        </p:tav>
+                                        <p:tav tm="100000">
+                                          <p:val>
+                                            <p:strVal val="#ppt_x"/>
+                                          </p:val>
+                                        </p:tav>
+                                      </p:tavLst>
+                                    </p:anim>
+                                    <p:anim calcmode="lin" valueType="num">
+                                      <p:cBhvr additive="base">
+                                        <p:cTn id="12" dur="500" fill="hold"/>
+                                        <p:tgtEl>
+                                          <p:spTgt spid="3">
+                                            <p:txEl>
+                                              <p:pRg st="1" end="1"/>
+                                            </p:txEl>
+                                          </p:spTgt>
+                                        </p:tgtEl>
+                                        <p:attrNameLst>
+                                          <p:attrName>ppt_y</p:attrName>
+                                        </p:attrNameLst>
+                                      </p:cBhvr>
+                                      <p:tavLst>
+                                        <p:tav tm="0">
+                                          <p:val>
+                                            <p:strVal val="1+#ppt_h/2"/>
+                                          </p:val>
+                                        </p:tav>
+                                        <p:tav tm="100000">
+                                          <p:val>
+                                            <p:strVal val="#ppt_y"/>
+                                          </p:val>
+                                        </p:tav>
+                                      </p:tavLst>
+                                    </p:anim>
+                                  </p:childTnLst>
+                                </p:cTn>
+                              </p:par>
+                              <p:par>
+                                <p:cTn id="13" presetID="2" presetClass="entr" presetSubtype="4" fill="hold" nodeType="withEffect">
+                                  <p:stCondLst>
+                                    <p:cond delay="0"/>
+                                  </p:stCondLst>
+                                  <p:childTnLst>
+                                    <p:set>
+                                      <p:cBhvr>
+                                        <p:cTn id="14" dur="1" fill="hold">
+                                          <p:stCondLst>
+                                            <p:cond delay="0"/>
+                                          </p:stCondLst>
+                                        </p:cTn>
+                                        <p:tgtEl>
+                                          <p:spTgt spid="3">
+                                            <p:txEl>
+                                              <p:pRg st="2" end="2"/>
+                                            </p:txEl>
+                                          </p:spTgt>
+                                        </p:tgtEl>
+                                        <p:attrNameLst>
+                                          <p:attrName>style.visibility</p:attrName>
+                                        </p:attrNameLst>
+                                      </p:cBhvr>
+                                      <p:to>
+                                        <p:strVal val="visible"/>
+                                      </p:to>
+                                    </p:set>
+                                    <p:anim calcmode="lin" valueType="num">
+                                      <p:cBhvr additive="base">
+                                        <p:cTn id="15" dur="500" fill="hold"/>
+                                        <p:tgtEl>
+                                          <p:spTgt spid="3">
+                                            <p:txEl>
+                                              <p:pRg st="2" end="2"/>
+                                            </p:txEl>
+                                          </p:spTgt>
+                                        </p:tgtEl>
+                                        <p:attrNameLst>
+                                          <p:attrName>ppt_x</p:attrName>
+                                        </p:attrNameLst>
+                                      </p:cBhvr>
+                                      <p:tavLst>
+                                        <p:tav tm="0">
+                                          <p:val>
+                                            <p:strVal val="#ppt_x"/>
+                                          </p:val>
+                                        </p:tav>
+                                        <p:tav tm="100000">
+                                          <p:val>
+                                            <p:strVal val="#ppt_x"/>
+                                          </p:val>
+                                        </p:tav>
+                                      </p:tavLst>
+                                    </p:anim>
+                                    <p:anim calcmode="lin" valueType="num">
+                                      <p:cBhvr additive="base">
+                                        <p:cTn id="16" dur="500" fill="hold"/>
+                                        <p:tgtEl>
+                                          <p:spTgt spid="3">
+                                            <p:txEl>
+                                              <p:pRg st="2" end="2"/>
+                                            </p:txEl>
+                                          </p:spTgt>
+                                        </p:tgtEl>
+                                        <p:attrNameLst>
+                                          <p:attrName>ppt_y</p:attrName>
+                                        </p:attrNameLst>
+                                      </p:cBhvr>
+                                      <p:tavLst>
+                                        <p:tav tm="0">
+                                          <p:val>
+                                            <p:strVal val="1+#ppt_h/2"/>
+                                          </p:val>
+                                        </p:tav>
+                                        <p:tav tm="100000">
+                                          <p:val>
+                                            <p:strVal val="#ppt_y"/>
+                                          </p:val>
+                                        </p:tav>
+                                      </p:tavLst>
+                                    </p:anim>
+                                  </p:childTnLst>
+                                </p:cTn>
+                              </p:par>
+                            </p:childTnLst>
+                          </p:cTn>
+                        </p:par>
+                      </p:childTnLst>
+                    </p:cTn>
+                  </p:par>
+                  <p:par>
+                    <p:cTn id="17" fill="hold">
+                      <p:stCondLst>
+                        <p:cond delay="indefinite"/>
+                      </p:stCondLst>
+                      <p:childTnLst>
+                        <p:par>
+                          <p:cTn id="18" fill="hold">
+                            <p:stCondLst>
+                              <p:cond delay="0"/>
+                            </p:stCondLst>
+                            <p:childTnLst>
+                              <p:par>
+                                <p:cTn id="19" presetID="2" presetClass="entr" presetSubtype="4" fill="hold" nodeType="clickEffect">
+                                  <p:stCondLst>
+                                    <p:cond delay="0"/>
+                                  </p:stCondLst>
+                                  <p:childTnLst>
+                                    <p:set>
+                                      <p:cBhvr>
+                                        <p:cTn id="20" dur="1" fill="hold">
+                                          <p:stCondLst>
+                                            <p:cond delay="0"/>
+                                          </p:stCondLst>
+                                        </p:cTn>
+                                        <p:tgtEl>
+                                          <p:spTgt spid="3">
+                                            <p:txEl>
+                                              <p:pRg st="4" end="4"/>
+                                            </p:txEl>
+                                          </p:spTgt>
+                                        </p:tgtEl>
+                                        <p:attrNameLst>
+                                          <p:attrName>style.visibility</p:attrName>
+                                        </p:attrNameLst>
+                                      </p:cBhvr>
+                                      <p:to>
+                                        <p:strVal val="visible"/>
+                                      </p:to>
+                                    </p:set>
+                                    <p:anim calcmode="lin" valueType="num">
+                                      <p:cBhvr additive="base">
+                                        <p:cTn id="21" dur="500" fill="hold"/>
+                                        <p:tgtEl>
+                                          <p:spTgt spid="3">
+                                            <p:txEl>
+                                              <p:pRg st="4" end="4"/>
+                                            </p:txEl>
+                                          </p:spTgt>
+                                        </p:tgtEl>
+                                        <p:attrNameLst>
+                                          <p:attrName>ppt_x</p:attrName>
+                                        </p:attrNameLst>
+                                      </p:cBhvr>
+                                      <p:tavLst>
+                                        <p:tav tm="0">
+                                          <p:val>
+                                            <p:strVal val="#ppt_x"/>
+                                          </p:val>
+                                        </p:tav>
+                                        <p:tav tm="100000">
+                                          <p:val>
+                                            <p:strVal val="#ppt_x"/>
+                                          </p:val>
+                                        </p:tav>
+                                      </p:tavLst>
+                                    </p:anim>
+                                    <p:anim calcmode="lin" valueType="num">
+                                      <p:cBhvr additive="base">
+                                        <p:cTn id="22" dur="500" fill="hold"/>
+                                        <p:tgtEl>
+                                          <p:spTgt spid="3">
+                                            <p:txEl>
+                                              <p:pRg st="4" end="4"/>
+                                            </p:txEl>
+                                          </p:spTgt>
+                                        </p:tgtEl>
+                                        <p:attrNameLst>
+                                          <p:attrName>ppt_y</p:attrName>
+                                        </p:attrNameLst>
+                                      </p:cBhvr>
+                                      <p:tavLst>
+                                        <p:tav tm="0">
+                                          <p:val>
+                                            <p:strVal val="1+#ppt_h/2"/>
+                                          </p:val>
+                                        </p:tav>
+                                        <p:tav tm="100000">
+                                          <p:val>
+                                            <p:strVal val="#ppt_y"/>
+                                          </p:val>
+                                        </p:tav>
+                                      </p:tavLst>
+                                    </p:anim>
+                                  </p:childTnLst>
+                                </p:cTn>
+                              </p:par>
+                              <p:par>
+                                <p:cTn id="23" presetID="2" presetClass="entr" presetSubtype="4" fill="hold" nodeType="withEffect">
+                                  <p:stCondLst>
+                                    <p:cond delay="0"/>
+                                  </p:stCondLst>
+                                  <p:childTnLst>
+                                    <p:set>
+                                      <p:cBhvr>
+                                        <p:cTn id="24" dur="1" fill="hold">
+                                          <p:stCondLst>
+                                            <p:cond delay="0"/>
+                                          </p:stCondLst>
+                                        </p:cTn>
+                                        <p:tgtEl>
+                                          <p:spTgt spid="3">
+                                            <p:txEl>
+                                              <p:pRg st="5" end="5"/>
+                                            </p:txEl>
+                                          </p:spTgt>
+                                        </p:tgtEl>
+                                        <p:attrNameLst>
+                                          <p:attrName>style.visibility</p:attrName>
+                                        </p:attrNameLst>
+                                      </p:cBhvr>
+                                      <p:to>
+                                        <p:strVal val="visible"/>
+                                      </p:to>
+                                    </p:set>
+                                    <p:anim calcmode="lin" valueType="num">
+                                      <p:cBhvr additive="base">
+                                        <p:cTn id="25" dur="500" fill="hold"/>
+                                        <p:tgtEl>
+                                          <p:spTgt spid="3">
+                                            <p:txEl>
+                                              <p:pRg st="5" end="5"/>
+                                            </p:txEl>
+                                          </p:spTgt>
+                                        </p:tgtEl>
+                                        <p:attrNameLst>
+                                          <p:attrName>ppt_x</p:attrName>
+                                        </p:attrNameLst>
+                                      </p:cBhvr>
+                                      <p:tavLst>
+                                        <p:tav tm="0">
+                                          <p:val>
+                                            <p:strVal val="#ppt_x"/>
+                                          </p:val>
+                                        </p:tav>
+                                        <p:tav tm="100000">
+                                          <p:val>
+                                            <p:strVal val="#ppt_x"/>
+                                          </p:val>
+                                        </p:tav>
+                                      </p:tavLst>
+                                    </p:anim>
+                                    <p:anim calcmode="lin" valueType="num">
+                                      <p:cBhvr additive="base">
+                                        <p:cTn id="26" dur="500" fill="hold"/>
+                                        <p:tgtEl>
+                                          <p:spTgt spid="3">
+                                            <p:txEl>
+                                              <p:pRg st="5" end="5"/>
+                                            </p:txEl>
+                                          </p:spTgt>
+                                        </p:tgtEl>
+                                        <p:attrNameLst>
+                                          <p:attrName>ppt_y</p:attrName>
+                                        </p:attrNameLst>
+                                      </p:cBhvr>
+                                      <p:tavLst>
+                                        <p:tav tm="0">
+                                          <p:val>
+                                            <p:strVal val="1+#ppt_h/2"/>
+                                          </p:val>
+                                        </p:tav>
+                                        <p:tav tm="100000">
+                                          <p:val>
+                                            <p:strVal val="#ppt_y"/>
+                                          </p:val>
+                                        </p:tav>
+                                      </p:tavLst>
+                                    </p:anim>
+                                  </p:childTnLst>
+                                </p:cTn>
+                              </p:par>
+                              <p:par>
+                                <p:cTn id="27" presetID="2" presetClass="entr" presetSubtype="4" fill="hold" nodeType="withEffect">
+                                  <p:stCondLst>
+                                    <p:cond delay="0"/>
+                                  </p:stCondLst>
+                                  <p:childTnLst>
+                                    <p:set>
+                                      <p:cBhvr>
+                                        <p:cTn id="28" dur="1" fill="hold">
+                                          <p:stCondLst>
+                                            <p:cond delay="0"/>
+                                          </p:stCondLst>
+                                        </p:cTn>
+                                        <p:tgtEl>
+                                          <p:spTgt spid="3">
+                                            <p:txEl>
+                                              <p:pRg st="6" end="6"/>
+                                            </p:txEl>
+                                          </p:spTgt>
+                                        </p:tgtEl>
+                                        <p:attrNameLst>
+                                          <p:attrName>style.visibility</p:attrName>
+                                        </p:attrNameLst>
+                                      </p:cBhvr>
+                                      <p:to>
+                                        <p:strVal val="visible"/>
+                                      </p:to>
+                                    </p:set>
+                                    <p:anim calcmode="lin" valueType="num">
+                                      <p:cBhvr additive="base">
+                                        <p:cTn id="29" dur="500" fill="hold"/>
+                                        <p:tgtEl>
+                                          <p:spTgt spid="3">
+                                            <p:txEl>
+                                              <p:pRg st="6" end="6"/>
+                                            </p:txEl>
+                                          </p:spTgt>
+                                        </p:tgtEl>
+                                        <p:attrNameLst>
+                                          <p:attrName>ppt_x</p:attrName>
+                                        </p:attrNameLst>
+                                      </p:cBhvr>
+                                      <p:tavLst>
+                                        <p:tav tm="0">
+                                          <p:val>
+                                            <p:strVal val="#ppt_x"/>
+                                          </p:val>
+                                        </p:tav>
+                                        <p:tav tm="100000">
+                                          <p:val>
+                                            <p:strVal val="#ppt_x"/>
+                                          </p:val>
+                                        </p:tav>
+                                      </p:tavLst>
+                                    </p:anim>
+                                    <p:anim calcmode="lin" valueType="num">
+                                      <p:cBhvr additive="base">
+                                        <p:cTn id="30" dur="500" fill="hold"/>
+                                        <p:tgtEl>
+                                          <p:spTgt spid="3">
+                                            <p:txEl>
+                                              <p:pRg st="6" end="6"/>
+                                            </p:txEl>
+                                          </p:spTgt>
+                                        </p:tgtEl>
+                                        <p:attrNameLst>
+                                          <p:attrName>ppt_y</p:attrName>
+                                        </p:attrNameLst>
+                                      </p:cBhvr>
+                                      <p:tavLst>
+                                        <p:tav tm="0">
+                                          <p:val>
+                                            <p:strVal val="1+#ppt_h/2"/>
+                                          </p:val>
+                                        </p:tav>
+                                        <p:tav tm="100000">
+                                          <p:val>
+                                            <p:strVal val="#ppt_y"/>
+                                          </p:val>
+                                        </p:tav>
+                                      </p:tavLst>
+                                    </p:anim>
+                                  </p:childTnLst>
+                                </p:cTn>
+                              </p:par>
+                            </p:childTnLst>
+                          </p:cTn>
+                        </p:par>
+                      </p:childTnLst>
+                    </p:cTn>
+                  </p:par>
+                  <p:par>
+                    <p:cTn id="31" fill="hold">
+                      <p:stCondLst>
+                        <p:cond delay="indefinite"/>
+                      </p:stCondLst>
+                      <p:childTnLst>
+                        <p:par>
+                          <p:cTn id="32" fill="hold">
+                            <p:stCondLst>
+                              <p:cond delay="0"/>
+                            </p:stCondLst>
+                            <p:childTnLst>
+                              <p:par>
+                                <p:cTn id="33" presetID="2" presetClass="entr" presetSubtype="4" fill="hold" nodeType="clickEffect">
+                                  <p:stCondLst>
+                                    <p:cond delay="0"/>
+                                  </p:stCondLst>
+                                  <p:childTnLst>
+                                    <p:set>
+                                      <p:cBhvr>
+                                        <p:cTn id="34" dur="1" fill="hold">
+                                          <p:stCondLst>
+                                            <p:cond delay="0"/>
+                                          </p:stCondLst>
+                                        </p:cTn>
+                                        <p:tgtEl>
+                                          <p:spTgt spid="3">
+                                            <p:txEl>
+                                              <p:pRg st="8" end="8"/>
+                                            </p:txEl>
+                                          </p:spTgt>
+                                        </p:tgtEl>
+                                        <p:attrNameLst>
+                                          <p:attrName>style.visibility</p:attrName>
+                                        </p:attrNameLst>
+                                      </p:cBhvr>
+                                      <p:to>
+                                        <p:strVal val="visible"/>
+                                      </p:to>
+                                    </p:set>
+                                    <p:anim calcmode="lin" valueType="num">
+                                      <p:cBhvr additive="base">
+                                        <p:cTn id="35" dur="500" fill="hold"/>
+                                        <p:tgtEl>
+                                          <p:spTgt spid="3">
+                                            <p:txEl>
+                                              <p:pRg st="8" end="8"/>
+                                            </p:txEl>
+                                          </p:spTgt>
+                                        </p:tgtEl>
+                                        <p:attrNameLst>
+                                          <p:attrName>ppt_x</p:attrName>
+                                        </p:attrNameLst>
+                                      </p:cBhvr>
+                                      <p:tavLst>
+                                        <p:tav tm="0">
+                                          <p:val>
+                                            <p:strVal val="#ppt_x"/>
+                                          </p:val>
+                                        </p:tav>
+                                        <p:tav tm="100000">
+                                          <p:val>
+                                            <p:strVal val="#ppt_x"/>
+                                          </p:val>
+                                        </p:tav>
+                                      </p:tavLst>
+                                    </p:anim>
+                                    <p:anim calcmode="lin" valueType="num">
+                                      <p:cBhvr additive="base">
+                                        <p:cTn id="36" dur="500" fill="hold"/>
+                                        <p:tgtEl>
+                                          <p:spTgt spid="3">
+                                            <p:txEl>
+                                              <p:pRg st="8" end="8"/>
+                                            </p:txEl>
+                                          </p:spTgt>
+                                        </p:tgtEl>
+                                        <p:attrNameLst>
+                                          <p:attrName>ppt_y</p:attrName>
+                                        </p:attrNameLst>
+                                      </p:cBhvr>
+                                      <p:tavLst>
+                                        <p:tav tm="0">
+                                          <p:val>
+                                            <p:strVal val="1+#ppt_h/2"/>
+                                          </p:val>
+                                        </p:tav>
+                                        <p:tav tm="100000">
+                                          <p:val>
+                                            <p:strVal val="#ppt_y"/>
+                                          </p:val>
+                                        </p:tav>
+                                      </p:tavLst>
+                                    </p:anim>
+                                  </p:childTnLst>
+                                </p:cTn>
+                              </p:par>
+                              <p:par>
+                                <p:cTn id="37" presetID="2" presetClass="entr" presetSubtype="4" fill="hold" nodeType="withEffect">
+                                  <p:stCondLst>
+                                    <p:cond delay="0"/>
+                                  </p:stCondLst>
+                                  <p:childTnLst>
+                                    <p:set>
+                                      <p:cBhvr>
+                                        <p:cTn id="38" dur="1" fill="hold">
+                                          <p:stCondLst>
+                                            <p:cond delay="0"/>
+                                          </p:stCondLst>
+                                        </p:cTn>
+                                        <p:tgtEl>
+                                          <p:spTgt spid="3">
+                                            <p:txEl>
+                                              <p:pRg st="9" end="9"/>
+                                            </p:txEl>
+                                          </p:spTgt>
+                                        </p:tgtEl>
+                                        <p:attrNameLst>
+                                          <p:attrName>style.visibility</p:attrName>
+                                        </p:attrNameLst>
+                                      </p:cBhvr>
+                                      <p:to>
+                                        <p:strVal val="visible"/>
+                                      </p:to>
+                                    </p:set>
+                                    <p:anim calcmode="lin" valueType="num">
+                                      <p:cBhvr additive="base">
+                                        <p:cTn id="39" dur="500" fill="hold"/>
+                                        <p:tgtEl>
+                                          <p:spTgt spid="3">
+                                            <p:txEl>
+                                              <p:pRg st="9" end="9"/>
+                                            </p:txEl>
+                                          </p:spTgt>
+                                        </p:tgtEl>
+                                        <p:attrNameLst>
+                                          <p:attrName>ppt_x</p:attrName>
+                                        </p:attrNameLst>
+                                      </p:cBhvr>
+                                      <p:tavLst>
+                                        <p:tav tm="0">
+                                          <p:val>
+                                            <p:strVal val="#ppt_x"/>
+                                          </p:val>
+                                        </p:tav>
+                                        <p:tav tm="100000">
+                                          <p:val>
+                                            <p:strVal val="#ppt_x"/>
+                                          </p:val>
+                                        </p:tav>
+                                      </p:tavLst>
+                                    </p:anim>
+                                    <p:anim calcmode="lin" valueType="num">
+                                      <p:cBhvr additive="base">
+                                        <p:cTn id="40" dur="500" fill="hold"/>
+                                        <p:tgtEl>
+                                          <p:spTgt spid="3">
+                                            <p:txEl>
+                                              <p:pRg st="9" end="9"/>
+                                            </p:txEl>
+                                          </p:spTgt>
+                                        </p:tgtEl>
+                                        <p:attrNameLst>
+                                          <p:attrName>ppt_y</p:attrName>
+                                        </p:attrNameLst>
+                                      </p:cBhvr>
+                                      <p:tavLst>
+                                        <p:tav tm="0">
+                                          <p:val>
+                                            <p:strVal val="1+#ppt_h/2"/>
+                                          </p:val>
+                                        </p:tav>
+                                        <p:tav tm="100000">
+                                          <p:val>
+                                            <p:strVal val="#ppt_y"/>
+                                          </p:val>
+                                        </p:tav>
+                                      </p:tavLst>
+                                    </p:anim>
+                                  </p:childTnLst>
+                                </p:cTn>
+                              </p:par>
+                              <p:par>
+                                <p:cTn id="41" presetID="2" presetClass="entr" presetSubtype="4" fill="hold" nodeType="withEffect">
+                                  <p:stCondLst>
+                                    <p:cond delay="0"/>
+                                  </p:stCondLst>
+                                  <p:childTnLst>
+                                    <p:set>
+                                      <p:cBhvr>
+                                        <p:cTn id="42" dur="1" fill="hold">
+                                          <p:stCondLst>
+                                            <p:cond delay="0"/>
+                                          </p:stCondLst>
+                                        </p:cTn>
+                                        <p:tgtEl>
+                                          <p:spTgt spid="3">
+                                            <p:txEl>
+                                              <p:pRg st="10" end="10"/>
+                                            </p:txEl>
+                                          </p:spTgt>
+                                        </p:tgtEl>
+                                        <p:attrNameLst>
+                                          <p:attrName>style.visibility</p:attrName>
+                                        </p:attrNameLst>
+                                      </p:cBhvr>
+                                      <p:to>
+                                        <p:strVal val="visible"/>
+                                      </p:to>
+                                    </p:set>
+                                    <p:anim calcmode="lin" valueType="num">
+                                      <p:cBhvr additive="base">
+                                        <p:cTn id="43" dur="500" fill="hold"/>
+                                        <p:tgtEl>
+                                          <p:spTgt spid="3">
+                                            <p:txEl>
+                                              <p:pRg st="10" end="10"/>
+                                            </p:txEl>
+                                          </p:spTgt>
+                                        </p:tgtEl>
+                                        <p:attrNameLst>
+                                          <p:attrName>ppt_x</p:attrName>
+                                        </p:attrNameLst>
+                                      </p:cBhvr>
+                                      <p:tavLst>
+                                        <p:tav tm="0">
+                                          <p:val>
+                                            <p:strVal val="#ppt_x"/>
+                                          </p:val>
+                                        </p:tav>
+                                        <p:tav tm="100000">
+                                          <p:val>
+                                            <p:strVal val="#ppt_x"/>
+                                          </p:val>
+                                        </p:tav>
+                                      </p:tavLst>
+                                    </p:anim>
+                                    <p:anim calcmode="lin" valueType="num">
+                                      <p:cBhvr additive="base">
+                                        <p:cTn id="44" dur="500" fill="hold"/>
+                                        <p:tgtEl>
+                                          <p:spTgt spid="3">
+                                            <p:txEl>
+                                              <p:pRg st="10" end="10"/>
+                                            </p:txEl>
+                                          </p:spTgt>
+                                        </p:tgtEl>
+                                        <p:attrNameLst>
+                                          <p:attrName>ppt_y</p:attrName>
+                                        </p:attrNameLst>
+                                      </p:cBhvr>
+                                      <p:tavLst>
+                                        <p:tav tm="0">
+                                          <p:val>
+                                            <p:strVal val="1+#ppt_h/2"/>
+                                          </p:val>
+                                        </p:tav>
+                                        <p:tav tm="100000">
+                                          <p:val>
+                                            <p:strVal val="#ppt_y"/>
+                                          </p:val>
+                                        </p:tav>
+                                      </p:tavLst>
+                                    </p:anim>
+                                  </p:childTnLst>
+                                </p:cTn>
+                              </p:par>
+                            </p:childTnLst>
+                          </p:cTn>
+                        </p:par>
+                      </p:childTnLst>
+                    </p:cTn>
+                  </p:par>
+                </p:childTnLst>
+              </p:cTn>
+              <p:prevCondLst>
+                <p:cond evt="onPrev" delay="0">
+                  <p:tgtEl>
+                    <p:sldTgt/>
+                  </p:tgtEl>
+                </p:cond>
+              </p:prevCondLst>
+              <p:nextCondLst>
+                <p:cond evt="onNext" delay="0">
+                  <p:tgtEl>
+                    <p:sldTgt/>
+                  </p:tgtEl>
+                </p:cond>
+              </p:nextCondLst>
+            </p:seq>
+          </p:childTnLst>
+        </p:cTn>
+      </p:par>
+    </p:tnLst>
+  </p:timing>
+</p:sld>
+</file>
+
+<file path=ppt/slides/slide12.xml><?xml version="1.0" encoding="utf-8"?>
+<p:sld xmlns:a="http://schemas.openxmlformats.org/drawingml/2006/main" xmlns:r="http://schemas.openxmlformats.org/officeDocument/2006/relationships" xmlns:p="http://schemas.openxmlformats.org/presentationml/2006/main">
+  <p:cSld>
+    <p:spTree>
+      <p:nvGrpSpPr>
+        <p:cNvPr id="1" name=""/>
+        <p:cNvGrpSpPr/>
+        <p:nvPr/>
+      </p:nvGrpSpPr>
+      <p:grpSpPr>
+        <a:xfrm>
+          <a:off x="0" y="0"/>
+          <a:ext cx="0" cy="0"/>
+          <a:chOff x="0" y="0"/>
+          <a:chExt cx="0" cy="0"/>
+        </a:xfrm>
+      </p:grpSpPr>
+      <p:sp>
+        <p:nvSpPr>
+          <p:cNvPr id="2" name="Title 1"/>
+          <p:cNvSpPr>
+            <a:spLocks noGrp="1"/>
+          </p:cNvSpPr>
+          <p:nvPr>
+            <p:ph type="title"/>
+          </p:nvPr>
+        </p:nvSpPr>
+        <p:spPr>
+          <a:xfrm>
+            <a:off x="1141412" y="-178316"/>
+            <a:ext cx="9905998" cy="1478570"/>
+          </a:xfrm>
+        </p:spPr>
+        <p:txBody>
+          <a:bodyPr/>
+          <a:lstStyle/>
+          <a:p>
+            <a:pPr algn="ctr"/>
+            <a:r>
+              <a:rPr lang="en-IN" b="1" dirty="0" smtClean="0">
+                <a:solidFill>
+                  <a:schemeClr val="bg2">
+                    <a:lumMod val="50000"/>
+                  </a:schemeClr>
+                </a:solidFill>
+              </a:rPr>
+              <a:t>Challenges</a:t>
+            </a:r>
+            <a:endParaRPr lang="en-IN" b="1" dirty="0">
+              <a:solidFill>
+                <a:schemeClr val="bg2">
+                  <a:lumMod val="50000"/>
+                </a:schemeClr>
+              </a:solidFill>
+            </a:endParaRPr>
+          </a:p>
+        </p:txBody>
+      </p:sp>
+      <p:sp>
+        <p:nvSpPr>
+          <p:cNvPr id="3" name="Content Placeholder 2"/>
+          <p:cNvSpPr>
+            <a:spLocks noGrp="1"/>
+          </p:cNvSpPr>
+          <p:nvPr>
+            <p:ph idx="1"/>
+          </p:nvPr>
+        </p:nvSpPr>
+        <p:spPr>
+          <a:xfrm>
+            <a:off x="588802" y="1038996"/>
+            <a:ext cx="11011218" cy="5466306"/>
+          </a:xfrm>
+        </p:spPr>
+        <p:txBody>
+          <a:bodyPr>
+            <a:normAutofit/>
+          </a:bodyPr>
+          <a:lstStyle/>
+          <a:p>
+            <a:r>
+              <a:rPr lang="en-IN" sz="2800" b="1" dirty="0">
+                <a:solidFill>
+                  <a:schemeClr val="bg2">
+                    <a:lumMod val="50000"/>
+                  </a:schemeClr>
+                </a:solidFill>
+              </a:rPr>
+              <a:t>Variability and </a:t>
+            </a:r>
+            <a:r>
+              <a:rPr lang="en-IN" sz="2800" b="1" dirty="0" smtClean="0">
+                <a:solidFill>
+                  <a:schemeClr val="bg2">
+                    <a:lumMod val="50000"/>
+                  </a:schemeClr>
+                </a:solidFill>
+              </a:rPr>
+              <a:t>Complexity :</a:t>
+            </a:r>
+            <a:endParaRPr lang="en-IN" sz="2800" b="1" dirty="0">
+              <a:solidFill>
+                <a:schemeClr val="bg2">
+                  <a:lumMod val="50000"/>
+                </a:schemeClr>
+              </a:solidFill>
+            </a:endParaRPr>
+          </a:p>
+          <a:p>
+            <a:pPr lvl="1"/>
+            <a:r>
+              <a:rPr lang="en-IN" sz="2200" dirty="0">
+                <a:solidFill>
+                  <a:srgbClr val="451717"/>
+                </a:solidFill>
+              </a:rPr>
+              <a:t>Changes in lighting condition may affect object recognition.</a:t>
+            </a:r>
+          </a:p>
+          <a:p>
+            <a:pPr lvl="1"/>
+            <a:r>
+              <a:rPr lang="en-IN" sz="2200" dirty="0">
+                <a:solidFill>
+                  <a:srgbClr val="451717"/>
+                </a:solidFill>
+              </a:rPr>
+              <a:t>Viewpoint variation, object may appear different from different angles.</a:t>
+            </a:r>
+          </a:p>
+          <a:p>
+            <a:pPr lvl="1"/>
+            <a:r>
+              <a:rPr lang="en-IN" sz="2200" dirty="0">
+                <a:solidFill>
+                  <a:srgbClr val="451717"/>
+                </a:solidFill>
+              </a:rPr>
+              <a:t>Occlusion of objects making it hard to detect correctly.</a:t>
+            </a:r>
+          </a:p>
+          <a:p>
+            <a:pPr lvl="1"/>
+            <a:r>
+              <a:rPr lang="en-IN" sz="2200" dirty="0">
+                <a:solidFill>
+                  <a:srgbClr val="451717"/>
+                </a:solidFill>
+              </a:rPr>
+              <a:t>If the object do not have a fixed shape then it is hard to recognize, ex-smoke, fire etc</a:t>
+            </a:r>
+            <a:r>
+              <a:rPr lang="en-IN" sz="2200" dirty="0" smtClean="0">
+                <a:solidFill>
+                  <a:srgbClr val="451717"/>
+                </a:solidFill>
+              </a:rPr>
+              <a:t>. </a:t>
+            </a:r>
+            <a:r>
+              <a:rPr lang="en-IN" sz="2200" dirty="0" smtClean="0">
+                <a:solidFill>
+                  <a:srgbClr val="451717"/>
+                </a:solidFill>
+                <a:hlinkClick r:id="" action="ppaction://hlinkshowjump?jump=lastslide"/>
+              </a:rPr>
+              <a:t>[10]</a:t>
+            </a:r>
+            <a:endParaRPr lang="en-IN" sz="2200" dirty="0">
+              <a:solidFill>
+                <a:srgbClr val="451717"/>
+              </a:solidFill>
+            </a:endParaRPr>
+          </a:p>
+          <a:p>
+            <a:endParaRPr lang="en-IN" dirty="0" smtClean="0"/>
+          </a:p>
+          <a:p>
+            <a:r>
+              <a:rPr lang="en-IN" sz="2800" b="1" dirty="0" smtClean="0">
+                <a:solidFill>
+                  <a:schemeClr val="bg2">
+                    <a:lumMod val="50000"/>
+                  </a:schemeClr>
+                </a:solidFill>
+              </a:rPr>
+              <a:t>Ethical </a:t>
+            </a:r>
+            <a:r>
+              <a:rPr lang="en-IN" sz="2800" b="1" dirty="0">
+                <a:solidFill>
+                  <a:schemeClr val="bg2">
+                    <a:lumMod val="50000"/>
+                  </a:schemeClr>
+                </a:solidFill>
+              </a:rPr>
+              <a:t>&amp; Privacy </a:t>
+            </a:r>
+            <a:r>
+              <a:rPr lang="en-IN" sz="2800" b="1" dirty="0" smtClean="0">
+                <a:solidFill>
+                  <a:schemeClr val="bg2">
+                    <a:lumMod val="50000"/>
+                  </a:schemeClr>
+                </a:solidFill>
+              </a:rPr>
+              <a:t>Concerns :</a:t>
+            </a:r>
+          </a:p>
+          <a:p>
+            <a:pPr lvl="1"/>
+            <a:r>
+              <a:rPr lang="en-IN" sz="2200" dirty="0">
+                <a:solidFill>
+                  <a:srgbClr val="451717"/>
+                </a:solidFill>
+              </a:rPr>
+              <a:t>CV-based surveillance raises privacy concerns.</a:t>
+            </a:r>
+            <a:endParaRPr lang="en-IN" sz="2200" dirty="0" smtClean="0">
+              <a:solidFill>
+                <a:srgbClr val="451717"/>
+              </a:solidFill>
+            </a:endParaRPr>
+          </a:p>
+          <a:p>
+            <a:pPr lvl="1"/>
+            <a:r>
+              <a:rPr lang="en-US" sz="2200" dirty="0">
+                <a:solidFill>
+                  <a:srgbClr val="451717"/>
+                </a:solidFill>
+              </a:rPr>
+              <a:t>CV can be used to create fake videos and manipulate </a:t>
+            </a:r>
+            <a:r>
+              <a:rPr lang="en-US" sz="2200" dirty="0" smtClean="0">
+                <a:solidFill>
+                  <a:srgbClr val="451717"/>
+                </a:solidFill>
+              </a:rPr>
+              <a:t>media(Deep fake)</a:t>
+            </a:r>
+            <a:r>
+              <a:rPr lang="en-IN" sz="2200" dirty="0" smtClean="0">
+                <a:solidFill>
+                  <a:srgbClr val="451717"/>
+                </a:solidFill>
+              </a:rPr>
+              <a:t>. </a:t>
+            </a:r>
+            <a:r>
+              <a:rPr lang="en-IN" sz="2200" dirty="0" smtClean="0">
+                <a:solidFill>
+                  <a:srgbClr val="451717"/>
+                </a:solidFill>
+                <a:hlinkClick r:id="" action="ppaction://hlinkshowjump?jump=lastslide"/>
+              </a:rPr>
+              <a:t>[10]</a:t>
+            </a:r>
+            <a:endParaRPr lang="en-IN" sz="2200" dirty="0" smtClean="0">
+              <a:solidFill>
+                <a:srgbClr val="451717"/>
+              </a:solidFill>
+            </a:endParaRPr>
+          </a:p>
+        </p:txBody>
+      </p:sp>
+      <p:sp>
+        <p:nvSpPr>
+          <p:cNvPr id="4" name="Slide Number Placeholder 3"/>
+          <p:cNvSpPr>
+            <a:spLocks noGrp="1"/>
+          </p:cNvSpPr>
+          <p:nvPr>
+            <p:ph type="sldNum" sz="quarter" idx="12"/>
+          </p:nvPr>
+        </p:nvSpPr>
+        <p:spPr/>
+        <p:txBody>
+          <a:bodyPr/>
+          <a:lstStyle/>
+          <a:p>
+            <a:fld id="{E9D42EC4-55FD-406C-82BB-203E3BBE455C}" type="slidenum">
+              <a:rPr lang="en-IN" smtClean="0"/>
+              <a:t>12</a:t>
+            </a:fld>
+            <a:endParaRPr lang="en-IN"/>
+          </a:p>
+        </p:txBody>
+      </p:sp>
+    </p:spTree>
+    <p:extLst>
+      <p:ext uri="{BB962C8B-B14F-4D97-AF65-F5344CB8AC3E}">
+        <p14:creationId xmlns:p14="http://schemas.microsoft.com/office/powerpoint/2010/main" val="1849807735"/>
+      </p:ext>
+    </p:extLst>
+  </p:cSld>
+  <p:clrMapOvr>
+    <a:masterClrMapping/>
+  </p:clrMapOvr>
+  <p:transition spd="slow">
+    <p:wipe/>
+  </p:transition>
+  <p:timing>
+    <p:tnLst>
+      <p:par>
+        <p:cTn id="1" dur="indefinite" restart="never" nodeType="tmRoot">
+          <p:childTnLst>
+            <p:seq concurrent="1" nextAc="seek">
+              <p:cTn id="2" dur="indefinite" nodeType="mainSeq">
+                <p:childTnLst>
+                  <p:par>
+                    <p:cTn id="3" fill="hold">
+                      <p:stCondLst>
+                        <p:cond delay="indefinite"/>
+                      </p:stCondLst>
+                      <p:childTnLst>
+                        <p:par>
+                          <p:cTn id="4" fill="hold">
+                            <p:stCondLst>
+                              <p:cond delay="0"/>
+                            </p:stCondLst>
+                            <p:childTnLst>
+                              <p:par>
+                                <p:cTn id="5" presetID="2" presetClass="entr" presetSubtype="4" fill="hold" nodeType="clickEffect">
+                                  <p:stCondLst>
+                                    <p:cond delay="0"/>
+                                  </p:stCondLst>
+                                  <p:childTnLst>
+                                    <p:set>
+                                      <p:cBhvr>
+                                        <p:cTn id="6" dur="1" fill="hold">
+                                          <p:stCondLst>
+                                            <p:cond delay="0"/>
+                                          </p:stCondLst>
+                                        </p:cTn>
+                                        <p:tgtEl>
+                                          <p:spTgt spid="3">
+                                            <p:txEl>
+                                              <p:pRg st="0" end="0"/>
+                                            </p:txEl>
+                                          </p:spTgt>
+                                        </p:tgtEl>
+                                        <p:attrNameLst>
+                                          <p:attrName>style.visibility</p:attrName>
+                                        </p:attrNameLst>
+                                      </p:cBhvr>
+                                      <p:to>
+                                        <p:strVal val="visible"/>
+                                      </p:to>
+                                    </p:set>
+                                    <p:anim calcmode="lin" valueType="num">
+                                      <p:cBhvr additive="base">
+                                        <p:cTn id="7" dur="500" fill="hold"/>
+                                        <p:tgtEl>
+                                          <p:spTgt spid="3">
+                                            <p:txEl>
+                                              <p:pRg st="0" end="0"/>
+                                            </p:txEl>
+                                          </p:spTgt>
+                                        </p:tgtEl>
+                                        <p:attrNameLst>
+                                          <p:attrName>ppt_x</p:attrName>
+                                        </p:attrNameLst>
+                                      </p:cBhvr>
+                                      <p:tavLst>
+                                        <p:tav tm="0">
+                                          <p:val>
+                                            <p:strVal val="#ppt_x"/>
+                                          </p:val>
+                                        </p:tav>
+                                        <p:tav tm="100000">
+                                          <p:val>
+                                            <p:strVal val="#ppt_x"/>
+                                          </p:val>
+                                        </p:tav>
+                                      </p:tavLst>
+                                    </p:anim>
+                                    <p:anim calcmode="lin" valueType="num">
+                                      <p:cBhvr additive="base">
+                                        <p:cTn id="8" dur="500" fill="hold"/>
+                                        <p:tgtEl>
+                                          <p:spTgt spid="3">
+                                            <p:txEl>
+                                              <p:pRg st="0" end="0"/>
+                                            </p:txEl>
+                                          </p:spTgt>
+                                        </p:tgtEl>
+                                        <p:attrNameLst>
+                                          <p:attrName>ppt_y</p:attrName>
+                                        </p:attrNameLst>
+                                      </p:cBhvr>
+                                      <p:tavLst>
+                                        <p:tav tm="0">
+                                          <p:val>
+                                            <p:strVal val="1+#ppt_h/2"/>
+                                          </p:val>
+                                        </p:tav>
+                                        <p:tav tm="100000">
+                                          <p:val>
+                                            <p:strVal val="#ppt_y"/>
+                                          </p:val>
+                                        </p:tav>
+                                      </p:tavLst>
+                                    </p:anim>
+                                  </p:childTnLst>
+                                </p:cTn>
+                              </p:par>
+                              <p:par>
+                                <p:cTn id="9" presetID="2" presetClass="entr" presetSubtype="4" fill="hold" nodeType="withEffect">
+                                  <p:stCondLst>
+                                    <p:cond delay="0"/>
+                                  </p:stCondLst>
+                                  <p:childTnLst>
+                                    <p:set>
+                                      <p:cBhvr>
+                                        <p:cTn id="10" dur="1" fill="hold">
+                                          <p:stCondLst>
+                                            <p:cond delay="0"/>
+                                          </p:stCondLst>
+                                        </p:cTn>
+                                        <p:tgtEl>
+                                          <p:spTgt spid="3">
+                                            <p:txEl>
+                                              <p:pRg st="1" end="1"/>
+                                            </p:txEl>
+                                          </p:spTgt>
+                                        </p:tgtEl>
+                                        <p:attrNameLst>
+                                          <p:attrName>style.visibility</p:attrName>
+                                        </p:attrNameLst>
+                                      </p:cBhvr>
+                                      <p:to>
+                                        <p:strVal val="visible"/>
+                                      </p:to>
+                                    </p:set>
+                                    <p:anim calcmode="lin" valueType="num">
+                                      <p:cBhvr additive="base">
+                                        <p:cTn id="11" dur="500" fill="hold"/>
+                                        <p:tgtEl>
+                                          <p:spTgt spid="3">
+                                            <p:txEl>
+                                              <p:pRg st="1" end="1"/>
+                                            </p:txEl>
+                                          </p:spTgt>
+                                        </p:tgtEl>
+                                        <p:attrNameLst>
+                                          <p:attrName>ppt_x</p:attrName>
+                                        </p:attrNameLst>
+                                      </p:cBhvr>
+                                      <p:tavLst>
+                                        <p:tav tm="0">
+                                          <p:val>
+                                            <p:strVal val="#ppt_x"/>
+                                          </p:val>
+                                        </p:tav>
+                                        <p:tav tm="100000">
+                                          <p:val>
+                                            <p:strVal val="#ppt_x"/>
+                                          </p:val>
+                                        </p:tav>
+                                      </p:tavLst>
+                                    </p:anim>
+                                    <p:anim calcmode="lin" valueType="num">
+                                      <p:cBhvr additive="base">
+                                        <p:cTn id="12" dur="500" fill="hold"/>
+                                        <p:tgtEl>
+                                          <p:spTgt spid="3">
+                                            <p:txEl>
+                                              <p:pRg st="1" end="1"/>
+                                            </p:txEl>
+                                          </p:spTgt>
+                                        </p:tgtEl>
+                                        <p:attrNameLst>
+                                          <p:attrName>ppt_y</p:attrName>
+                                        </p:attrNameLst>
+                                      </p:cBhvr>
+                                      <p:tavLst>
+                                        <p:tav tm="0">
+                                          <p:val>
+                                            <p:strVal val="1+#ppt_h/2"/>
+                                          </p:val>
+                                        </p:tav>
+                                        <p:tav tm="100000">
+                                          <p:val>
+                                            <p:strVal val="#ppt_y"/>
+                                          </p:val>
+                                        </p:tav>
+                                      </p:tavLst>
+                                    </p:anim>
+                                  </p:childTnLst>
+                                </p:cTn>
+                              </p:par>
+                              <p:par>
+                                <p:cTn id="13" presetID="2" presetClass="entr" presetSubtype="4" fill="hold" nodeType="withEffect">
+                                  <p:stCondLst>
+                                    <p:cond delay="0"/>
+                                  </p:stCondLst>
+                                  <p:childTnLst>
+                                    <p:set>
+                                      <p:cBhvr>
+                                        <p:cTn id="14" dur="1" fill="hold">
+                                          <p:stCondLst>
+                                            <p:cond delay="0"/>
+                                          </p:stCondLst>
+                                        </p:cTn>
+                                        <p:tgtEl>
+                                          <p:spTgt spid="3">
+                                            <p:txEl>
+                                              <p:pRg st="2" end="2"/>
+                                            </p:txEl>
+                                          </p:spTgt>
+                                        </p:tgtEl>
+                                        <p:attrNameLst>
+                                          <p:attrName>style.visibility</p:attrName>
+                                        </p:attrNameLst>
+                                      </p:cBhvr>
+                                      <p:to>
+                                        <p:strVal val="visible"/>
+                                      </p:to>
+                                    </p:set>
+                                    <p:anim calcmode="lin" valueType="num">
+                                      <p:cBhvr additive="base">
+                                        <p:cTn id="15" dur="500" fill="hold"/>
+                                        <p:tgtEl>
+                                          <p:spTgt spid="3">
+                                            <p:txEl>
+                                              <p:pRg st="2" end="2"/>
+                                            </p:txEl>
+                                          </p:spTgt>
+                                        </p:tgtEl>
+                                        <p:attrNameLst>
+                                          <p:attrName>ppt_x</p:attrName>
+                                        </p:attrNameLst>
+                                      </p:cBhvr>
+                                      <p:tavLst>
+                                        <p:tav tm="0">
+                                          <p:val>
+                                            <p:strVal val="#ppt_x"/>
+                                          </p:val>
+                                        </p:tav>
+                                        <p:tav tm="100000">
+                                          <p:val>
+                                            <p:strVal val="#ppt_x"/>
+                                          </p:val>
+                                        </p:tav>
+                                      </p:tavLst>
+                                    </p:anim>
+                                    <p:anim calcmode="lin" valueType="num">
+                                      <p:cBhvr additive="base">
+                                        <p:cTn id="16" dur="500" fill="hold"/>
+                                        <p:tgtEl>
+                                          <p:spTgt spid="3">
+                                            <p:txEl>
+                                              <p:pRg st="2" end="2"/>
+                                            </p:txEl>
+                                          </p:spTgt>
+                                        </p:tgtEl>
+                                        <p:attrNameLst>
+                                          <p:attrName>ppt_y</p:attrName>
+                                        </p:attrNameLst>
+                                      </p:cBhvr>
+                                      <p:tavLst>
+                                        <p:tav tm="0">
+                                          <p:val>
+                                            <p:strVal val="1+#ppt_h/2"/>
+                                          </p:val>
+                                        </p:tav>
+                                        <p:tav tm="100000">
+                                          <p:val>
+                                            <p:strVal val="#ppt_y"/>
+                                          </p:val>
+                                        </p:tav>
+                                      </p:tavLst>
+                                    </p:anim>
+                                  </p:childTnLst>
+                                </p:cTn>
+                              </p:par>
+                              <p:par>
+                                <p:cTn id="17" presetID="2" presetClass="entr" presetSubtype="4" fill="hold" nodeType="withEffect">
+                                  <p:stCondLst>
+                                    <p:cond delay="0"/>
+                                  </p:stCondLst>
+                                  <p:childTnLst>
+                                    <p:set>
+                                      <p:cBhvr>
+                                        <p:cTn id="18" dur="1" fill="hold">
+                                          <p:stCondLst>
+                                            <p:cond delay="0"/>
+                                          </p:stCondLst>
+                                        </p:cTn>
+                                        <p:tgtEl>
+                                          <p:spTgt spid="3">
+                                            <p:txEl>
+                                              <p:pRg st="3" end="3"/>
+                                            </p:txEl>
+                                          </p:spTgt>
+                                        </p:tgtEl>
+                                        <p:attrNameLst>
+                                          <p:attrName>style.visibility</p:attrName>
+                                        </p:attrNameLst>
+                                      </p:cBhvr>
+                                      <p:to>
+                                        <p:strVal val="visible"/>
+                                      </p:to>
+                                    </p:set>
+                                    <p:anim calcmode="lin" valueType="num">
+                                      <p:cBhvr additive="base">
+                                        <p:cTn id="19" dur="500" fill="hold"/>
+                                        <p:tgtEl>
+                                          <p:spTgt spid="3">
+                                            <p:txEl>
+                                              <p:pRg st="3" end="3"/>
+                                            </p:txEl>
+                                          </p:spTgt>
+                                        </p:tgtEl>
+                                        <p:attrNameLst>
+                                          <p:attrName>ppt_x</p:attrName>
+                                        </p:attrNameLst>
+                                      </p:cBhvr>
+                                      <p:tavLst>
+                                        <p:tav tm="0">
+                                          <p:val>
+                                            <p:strVal val="#ppt_x"/>
+                                          </p:val>
+                                        </p:tav>
+                                        <p:tav tm="100000">
+                                          <p:val>
+                                            <p:strVal val="#ppt_x"/>
+                                          </p:val>
+                                        </p:tav>
+                                      </p:tavLst>
+                                    </p:anim>
+                                    <p:anim calcmode="lin" valueType="num">
+                                      <p:cBhvr additive="base">
+                                        <p:cTn id="20" dur="500" fill="hold"/>
+                                        <p:tgtEl>
+                                          <p:spTgt spid="3">
+                                            <p:txEl>
+                                              <p:pRg st="3" end="3"/>
+                                            </p:txEl>
+                                          </p:spTgt>
+                                        </p:tgtEl>
+                                        <p:attrNameLst>
+                                          <p:attrName>ppt_y</p:attrName>
+                                        </p:attrNameLst>
+                                      </p:cBhvr>
+                                      <p:tavLst>
+                                        <p:tav tm="0">
+                                          <p:val>
+                                            <p:strVal val="1+#ppt_h/2"/>
+                                          </p:val>
+                                        </p:tav>
+                                        <p:tav tm="100000">
+                                          <p:val>
+                                            <p:strVal val="#ppt_y"/>
+                                          </p:val>
+                                        </p:tav>
+                                      </p:tavLst>
+                                    </p:anim>
+                                  </p:childTnLst>
+                                </p:cTn>
+                              </p:par>
+                              <p:par>
+                                <p:cTn id="21" presetID="2" presetClass="entr" presetSubtype="4" fill="hold" nodeType="withEffect">
+                                  <p:stCondLst>
+                                    <p:cond delay="0"/>
+                                  </p:stCondLst>
+                                  <p:childTnLst>
+                                    <p:set>
+                                      <p:cBhvr>
+                                        <p:cTn id="22" dur="1" fill="hold">
+                                          <p:stCondLst>
+                                            <p:cond delay="0"/>
+                                          </p:stCondLst>
+                                        </p:cTn>
+                                        <p:tgtEl>
+                                          <p:spTgt spid="3">
+                                            <p:txEl>
+                                              <p:pRg st="4" end="4"/>
+                                            </p:txEl>
+                                          </p:spTgt>
+                                        </p:tgtEl>
+                                        <p:attrNameLst>
+                                          <p:attrName>style.visibility</p:attrName>
+                                        </p:attrNameLst>
+                                      </p:cBhvr>
+                                      <p:to>
+                                        <p:strVal val="visible"/>
+                                      </p:to>
+                                    </p:set>
+                                    <p:anim calcmode="lin" valueType="num">
+                                      <p:cBhvr additive="base">
+                                        <p:cTn id="23" dur="500" fill="hold"/>
+                                        <p:tgtEl>
+                                          <p:spTgt spid="3">
+                                            <p:txEl>
+                                              <p:pRg st="4" end="4"/>
+                                            </p:txEl>
+                                          </p:spTgt>
+                                        </p:tgtEl>
+                                        <p:attrNameLst>
+                                          <p:attrName>ppt_x</p:attrName>
+                                        </p:attrNameLst>
+                                      </p:cBhvr>
+                                      <p:tavLst>
+                                        <p:tav tm="0">
+                                          <p:val>
+                                            <p:strVal val="#ppt_x"/>
+                                          </p:val>
+                                        </p:tav>
+                                        <p:tav tm="100000">
+                                          <p:val>
+                                            <p:strVal val="#ppt_x"/>
+                                          </p:val>
+                                        </p:tav>
+                                      </p:tavLst>
+                                    </p:anim>
+                                    <p:anim calcmode="lin" valueType="num">
+                                      <p:cBhvr additive="base">
+                                        <p:cTn id="24" dur="500" fill="hold"/>
+                                        <p:tgtEl>
+                                          <p:spTgt spid="3">
+                                            <p:txEl>
+                                              <p:pRg st="4" end="4"/>
+                                            </p:txEl>
+                                          </p:spTgt>
+                                        </p:tgtEl>
+                                        <p:attrNameLst>
+                                          <p:attrName>ppt_y</p:attrName>
+                                        </p:attrNameLst>
+                                      </p:cBhvr>
+                                      <p:tavLst>
+                                        <p:tav tm="0">
+                                          <p:val>
+                                            <p:strVal val="1+#ppt_h/2"/>
+                                          </p:val>
+                                        </p:tav>
+                                        <p:tav tm="100000">
+                                          <p:val>
+                                            <p:strVal val="#ppt_y"/>
+                                          </p:val>
+                                        </p:tav>
+                                      </p:tavLst>
+                                    </p:anim>
+                                  </p:childTnLst>
+                                </p:cTn>
+                              </p:par>
+                            </p:childTnLst>
+                          </p:cTn>
+                        </p:par>
+                      </p:childTnLst>
+                    </p:cTn>
+                  </p:par>
+                  <p:par>
+                    <p:cTn id="25" fill="hold">
+                      <p:stCondLst>
+                        <p:cond delay="indefinite"/>
+                      </p:stCondLst>
+                      <p:childTnLst>
+                        <p:par>
+                          <p:cTn id="26" fill="hold">
+                            <p:stCondLst>
+                              <p:cond delay="0"/>
+                            </p:stCondLst>
+                            <p:childTnLst>
+                              <p:par>
+                                <p:cTn id="27" presetID="2" presetClass="entr" presetSubtype="4" fill="hold" nodeType="clickEffect">
+                                  <p:stCondLst>
+                                    <p:cond delay="0"/>
+                                  </p:stCondLst>
+                                  <p:childTnLst>
+                                    <p:set>
+                                      <p:cBhvr>
+                                        <p:cTn id="28" dur="1" fill="hold">
+                                          <p:stCondLst>
+                                            <p:cond delay="0"/>
+                                          </p:stCondLst>
+                                        </p:cTn>
+                                        <p:tgtEl>
+                                          <p:spTgt spid="3">
+                                            <p:txEl>
+                                              <p:pRg st="6" end="6"/>
+                                            </p:txEl>
+                                          </p:spTgt>
+                                        </p:tgtEl>
+                                        <p:attrNameLst>
+                                          <p:attrName>style.visibility</p:attrName>
+                                        </p:attrNameLst>
+                                      </p:cBhvr>
+                                      <p:to>
+                                        <p:strVal val="visible"/>
+                                      </p:to>
+                                    </p:set>
+                                    <p:anim calcmode="lin" valueType="num">
+                                      <p:cBhvr additive="base">
+                                        <p:cTn id="29" dur="500" fill="hold"/>
+                                        <p:tgtEl>
+                                          <p:spTgt spid="3">
+                                            <p:txEl>
+                                              <p:pRg st="6" end="6"/>
+                                            </p:txEl>
+                                          </p:spTgt>
+                                        </p:tgtEl>
+                                        <p:attrNameLst>
+                                          <p:attrName>ppt_x</p:attrName>
+                                        </p:attrNameLst>
+                                      </p:cBhvr>
+                                      <p:tavLst>
+                                        <p:tav tm="0">
+                                          <p:val>
+                                            <p:strVal val="#ppt_x"/>
+                                          </p:val>
+                                        </p:tav>
+                                        <p:tav tm="100000">
+                                          <p:val>
+                                            <p:strVal val="#ppt_x"/>
+                                          </p:val>
+                                        </p:tav>
+                                      </p:tavLst>
+                                    </p:anim>
+                                    <p:anim calcmode="lin" valueType="num">
+                                      <p:cBhvr additive="base">
+                                        <p:cTn id="30" dur="500" fill="hold"/>
+                                        <p:tgtEl>
+                                          <p:spTgt spid="3">
+                                            <p:txEl>
+                                              <p:pRg st="6" end="6"/>
+                                            </p:txEl>
+                                          </p:spTgt>
+                                        </p:tgtEl>
+                                        <p:attrNameLst>
+                                          <p:attrName>ppt_y</p:attrName>
+                                        </p:attrNameLst>
+                                      </p:cBhvr>
+                                      <p:tavLst>
+                                        <p:tav tm="0">
+                                          <p:val>
+                                            <p:strVal val="1+#ppt_h/2"/>
+                                          </p:val>
+                                        </p:tav>
+                                        <p:tav tm="100000">
+                                          <p:val>
+                                            <p:strVal val="#ppt_y"/>
+                                          </p:val>
+                                        </p:tav>
+                                      </p:tavLst>
+                                    </p:anim>
+                                  </p:childTnLst>
+                                </p:cTn>
+                              </p:par>
+                              <p:par>
+                                <p:cTn id="31" presetID="2" presetClass="entr" presetSubtype="4" fill="hold" nodeType="withEffect">
+                                  <p:stCondLst>
+                                    <p:cond delay="0"/>
+                                  </p:stCondLst>
+                                  <p:childTnLst>
+                                    <p:set>
+                                      <p:cBhvr>
+                                        <p:cTn id="32" dur="1" fill="hold">
+                                          <p:stCondLst>
+                                            <p:cond delay="0"/>
+                                          </p:stCondLst>
+                                        </p:cTn>
+                                        <p:tgtEl>
+                                          <p:spTgt spid="3">
+                                            <p:txEl>
+                                              <p:pRg st="7" end="7"/>
+                                            </p:txEl>
+                                          </p:spTgt>
+                                        </p:tgtEl>
+                                        <p:attrNameLst>
+                                          <p:attrName>style.visibility</p:attrName>
+                                        </p:attrNameLst>
+                                      </p:cBhvr>
+                                      <p:to>
+                                        <p:strVal val="visible"/>
+                                      </p:to>
+                                    </p:set>
+                                    <p:anim calcmode="lin" valueType="num">
+                                      <p:cBhvr additive="base">
+                                        <p:cTn id="33" dur="500" fill="hold"/>
+                                        <p:tgtEl>
+                                          <p:spTgt spid="3">
+                                            <p:txEl>
+                                              <p:pRg st="7" end="7"/>
+                                            </p:txEl>
+                                          </p:spTgt>
+                                        </p:tgtEl>
+                                        <p:attrNameLst>
+                                          <p:attrName>ppt_x</p:attrName>
+                                        </p:attrNameLst>
+                                      </p:cBhvr>
+                                      <p:tavLst>
+                                        <p:tav tm="0">
+                                          <p:val>
+                                            <p:strVal val="#ppt_x"/>
+                                          </p:val>
+                                        </p:tav>
+                                        <p:tav tm="100000">
+                                          <p:val>
+                                            <p:strVal val="#ppt_x"/>
+                                          </p:val>
+                                        </p:tav>
+                                      </p:tavLst>
+                                    </p:anim>
+                                    <p:anim calcmode="lin" valueType="num">
+                                      <p:cBhvr additive="base">
+                                        <p:cTn id="34" dur="500" fill="hold"/>
+                                        <p:tgtEl>
+                                          <p:spTgt spid="3">
+                                            <p:txEl>
+                                              <p:pRg st="7" end="7"/>
+                                            </p:txEl>
+                                          </p:spTgt>
+                                        </p:tgtEl>
+                                        <p:attrNameLst>
+                                          <p:attrName>ppt_y</p:attrName>
+                                        </p:attrNameLst>
+                                      </p:cBhvr>
+                                      <p:tavLst>
+                                        <p:tav tm="0">
+                                          <p:val>
+                                            <p:strVal val="1+#ppt_h/2"/>
+                                          </p:val>
+                                        </p:tav>
+                                        <p:tav tm="100000">
+                                          <p:val>
+                                            <p:strVal val="#ppt_y"/>
+                                          </p:val>
+                                        </p:tav>
+                                      </p:tavLst>
+                                    </p:anim>
+                                  </p:childTnLst>
+                                </p:cTn>
+                              </p:par>
+                              <p:par>
+                                <p:cTn id="35" presetID="2" presetClass="entr" presetSubtype="4" fill="hold" nodeType="withEffect">
+                                  <p:stCondLst>
+                                    <p:cond delay="0"/>
+                                  </p:stCondLst>
+                                  <p:childTnLst>
+                                    <p:set>
+                                      <p:cBhvr>
+                                        <p:cTn id="36" dur="1" fill="hold">
+                                          <p:stCondLst>
+                                            <p:cond delay="0"/>
+                                          </p:stCondLst>
+                                        </p:cTn>
+                                        <p:tgtEl>
+                                          <p:spTgt spid="3">
+                                            <p:txEl>
+                                              <p:pRg st="8" end="8"/>
+                                            </p:txEl>
+                                          </p:spTgt>
+                                        </p:tgtEl>
+                                        <p:attrNameLst>
+                                          <p:attrName>style.visibility</p:attrName>
+                                        </p:attrNameLst>
+                                      </p:cBhvr>
+                                      <p:to>
+                                        <p:strVal val="visible"/>
+                                      </p:to>
+                                    </p:set>
+                                    <p:anim calcmode="lin" valueType="num">
+                                      <p:cBhvr additive="base">
+                                        <p:cTn id="37" dur="500" fill="hold"/>
+                                        <p:tgtEl>
+                                          <p:spTgt spid="3">
+                                            <p:txEl>
+                                              <p:pRg st="8" end="8"/>
+                                            </p:txEl>
+                                          </p:spTgt>
+                                        </p:tgtEl>
+                                        <p:attrNameLst>
+                                          <p:attrName>ppt_x</p:attrName>
+                                        </p:attrNameLst>
+                                      </p:cBhvr>
+                                      <p:tavLst>
+                                        <p:tav tm="0">
+                                          <p:val>
+                                            <p:strVal val="#ppt_x"/>
+                                          </p:val>
+                                        </p:tav>
+                                        <p:tav tm="100000">
+                                          <p:val>
+                                            <p:strVal val="#ppt_x"/>
+                                          </p:val>
+                                        </p:tav>
+                                      </p:tavLst>
+                                    </p:anim>
+                                    <p:anim calcmode="lin" valueType="num">
+                                      <p:cBhvr additive="base">
+                                        <p:cTn id="38" dur="500" fill="hold"/>
+                                        <p:tgtEl>
+                                          <p:spTgt spid="3">
+                                            <p:txEl>
+                                              <p:pRg st="8" end="8"/>
+                                            </p:txEl>
+                                          </p:spTgt>
+                                        </p:tgtEl>
+                                        <p:attrNameLst>
+                                          <p:attrName>ppt_y</p:attrName>
+                                        </p:attrNameLst>
+                                      </p:cBhvr>
+                                      <p:tavLst>
+                                        <p:tav tm="0">
+                                          <p:val>
+                                            <p:strVal val="1+#ppt_h/2"/>
+                                          </p:val>
+                                        </p:tav>
+                                        <p:tav tm="100000">
+                                          <p:val>
+                                            <p:strVal val="#ppt_y"/>
+                                          </p:val>
+                                        </p:tav>
+                                      </p:tavLst>
+                                    </p:anim>
+                                  </p:childTnLst>
+                                </p:cTn>
+                              </p:par>
+                            </p:childTnLst>
+                          </p:cTn>
+                        </p:par>
+                      </p:childTnLst>
+                    </p:cTn>
+                  </p:par>
+                </p:childTnLst>
+              </p:cTn>
+              <p:prevCondLst>
+                <p:cond evt="onPrev" delay="0">
+                  <p:tgtEl>
+                    <p:sldTgt/>
+                  </p:tgtEl>
+                </p:cond>
+              </p:prevCondLst>
+              <p:nextCondLst>
+                <p:cond evt="onNext" delay="0">
+                  <p:tgtEl>
+                    <p:sldTgt/>
+                  </p:tgtEl>
+                </p:cond>
+              </p:nextCondLst>
+            </p:seq>
+          </p:childTnLst>
+        </p:cTn>
+      </p:par>
+    </p:tnLst>
+  </p:timing>
+</p:sld>
+</file>
+
+<file path=ppt/slides/slide13.xml><?xml version="1.0" encoding="utf-8"?>
+<p:sld xmlns:a="http://schemas.openxmlformats.org/drawingml/2006/main" xmlns:r="http://schemas.openxmlformats.org/officeDocument/2006/relationships" xmlns:p="http://schemas.openxmlformats.org/presentationml/2006/main">
+  <p:cSld>
+    <p:spTree>
+      <p:nvGrpSpPr>
+        <p:cNvPr id="1" name=""/>
+        <p:cNvGrpSpPr/>
+        <p:nvPr/>
+      </p:nvGrpSpPr>
+      <p:grpSpPr>
+        <a:xfrm>
+          <a:off x="0" y="0"/>
+          <a:ext cx="0" cy="0"/>
+          <a:chOff x="0" y="0"/>
+          <a:chExt cx="0" cy="0"/>
+        </a:xfrm>
+      </p:grpSpPr>
+      <p:sp>
+        <p:nvSpPr>
+          <p:cNvPr id="2" name="Title 1"/>
+          <p:cNvSpPr>
+            <a:spLocks noGrp="1"/>
+          </p:cNvSpPr>
+          <p:nvPr>
+            <p:ph type="title"/>
+          </p:nvPr>
+        </p:nvSpPr>
+        <p:spPr>
+          <a:xfrm>
+            <a:off x="1141412" y="0"/>
+            <a:ext cx="9905998" cy="1478570"/>
+          </a:xfrm>
+        </p:spPr>
+        <p:txBody>
+          <a:bodyPr/>
+          <a:lstStyle/>
+          <a:p>
+            <a:pPr algn="ctr"/>
+            <a:r>
+              <a:rPr lang="en-IN" b="1" dirty="0" smtClean="0">
+                <a:solidFill>
+                  <a:schemeClr val="bg2">
+                    <a:lumMod val="75000"/>
+                  </a:schemeClr>
+                </a:solidFill>
+              </a:rPr>
+              <a:t>Conclusions</a:t>
+            </a:r>
+            <a:endParaRPr lang="en-IN" b="1" dirty="0">
+              <a:solidFill>
+                <a:schemeClr val="bg2">
+                  <a:lumMod val="75000"/>
+                </a:schemeClr>
+              </a:solidFill>
+            </a:endParaRPr>
+          </a:p>
+        </p:txBody>
+      </p:sp>
+      <p:sp>
+        <p:nvSpPr>
+          <p:cNvPr id="3" name="Content Placeholder 2"/>
+          <p:cNvSpPr>
+            <a:spLocks noGrp="1"/>
+          </p:cNvSpPr>
+          <p:nvPr>
+            <p:ph idx="1"/>
+          </p:nvPr>
+        </p:nvSpPr>
+        <p:spPr>
+          <a:xfrm>
+            <a:off x="875505" y="1269999"/>
+            <a:ext cx="10437811" cy="4978400"/>
+          </a:xfrm>
+        </p:spPr>
+        <p:txBody>
+          <a:bodyPr>
+            <a:normAutofit/>
+          </a:bodyPr>
+          <a:lstStyle/>
+          <a:p>
+            <a:r>
+              <a:rPr lang="en-IN" sz="2800" b="1" dirty="0" smtClean="0">
+                <a:solidFill>
+                  <a:srgbClr val="451717"/>
+                </a:solidFill>
+              </a:rPr>
+              <a:t>Computer Vision Enables Intelligent Decision making</a:t>
+            </a:r>
+          </a:p>
+          <a:p>
+            <a:pPr lvl="1"/>
+            <a:r>
+              <a:rPr lang="en-IN" sz="2400" dirty="0" smtClean="0">
+                <a:solidFill>
+                  <a:schemeClr val="bg1">
+                    <a:lumMod val="95000"/>
+                    <a:lumOff val="5000"/>
+                  </a:schemeClr>
+                </a:solidFill>
+              </a:rPr>
+              <a:t>By analysing visual data and take actions based on it with speed and accuracy.</a:t>
+            </a:r>
+            <a:endParaRPr lang="en-IN" sz="2400" dirty="0">
+              <a:solidFill>
+                <a:schemeClr val="bg1">
+                  <a:lumMod val="95000"/>
+                  <a:lumOff val="5000"/>
+                </a:schemeClr>
+              </a:solidFill>
+            </a:endParaRPr>
+          </a:p>
+          <a:p>
+            <a:r>
+              <a:rPr lang="en-US" sz="2800" b="1" dirty="0">
+                <a:solidFill>
+                  <a:srgbClr val="451717"/>
+                </a:solidFill>
+              </a:rPr>
+              <a:t>Multi-Step Process for Object </a:t>
+            </a:r>
+            <a:r>
+              <a:rPr lang="en-US" sz="2800" b="1" dirty="0" smtClean="0">
+                <a:solidFill>
+                  <a:srgbClr val="451717"/>
+                </a:solidFill>
+              </a:rPr>
+              <a:t>Recognition</a:t>
+            </a:r>
+          </a:p>
+          <a:p>
+            <a:pPr lvl="1"/>
+            <a:r>
+              <a:rPr lang="en-US" sz="2400" dirty="0" smtClean="0">
+                <a:solidFill>
+                  <a:schemeClr val="bg1">
+                    <a:lumMod val="95000"/>
+                    <a:lumOff val="5000"/>
+                  </a:schemeClr>
+                </a:solidFill>
+              </a:rPr>
+              <a:t>Involve acquisition, preprocessing, feature-extraction, classification &amp; recognition, output.</a:t>
+            </a:r>
+          </a:p>
+          <a:p>
+            <a:r>
+              <a:rPr lang="en-IN" sz="2800" b="1" dirty="0">
+                <a:solidFill>
+                  <a:srgbClr val="451717"/>
+                </a:solidFill>
+              </a:rPr>
+              <a:t>Wide Range of </a:t>
+            </a:r>
+            <a:r>
+              <a:rPr lang="en-IN" sz="2800" b="1" dirty="0" smtClean="0">
+                <a:solidFill>
+                  <a:srgbClr val="451717"/>
+                </a:solidFill>
+              </a:rPr>
+              <a:t>Applications</a:t>
+            </a:r>
+          </a:p>
+          <a:p>
+            <a:pPr lvl="1"/>
+            <a:r>
+              <a:rPr lang="en-US" sz="2400" dirty="0">
+                <a:solidFill>
+                  <a:schemeClr val="bg1">
+                    <a:lumMod val="95000"/>
+                    <a:lumOff val="5000"/>
+                  </a:schemeClr>
+                </a:solidFill>
+              </a:rPr>
+              <a:t>From face recognition and self-driving cars to healthcare and industrial </a:t>
+            </a:r>
+            <a:r>
+              <a:rPr lang="en-US" sz="2400" dirty="0" smtClean="0">
+                <a:solidFill>
+                  <a:schemeClr val="bg1">
+                    <a:lumMod val="95000"/>
+                    <a:lumOff val="5000"/>
+                  </a:schemeClr>
+                </a:solidFill>
+              </a:rPr>
+              <a:t>monitoring.</a:t>
+            </a:r>
+            <a:endParaRPr lang="en-IN" sz="2400" dirty="0" smtClean="0">
+              <a:solidFill>
+                <a:schemeClr val="bg1">
+                  <a:lumMod val="95000"/>
+                  <a:lumOff val="5000"/>
+                </a:schemeClr>
+              </a:solidFill>
+            </a:endParaRPr>
+          </a:p>
+        </p:txBody>
+      </p:sp>
+      <p:sp>
+        <p:nvSpPr>
+          <p:cNvPr id="4" name="Slide Number Placeholder 3"/>
+          <p:cNvSpPr>
+            <a:spLocks noGrp="1"/>
+          </p:cNvSpPr>
+          <p:nvPr>
+            <p:ph type="sldNum" sz="quarter" idx="12"/>
+          </p:nvPr>
+        </p:nvSpPr>
+        <p:spPr/>
+        <p:txBody>
+          <a:bodyPr/>
+          <a:lstStyle/>
+          <a:p>
+            <a:fld id="{E9D42EC4-55FD-406C-82BB-203E3BBE455C}" type="slidenum">
+              <a:rPr lang="en-IN" smtClean="0"/>
+              <a:t>13</a:t>
+            </a:fld>
+            <a:endParaRPr lang="en-IN"/>
+          </a:p>
+        </p:txBody>
+      </p:sp>
+    </p:spTree>
+    <p:extLst>
+      <p:ext uri="{BB962C8B-B14F-4D97-AF65-F5344CB8AC3E}">
+        <p14:creationId xmlns:p14="http://schemas.microsoft.com/office/powerpoint/2010/main" val="370006920"/>
+      </p:ext>
+    </p:extLst>
+  </p:cSld>
+  <p:clrMapOvr>
+    <a:masterClrMapping/>
+  </p:clrMapOvr>
+  <p:transition spd="slow">
+    <p:wipe/>
+  </p:transition>
+  <p:timing>
+    <p:tnLst>
+      <p:par>
+        <p:cTn id="1" dur="indefinite" restart="never" nodeType="tmRoot"/>
+      </p:par>
+    </p:tnLst>
+  </p:timing>
+</p:sld>
+</file>
+
+<file path=ppt/slides/slide14.xml><?xml version="1.0" encoding="utf-8"?>
+<p:sld xmlns:a="http://schemas.openxmlformats.org/drawingml/2006/main" xmlns:r="http://schemas.openxmlformats.org/officeDocument/2006/relationships" xmlns:p="http://schemas.openxmlformats.org/presentationml/2006/main">
+  <p:cSld>
+    <p:spTree>
+      <p:nvGrpSpPr>
+        <p:cNvPr id="1" name=""/>
+        <p:cNvGrpSpPr/>
+        <p:nvPr/>
+      </p:nvGrpSpPr>
+      <p:grpSpPr>
+        <a:xfrm>
+          <a:off x="0" y="0"/>
+          <a:ext cx="0" cy="0"/>
+          <a:chOff x="0" y="0"/>
+          <a:chExt cx="0" cy="0"/>
+        </a:xfrm>
+      </p:grpSpPr>
+      <p:sp>
+        <p:nvSpPr>
+          <p:cNvPr id="2" name="Title 1"/>
+          <p:cNvSpPr>
+            <a:spLocks noGrp="1"/>
+          </p:cNvSpPr>
+          <p:nvPr>
+            <p:ph type="title"/>
+          </p:nvPr>
+        </p:nvSpPr>
+        <p:spPr>
+          <a:xfrm>
+            <a:off x="1141413" y="618518"/>
+            <a:ext cx="9905998" cy="710661"/>
+          </a:xfrm>
+        </p:spPr>
+        <p:txBody>
+          <a:bodyPr/>
+          <a:lstStyle/>
+          <a:p>
+            <a:r>
+              <a:rPr lang="en-IN" dirty="0" smtClean="0">
+                <a:solidFill>
+                  <a:schemeClr val="bg2">
+                    <a:lumMod val="50000"/>
+                  </a:schemeClr>
+                </a:solidFill>
+              </a:rPr>
+              <a:t>References Used</a:t>
+            </a:r>
+            <a:endParaRPr lang="en-IN" dirty="0">
+              <a:solidFill>
+                <a:schemeClr val="bg2">
+                  <a:lumMod val="50000"/>
+                </a:schemeClr>
+              </a:solidFill>
+            </a:endParaRPr>
+          </a:p>
+        </p:txBody>
+      </p:sp>
+      <p:sp>
+        <p:nvSpPr>
+          <p:cNvPr id="3" name="Content Placeholder 2"/>
+          <p:cNvSpPr>
+            <a:spLocks noGrp="1"/>
+          </p:cNvSpPr>
+          <p:nvPr>
+            <p:ph idx="1"/>
+          </p:nvPr>
+        </p:nvSpPr>
+        <p:spPr>
+          <a:xfrm>
+            <a:off x="558801" y="1329179"/>
+            <a:ext cx="11214100" cy="5335572"/>
+          </a:xfrm>
+        </p:spPr>
+        <p:txBody>
+          <a:bodyPr>
+            <a:normAutofit fontScale="25000" lnSpcReduction="20000"/>
+          </a:bodyPr>
+          <a:lstStyle/>
+          <a:p>
+            <a:pPr marL="0" indent="0">
+              <a:buNone/>
+            </a:pPr>
+            <a:r>
+              <a:rPr lang="en-IN" sz="11200" dirty="0" smtClean="0">
+                <a:solidFill>
+                  <a:srgbClr val="451717"/>
+                </a:solidFill>
+              </a:rPr>
+              <a:t>[1] IBM, </a:t>
+            </a:r>
+            <a:r>
+              <a:rPr lang="en-IN" sz="11200" b="1" dirty="0" smtClean="0">
+                <a:solidFill>
+                  <a:srgbClr val="451717"/>
+                </a:solidFill>
+              </a:rPr>
+              <a:t>What </a:t>
+            </a:r>
+            <a:r>
+              <a:rPr lang="en-IN" sz="11200" b="1" dirty="0">
+                <a:solidFill>
+                  <a:srgbClr val="451717"/>
+                </a:solidFill>
+              </a:rPr>
+              <a:t>is computer </a:t>
+            </a:r>
+            <a:r>
+              <a:rPr lang="en-IN" sz="11200" b="1" dirty="0" smtClean="0">
+                <a:solidFill>
+                  <a:srgbClr val="451717"/>
+                </a:solidFill>
+              </a:rPr>
+              <a:t>vision</a:t>
+            </a:r>
+            <a:r>
+              <a:rPr lang="en-IN" sz="11200" dirty="0" smtClean="0">
+                <a:solidFill>
+                  <a:srgbClr val="451717"/>
+                </a:solidFill>
+              </a:rPr>
+              <a:t>, </a:t>
+            </a:r>
+            <a:r>
+              <a:rPr lang="en-IN" sz="11200" dirty="0" smtClean="0">
+                <a:solidFill>
+                  <a:srgbClr val="451717"/>
+                </a:solidFill>
+                <a:hlinkClick r:id="rId2"/>
+              </a:rPr>
+              <a:t>URL</a:t>
+            </a:r>
+            <a:r>
+              <a:rPr lang="en-IN" sz="11200" dirty="0">
+                <a:solidFill>
+                  <a:srgbClr val="451717"/>
+                </a:solidFill>
+              </a:rPr>
+              <a:t> </a:t>
+            </a:r>
+            <a:r>
+              <a:rPr lang="en-IN" sz="11200" dirty="0" smtClean="0">
+                <a:solidFill>
+                  <a:srgbClr val="451717"/>
+                </a:solidFill>
+              </a:rPr>
+              <a:t>, [</a:t>
+            </a:r>
+            <a:r>
+              <a:rPr lang="en-IN" sz="11200" dirty="0">
+                <a:solidFill>
+                  <a:srgbClr val="451717"/>
+                </a:solidFill>
+              </a:rPr>
+              <a:t>Accessed: </a:t>
+            </a:r>
+            <a:r>
+              <a:rPr lang="en-IN" sz="11200" dirty="0" smtClean="0">
+                <a:solidFill>
+                  <a:srgbClr val="451717"/>
+                </a:solidFill>
+              </a:rPr>
+              <a:t>Feb. 2, 2025].</a:t>
+            </a:r>
+          </a:p>
+          <a:p>
+            <a:pPr marL="0" indent="0">
+              <a:buNone/>
+            </a:pPr>
+            <a:r>
+              <a:rPr lang="en-IN" sz="11200" dirty="0" smtClean="0">
+                <a:solidFill>
+                  <a:srgbClr val="451717"/>
+                </a:solidFill>
+              </a:rPr>
+              <a:t>[2] </a:t>
+            </a:r>
+            <a:r>
+              <a:rPr lang="en-IN" sz="11200" dirty="0" err="1">
+                <a:solidFill>
+                  <a:srgbClr val="451717"/>
+                </a:solidFill>
+                <a:hlinkClick r:id="rId3"/>
+              </a:rPr>
+              <a:t>Hmrishav</a:t>
+            </a:r>
+            <a:r>
+              <a:rPr lang="en-IN" sz="11200" dirty="0">
+                <a:solidFill>
+                  <a:srgbClr val="451717"/>
+                </a:solidFill>
+                <a:hlinkClick r:id="rId3"/>
+              </a:rPr>
+              <a:t> </a:t>
+            </a:r>
+            <a:r>
+              <a:rPr lang="en-IN" sz="11200" dirty="0" err="1" smtClean="0">
+                <a:solidFill>
+                  <a:srgbClr val="451717"/>
+                </a:solidFill>
+                <a:hlinkClick r:id="rId3"/>
+              </a:rPr>
+              <a:t>Bandyopadhyay</a:t>
+            </a:r>
+            <a:r>
+              <a:rPr lang="en-IN" sz="11200" dirty="0" smtClean="0">
+                <a:solidFill>
+                  <a:srgbClr val="451717"/>
+                </a:solidFill>
+              </a:rPr>
+              <a:t>, </a:t>
+            </a:r>
+            <a:r>
+              <a:rPr lang="en-IN" sz="11200" b="1" dirty="0" smtClean="0">
+                <a:solidFill>
+                  <a:srgbClr val="451717"/>
+                </a:solidFill>
+              </a:rPr>
+              <a:t>Human Vision Vs Computer Vision Image</a:t>
+            </a:r>
+            <a:r>
+              <a:rPr lang="en-IN" sz="11200" dirty="0" smtClean="0">
+                <a:solidFill>
+                  <a:srgbClr val="451717"/>
+                </a:solidFill>
+              </a:rPr>
+              <a:t>, V7labs, </a:t>
+            </a:r>
+            <a:r>
+              <a:rPr lang="en-IN" sz="11200" dirty="0" smtClean="0">
+                <a:solidFill>
+                  <a:srgbClr val="451717"/>
+                </a:solidFill>
+                <a:hlinkClick r:id="rId4"/>
+              </a:rPr>
+              <a:t>URL</a:t>
+            </a:r>
+            <a:r>
+              <a:rPr lang="en-IN" sz="11200" dirty="0" smtClean="0">
+                <a:solidFill>
+                  <a:srgbClr val="451717"/>
+                </a:solidFill>
+              </a:rPr>
+              <a:t>, </a:t>
+            </a:r>
+            <a:r>
+              <a:rPr lang="en-IN" sz="11200" dirty="0">
+                <a:solidFill>
+                  <a:srgbClr val="451717"/>
+                </a:solidFill>
+              </a:rPr>
+              <a:t>[Accessed: Feb. 2, 2025</a:t>
+            </a:r>
+            <a:r>
+              <a:rPr lang="en-IN" sz="11200" dirty="0" smtClean="0">
+                <a:solidFill>
+                  <a:srgbClr val="451717"/>
+                </a:solidFill>
+              </a:rPr>
+              <a:t>].</a:t>
+            </a:r>
+          </a:p>
+          <a:p>
+            <a:pPr marL="0" indent="0">
+              <a:buNone/>
+            </a:pPr>
+            <a:r>
+              <a:rPr lang="en-IN" sz="11200" dirty="0" smtClean="0">
+                <a:solidFill>
+                  <a:srgbClr val="451717"/>
+                </a:solidFill>
+              </a:rPr>
+              <a:t>[3] ARYAN-PURI, </a:t>
+            </a:r>
+            <a:r>
+              <a:rPr lang="en-IN" sz="11200" b="1" dirty="0" smtClean="0">
+                <a:solidFill>
+                  <a:srgbClr val="451717"/>
+                </a:solidFill>
+              </a:rPr>
+              <a:t>OpenCV-Learning</a:t>
+            </a:r>
+            <a:r>
+              <a:rPr lang="en-IN" sz="11200" dirty="0" smtClean="0">
+                <a:solidFill>
+                  <a:srgbClr val="451717"/>
+                </a:solidFill>
+              </a:rPr>
+              <a:t>, GitHub, </a:t>
+            </a:r>
+            <a:r>
+              <a:rPr lang="en-IN" sz="11200" dirty="0" smtClean="0">
+                <a:solidFill>
+                  <a:srgbClr val="451717"/>
+                </a:solidFill>
+                <a:hlinkClick r:id="rId5"/>
+              </a:rPr>
+              <a:t>URL</a:t>
+            </a:r>
+            <a:r>
+              <a:rPr lang="en-IN" sz="11200" dirty="0" smtClean="0">
+                <a:solidFill>
+                  <a:srgbClr val="451717"/>
+                </a:solidFill>
+              </a:rPr>
+              <a:t>, </a:t>
+            </a:r>
+            <a:r>
+              <a:rPr lang="en-IN" sz="11200" dirty="0">
+                <a:solidFill>
+                  <a:srgbClr val="451717"/>
+                </a:solidFill>
+              </a:rPr>
+              <a:t>[Accessed: Feb. 2, 2025</a:t>
+            </a:r>
+            <a:r>
+              <a:rPr lang="en-IN" sz="11200" dirty="0" smtClean="0">
+                <a:solidFill>
+                  <a:srgbClr val="451717"/>
+                </a:solidFill>
+              </a:rPr>
+              <a:t>].</a:t>
+            </a:r>
+          </a:p>
+          <a:p>
+            <a:pPr marL="0" indent="0">
+              <a:buNone/>
+            </a:pPr>
+            <a:r>
+              <a:rPr lang="en-IN" sz="11200" dirty="0" smtClean="0">
+                <a:solidFill>
+                  <a:srgbClr val="451717"/>
+                </a:solidFill>
+              </a:rPr>
+              <a:t>[4] Plugger.AI</a:t>
+            </a:r>
+            <a:r>
+              <a:rPr lang="en-IN" sz="11200" dirty="0">
+                <a:solidFill>
+                  <a:srgbClr val="451717"/>
+                </a:solidFill>
+              </a:rPr>
+              <a:t>, </a:t>
+            </a:r>
+            <a:r>
+              <a:rPr lang="en-IN" sz="11200" b="1" dirty="0" smtClean="0">
+                <a:solidFill>
+                  <a:srgbClr val="451717"/>
+                </a:solidFill>
+              </a:rPr>
+              <a:t>top-11-computer-vision-applications-in-healthcare Image</a:t>
+            </a:r>
+            <a:r>
+              <a:rPr lang="en-IN" sz="11200" dirty="0" smtClean="0">
+                <a:solidFill>
+                  <a:srgbClr val="451717"/>
+                </a:solidFill>
+              </a:rPr>
+              <a:t>, Plugger.AI, </a:t>
+            </a:r>
+            <a:r>
+              <a:rPr lang="en-IN" sz="11200" dirty="0">
+                <a:solidFill>
+                  <a:srgbClr val="451717"/>
+                </a:solidFill>
+                <a:hlinkClick r:id="rId6"/>
+              </a:rPr>
+              <a:t>URL</a:t>
+            </a:r>
+            <a:r>
+              <a:rPr lang="en-IN" sz="11200" dirty="0">
+                <a:solidFill>
+                  <a:srgbClr val="451717"/>
+                </a:solidFill>
+              </a:rPr>
+              <a:t>, [Accessed: Feb. </a:t>
+            </a:r>
+            <a:r>
+              <a:rPr lang="en-IN" sz="11200" dirty="0" smtClean="0">
+                <a:solidFill>
+                  <a:srgbClr val="451717"/>
+                </a:solidFill>
+              </a:rPr>
+              <a:t>3, </a:t>
+            </a:r>
+            <a:r>
+              <a:rPr lang="en-IN" sz="11200" dirty="0">
+                <a:solidFill>
+                  <a:srgbClr val="451717"/>
+                </a:solidFill>
+              </a:rPr>
+              <a:t>2025</a:t>
+            </a:r>
+            <a:r>
+              <a:rPr lang="en-IN" sz="11200" dirty="0" smtClean="0">
+                <a:solidFill>
+                  <a:srgbClr val="451717"/>
+                </a:solidFill>
+              </a:rPr>
+              <a:t>].</a:t>
+            </a:r>
+          </a:p>
+          <a:p>
+            <a:pPr marL="0" indent="0">
+              <a:buNone/>
+            </a:pPr>
+            <a:r>
+              <a:rPr lang="en-IN" sz="11200" dirty="0" smtClean="0">
+                <a:solidFill>
+                  <a:srgbClr val="451717"/>
+                </a:solidFill>
+              </a:rPr>
+              <a:t>[5</a:t>
+            </a:r>
+            <a:r>
+              <a:rPr lang="en-IN" sz="11200" dirty="0">
+                <a:solidFill>
+                  <a:srgbClr val="451717"/>
+                </a:solidFill>
+              </a:rPr>
+              <a:t>] </a:t>
+            </a:r>
+            <a:r>
+              <a:rPr lang="en-IN" sz="11200" dirty="0" smtClean="0">
+                <a:solidFill>
+                  <a:srgbClr val="451717"/>
+                </a:solidFill>
+              </a:rPr>
+              <a:t>becomminghuman.AI, </a:t>
+            </a:r>
+            <a:r>
+              <a:rPr lang="en-IN" sz="11200" b="1" dirty="0" smtClean="0">
+                <a:solidFill>
+                  <a:srgbClr val="451717"/>
+                </a:solidFill>
+              </a:rPr>
+              <a:t>computer-vision-applications-in-self-driving-cars Image</a:t>
+            </a:r>
+            <a:r>
+              <a:rPr lang="en-IN" sz="11200" dirty="0" smtClean="0">
+                <a:solidFill>
+                  <a:srgbClr val="451717"/>
+                </a:solidFill>
+              </a:rPr>
+              <a:t>, </a:t>
+            </a:r>
+            <a:r>
+              <a:rPr lang="en-IN" sz="11200" dirty="0">
+                <a:solidFill>
+                  <a:srgbClr val="451717"/>
+                </a:solidFill>
+              </a:rPr>
+              <a:t>becomminghuman.AI</a:t>
+            </a:r>
+            <a:r>
+              <a:rPr lang="en-IN" sz="11200" dirty="0" smtClean="0">
+                <a:solidFill>
+                  <a:srgbClr val="451717"/>
+                </a:solidFill>
+              </a:rPr>
+              <a:t>, </a:t>
+            </a:r>
+            <a:r>
+              <a:rPr lang="en-IN" sz="11200" dirty="0">
+                <a:solidFill>
+                  <a:srgbClr val="451717"/>
+                </a:solidFill>
+                <a:hlinkClick r:id="rId7"/>
+              </a:rPr>
+              <a:t>URL</a:t>
+            </a:r>
+            <a:r>
+              <a:rPr lang="en-IN" sz="11200" dirty="0">
+                <a:solidFill>
+                  <a:srgbClr val="451717"/>
+                </a:solidFill>
+              </a:rPr>
+              <a:t>, [Accessed: Feb. 3, 2025</a:t>
+            </a:r>
+            <a:r>
+              <a:rPr lang="en-IN" sz="11200" dirty="0" smtClean="0">
+                <a:solidFill>
+                  <a:srgbClr val="451717"/>
+                </a:solidFill>
+              </a:rPr>
+              <a:t>].</a:t>
+            </a:r>
+          </a:p>
+          <a:p>
+            <a:pPr marL="0" indent="0">
+              <a:buNone/>
+            </a:pPr>
+            <a:r>
+              <a:rPr lang="en-IN" sz="11200" dirty="0" smtClean="0">
+                <a:solidFill>
+                  <a:srgbClr val="451717"/>
+                </a:solidFill>
+              </a:rPr>
+              <a:t>[6] </a:t>
+            </a:r>
+            <a:r>
+              <a:rPr lang="en-IN" sz="11200" b="1" dirty="0" smtClean="0">
+                <a:solidFill>
+                  <a:srgbClr val="451717"/>
+                </a:solidFill>
+                <a:hlinkClick r:id="rId8"/>
+              </a:rPr>
+              <a:t>Harry </a:t>
+            </a:r>
+            <a:r>
+              <a:rPr lang="en-IN" sz="11200" b="1" dirty="0" err="1" smtClean="0">
+                <a:solidFill>
+                  <a:srgbClr val="451717"/>
+                </a:solidFill>
+                <a:hlinkClick r:id="rId8"/>
+              </a:rPr>
+              <a:t>Thapa</a:t>
+            </a:r>
+            <a:r>
+              <a:rPr lang="en-IN" sz="11200" b="1" dirty="0" smtClean="0">
+                <a:solidFill>
+                  <a:srgbClr val="451717"/>
+                </a:solidFill>
+                <a:hlinkClick r:id="rId8"/>
+              </a:rPr>
+              <a:t>, </a:t>
+            </a:r>
+            <a:r>
+              <a:rPr lang="en-IN" sz="11200" b="1" dirty="0" err="1" smtClean="0">
+                <a:solidFill>
+                  <a:srgbClr val="451717"/>
+                </a:solidFill>
+              </a:rPr>
+              <a:t>ai</a:t>
+            </a:r>
+            <a:r>
+              <a:rPr lang="en-IN" sz="11200" b="1" dirty="0" smtClean="0">
+                <a:solidFill>
+                  <a:srgbClr val="451717"/>
+                </a:solidFill>
+              </a:rPr>
+              <a:t>-machine-learning-facial-recognition Image,</a:t>
+            </a:r>
+            <a:r>
+              <a:rPr lang="en-IN" sz="11200" dirty="0" smtClean="0">
+                <a:solidFill>
+                  <a:srgbClr val="451717"/>
+                </a:solidFill>
+              </a:rPr>
+              <a:t> </a:t>
+            </a:r>
+            <a:r>
+              <a:rPr lang="en-IN" sz="11200" dirty="0" err="1" smtClean="0">
+                <a:solidFill>
+                  <a:srgbClr val="451717"/>
+                </a:solidFill>
+              </a:rPr>
+              <a:t>Linkdin</a:t>
+            </a:r>
+            <a:r>
+              <a:rPr lang="en-IN" sz="11200" b="1" dirty="0" smtClean="0">
+                <a:solidFill>
+                  <a:srgbClr val="451717"/>
+                </a:solidFill>
+              </a:rPr>
+              <a:t>, </a:t>
+            </a:r>
+            <a:r>
+              <a:rPr lang="en-IN" sz="11200" b="1" dirty="0" smtClean="0">
+                <a:solidFill>
+                  <a:srgbClr val="451717"/>
+                </a:solidFill>
+                <a:hlinkClick r:id="rId9"/>
+              </a:rPr>
+              <a:t>URL</a:t>
+            </a:r>
+            <a:r>
+              <a:rPr lang="en-IN" sz="11200" b="1" dirty="0" smtClean="0">
+                <a:solidFill>
+                  <a:srgbClr val="451717"/>
+                </a:solidFill>
+              </a:rPr>
+              <a:t>, </a:t>
+            </a:r>
+            <a:r>
+              <a:rPr lang="en-IN" sz="11200" dirty="0" smtClean="0">
+                <a:solidFill>
+                  <a:srgbClr val="451717"/>
+                </a:solidFill>
+              </a:rPr>
+              <a:t>[Accessed: Feb. 3, 2025].</a:t>
+            </a:r>
+            <a:endParaRPr lang="en-IN" sz="11200" b="1" dirty="0" smtClean="0">
+              <a:solidFill>
+                <a:srgbClr val="451717"/>
+              </a:solidFill>
+              <a:hlinkClick r:id="rId8"/>
+            </a:endParaRPr>
+          </a:p>
+          <a:p>
+            <a:pPr marL="0" indent="0">
+              <a:buNone/>
+            </a:pPr>
+            <a:endParaRPr lang="en-IN" dirty="0"/>
+          </a:p>
+          <a:p>
+            <a:pPr marL="0" indent="0">
+              <a:buNone/>
+            </a:pPr>
+            <a:endParaRPr lang="en-IN" dirty="0"/>
+          </a:p>
+          <a:p>
+            <a:pPr marL="0" indent="0">
+              <a:buNone/>
+            </a:pPr>
+            <a:endParaRPr lang="en-IN" b="1" dirty="0">
+              <a:hlinkClick r:id="rId8"/>
+            </a:endParaRPr>
+          </a:p>
+          <a:p>
+            <a:pPr marL="0" indent="0">
+              <a:buNone/>
+            </a:pPr>
+            <a:endParaRPr lang="en-IN" dirty="0" smtClean="0"/>
+          </a:p>
+          <a:p>
+            <a:pPr marL="0" indent="0">
+              <a:buNone/>
+            </a:pPr>
+            <a:endParaRPr lang="en-IN" dirty="0"/>
+          </a:p>
+          <a:p>
+            <a:pPr marL="0" indent="0">
+              <a:buNone/>
+            </a:pPr>
+            <a:endParaRPr lang="en-IN" dirty="0"/>
+          </a:p>
+          <a:p>
+            <a:pPr marL="0" indent="0">
+              <a:buNone/>
+            </a:pPr>
+            <a:r>
+              <a:rPr lang="en-IN" dirty="0" smtClean="0"/>
+              <a:t> </a:t>
+            </a:r>
+            <a:endParaRPr lang="en-IN" dirty="0"/>
+          </a:p>
+        </p:txBody>
+      </p:sp>
+      <p:sp>
+        <p:nvSpPr>
+          <p:cNvPr id="4" name="Slide Number Placeholder 3"/>
+          <p:cNvSpPr>
+            <a:spLocks noGrp="1"/>
+          </p:cNvSpPr>
+          <p:nvPr>
+            <p:ph type="sldNum" sz="quarter" idx="12"/>
+          </p:nvPr>
+        </p:nvSpPr>
+        <p:spPr/>
+        <p:txBody>
+          <a:bodyPr/>
+          <a:lstStyle/>
+          <a:p>
+            <a:fld id="{E9D42EC4-55FD-406C-82BB-203E3BBE455C}" type="slidenum">
+              <a:rPr lang="en-IN" smtClean="0"/>
+              <a:t>14</a:t>
+            </a:fld>
+            <a:endParaRPr lang="en-IN" dirty="0"/>
+          </a:p>
+        </p:txBody>
+      </p:sp>
+    </p:spTree>
+    <p:extLst>
+      <p:ext uri="{BB962C8B-B14F-4D97-AF65-F5344CB8AC3E}">
+        <p14:creationId xmlns:p14="http://schemas.microsoft.com/office/powerpoint/2010/main" val="4213092710"/>
+      </p:ext>
+    </p:extLst>
+  </p:cSld>
+  <p:clrMapOvr>
+    <a:masterClrMapping/>
+  </p:clrMapOvr>
+  <p:transition spd="slow">
+    <p:wipe/>
+  </p:transition>
+  <p:timing>
+    <p:tnLst>
+      <p:par>
+        <p:cTn id="1" dur="indefinite" restart="never" nodeType="tmRoot"/>
+      </p:par>
+    </p:tnLst>
+  </p:timing>
+</p:sld>
+</file>
+
+<file path=ppt/slides/slide15.xml><?xml version="1.0" encoding="utf-8"?>
+<p:sld xmlns:a="http://schemas.openxmlformats.org/drawingml/2006/main" xmlns:r="http://schemas.openxmlformats.org/officeDocument/2006/relationships" xmlns:p="http://schemas.openxmlformats.org/presentationml/2006/main">
+  <p:cSld>
+    <p:spTree>
+      <p:nvGrpSpPr>
+        <p:cNvPr id="1" name=""/>
+        <p:cNvGrpSpPr/>
+        <p:nvPr/>
+      </p:nvGrpSpPr>
+      <p:grpSpPr>
+        <a:xfrm>
+          <a:off x="0" y="0"/>
+          <a:ext cx="0" cy="0"/>
+          <a:chOff x="0" y="0"/>
+          <a:chExt cx="0" cy="0"/>
+        </a:xfrm>
+      </p:grpSpPr>
+      <p:sp>
+        <p:nvSpPr>
+          <p:cNvPr id="2" name="Title 1"/>
+          <p:cNvSpPr>
+            <a:spLocks noGrp="1"/>
+          </p:cNvSpPr>
+          <p:nvPr>
+            <p:ph type="title"/>
+          </p:nvPr>
+        </p:nvSpPr>
+        <p:spPr>
+          <a:xfrm>
+            <a:off x="1141413" y="618518"/>
+            <a:ext cx="9905998" cy="710661"/>
+          </a:xfrm>
+        </p:spPr>
+        <p:txBody>
+          <a:bodyPr/>
+          <a:lstStyle/>
+          <a:p>
+            <a:r>
+              <a:rPr lang="en-IN" dirty="0" smtClean="0">
+                <a:solidFill>
+                  <a:schemeClr val="bg2">
+                    <a:lumMod val="50000"/>
+                  </a:schemeClr>
+                </a:solidFill>
+              </a:rPr>
+              <a:t>References Used</a:t>
+            </a:r>
+            <a:endParaRPr lang="en-IN" dirty="0">
+              <a:solidFill>
+                <a:schemeClr val="bg2">
+                  <a:lumMod val="50000"/>
+                </a:schemeClr>
+              </a:solidFill>
+            </a:endParaRPr>
+          </a:p>
+        </p:txBody>
+      </p:sp>
+      <p:sp>
+        <p:nvSpPr>
+          <p:cNvPr id="3" name="Content Placeholder 2"/>
+          <p:cNvSpPr>
+            <a:spLocks noGrp="1"/>
+          </p:cNvSpPr>
+          <p:nvPr>
+            <p:ph idx="1"/>
+          </p:nvPr>
+        </p:nvSpPr>
+        <p:spPr>
+          <a:xfrm>
+            <a:off x="620712" y="1518107"/>
+            <a:ext cx="10947399" cy="5335572"/>
+          </a:xfrm>
+        </p:spPr>
+        <p:txBody>
+          <a:bodyPr>
+            <a:normAutofit fontScale="25000" lnSpcReduction="20000"/>
+          </a:bodyPr>
+          <a:lstStyle/>
+          <a:p>
+            <a:pPr marL="0" indent="0">
+              <a:buNone/>
+            </a:pPr>
+            <a:r>
+              <a:rPr lang="en-IN" sz="11200" dirty="0" smtClean="0">
+                <a:solidFill>
+                  <a:srgbClr val="451717"/>
+                </a:solidFill>
+              </a:rPr>
+              <a:t>[</a:t>
+            </a:r>
+            <a:r>
+              <a:rPr lang="en-IN" sz="11200" dirty="0">
+                <a:solidFill>
+                  <a:srgbClr val="451717"/>
+                </a:solidFill>
+              </a:rPr>
+              <a:t>7] yolov8, </a:t>
+            </a:r>
+            <a:r>
+              <a:rPr lang="en-IN" sz="11200" b="1" dirty="0">
+                <a:solidFill>
+                  <a:srgbClr val="451717"/>
+                </a:solidFill>
+              </a:rPr>
+              <a:t>Object Detection Image</a:t>
+            </a:r>
+            <a:r>
+              <a:rPr lang="en-IN" sz="11200" dirty="0">
+                <a:solidFill>
+                  <a:srgbClr val="451717"/>
+                </a:solidFill>
+              </a:rPr>
+              <a:t>, YoloV8, </a:t>
+            </a:r>
+            <a:r>
+              <a:rPr lang="en-IN" sz="11200" dirty="0">
+                <a:solidFill>
+                  <a:srgbClr val="451717"/>
+                </a:solidFill>
+                <a:hlinkClick r:id="rId2"/>
+              </a:rPr>
+              <a:t>URL</a:t>
+            </a:r>
+            <a:r>
+              <a:rPr lang="en-IN" sz="11200" dirty="0">
+                <a:solidFill>
+                  <a:srgbClr val="451717"/>
+                </a:solidFill>
+              </a:rPr>
+              <a:t>, [Accessed: Feb. 3, 2025</a:t>
+            </a:r>
+            <a:r>
+              <a:rPr lang="en-IN" sz="11200" dirty="0" smtClean="0">
+                <a:solidFill>
+                  <a:srgbClr val="451717"/>
+                </a:solidFill>
+              </a:rPr>
+              <a:t>].</a:t>
+            </a:r>
+            <a:endParaRPr lang="en-IN" sz="11200" b="1" dirty="0" smtClean="0">
+              <a:solidFill>
+                <a:srgbClr val="451717"/>
+              </a:solidFill>
+            </a:endParaRPr>
+          </a:p>
+          <a:p>
+            <a:pPr marL="0" indent="0">
+              <a:buNone/>
+            </a:pPr>
+            <a:r>
+              <a:rPr lang="en-IN" sz="11200" b="1" dirty="0" smtClean="0">
+                <a:solidFill>
+                  <a:srgbClr val="451717"/>
+                </a:solidFill>
+              </a:rPr>
+              <a:t>[</a:t>
+            </a:r>
+            <a:r>
+              <a:rPr lang="en-IN" sz="11200" b="1" dirty="0">
+                <a:solidFill>
+                  <a:srgbClr val="451717"/>
+                </a:solidFill>
+              </a:rPr>
+              <a:t>8] </a:t>
+            </a:r>
+            <a:r>
+              <a:rPr lang="en-IN" sz="11200" dirty="0">
+                <a:solidFill>
+                  <a:srgbClr val="451717"/>
+                </a:solidFill>
+              </a:rPr>
+              <a:t>viso.ai</a:t>
+            </a:r>
+            <a:r>
+              <a:rPr lang="en-IN" sz="11200" b="1" dirty="0">
+                <a:solidFill>
+                  <a:srgbClr val="451717"/>
+                </a:solidFill>
+              </a:rPr>
+              <a:t>, computer-vision-in-manufacturing Image, viso.ai, </a:t>
+            </a:r>
+            <a:r>
+              <a:rPr lang="en-IN" sz="11200" b="1" dirty="0">
+                <a:solidFill>
+                  <a:srgbClr val="451717"/>
+                </a:solidFill>
+                <a:hlinkClick r:id="rId3"/>
+              </a:rPr>
+              <a:t>URL</a:t>
+            </a:r>
+            <a:r>
+              <a:rPr lang="en-IN" sz="11200" b="1" dirty="0">
+                <a:solidFill>
+                  <a:srgbClr val="451717"/>
+                </a:solidFill>
+              </a:rPr>
+              <a:t>, </a:t>
+            </a:r>
+            <a:r>
+              <a:rPr lang="en-IN" sz="11200" dirty="0">
+                <a:solidFill>
+                  <a:srgbClr val="451717"/>
+                </a:solidFill>
+              </a:rPr>
+              <a:t>[Accessed: Feb. 3, 2025].</a:t>
+            </a:r>
+          </a:p>
+          <a:p>
+            <a:pPr marL="0" indent="0">
+              <a:buNone/>
+            </a:pPr>
+            <a:r>
+              <a:rPr lang="en-IN" sz="11200" dirty="0">
+                <a:solidFill>
+                  <a:srgbClr val="451717"/>
+                </a:solidFill>
+              </a:rPr>
+              <a:t>[9] </a:t>
+            </a:r>
+            <a:r>
+              <a:rPr lang="en-IN" sz="11200" dirty="0" err="1">
+                <a:solidFill>
+                  <a:srgbClr val="451717"/>
+                </a:solidFill>
+              </a:rPr>
+              <a:t>beebom</a:t>
+            </a:r>
+            <a:r>
+              <a:rPr lang="en-IN" sz="11200" dirty="0">
+                <a:solidFill>
+                  <a:srgbClr val="451717"/>
+                </a:solidFill>
+              </a:rPr>
+              <a:t>, </a:t>
+            </a:r>
+            <a:r>
+              <a:rPr lang="en-IN" sz="11200" b="1" dirty="0">
+                <a:solidFill>
+                  <a:srgbClr val="451717"/>
+                </a:solidFill>
+              </a:rPr>
+              <a:t>Google Lens Image</a:t>
+            </a:r>
+            <a:r>
+              <a:rPr lang="en-IN" sz="11200" dirty="0">
+                <a:solidFill>
+                  <a:srgbClr val="451717"/>
+                </a:solidFill>
+              </a:rPr>
+              <a:t>, </a:t>
+            </a:r>
+            <a:r>
+              <a:rPr lang="en-IN" sz="11200" dirty="0" err="1">
+                <a:solidFill>
+                  <a:srgbClr val="451717"/>
+                </a:solidFill>
+              </a:rPr>
+              <a:t>beebom</a:t>
+            </a:r>
+            <a:r>
+              <a:rPr lang="en-IN" sz="11200" dirty="0">
+                <a:solidFill>
+                  <a:srgbClr val="451717"/>
+                </a:solidFill>
+                <a:hlinkClick r:id="rId4"/>
+              </a:rPr>
+              <a:t>, URL</a:t>
+            </a:r>
+            <a:r>
+              <a:rPr lang="en-IN" sz="11200" dirty="0">
+                <a:solidFill>
+                  <a:srgbClr val="451717"/>
+                </a:solidFill>
+              </a:rPr>
+              <a:t>, [Accessed: Feb. 3, 2025].</a:t>
+            </a:r>
+          </a:p>
+          <a:p>
+            <a:pPr marL="0" indent="0">
+              <a:buNone/>
+            </a:pPr>
+            <a:r>
+              <a:rPr lang="en-IN" sz="11200" dirty="0">
+                <a:solidFill>
+                  <a:srgbClr val="451717"/>
+                </a:solidFill>
+              </a:rPr>
+              <a:t>[10] </a:t>
+            </a:r>
+            <a:r>
+              <a:rPr lang="en-IN" sz="11200" dirty="0" err="1">
+                <a:solidFill>
+                  <a:srgbClr val="451717"/>
+                </a:solidFill>
+              </a:rPr>
+              <a:t>opencv</a:t>
+            </a:r>
+            <a:r>
+              <a:rPr lang="en-IN" sz="11200" dirty="0">
+                <a:solidFill>
+                  <a:srgbClr val="451717"/>
+                </a:solidFill>
+              </a:rPr>
+              <a:t>, </a:t>
+            </a:r>
+            <a:r>
+              <a:rPr lang="en-IN" sz="11200" b="1" dirty="0">
+                <a:solidFill>
+                  <a:srgbClr val="451717"/>
+                </a:solidFill>
+              </a:rPr>
+              <a:t>computer-vision-problems</a:t>
+            </a:r>
+            <a:r>
+              <a:rPr lang="en-IN" sz="11200" dirty="0">
+                <a:solidFill>
+                  <a:srgbClr val="451717"/>
+                </a:solidFill>
+              </a:rPr>
+              <a:t>, </a:t>
+            </a:r>
+            <a:r>
+              <a:rPr lang="en-IN" sz="11200" dirty="0" err="1">
+                <a:solidFill>
+                  <a:srgbClr val="451717"/>
+                </a:solidFill>
+              </a:rPr>
+              <a:t>OpenCv.Org</a:t>
+            </a:r>
+            <a:r>
+              <a:rPr lang="en-IN" sz="11200" dirty="0">
+                <a:solidFill>
+                  <a:srgbClr val="451717"/>
+                </a:solidFill>
+              </a:rPr>
+              <a:t>, </a:t>
+            </a:r>
+            <a:r>
+              <a:rPr lang="en-IN" sz="11200" dirty="0">
+                <a:solidFill>
+                  <a:srgbClr val="451717"/>
+                </a:solidFill>
+                <a:hlinkClick r:id="rId5"/>
+              </a:rPr>
+              <a:t>URL</a:t>
+            </a:r>
+            <a:r>
+              <a:rPr lang="en-IN" sz="11200" dirty="0">
+                <a:solidFill>
+                  <a:srgbClr val="451717"/>
+                </a:solidFill>
+              </a:rPr>
+              <a:t>, [Accessed: Feb. 4, 2025].</a:t>
+            </a:r>
+          </a:p>
+          <a:p>
+            <a:pPr marL="0" indent="0">
+              <a:buNone/>
+            </a:pPr>
+            <a:r>
+              <a:rPr lang="en-IN" sz="11200" dirty="0">
+                <a:solidFill>
+                  <a:srgbClr val="451717"/>
+                </a:solidFill>
+              </a:rPr>
+              <a:t>[11] Neha </a:t>
+            </a:r>
+            <a:r>
+              <a:rPr lang="en-IN" sz="11200" dirty="0" err="1" smtClean="0">
+                <a:solidFill>
+                  <a:srgbClr val="451717"/>
+                </a:solidFill>
+              </a:rPr>
+              <a:t>Bagawari</a:t>
+            </a:r>
+            <a:r>
+              <a:rPr lang="en-IN" sz="11200" dirty="0" smtClean="0">
+                <a:solidFill>
+                  <a:srgbClr val="451717"/>
+                </a:solidFill>
+              </a:rPr>
+              <a:t>, </a:t>
+            </a:r>
+            <a:r>
+              <a:rPr lang="en-IN" sz="11200" dirty="0" err="1">
+                <a:solidFill>
+                  <a:srgbClr val="451717"/>
+                </a:solidFill>
+              </a:rPr>
+              <a:t>Tarushi</a:t>
+            </a:r>
+            <a:r>
+              <a:rPr lang="en-IN" sz="11200" dirty="0">
+                <a:solidFill>
+                  <a:srgbClr val="451717"/>
+                </a:solidFill>
+              </a:rPr>
+              <a:t> Khanna,</a:t>
+            </a:r>
+            <a:r>
+              <a:rPr lang="en-US" sz="11200" dirty="0">
+                <a:solidFill>
+                  <a:srgbClr val="451717"/>
+                </a:solidFill>
+              </a:rPr>
+              <a:t> </a:t>
+            </a:r>
+            <a:r>
+              <a:rPr lang="en-US" sz="11200" b="1" dirty="0">
+                <a:solidFill>
+                  <a:srgbClr val="451717"/>
+                </a:solidFill>
+              </a:rPr>
+              <a:t>Computer Vision And Its Application </a:t>
+            </a:r>
+            <a:r>
+              <a:rPr lang="en-US" sz="11200" b="1" dirty="0" smtClean="0">
+                <a:solidFill>
+                  <a:srgbClr val="451717"/>
+                </a:solidFill>
+              </a:rPr>
+              <a:t>Areas</a:t>
+            </a:r>
+            <a:r>
+              <a:rPr lang="en-IN" sz="11200" dirty="0" smtClean="0">
+                <a:solidFill>
+                  <a:srgbClr val="451717"/>
+                </a:solidFill>
+              </a:rPr>
+              <a:t>,</a:t>
+            </a:r>
+            <a:r>
+              <a:rPr lang="en-US" sz="9600" dirty="0"/>
+              <a:t> </a:t>
+            </a:r>
+            <a:r>
+              <a:rPr lang="en-US" sz="9600" dirty="0">
+                <a:solidFill>
+                  <a:srgbClr val="451717"/>
+                </a:solidFill>
+              </a:rPr>
+              <a:t>GLIMPSE -Journal of Computer Science •Vol. 1(1) , JANUARY-JUNE 2022, pp. </a:t>
+            </a:r>
+            <a:r>
+              <a:rPr lang="en-US" sz="9600" dirty="0" smtClean="0">
+                <a:solidFill>
+                  <a:srgbClr val="451717"/>
+                </a:solidFill>
+              </a:rPr>
+              <a:t>7-10,</a:t>
+            </a:r>
+            <a:r>
+              <a:rPr lang="en-IN" sz="11200" dirty="0" smtClean="0">
+                <a:solidFill>
+                  <a:srgbClr val="451717"/>
+                </a:solidFill>
+              </a:rPr>
+              <a:t> </a:t>
+            </a:r>
+            <a:r>
+              <a:rPr lang="en-IN" sz="11200" dirty="0" err="1">
+                <a:solidFill>
+                  <a:srgbClr val="451717"/>
+                </a:solidFill>
+              </a:rPr>
+              <a:t>akgec</a:t>
+            </a:r>
+            <a:r>
+              <a:rPr lang="en-IN" sz="11200" dirty="0">
+                <a:solidFill>
+                  <a:srgbClr val="451717"/>
+                </a:solidFill>
+              </a:rPr>
+              <a:t>, </a:t>
+            </a:r>
+            <a:r>
+              <a:rPr lang="en-IN" sz="11200" dirty="0">
+                <a:solidFill>
+                  <a:srgbClr val="451717"/>
+                </a:solidFill>
+                <a:hlinkClick r:id="rId6"/>
+              </a:rPr>
+              <a:t>URL</a:t>
+            </a:r>
+            <a:r>
+              <a:rPr lang="en-IN" sz="11200" dirty="0">
+                <a:solidFill>
+                  <a:srgbClr val="451717"/>
+                </a:solidFill>
+              </a:rPr>
+              <a:t>, [Accessed: Feb. 4, 2025].</a:t>
+            </a:r>
+          </a:p>
+          <a:p>
+            <a:pPr marL="0" indent="0">
+              <a:buNone/>
+            </a:pPr>
+            <a:endParaRPr lang="en-IN" dirty="0"/>
+          </a:p>
+          <a:p>
+            <a:pPr marL="0" indent="0">
+              <a:buNone/>
+            </a:pPr>
+            <a:endParaRPr lang="en-IN" dirty="0"/>
+          </a:p>
+          <a:p>
+            <a:pPr marL="0" indent="0">
+              <a:buNone/>
+            </a:pPr>
+            <a:endParaRPr lang="en-IN" b="1" dirty="0">
+              <a:hlinkClick r:id="rId7"/>
+            </a:endParaRPr>
+          </a:p>
+          <a:p>
+            <a:pPr marL="0" indent="0">
+              <a:buNone/>
+            </a:pPr>
+            <a:endParaRPr lang="en-IN" dirty="0" smtClean="0"/>
+          </a:p>
+          <a:p>
+            <a:pPr marL="0" indent="0">
+              <a:buNone/>
+            </a:pPr>
+            <a:endParaRPr lang="en-IN" dirty="0"/>
+          </a:p>
+          <a:p>
+            <a:pPr marL="0" indent="0">
+              <a:buNone/>
+            </a:pPr>
+            <a:endParaRPr lang="en-IN" dirty="0"/>
+          </a:p>
+          <a:p>
+            <a:pPr marL="0" indent="0">
+              <a:buNone/>
+            </a:pPr>
+            <a:r>
+              <a:rPr lang="en-IN" dirty="0" smtClean="0"/>
+              <a:t> </a:t>
+            </a:r>
+            <a:endParaRPr lang="en-IN" dirty="0"/>
+          </a:p>
+        </p:txBody>
+      </p:sp>
+      <p:sp>
+        <p:nvSpPr>
+          <p:cNvPr id="4" name="Slide Number Placeholder 3"/>
+          <p:cNvSpPr>
+            <a:spLocks noGrp="1"/>
+          </p:cNvSpPr>
+          <p:nvPr>
+            <p:ph type="sldNum" sz="quarter" idx="12"/>
+          </p:nvPr>
+        </p:nvSpPr>
+        <p:spPr/>
+        <p:txBody>
+          <a:bodyPr/>
+          <a:lstStyle/>
+          <a:p>
+            <a:fld id="{E9D42EC4-55FD-406C-82BB-203E3BBE455C}" type="slidenum">
+              <a:rPr lang="en-IN" smtClean="0"/>
+              <a:t>15</a:t>
+            </a:fld>
+            <a:endParaRPr lang="en-IN"/>
+          </a:p>
+        </p:txBody>
+      </p:sp>
+    </p:spTree>
+    <p:extLst>
+      <p:ext uri="{BB962C8B-B14F-4D97-AF65-F5344CB8AC3E}">
+        <p14:creationId xmlns:p14="http://schemas.microsoft.com/office/powerpoint/2010/main" val="2219693651"/>
       </p:ext>
     </p:extLst>
   </p:cSld>
@@ -17682,7 +22667,7 @@
         </p:nvSpPr>
         <p:spPr>
           <a:xfrm>
-            <a:off x="1141413" y="458263"/>
+            <a:off x="1141413" y="420556"/>
             <a:ext cx="9905998" cy="1478570"/>
           </a:xfrm>
         </p:spPr>
@@ -17716,7 +22701,7 @@
             <p:ph idx="1"/>
             <p:extLst>
               <p:ext uri="{D42A27DB-BD31-4B8C-83A1-F6EECF244321}">
-                <p14:modId xmlns:p14="http://schemas.microsoft.com/office/powerpoint/2010/main" val="321534159"/>
+                <p14:modId xmlns:p14="http://schemas.microsoft.com/office/powerpoint/2010/main" val="4227707703"/>
               </p:ext>
             </p:extLst>
           </p:nvPr>
@@ -17818,14 +22803,18 @@
             <a:r>
               <a:rPr lang="en-IN" b="1" dirty="0" smtClean="0">
                 <a:solidFill>
-                  <a:schemeClr val="bg2"/>
+                  <a:schemeClr val="bg2">
+                    <a:lumMod val="50000"/>
+                  </a:schemeClr>
                 </a:solidFill>
               </a:rPr>
               <a:t>What does Computer Vision means</a:t>
             </a:r>
             <a:endParaRPr lang="en-IN" b="1" dirty="0">
               <a:solidFill>
-                <a:schemeClr val="bg2"/>
+                <a:schemeClr val="bg2">
+                  <a:lumMod val="50000"/>
+                </a:schemeClr>
               </a:solidFill>
             </a:endParaRPr>
           </a:p>
@@ -17885,18 +22874,7 @@
                   </a:schemeClr>
                 </a:solidFill>
               </a:rPr>
-              <a:t>that uses machine learning </a:t>
-            </a:r>
-            <a:r>
-              <a:rPr lang="en-US" dirty="0">
-                <a:solidFill>
-                  <a:schemeClr val="bg1">
-                    <a:lumMod val="85000"/>
-                    <a:lumOff val="15000"/>
-                  </a:schemeClr>
-                </a:solidFill>
-              </a:rPr>
-              <a:t>t</a:t>
+              <a:t>that uses machine learning t</a:t>
             </a:r>
             <a:r>
               <a:rPr lang="en-US" dirty="0" smtClean="0">
@@ -18542,7 +23520,7 @@
         </p:nvSpPr>
         <p:spPr>
           <a:xfrm>
-            <a:off x="1141412" y="71763"/>
+            <a:off x="1141412" y="-80106"/>
             <a:ext cx="9905998" cy="993466"/>
           </a:xfrm>
         </p:spPr>
@@ -18581,7 +23559,12 @@
             <p:ph type="sldNum" sz="quarter" idx="12"/>
           </p:nvPr>
         </p:nvSpPr>
-        <p:spPr/>
+        <p:spPr>
+          <a:xfrm>
+            <a:off x="9616445" y="5864421"/>
+            <a:ext cx="771089" cy="365125"/>
+          </a:xfrm>
+        </p:spPr>
         <p:txBody>
           <a:bodyPr/>
           <a:lstStyle/>
@@ -18591,6 +23574,1077 @@
               <a:t>6</a:t>
             </a:fld>
             <a:endParaRPr lang="en-IN"/>
+          </a:p>
+        </p:txBody>
+      </p:sp>
+      <p:sp>
+        <p:nvSpPr>
+          <p:cNvPr id="10" name="Rounded Rectangle 9"/>
+          <p:cNvSpPr/>
+          <p:nvPr/>
+        </p:nvSpPr>
+        <p:spPr>
+          <a:xfrm>
+            <a:off x="556182" y="1074656"/>
+            <a:ext cx="3949830" cy="633167"/>
+          </a:xfrm>
+          <a:prstGeom prst="roundRect">
+            <a:avLst/>
+          </a:prstGeom>
+          <a:solidFill>
+            <a:srgbClr val="92D050"/>
+          </a:solidFill>
+        </p:spPr>
+        <p:style>
+          <a:lnRef idx="2">
+            <a:schemeClr val="accent1">
+              <a:shade val="50000"/>
+            </a:schemeClr>
+          </a:lnRef>
+          <a:fillRef idx="1">
+            <a:schemeClr val="accent1"/>
+          </a:fillRef>
+          <a:effectRef idx="0">
+            <a:schemeClr val="accent1"/>
+          </a:effectRef>
+          <a:fontRef idx="minor">
+            <a:schemeClr val="lt1"/>
+          </a:fontRef>
+        </p:style>
+        <p:txBody>
+          <a:bodyPr rtlCol="0" anchor="ctr"/>
+          <a:lstStyle/>
+          <a:p>
+            <a:pPr algn="ctr"/>
+            <a:r>
+              <a:rPr lang="en-IN" sz="2400" b="1" dirty="0" smtClean="0">
+                <a:solidFill>
+                  <a:schemeClr val="bg2">
+                    <a:lumMod val="50000"/>
+                  </a:schemeClr>
+                </a:solidFill>
+              </a:rPr>
+              <a:t>Image Acquisition</a:t>
+            </a:r>
+            <a:endParaRPr lang="en-IN" sz="2400" b="1" dirty="0">
+              <a:solidFill>
+                <a:schemeClr val="bg2">
+                  <a:lumMod val="50000"/>
+                </a:schemeClr>
+              </a:solidFill>
+            </a:endParaRPr>
+          </a:p>
+        </p:txBody>
+      </p:sp>
+      <p:sp>
+        <p:nvSpPr>
+          <p:cNvPr id="11" name="Down Arrow 10"/>
+          <p:cNvSpPr/>
+          <p:nvPr/>
+        </p:nvSpPr>
+        <p:spPr>
+          <a:xfrm>
+            <a:off x="2328421" y="1707823"/>
+            <a:ext cx="320511" cy="509047"/>
+          </a:xfrm>
+          <a:prstGeom prst="downArrow">
+            <a:avLst/>
+          </a:prstGeom>
+          <a:solidFill>
+            <a:schemeClr val="accent3">
+              <a:lumMod val="50000"/>
+            </a:schemeClr>
+          </a:solidFill>
+        </p:spPr>
+        <p:style>
+          <a:lnRef idx="2">
+            <a:schemeClr val="accent1">
+              <a:shade val="50000"/>
+            </a:schemeClr>
+          </a:lnRef>
+          <a:fillRef idx="1">
+            <a:schemeClr val="accent1"/>
+          </a:fillRef>
+          <a:effectRef idx="0">
+            <a:schemeClr val="accent1"/>
+          </a:effectRef>
+          <a:fontRef idx="minor">
+            <a:schemeClr val="lt1"/>
+          </a:fontRef>
+        </p:style>
+        <p:txBody>
+          <a:bodyPr rtlCol="0" anchor="ctr"/>
+          <a:lstStyle/>
+          <a:p>
+            <a:pPr algn="ctr"/>
+            <a:endParaRPr lang="en-IN"/>
+          </a:p>
+        </p:txBody>
+      </p:sp>
+      <p:sp>
+        <p:nvSpPr>
+          <p:cNvPr id="12" name="Rounded Rectangle 11"/>
+          <p:cNvSpPr/>
+          <p:nvPr/>
+        </p:nvSpPr>
+        <p:spPr>
+          <a:xfrm>
+            <a:off x="556182" y="2234153"/>
+            <a:ext cx="3949830" cy="633167"/>
+          </a:xfrm>
+          <a:prstGeom prst="roundRect">
+            <a:avLst/>
+          </a:prstGeom>
+          <a:solidFill>
+            <a:srgbClr val="92D050"/>
+          </a:solidFill>
+        </p:spPr>
+        <p:style>
+          <a:lnRef idx="2">
+            <a:schemeClr val="accent1">
+              <a:shade val="50000"/>
+            </a:schemeClr>
+          </a:lnRef>
+          <a:fillRef idx="1">
+            <a:schemeClr val="accent1"/>
+          </a:fillRef>
+          <a:effectRef idx="0">
+            <a:schemeClr val="accent1"/>
+          </a:effectRef>
+          <a:fontRef idx="minor">
+            <a:schemeClr val="lt1"/>
+          </a:fontRef>
+        </p:style>
+        <p:txBody>
+          <a:bodyPr rtlCol="0" anchor="ctr"/>
+          <a:lstStyle/>
+          <a:p>
+            <a:pPr algn="ctr"/>
+            <a:r>
+              <a:rPr lang="en-IN" sz="2400" b="1" dirty="0" smtClean="0">
+                <a:solidFill>
+                  <a:schemeClr val="bg2">
+                    <a:lumMod val="50000"/>
+                  </a:schemeClr>
+                </a:solidFill>
+              </a:rPr>
+              <a:t>Pre-processing</a:t>
+            </a:r>
+            <a:endParaRPr lang="en-IN" sz="2400" b="1" dirty="0">
+              <a:solidFill>
+                <a:schemeClr val="bg2">
+                  <a:lumMod val="50000"/>
+                </a:schemeClr>
+              </a:solidFill>
+            </a:endParaRPr>
+          </a:p>
+        </p:txBody>
+      </p:sp>
+      <p:sp>
+        <p:nvSpPr>
+          <p:cNvPr id="14" name="Down Arrow 13"/>
+          <p:cNvSpPr/>
+          <p:nvPr/>
+        </p:nvSpPr>
+        <p:spPr>
+          <a:xfrm>
+            <a:off x="2328421" y="2867320"/>
+            <a:ext cx="320511" cy="509047"/>
+          </a:xfrm>
+          <a:prstGeom prst="downArrow">
+            <a:avLst/>
+          </a:prstGeom>
+          <a:solidFill>
+            <a:schemeClr val="accent3">
+              <a:lumMod val="50000"/>
+            </a:schemeClr>
+          </a:solidFill>
+        </p:spPr>
+        <p:style>
+          <a:lnRef idx="2">
+            <a:schemeClr val="accent1">
+              <a:shade val="50000"/>
+            </a:schemeClr>
+          </a:lnRef>
+          <a:fillRef idx="1">
+            <a:schemeClr val="accent1"/>
+          </a:fillRef>
+          <a:effectRef idx="0">
+            <a:schemeClr val="accent1"/>
+          </a:effectRef>
+          <a:fontRef idx="minor">
+            <a:schemeClr val="lt1"/>
+          </a:fontRef>
+        </p:style>
+        <p:txBody>
+          <a:bodyPr rtlCol="0" anchor="ctr"/>
+          <a:lstStyle/>
+          <a:p>
+            <a:pPr algn="ctr"/>
+            <a:endParaRPr lang="en-IN"/>
+          </a:p>
+        </p:txBody>
+      </p:sp>
+      <p:sp>
+        <p:nvSpPr>
+          <p:cNvPr id="15" name="Rounded Rectangle 14"/>
+          <p:cNvSpPr/>
+          <p:nvPr/>
+        </p:nvSpPr>
+        <p:spPr>
+          <a:xfrm>
+            <a:off x="556182" y="3373225"/>
+            <a:ext cx="3949830" cy="633167"/>
+          </a:xfrm>
+          <a:prstGeom prst="roundRect">
+            <a:avLst/>
+          </a:prstGeom>
+          <a:solidFill>
+            <a:srgbClr val="92D050"/>
+          </a:solidFill>
+        </p:spPr>
+        <p:style>
+          <a:lnRef idx="2">
+            <a:schemeClr val="accent1">
+              <a:shade val="50000"/>
+            </a:schemeClr>
+          </a:lnRef>
+          <a:fillRef idx="1">
+            <a:schemeClr val="accent1"/>
+          </a:fillRef>
+          <a:effectRef idx="0">
+            <a:schemeClr val="accent1"/>
+          </a:effectRef>
+          <a:fontRef idx="minor">
+            <a:schemeClr val="lt1"/>
+          </a:fontRef>
+        </p:style>
+        <p:txBody>
+          <a:bodyPr rtlCol="0" anchor="ctr"/>
+          <a:lstStyle/>
+          <a:p>
+            <a:pPr algn="ctr"/>
+            <a:r>
+              <a:rPr lang="en-IN" sz="2400" b="1" dirty="0" smtClean="0">
+                <a:solidFill>
+                  <a:schemeClr val="bg2">
+                    <a:lumMod val="50000"/>
+                  </a:schemeClr>
+                </a:solidFill>
+              </a:rPr>
+              <a:t>Feature</a:t>
+            </a:r>
+            <a:r>
+              <a:rPr lang="en-IN" dirty="0" smtClean="0"/>
+              <a:t> </a:t>
+            </a:r>
+            <a:r>
+              <a:rPr lang="en-IN" sz="2400" b="1" dirty="0" smtClean="0">
+                <a:solidFill>
+                  <a:schemeClr val="bg2">
+                    <a:lumMod val="50000"/>
+                  </a:schemeClr>
+                </a:solidFill>
+              </a:rPr>
+              <a:t>Extraction</a:t>
+            </a:r>
+            <a:endParaRPr lang="en-IN" sz="2400" b="1" dirty="0">
+              <a:solidFill>
+                <a:schemeClr val="bg2">
+                  <a:lumMod val="50000"/>
+                </a:schemeClr>
+              </a:solidFill>
+            </a:endParaRPr>
+          </a:p>
+        </p:txBody>
+      </p:sp>
+      <p:sp>
+        <p:nvSpPr>
+          <p:cNvPr id="16" name="Down Arrow 15"/>
+          <p:cNvSpPr/>
+          <p:nvPr/>
+        </p:nvSpPr>
+        <p:spPr>
+          <a:xfrm>
+            <a:off x="2328421" y="4006392"/>
+            <a:ext cx="320511" cy="509047"/>
+          </a:xfrm>
+          <a:prstGeom prst="downArrow">
+            <a:avLst/>
+          </a:prstGeom>
+          <a:solidFill>
+            <a:schemeClr val="accent3">
+              <a:lumMod val="50000"/>
+            </a:schemeClr>
+          </a:solidFill>
+        </p:spPr>
+        <p:style>
+          <a:lnRef idx="2">
+            <a:schemeClr val="accent1">
+              <a:shade val="50000"/>
+            </a:schemeClr>
+          </a:lnRef>
+          <a:fillRef idx="1">
+            <a:schemeClr val="accent1"/>
+          </a:fillRef>
+          <a:effectRef idx="0">
+            <a:schemeClr val="accent1"/>
+          </a:effectRef>
+          <a:fontRef idx="minor">
+            <a:schemeClr val="lt1"/>
+          </a:fontRef>
+        </p:style>
+        <p:txBody>
+          <a:bodyPr rtlCol="0" anchor="ctr"/>
+          <a:lstStyle/>
+          <a:p>
+            <a:pPr algn="ctr"/>
+            <a:endParaRPr lang="en-IN"/>
+          </a:p>
+        </p:txBody>
+      </p:sp>
+      <p:sp>
+        <p:nvSpPr>
+          <p:cNvPr id="17" name="Rounded Rectangle 16"/>
+          <p:cNvSpPr/>
+          <p:nvPr/>
+        </p:nvSpPr>
+        <p:spPr>
+          <a:xfrm>
+            <a:off x="556182" y="4515439"/>
+            <a:ext cx="3949830" cy="633167"/>
+          </a:xfrm>
+          <a:prstGeom prst="roundRect">
+            <a:avLst/>
+          </a:prstGeom>
+          <a:solidFill>
+            <a:srgbClr val="92D050"/>
+          </a:solidFill>
+        </p:spPr>
+        <p:style>
+          <a:lnRef idx="2">
+            <a:schemeClr val="accent1">
+              <a:shade val="50000"/>
+            </a:schemeClr>
+          </a:lnRef>
+          <a:fillRef idx="1">
+            <a:schemeClr val="accent1"/>
+          </a:fillRef>
+          <a:effectRef idx="0">
+            <a:schemeClr val="accent1"/>
+          </a:effectRef>
+          <a:fontRef idx="minor">
+            <a:schemeClr val="lt1"/>
+          </a:fontRef>
+        </p:style>
+        <p:txBody>
+          <a:bodyPr rtlCol="0" anchor="ctr"/>
+          <a:lstStyle/>
+          <a:p>
+            <a:pPr algn="ctr"/>
+            <a:r>
+              <a:rPr lang="en-IN" sz="2400" b="1" dirty="0">
+                <a:solidFill>
+                  <a:schemeClr val="bg2">
+                    <a:lumMod val="50000"/>
+                  </a:schemeClr>
+                </a:solidFill>
+              </a:rPr>
+              <a:t>Classification</a:t>
+            </a:r>
+            <a:r>
+              <a:rPr lang="en-IN" b="1" dirty="0"/>
+              <a:t> </a:t>
+            </a:r>
+            <a:r>
+              <a:rPr lang="en-IN" sz="2400" b="1" dirty="0">
+                <a:solidFill>
+                  <a:schemeClr val="bg2">
+                    <a:lumMod val="50000"/>
+                  </a:schemeClr>
+                </a:solidFill>
+              </a:rPr>
+              <a:t>&amp;</a:t>
+            </a:r>
+            <a:r>
+              <a:rPr lang="en-IN" b="1" dirty="0"/>
+              <a:t> </a:t>
+            </a:r>
+            <a:r>
+              <a:rPr lang="en-IN" sz="2400" b="1" dirty="0">
+                <a:solidFill>
+                  <a:schemeClr val="bg2">
+                    <a:lumMod val="50000"/>
+                  </a:schemeClr>
+                </a:solidFill>
+              </a:rPr>
+              <a:t>Recognition</a:t>
+            </a:r>
+          </a:p>
+        </p:txBody>
+      </p:sp>
+      <p:sp>
+        <p:nvSpPr>
+          <p:cNvPr id="18" name="Down Arrow 17"/>
+          <p:cNvSpPr/>
+          <p:nvPr/>
+        </p:nvSpPr>
+        <p:spPr>
+          <a:xfrm>
+            <a:off x="2328421" y="5148606"/>
+            <a:ext cx="320511" cy="509047"/>
+          </a:xfrm>
+          <a:prstGeom prst="downArrow">
+            <a:avLst/>
+          </a:prstGeom>
+          <a:solidFill>
+            <a:schemeClr val="accent3">
+              <a:lumMod val="50000"/>
+            </a:schemeClr>
+          </a:solidFill>
+        </p:spPr>
+        <p:style>
+          <a:lnRef idx="2">
+            <a:schemeClr val="accent1">
+              <a:shade val="50000"/>
+            </a:schemeClr>
+          </a:lnRef>
+          <a:fillRef idx="1">
+            <a:schemeClr val="accent1"/>
+          </a:fillRef>
+          <a:effectRef idx="0">
+            <a:schemeClr val="accent1"/>
+          </a:effectRef>
+          <a:fontRef idx="minor">
+            <a:schemeClr val="lt1"/>
+          </a:fontRef>
+        </p:style>
+        <p:txBody>
+          <a:bodyPr rtlCol="0" anchor="ctr"/>
+          <a:lstStyle/>
+          <a:p>
+            <a:pPr algn="ctr"/>
+            <a:endParaRPr lang="en-IN"/>
+          </a:p>
+        </p:txBody>
+      </p:sp>
+      <p:sp>
+        <p:nvSpPr>
+          <p:cNvPr id="19" name="Rounded Rectangle 18"/>
+          <p:cNvSpPr/>
+          <p:nvPr/>
+        </p:nvSpPr>
+        <p:spPr>
+          <a:xfrm>
+            <a:off x="556182" y="5657653"/>
+            <a:ext cx="3949830" cy="633167"/>
+          </a:xfrm>
+          <a:prstGeom prst="roundRect">
+            <a:avLst/>
+          </a:prstGeom>
+          <a:solidFill>
+            <a:srgbClr val="92D050"/>
+          </a:solidFill>
+        </p:spPr>
+        <p:style>
+          <a:lnRef idx="2">
+            <a:schemeClr val="accent1">
+              <a:shade val="50000"/>
+            </a:schemeClr>
+          </a:lnRef>
+          <a:fillRef idx="1">
+            <a:schemeClr val="accent1"/>
+          </a:fillRef>
+          <a:effectRef idx="0">
+            <a:schemeClr val="accent1"/>
+          </a:effectRef>
+          <a:fontRef idx="minor">
+            <a:schemeClr val="lt1"/>
+          </a:fontRef>
+        </p:style>
+        <p:txBody>
+          <a:bodyPr rtlCol="0" anchor="ctr"/>
+          <a:lstStyle/>
+          <a:p>
+            <a:pPr algn="ctr"/>
+            <a:r>
+              <a:rPr lang="en-IN" sz="2400" b="1" dirty="0">
+                <a:solidFill>
+                  <a:schemeClr val="bg2">
+                    <a:lumMod val="50000"/>
+                  </a:schemeClr>
+                </a:solidFill>
+              </a:rPr>
+              <a:t>Output</a:t>
+            </a:r>
+            <a:r>
+              <a:rPr lang="en-IN" dirty="0"/>
+              <a:t> </a:t>
+            </a:r>
+            <a:r>
+              <a:rPr lang="en-IN" sz="2400" b="1" dirty="0">
+                <a:solidFill>
+                  <a:schemeClr val="bg2">
+                    <a:lumMod val="50000"/>
+                  </a:schemeClr>
+                </a:solidFill>
+              </a:rPr>
+              <a:t>&amp;</a:t>
+            </a:r>
+            <a:r>
+              <a:rPr lang="en-IN" dirty="0"/>
+              <a:t> </a:t>
+            </a:r>
+            <a:r>
+              <a:rPr lang="en-IN" sz="2400" b="1" dirty="0">
+                <a:solidFill>
+                  <a:schemeClr val="bg2">
+                    <a:lumMod val="50000"/>
+                  </a:schemeClr>
+                </a:solidFill>
+              </a:rPr>
+              <a:t>Action</a:t>
+            </a:r>
+          </a:p>
+        </p:txBody>
+      </p:sp>
+      <p:sp>
+        <p:nvSpPr>
+          <p:cNvPr id="34" name="Curved Down Arrow 33"/>
+          <p:cNvSpPr/>
+          <p:nvPr/>
+        </p:nvSpPr>
+        <p:spPr>
+          <a:xfrm>
+            <a:off x="4506012" y="869231"/>
+            <a:ext cx="2403835" cy="517688"/>
+          </a:xfrm>
+          <a:prstGeom prst="curvedDownArrow">
+            <a:avLst/>
+          </a:prstGeom>
+          <a:solidFill>
+            <a:schemeClr val="accent3">
+              <a:lumMod val="50000"/>
+            </a:schemeClr>
+          </a:solidFill>
+        </p:spPr>
+        <p:style>
+          <a:lnRef idx="2">
+            <a:schemeClr val="accent1">
+              <a:shade val="50000"/>
+            </a:schemeClr>
+          </a:lnRef>
+          <a:fillRef idx="1">
+            <a:schemeClr val="accent1"/>
+          </a:fillRef>
+          <a:effectRef idx="0">
+            <a:schemeClr val="accent1"/>
+          </a:effectRef>
+          <a:fontRef idx="minor">
+            <a:schemeClr val="lt1"/>
+          </a:fontRef>
+        </p:style>
+        <p:txBody>
+          <a:bodyPr rtlCol="0" anchor="ctr"/>
+          <a:lstStyle/>
+          <a:p>
+            <a:pPr algn="ctr"/>
+            <a:endParaRPr lang="en-IN">
+              <a:solidFill>
+                <a:schemeClr val="tx1"/>
+              </a:solidFill>
+            </a:endParaRPr>
+          </a:p>
+        </p:txBody>
+      </p:sp>
+      <p:sp>
+        <p:nvSpPr>
+          <p:cNvPr id="35" name="Curved Down Arrow 34"/>
+          <p:cNvSpPr/>
+          <p:nvPr/>
+        </p:nvSpPr>
+        <p:spPr>
+          <a:xfrm>
+            <a:off x="4529561" y="2009874"/>
+            <a:ext cx="2403835" cy="517688"/>
+          </a:xfrm>
+          <a:prstGeom prst="curvedDownArrow">
+            <a:avLst/>
+          </a:prstGeom>
+          <a:solidFill>
+            <a:schemeClr val="accent3">
+              <a:lumMod val="50000"/>
+            </a:schemeClr>
+          </a:solidFill>
+        </p:spPr>
+        <p:style>
+          <a:lnRef idx="2">
+            <a:schemeClr val="accent1">
+              <a:shade val="50000"/>
+            </a:schemeClr>
+          </a:lnRef>
+          <a:fillRef idx="1">
+            <a:schemeClr val="accent1"/>
+          </a:fillRef>
+          <a:effectRef idx="0">
+            <a:schemeClr val="accent1"/>
+          </a:effectRef>
+          <a:fontRef idx="minor">
+            <a:schemeClr val="lt1"/>
+          </a:fontRef>
+        </p:style>
+        <p:txBody>
+          <a:bodyPr rtlCol="0" anchor="ctr"/>
+          <a:lstStyle/>
+          <a:p>
+            <a:pPr algn="ctr"/>
+            <a:endParaRPr lang="en-IN">
+              <a:solidFill>
+                <a:schemeClr val="tx1"/>
+              </a:solidFill>
+            </a:endParaRPr>
+          </a:p>
+        </p:txBody>
+      </p:sp>
+      <p:sp>
+        <p:nvSpPr>
+          <p:cNvPr id="36" name="Curved Down Arrow 35"/>
+          <p:cNvSpPr/>
+          <p:nvPr/>
+        </p:nvSpPr>
+        <p:spPr>
+          <a:xfrm>
+            <a:off x="4529561" y="3150518"/>
+            <a:ext cx="2403835" cy="517688"/>
+          </a:xfrm>
+          <a:prstGeom prst="curvedDownArrow">
+            <a:avLst/>
+          </a:prstGeom>
+          <a:solidFill>
+            <a:schemeClr val="accent3">
+              <a:lumMod val="50000"/>
+            </a:schemeClr>
+          </a:solidFill>
+        </p:spPr>
+        <p:style>
+          <a:lnRef idx="2">
+            <a:schemeClr val="accent1">
+              <a:shade val="50000"/>
+            </a:schemeClr>
+          </a:lnRef>
+          <a:fillRef idx="1">
+            <a:schemeClr val="accent1"/>
+          </a:fillRef>
+          <a:effectRef idx="0">
+            <a:schemeClr val="accent1"/>
+          </a:effectRef>
+          <a:fontRef idx="minor">
+            <a:schemeClr val="lt1"/>
+          </a:fontRef>
+        </p:style>
+        <p:txBody>
+          <a:bodyPr rtlCol="0" anchor="ctr"/>
+          <a:lstStyle/>
+          <a:p>
+            <a:pPr algn="ctr"/>
+            <a:endParaRPr lang="en-IN">
+              <a:solidFill>
+                <a:schemeClr val="tx1"/>
+              </a:solidFill>
+            </a:endParaRPr>
+          </a:p>
+        </p:txBody>
+      </p:sp>
+      <p:sp>
+        <p:nvSpPr>
+          <p:cNvPr id="37" name="Curved Down Arrow 36"/>
+          <p:cNvSpPr/>
+          <p:nvPr/>
+        </p:nvSpPr>
+        <p:spPr>
+          <a:xfrm>
+            <a:off x="4506011" y="4399175"/>
+            <a:ext cx="2403835" cy="517688"/>
+          </a:xfrm>
+          <a:prstGeom prst="curvedDownArrow">
+            <a:avLst/>
+          </a:prstGeom>
+          <a:solidFill>
+            <a:schemeClr val="accent3">
+              <a:lumMod val="50000"/>
+            </a:schemeClr>
+          </a:solidFill>
+        </p:spPr>
+        <p:style>
+          <a:lnRef idx="2">
+            <a:schemeClr val="accent1">
+              <a:shade val="50000"/>
+            </a:schemeClr>
+          </a:lnRef>
+          <a:fillRef idx="1">
+            <a:schemeClr val="accent1"/>
+          </a:fillRef>
+          <a:effectRef idx="0">
+            <a:schemeClr val="accent1"/>
+          </a:effectRef>
+          <a:fontRef idx="minor">
+            <a:schemeClr val="lt1"/>
+          </a:fontRef>
+        </p:style>
+        <p:txBody>
+          <a:bodyPr rtlCol="0" anchor="ctr"/>
+          <a:lstStyle/>
+          <a:p>
+            <a:pPr algn="ctr"/>
+            <a:endParaRPr lang="en-IN">
+              <a:solidFill>
+                <a:schemeClr val="tx1"/>
+              </a:solidFill>
+            </a:endParaRPr>
+          </a:p>
+        </p:txBody>
+      </p:sp>
+      <p:sp>
+        <p:nvSpPr>
+          <p:cNvPr id="38" name="Curved Down Arrow 37"/>
+          <p:cNvSpPr/>
+          <p:nvPr/>
+        </p:nvSpPr>
+        <p:spPr>
+          <a:xfrm>
+            <a:off x="4529561" y="5521440"/>
+            <a:ext cx="2403835" cy="517688"/>
+          </a:xfrm>
+          <a:prstGeom prst="curvedDownArrow">
+            <a:avLst/>
+          </a:prstGeom>
+          <a:solidFill>
+            <a:schemeClr val="accent3">
+              <a:lumMod val="50000"/>
+            </a:schemeClr>
+          </a:solidFill>
+        </p:spPr>
+        <p:style>
+          <a:lnRef idx="2">
+            <a:schemeClr val="accent1">
+              <a:shade val="50000"/>
+            </a:schemeClr>
+          </a:lnRef>
+          <a:fillRef idx="1">
+            <a:schemeClr val="accent1"/>
+          </a:fillRef>
+          <a:effectRef idx="0">
+            <a:schemeClr val="accent1"/>
+          </a:effectRef>
+          <a:fontRef idx="minor">
+            <a:schemeClr val="lt1"/>
+          </a:fontRef>
+        </p:style>
+        <p:txBody>
+          <a:bodyPr rtlCol="0" anchor="ctr"/>
+          <a:lstStyle/>
+          <a:p>
+            <a:pPr algn="ctr"/>
+            <a:endParaRPr lang="en-IN">
+              <a:solidFill>
+                <a:schemeClr val="tx1"/>
+              </a:solidFill>
+            </a:endParaRPr>
+          </a:p>
+        </p:txBody>
+      </p:sp>
+      <p:sp>
+        <p:nvSpPr>
+          <p:cNvPr id="39" name="Cloud 38"/>
+          <p:cNvSpPr/>
+          <p:nvPr/>
+        </p:nvSpPr>
+        <p:spPr>
+          <a:xfrm>
+            <a:off x="6462448" y="701726"/>
+            <a:ext cx="5198510" cy="1191116"/>
+          </a:xfrm>
+          <a:prstGeom prst="cloud">
+            <a:avLst/>
+          </a:prstGeom>
+          <a:solidFill>
+            <a:srgbClr val="92D050"/>
+          </a:solidFill>
+        </p:spPr>
+        <p:style>
+          <a:lnRef idx="2">
+            <a:schemeClr val="accent1">
+              <a:shade val="50000"/>
+            </a:schemeClr>
+          </a:lnRef>
+          <a:fillRef idx="1">
+            <a:schemeClr val="accent1"/>
+          </a:fillRef>
+          <a:effectRef idx="0">
+            <a:schemeClr val="accent1"/>
+          </a:effectRef>
+          <a:fontRef idx="minor">
+            <a:schemeClr val="lt1"/>
+          </a:fontRef>
+        </p:style>
+        <p:txBody>
+          <a:bodyPr rtlCol="0" anchor="ctr"/>
+          <a:lstStyle/>
+          <a:p>
+            <a:pPr algn="ctr"/>
+            <a:r>
+              <a:rPr lang="en-IN" dirty="0" smtClean="0">
+                <a:solidFill>
+                  <a:schemeClr val="bg2">
+                    <a:lumMod val="50000"/>
+                  </a:schemeClr>
+                </a:solidFill>
+              </a:rPr>
+              <a:t>Acquiring the image from a Source (Camera , Sensors)</a:t>
+            </a:r>
+            <a:endParaRPr lang="en-IN" dirty="0">
+              <a:solidFill>
+                <a:schemeClr val="bg2">
+                  <a:lumMod val="50000"/>
+                </a:schemeClr>
+              </a:solidFill>
+            </a:endParaRPr>
+          </a:p>
+        </p:txBody>
+      </p:sp>
+      <p:sp>
+        <p:nvSpPr>
+          <p:cNvPr id="41" name="Cloud 40"/>
+          <p:cNvSpPr/>
+          <p:nvPr/>
+        </p:nvSpPr>
+        <p:spPr>
+          <a:xfrm>
+            <a:off x="6462448" y="1892842"/>
+            <a:ext cx="5198510" cy="1191116"/>
+          </a:xfrm>
+          <a:prstGeom prst="cloud">
+            <a:avLst/>
+          </a:prstGeom>
+          <a:solidFill>
+            <a:srgbClr val="92D050"/>
+          </a:solidFill>
+        </p:spPr>
+        <p:style>
+          <a:lnRef idx="2">
+            <a:schemeClr val="accent1">
+              <a:shade val="50000"/>
+            </a:schemeClr>
+          </a:lnRef>
+          <a:fillRef idx="1">
+            <a:schemeClr val="accent1"/>
+          </a:fillRef>
+          <a:effectRef idx="0">
+            <a:schemeClr val="accent1"/>
+          </a:effectRef>
+          <a:fontRef idx="minor">
+            <a:schemeClr val="lt1"/>
+          </a:fontRef>
+        </p:style>
+        <p:txBody>
+          <a:bodyPr rtlCol="0" anchor="ctr"/>
+          <a:lstStyle/>
+          <a:p>
+            <a:pPr algn="ctr"/>
+            <a:r>
+              <a:rPr lang="en-IN" dirty="0" smtClean="0">
+                <a:solidFill>
+                  <a:schemeClr val="bg2">
+                    <a:lumMod val="50000"/>
+                  </a:schemeClr>
+                </a:solidFill>
+              </a:rPr>
+              <a:t>Digitization, Enhancing the quality of Image by basic operations (filtering , restorations etc.) </a:t>
+            </a:r>
+            <a:endParaRPr lang="en-IN" dirty="0">
+              <a:solidFill>
+                <a:schemeClr val="bg2">
+                  <a:lumMod val="50000"/>
+                </a:schemeClr>
+              </a:solidFill>
+            </a:endParaRPr>
+          </a:p>
+        </p:txBody>
+      </p:sp>
+      <p:sp>
+        <p:nvSpPr>
+          <p:cNvPr id="42" name="Cloud 41"/>
+          <p:cNvSpPr/>
+          <p:nvPr/>
+        </p:nvSpPr>
+        <p:spPr>
+          <a:xfrm>
+            <a:off x="6462447" y="3083743"/>
+            <a:ext cx="5198510" cy="1191116"/>
+          </a:xfrm>
+          <a:prstGeom prst="cloud">
+            <a:avLst/>
+          </a:prstGeom>
+          <a:solidFill>
+            <a:srgbClr val="92D050"/>
+          </a:solidFill>
+        </p:spPr>
+        <p:style>
+          <a:lnRef idx="2">
+            <a:schemeClr val="accent1">
+              <a:shade val="50000"/>
+            </a:schemeClr>
+          </a:lnRef>
+          <a:fillRef idx="1">
+            <a:schemeClr val="accent1"/>
+          </a:fillRef>
+          <a:effectRef idx="0">
+            <a:schemeClr val="accent1"/>
+          </a:effectRef>
+          <a:fontRef idx="minor">
+            <a:schemeClr val="lt1"/>
+          </a:fontRef>
+        </p:style>
+        <p:txBody>
+          <a:bodyPr rtlCol="0" anchor="ctr"/>
+          <a:lstStyle/>
+          <a:p>
+            <a:pPr algn="ctr"/>
+            <a:r>
+              <a:rPr lang="en-IN" dirty="0" smtClean="0">
+                <a:solidFill>
+                  <a:schemeClr val="bg2">
+                    <a:lumMod val="50000"/>
+                  </a:schemeClr>
+                </a:solidFill>
+              </a:rPr>
+              <a:t>Extract the corners, edges, contours of the objects in the image</a:t>
+            </a:r>
+            <a:endParaRPr lang="en-IN" dirty="0">
+              <a:solidFill>
+                <a:schemeClr val="bg2">
+                  <a:lumMod val="50000"/>
+                </a:schemeClr>
+              </a:solidFill>
+            </a:endParaRPr>
+          </a:p>
+        </p:txBody>
+      </p:sp>
+      <p:sp>
+        <p:nvSpPr>
+          <p:cNvPr id="43" name="Cloud 42"/>
+          <p:cNvSpPr/>
+          <p:nvPr/>
+        </p:nvSpPr>
+        <p:spPr>
+          <a:xfrm>
+            <a:off x="6462447" y="4272783"/>
+            <a:ext cx="5198510" cy="1191116"/>
+          </a:xfrm>
+          <a:prstGeom prst="cloud">
+            <a:avLst/>
+          </a:prstGeom>
+          <a:solidFill>
+            <a:srgbClr val="92D050"/>
+          </a:solidFill>
+        </p:spPr>
+        <p:style>
+          <a:lnRef idx="2">
+            <a:schemeClr val="accent1">
+              <a:shade val="50000"/>
+            </a:schemeClr>
+          </a:lnRef>
+          <a:fillRef idx="1">
+            <a:schemeClr val="accent1"/>
+          </a:fillRef>
+          <a:effectRef idx="0">
+            <a:schemeClr val="accent1"/>
+          </a:effectRef>
+          <a:fontRef idx="minor">
+            <a:schemeClr val="lt1"/>
+          </a:fontRef>
+        </p:style>
+        <p:txBody>
+          <a:bodyPr rtlCol="0" anchor="ctr"/>
+          <a:lstStyle/>
+          <a:p>
+            <a:pPr algn="ctr"/>
+            <a:r>
+              <a:rPr lang="en-IN" dirty="0" smtClean="0">
+                <a:solidFill>
+                  <a:schemeClr val="bg2">
+                    <a:lumMod val="50000"/>
+                  </a:schemeClr>
+                </a:solidFill>
+              </a:rPr>
+              <a:t>Raw pixelated data is used as input to ML or CNN Models to identify the type of object</a:t>
+            </a:r>
+            <a:endParaRPr lang="en-IN" dirty="0">
+              <a:solidFill>
+                <a:schemeClr val="bg2">
+                  <a:lumMod val="50000"/>
+                </a:schemeClr>
+              </a:solidFill>
+            </a:endParaRPr>
+          </a:p>
+        </p:txBody>
+      </p:sp>
+      <p:sp>
+        <p:nvSpPr>
+          <p:cNvPr id="44" name="Cloud 43"/>
+          <p:cNvSpPr/>
+          <p:nvPr/>
+        </p:nvSpPr>
+        <p:spPr>
+          <a:xfrm>
+            <a:off x="6462447" y="5461608"/>
+            <a:ext cx="5198510" cy="1191116"/>
+          </a:xfrm>
+          <a:prstGeom prst="cloud">
+            <a:avLst/>
+          </a:prstGeom>
+          <a:solidFill>
+            <a:srgbClr val="92D050"/>
+          </a:solidFill>
+        </p:spPr>
+        <p:style>
+          <a:lnRef idx="2">
+            <a:schemeClr val="accent1">
+              <a:shade val="50000"/>
+            </a:schemeClr>
+          </a:lnRef>
+          <a:fillRef idx="1">
+            <a:schemeClr val="accent1"/>
+          </a:fillRef>
+          <a:effectRef idx="0">
+            <a:schemeClr val="accent1"/>
+          </a:effectRef>
+          <a:fontRef idx="minor">
+            <a:schemeClr val="lt1"/>
+          </a:fontRef>
+        </p:style>
+        <p:txBody>
+          <a:bodyPr rtlCol="0" anchor="ctr"/>
+          <a:lstStyle/>
+          <a:p>
+            <a:pPr algn="ctr"/>
+            <a:r>
+              <a:rPr lang="en-IN" dirty="0" smtClean="0">
+                <a:solidFill>
+                  <a:schemeClr val="bg2">
+                    <a:lumMod val="50000"/>
+                  </a:schemeClr>
+                </a:solidFill>
+              </a:rPr>
+              <a:t>Once the objects are identified, we can use them to take a particular action</a:t>
+            </a:r>
+            <a:endParaRPr lang="en-IN" dirty="0">
+              <a:solidFill>
+                <a:schemeClr val="bg2">
+                  <a:lumMod val="50000"/>
+                </a:schemeClr>
+              </a:solidFill>
+            </a:endParaRPr>
           </a:p>
         </p:txBody>
       </p:sp>
@@ -18646,7 +24700,7 @@
         </p:nvSpPr>
         <p:spPr>
           <a:xfrm>
-            <a:off x="1141413" y="575035"/>
+            <a:off x="1141412" y="0"/>
             <a:ext cx="9905998" cy="1461156"/>
           </a:xfrm>
         </p:spPr>
@@ -18700,7 +24754,7 @@
       </p:sp>
       <p:pic>
         <p:nvPicPr>
-          <p:cNvPr id="3074" name="Picture 2" descr="Real Time Multiple Object Detection On Road - YouTube"/>
+          <p:cNvPr id="3076" name="Picture 4" descr="Facial recognition with Computer Vision | Harry Thapa"/>
           <p:cNvPicPr>
             <a:picLocks noChangeAspect="1" noChangeArrowheads="1"/>
           </p:cNvPicPr>
@@ -18721,8 +24775,8 @@
         </p:blipFill>
         <p:spPr bwMode="auto">
           <a:xfrm>
-            <a:off x="2597117" y="2036191"/>
-            <a:ext cx="6534150" cy="3676651"/>
+            <a:off x="952876" y="1652824"/>
+            <a:ext cx="4514670" cy="3091903"/>
           </a:xfrm>
           <a:prstGeom prst="rect">
             <a:avLst/>
@@ -18739,6 +24793,232 @@
           </a:extLst>
         </p:spPr>
       </p:pic>
+      <p:sp>
+        <p:nvSpPr>
+          <p:cNvPr id="5" name="TextBox 4"/>
+          <p:cNvSpPr txBox="1"/>
+          <p:nvPr/>
+        </p:nvSpPr>
+        <p:spPr>
+          <a:xfrm>
+            <a:off x="1734916" y="4836899"/>
+            <a:ext cx="2950589" cy="369332"/>
+          </a:xfrm>
+          <a:prstGeom prst="rect">
+            <a:avLst/>
+          </a:prstGeom>
+          <a:noFill/>
+        </p:spPr>
+        <p:txBody>
+          <a:bodyPr wrap="square" rtlCol="0">
+            <a:spAutoFit/>
+          </a:bodyPr>
+          <a:lstStyle/>
+          <a:p>
+            <a:r>
+              <a:rPr lang="en-IN" dirty="0" smtClean="0"/>
+              <a:t>Figure 4 : Face Recognition </a:t>
+            </a:r>
+            <a:r>
+              <a:rPr lang="en-IN" dirty="0" smtClean="0">
+                <a:hlinkClick r:id="" action="ppaction://hlinkshowjump?jump=lastslide"/>
+              </a:rPr>
+              <a:t>[6]</a:t>
+            </a:r>
+            <a:endParaRPr lang="en-IN" dirty="0"/>
+          </a:p>
+        </p:txBody>
+      </p:sp>
+      <p:pic>
+        <p:nvPicPr>
+          <p:cNvPr id="8" name="Picture 6" descr="YOLOv8: State-of-the-Art Object Detection in Computer Vision —  visionplatform"/>
+          <p:cNvPicPr>
+            <a:picLocks noChangeAspect="1" noChangeArrowheads="1"/>
+          </p:cNvPicPr>
+          <p:nvPr/>
+        </p:nvPicPr>
+        <p:blipFill>
+          <a:blip r:embed="rId3">
+            <a:extLst>
+              <a:ext uri="{28A0092B-C50C-407E-A947-70E740481C1C}">
+                <a14:useLocalDpi xmlns:a14="http://schemas.microsoft.com/office/drawing/2010/main" val="0"/>
+              </a:ext>
+            </a:extLst>
+          </a:blip>
+          <a:srcRect/>
+          <a:stretch>
+            <a:fillRect/>
+          </a:stretch>
+        </p:blipFill>
+        <p:spPr bwMode="auto">
+          <a:xfrm>
+            <a:off x="6315959" y="1652824"/>
+            <a:ext cx="5062184" cy="3003928"/>
+          </a:xfrm>
+          <a:prstGeom prst="rect">
+            <a:avLst/>
+          </a:prstGeom>
+          <a:noFill/>
+          <a:extLst>
+            <a:ext uri="{909E8E84-426E-40DD-AFC4-6F175D3DCCD1}">
+              <a14:hiddenFill xmlns:a14="http://schemas.microsoft.com/office/drawing/2010/main">
+                <a:solidFill>
+                  <a:srgbClr val="FFFFFF"/>
+                </a:solidFill>
+              </a14:hiddenFill>
+            </a:ext>
+          </a:extLst>
+        </p:spPr>
+      </p:pic>
+      <p:sp>
+        <p:nvSpPr>
+          <p:cNvPr id="9" name="TextBox 8"/>
+          <p:cNvSpPr txBox="1"/>
+          <p:nvPr/>
+        </p:nvSpPr>
+        <p:spPr>
+          <a:xfrm>
+            <a:off x="6584618" y="4836899"/>
+            <a:ext cx="4524866" cy="369332"/>
+          </a:xfrm>
+          <a:prstGeom prst="rect">
+            <a:avLst/>
+          </a:prstGeom>
+          <a:noFill/>
+        </p:spPr>
+        <p:txBody>
+          <a:bodyPr wrap="square" rtlCol="0">
+            <a:spAutoFit/>
+          </a:bodyPr>
+          <a:lstStyle/>
+          <a:p>
+            <a:pPr algn="ctr"/>
+            <a:r>
+              <a:rPr lang="en-IN" dirty="0" smtClean="0"/>
+              <a:t>Figure 5: Object Detection </a:t>
+            </a:r>
+            <a:r>
+              <a:rPr lang="en-IN" dirty="0" smtClean="0">
+                <a:hlinkClick r:id="" action="ppaction://hlinkshowjump?jump=lastslide"/>
+              </a:rPr>
+              <a:t>[7]</a:t>
+            </a:r>
+            <a:endParaRPr lang="en-IN" dirty="0"/>
+          </a:p>
+        </p:txBody>
+      </p:sp>
+      <p:sp>
+        <p:nvSpPr>
+          <p:cNvPr id="6" name="TextBox 5"/>
+          <p:cNvSpPr txBox="1"/>
+          <p:nvPr/>
+        </p:nvSpPr>
+        <p:spPr>
+          <a:xfrm>
+            <a:off x="1423447" y="5599520"/>
+            <a:ext cx="3478491" cy="1200329"/>
+          </a:xfrm>
+          <a:prstGeom prst="rect">
+            <a:avLst/>
+          </a:prstGeom>
+          <a:noFill/>
+        </p:spPr>
+        <p:txBody>
+          <a:bodyPr wrap="square" rtlCol="0">
+            <a:spAutoFit/>
+          </a:bodyPr>
+          <a:lstStyle/>
+          <a:p>
+            <a:pPr marL="285750" indent="-285750" algn="ctr">
+              <a:buFont typeface="Arial" panose="020B0604020202020204" pitchFamily="34" charset="0"/>
+              <a:buChar char="•"/>
+            </a:pPr>
+            <a:r>
+              <a:rPr lang="en-IN" dirty="0" smtClean="0"/>
+              <a:t>Face Attendance System</a:t>
+            </a:r>
+          </a:p>
+          <a:p>
+            <a:pPr marL="285750" indent="-285750" algn="ctr">
+              <a:buFont typeface="Arial" panose="020B0604020202020204" pitchFamily="34" charset="0"/>
+              <a:buChar char="•"/>
+            </a:pPr>
+            <a:r>
+              <a:rPr lang="en-IN" dirty="0" smtClean="0"/>
+              <a:t>Face Locks</a:t>
+            </a:r>
+          </a:p>
+          <a:p>
+            <a:pPr marL="285750" indent="-285750" algn="ctr">
+              <a:buFont typeface="Arial" panose="020B0604020202020204" pitchFamily="34" charset="0"/>
+              <a:buChar char="•"/>
+            </a:pPr>
+            <a:r>
+              <a:rPr lang="en-IN" dirty="0" smtClean="0"/>
+              <a:t>Forensic facial reconstruction</a:t>
+            </a:r>
+            <a:endParaRPr lang="en-IN" dirty="0" smtClean="0">
+              <a:hlinkClick r:id="rId4"/>
+            </a:endParaRPr>
+          </a:p>
+          <a:p>
+            <a:pPr marL="285750" indent="-285750" algn="ctr">
+              <a:buFont typeface="Arial" panose="020B0604020202020204" pitchFamily="34" charset="0"/>
+              <a:buChar char="•"/>
+            </a:pPr>
+            <a:endParaRPr lang="en-IN" dirty="0"/>
+          </a:p>
+        </p:txBody>
+      </p:sp>
+      <p:sp>
+        <p:nvSpPr>
+          <p:cNvPr id="11" name="TextBox 10"/>
+          <p:cNvSpPr txBox="1"/>
+          <p:nvPr/>
+        </p:nvSpPr>
+        <p:spPr>
+          <a:xfrm>
+            <a:off x="7117770" y="5599519"/>
+            <a:ext cx="3478491" cy="646331"/>
+          </a:xfrm>
+          <a:prstGeom prst="rect">
+            <a:avLst/>
+          </a:prstGeom>
+          <a:noFill/>
+        </p:spPr>
+        <p:txBody>
+          <a:bodyPr wrap="square" rtlCol="0">
+            <a:spAutoFit/>
+          </a:bodyPr>
+          <a:lstStyle/>
+          <a:p>
+            <a:pPr marL="285750" indent="-285750" algn="ctr">
+              <a:buFont typeface="Arial" panose="020B0604020202020204" pitchFamily="34" charset="0"/>
+              <a:buChar char="•"/>
+            </a:pPr>
+            <a:r>
+              <a:rPr lang="en-IN" dirty="0"/>
+              <a:t>Surveillance &amp; Security</a:t>
+            </a:r>
+            <a:endParaRPr lang="en-IN" dirty="0" smtClean="0"/>
+          </a:p>
+          <a:p>
+            <a:pPr marL="285750" indent="-285750" algn="ctr">
+              <a:buFont typeface="Arial" panose="020B0604020202020204" pitchFamily="34" charset="0"/>
+              <a:buChar char="•"/>
+            </a:pPr>
+            <a:r>
+              <a:rPr lang="en-IN" dirty="0"/>
+              <a:t>Retail &amp; </a:t>
+            </a:r>
+            <a:r>
+              <a:rPr lang="en-IN" dirty="0" smtClean="0"/>
+              <a:t>E-commerce</a:t>
+            </a:r>
+            <a:endParaRPr lang="en-IN" dirty="0"/>
+          </a:p>
+        </p:txBody>
+      </p:sp>
     </p:spTree>
     <p:extLst>
       <p:ext uri="{BB962C8B-B14F-4D97-AF65-F5344CB8AC3E}">
@@ -18791,191 +25071,32 @@
         </p:nvSpPr>
         <p:spPr>
           <a:xfrm>
-            <a:off x="1141413" y="618518"/>
-            <a:ext cx="9905998" cy="710661"/>
+            <a:off x="1141412" y="0"/>
+            <a:ext cx="9905998" cy="1461156"/>
           </a:xfrm>
         </p:spPr>
         <p:txBody>
           <a:bodyPr/>
           <a:lstStyle/>
           <a:p>
-            <a:r>
-              <a:rPr lang="en-IN" dirty="0" smtClean="0">
+            <a:pPr algn="ctr"/>
+            <a:r>
+              <a:rPr lang="en-IN" b="1" dirty="0" smtClean="0">
                 <a:solidFill>
-                  <a:schemeClr val="bg2"/>
+                  <a:schemeClr val="bg2">
+                    <a:lumMod val="75000"/>
+                  </a:schemeClr>
                 </a:solidFill>
               </a:rPr>
-              <a:t>References Used</a:t>
-            </a:r>
-            <a:endParaRPr lang="en-IN" dirty="0">
+              <a:t>Applications of Computer Vision</a:t>
+            </a:r>
+            <a:endParaRPr lang="en-IN" b="1" dirty="0">
               <a:solidFill>
-                <a:schemeClr val="bg2"/>
+                <a:schemeClr val="bg2">
+                  <a:lumMod val="75000"/>
+                </a:schemeClr>
               </a:solidFill>
             </a:endParaRPr>
-          </a:p>
-        </p:txBody>
-      </p:sp>
-      <p:sp>
-        <p:nvSpPr>
-          <p:cNvPr id="3" name="Content Placeholder 2"/>
-          <p:cNvSpPr>
-            <a:spLocks noGrp="1"/>
-          </p:cNvSpPr>
-          <p:nvPr>
-            <p:ph idx="1"/>
-          </p:nvPr>
-        </p:nvSpPr>
-        <p:spPr>
-          <a:xfrm>
-            <a:off x="1141411" y="1329179"/>
-            <a:ext cx="9905999" cy="3541714"/>
-          </a:xfrm>
-        </p:spPr>
-        <p:txBody>
-          <a:bodyPr>
-            <a:normAutofit fontScale="92500" lnSpcReduction="10000"/>
-          </a:bodyPr>
-          <a:lstStyle/>
-          <a:p>
-            <a:pPr marL="0" indent="0">
-              <a:buNone/>
-            </a:pPr>
-            <a:r>
-              <a:rPr lang="en-IN" dirty="0" smtClean="0"/>
-              <a:t>[1] IBM, What </a:t>
-            </a:r>
-            <a:r>
-              <a:rPr lang="en-IN" dirty="0"/>
-              <a:t>is computer </a:t>
-            </a:r>
-            <a:r>
-              <a:rPr lang="en-IN" dirty="0" smtClean="0"/>
-              <a:t>vision, </a:t>
-            </a:r>
-            <a:r>
-              <a:rPr lang="en-IN" dirty="0" smtClean="0">
-                <a:hlinkClick r:id="rId2"/>
-              </a:rPr>
-              <a:t>URL</a:t>
-            </a:r>
-            <a:r>
-              <a:rPr lang="en-IN" dirty="0"/>
-              <a:t> </a:t>
-            </a:r>
-            <a:r>
-              <a:rPr lang="en-IN" dirty="0" smtClean="0"/>
-              <a:t>, [</a:t>
-            </a:r>
-            <a:r>
-              <a:rPr lang="en-IN" dirty="0"/>
-              <a:t>Accessed: </a:t>
-            </a:r>
-            <a:r>
-              <a:rPr lang="en-IN" dirty="0" smtClean="0"/>
-              <a:t>Feb. 2, 2025].</a:t>
-            </a:r>
-          </a:p>
-          <a:p>
-            <a:pPr marL="0" indent="0">
-              <a:buNone/>
-            </a:pPr>
-            <a:r>
-              <a:rPr lang="en-IN" dirty="0" smtClean="0"/>
-              <a:t>[2] </a:t>
-            </a:r>
-            <a:r>
-              <a:rPr lang="en-IN" dirty="0" err="1">
-                <a:hlinkClick r:id="rId3"/>
-              </a:rPr>
-              <a:t>Hmrishav</a:t>
-            </a:r>
-            <a:r>
-              <a:rPr lang="en-IN" dirty="0">
-                <a:hlinkClick r:id="rId3"/>
-              </a:rPr>
-              <a:t> </a:t>
-            </a:r>
-            <a:r>
-              <a:rPr lang="en-IN" dirty="0" err="1" smtClean="0">
-                <a:hlinkClick r:id="rId3"/>
-              </a:rPr>
-              <a:t>Bandyopadhyay</a:t>
-            </a:r>
-            <a:r>
-              <a:rPr lang="en-IN" dirty="0" smtClean="0"/>
-              <a:t>, Human Vision Vs Computer Vision, V7labs, </a:t>
-            </a:r>
-            <a:r>
-              <a:rPr lang="en-IN" dirty="0" smtClean="0">
-                <a:hlinkClick r:id="rId4"/>
-              </a:rPr>
-              <a:t>URL</a:t>
-            </a:r>
-            <a:r>
-              <a:rPr lang="en-IN" dirty="0" smtClean="0"/>
-              <a:t>, </a:t>
-            </a:r>
-            <a:r>
-              <a:rPr lang="en-IN" dirty="0"/>
-              <a:t>[Accessed: Feb. 2, 2025</a:t>
-            </a:r>
-            <a:r>
-              <a:rPr lang="en-IN" dirty="0" smtClean="0"/>
-              <a:t>].</a:t>
-            </a:r>
-          </a:p>
-          <a:p>
-            <a:pPr marL="0" indent="0">
-              <a:buNone/>
-            </a:pPr>
-            <a:r>
-              <a:rPr lang="en-IN" dirty="0" smtClean="0"/>
-              <a:t>[3] ARYAN-PURI, OpenCV-Learning, GitHub, </a:t>
-            </a:r>
-            <a:r>
-              <a:rPr lang="en-IN" dirty="0" smtClean="0">
-                <a:hlinkClick r:id="rId5"/>
-              </a:rPr>
-              <a:t>URL</a:t>
-            </a:r>
-            <a:r>
-              <a:rPr lang="en-IN" dirty="0" smtClean="0"/>
-              <a:t>, </a:t>
-            </a:r>
-            <a:r>
-              <a:rPr lang="en-IN" dirty="0"/>
-              <a:t>[Accessed: Feb. 2, 2025</a:t>
-            </a:r>
-            <a:r>
-              <a:rPr lang="en-IN" dirty="0" smtClean="0"/>
-              <a:t>].</a:t>
-            </a:r>
-          </a:p>
-          <a:p>
-            <a:pPr marL="0" indent="0">
-              <a:buNone/>
-            </a:pPr>
-            <a:r>
-              <a:rPr lang="en-IN" dirty="0" smtClean="0"/>
-              <a:t>[4] </a:t>
-            </a:r>
-            <a:endParaRPr lang="en-IN" dirty="0"/>
-          </a:p>
-          <a:p>
-            <a:pPr marL="0" indent="0">
-              <a:buNone/>
-            </a:pPr>
-            <a:endParaRPr lang="en-IN" dirty="0"/>
-          </a:p>
-          <a:p>
-            <a:pPr marL="0" indent="0">
-              <a:buNone/>
-            </a:pPr>
-            <a:r>
-              <a:rPr lang="en-IN" dirty="0" smtClean="0"/>
-              <a:t> </a:t>
-            </a:r>
-            <a:endParaRPr lang="en-IN" dirty="0"/>
           </a:p>
         </p:txBody>
       </p:sp>
@@ -19002,10 +25123,626 @@
           </a:p>
         </p:txBody>
       </p:sp>
+      <p:sp>
+        <p:nvSpPr>
+          <p:cNvPr id="5" name="TextBox 4"/>
+          <p:cNvSpPr txBox="1"/>
+          <p:nvPr/>
+        </p:nvSpPr>
+        <p:spPr>
+          <a:xfrm>
+            <a:off x="1734916" y="4836899"/>
+            <a:ext cx="3167022" cy="369332"/>
+          </a:xfrm>
+          <a:prstGeom prst="rect">
+            <a:avLst/>
+          </a:prstGeom>
+          <a:noFill/>
+        </p:spPr>
+        <p:txBody>
+          <a:bodyPr wrap="square" rtlCol="0">
+            <a:spAutoFit/>
+          </a:bodyPr>
+          <a:lstStyle/>
+          <a:p>
+            <a:r>
+              <a:rPr lang="en-IN" dirty="0" smtClean="0"/>
+              <a:t>Figure 6 : Self Driving Cars </a:t>
+            </a:r>
+            <a:r>
+              <a:rPr lang="en-IN" dirty="0" smtClean="0">
+                <a:hlinkClick r:id="" action="ppaction://hlinkshowjump?jump=lastslide"/>
+              </a:rPr>
+              <a:t>[5]</a:t>
+            </a:r>
+            <a:endParaRPr lang="en-IN" dirty="0"/>
+          </a:p>
+        </p:txBody>
+      </p:sp>
+      <p:sp>
+        <p:nvSpPr>
+          <p:cNvPr id="9" name="TextBox 8"/>
+          <p:cNvSpPr txBox="1"/>
+          <p:nvPr/>
+        </p:nvSpPr>
+        <p:spPr>
+          <a:xfrm>
+            <a:off x="6584618" y="4836899"/>
+            <a:ext cx="4524866" cy="369332"/>
+          </a:xfrm>
+          <a:prstGeom prst="rect">
+            <a:avLst/>
+          </a:prstGeom>
+          <a:noFill/>
+        </p:spPr>
+        <p:txBody>
+          <a:bodyPr wrap="square" rtlCol="0">
+            <a:spAutoFit/>
+          </a:bodyPr>
+          <a:lstStyle/>
+          <a:p>
+            <a:pPr algn="ctr"/>
+            <a:r>
+              <a:rPr lang="en-IN" dirty="0" smtClean="0"/>
+              <a:t>Figure 5: HealthCare </a:t>
+            </a:r>
+            <a:r>
+              <a:rPr lang="en-IN" dirty="0" smtClean="0">
+                <a:hlinkClick r:id="" action="ppaction://hlinkshowjump?jump=lastslide"/>
+              </a:rPr>
+              <a:t>[4]</a:t>
+            </a:r>
+            <a:endParaRPr lang="en-IN" dirty="0"/>
+          </a:p>
+        </p:txBody>
+      </p:sp>
+      <p:sp>
+        <p:nvSpPr>
+          <p:cNvPr id="6" name="TextBox 5"/>
+          <p:cNvSpPr txBox="1"/>
+          <p:nvPr/>
+        </p:nvSpPr>
+        <p:spPr>
+          <a:xfrm>
+            <a:off x="1253956" y="5188673"/>
+            <a:ext cx="4128941" cy="1477328"/>
+          </a:xfrm>
+          <a:prstGeom prst="rect">
+            <a:avLst/>
+          </a:prstGeom>
+          <a:noFill/>
+        </p:spPr>
+        <p:txBody>
+          <a:bodyPr wrap="square" rtlCol="0">
+            <a:spAutoFit/>
+          </a:bodyPr>
+          <a:lstStyle/>
+          <a:p>
+            <a:pPr marL="285750" indent="-285750" algn="ctr">
+              <a:buFont typeface="Arial" panose="020B0604020202020204" pitchFamily="34" charset="0"/>
+              <a:buChar char="•"/>
+            </a:pPr>
+            <a:r>
+              <a:rPr lang="en-IN" dirty="0" smtClean="0"/>
+              <a:t>Uses maps to set source and destination.</a:t>
+            </a:r>
+          </a:p>
+          <a:p>
+            <a:pPr marL="285750" indent="-285750" algn="ctr">
+              <a:buFont typeface="Arial" panose="020B0604020202020204" pitchFamily="34" charset="0"/>
+              <a:buChar char="•"/>
+            </a:pPr>
+            <a:r>
+              <a:rPr lang="en-IN" dirty="0" smtClean="0"/>
+              <a:t>Use Computer Vision Object Detection to Identify the obstacles in the road and traffic lights.</a:t>
+            </a:r>
+            <a:endParaRPr lang="en-IN" dirty="0" smtClean="0">
+              <a:hlinkClick r:id="rId2"/>
+            </a:endParaRPr>
+          </a:p>
+          <a:p>
+            <a:pPr marL="285750" indent="-285750" algn="ctr">
+              <a:buFont typeface="Arial" panose="020B0604020202020204" pitchFamily="34" charset="0"/>
+              <a:buChar char="•"/>
+            </a:pPr>
+            <a:endParaRPr lang="en-IN" dirty="0"/>
+          </a:p>
+        </p:txBody>
+      </p:sp>
+      <p:sp>
+        <p:nvSpPr>
+          <p:cNvPr id="11" name="TextBox 10"/>
+          <p:cNvSpPr txBox="1"/>
+          <p:nvPr/>
+        </p:nvSpPr>
+        <p:spPr>
+          <a:xfrm>
+            <a:off x="7024553" y="5206231"/>
+            <a:ext cx="4011643" cy="923330"/>
+          </a:xfrm>
+          <a:prstGeom prst="rect">
+            <a:avLst/>
+          </a:prstGeom>
+          <a:noFill/>
+        </p:spPr>
+        <p:txBody>
+          <a:bodyPr wrap="square" rtlCol="0">
+            <a:spAutoFit/>
+          </a:bodyPr>
+          <a:lstStyle/>
+          <a:p>
+            <a:pPr marL="285750" indent="-285750" algn="ctr">
+              <a:buFont typeface="Arial" panose="020B0604020202020204" pitchFamily="34" charset="0"/>
+              <a:buChar char="•"/>
+            </a:pPr>
+            <a:r>
+              <a:rPr lang="en-IN" dirty="0" smtClean="0"/>
+              <a:t>Used to analyse medical reports like X-Rays, MRI etc.</a:t>
+            </a:r>
+          </a:p>
+          <a:p>
+            <a:pPr marL="285750" indent="-285750" algn="ctr">
+              <a:buFont typeface="Arial" panose="020B0604020202020204" pitchFamily="34" charset="0"/>
+              <a:buChar char="•"/>
+            </a:pPr>
+            <a:r>
+              <a:rPr lang="en-IN" dirty="0" smtClean="0"/>
+              <a:t>Helps in the diagnosis of disease</a:t>
+            </a:r>
+            <a:endParaRPr lang="en-IN" dirty="0"/>
+          </a:p>
+        </p:txBody>
+      </p:sp>
+      <p:pic>
+        <p:nvPicPr>
+          <p:cNvPr id="4098" name="Picture 2" descr="https://miro.medium.com/v2/resize:fit:1050/1*URl8Xawv6biXul2XoIUwyQ.jpeg"/>
+          <p:cNvPicPr>
+            <a:picLocks noChangeAspect="1" noChangeArrowheads="1"/>
+          </p:cNvPicPr>
+          <p:nvPr/>
+        </p:nvPicPr>
+        <p:blipFill>
+          <a:blip r:embed="rId3">
+            <a:extLst>
+              <a:ext uri="{28A0092B-C50C-407E-A947-70E740481C1C}">
+                <a14:useLocalDpi xmlns:a14="http://schemas.microsoft.com/office/drawing/2010/main" val="0"/>
+              </a:ext>
+            </a:extLst>
+          </a:blip>
+          <a:srcRect/>
+          <a:stretch>
+            <a:fillRect/>
+          </a:stretch>
+        </p:blipFill>
+        <p:spPr bwMode="auto">
+          <a:xfrm>
+            <a:off x="791851" y="1652824"/>
+            <a:ext cx="4883085" cy="3003928"/>
+          </a:xfrm>
+          <a:prstGeom prst="rect">
+            <a:avLst/>
+          </a:prstGeom>
+          <a:noFill/>
+          <a:extLst>
+            <a:ext uri="{909E8E84-426E-40DD-AFC4-6F175D3DCCD1}">
+              <a14:hiddenFill xmlns:a14="http://schemas.microsoft.com/office/drawing/2010/main">
+                <a:solidFill>
+                  <a:srgbClr val="FFFFFF"/>
+                </a:solidFill>
+              </a14:hiddenFill>
+            </a:ext>
+          </a:extLst>
+        </p:spPr>
+      </p:pic>
+      <p:pic>
+        <p:nvPicPr>
+          <p:cNvPr id="4102" name="Picture 6" descr="Top 11 Computer Vision Applications in Healthcare"/>
+          <p:cNvPicPr>
+            <a:picLocks noChangeAspect="1" noChangeArrowheads="1"/>
+          </p:cNvPicPr>
+          <p:nvPr/>
+        </p:nvPicPr>
+        <p:blipFill>
+          <a:blip r:embed="rId4" cstate="print">
+            <a:extLst>
+              <a:ext uri="{28A0092B-C50C-407E-A947-70E740481C1C}">
+                <a14:useLocalDpi xmlns:a14="http://schemas.microsoft.com/office/drawing/2010/main" val="0"/>
+              </a:ext>
+            </a:extLst>
+          </a:blip>
+          <a:srcRect/>
+          <a:stretch>
+            <a:fillRect/>
+          </a:stretch>
+        </p:blipFill>
+        <p:spPr bwMode="auto">
+          <a:xfrm>
+            <a:off x="6584618" y="1636327"/>
+            <a:ext cx="4891514" cy="3003928"/>
+          </a:xfrm>
+          <a:prstGeom prst="rect">
+            <a:avLst/>
+          </a:prstGeom>
+          <a:noFill/>
+          <a:extLst>
+            <a:ext uri="{909E8E84-426E-40DD-AFC4-6F175D3DCCD1}">
+              <a14:hiddenFill xmlns:a14="http://schemas.microsoft.com/office/drawing/2010/main">
+                <a:solidFill>
+                  <a:srgbClr val="FFFFFF"/>
+                </a:solidFill>
+              </a14:hiddenFill>
+            </a:ext>
+          </a:extLst>
+        </p:spPr>
+      </p:pic>
     </p:spTree>
     <p:extLst>
       <p:ext uri="{BB962C8B-B14F-4D97-AF65-F5344CB8AC3E}">
-        <p14:creationId xmlns:p14="http://schemas.microsoft.com/office/powerpoint/2010/main" val="4213092710"/>
+        <p14:creationId xmlns:p14="http://schemas.microsoft.com/office/powerpoint/2010/main" val="2344705735"/>
+      </p:ext>
+    </p:extLst>
+  </p:cSld>
+  <p:clrMapOvr>
+    <a:masterClrMapping/>
+  </p:clrMapOvr>
+  <p:transition spd="slow">
+    <p:wipe/>
+  </p:transition>
+  <p:timing>
+    <p:tnLst>
+      <p:par>
+        <p:cTn id="1" dur="indefinite" restart="never" nodeType="tmRoot"/>
+      </p:par>
+    </p:tnLst>
+  </p:timing>
+</p:sld>
+</file>
+
+<file path=ppt/slides/slide9.xml><?xml version="1.0" encoding="utf-8"?>
+<p:sld xmlns:a="http://schemas.openxmlformats.org/drawingml/2006/main" xmlns:r="http://schemas.openxmlformats.org/officeDocument/2006/relationships" xmlns:p="http://schemas.openxmlformats.org/presentationml/2006/main">
+  <p:cSld>
+    <p:spTree>
+      <p:nvGrpSpPr>
+        <p:cNvPr id="1" name=""/>
+        <p:cNvGrpSpPr/>
+        <p:nvPr/>
+      </p:nvGrpSpPr>
+      <p:grpSpPr>
+        <a:xfrm>
+          <a:off x="0" y="0"/>
+          <a:ext cx="0" cy="0"/>
+          <a:chOff x="0" y="0"/>
+          <a:chExt cx="0" cy="0"/>
+        </a:xfrm>
+      </p:grpSpPr>
+      <p:sp>
+        <p:nvSpPr>
+          <p:cNvPr id="2" name="Title 1"/>
+          <p:cNvSpPr>
+            <a:spLocks noGrp="1"/>
+          </p:cNvSpPr>
+          <p:nvPr>
+            <p:ph type="title"/>
+          </p:nvPr>
+        </p:nvSpPr>
+        <p:spPr>
+          <a:xfrm>
+            <a:off x="1141412" y="0"/>
+            <a:ext cx="9905998" cy="1461156"/>
+          </a:xfrm>
+        </p:spPr>
+        <p:txBody>
+          <a:bodyPr/>
+          <a:lstStyle/>
+          <a:p>
+            <a:pPr algn="ctr"/>
+            <a:r>
+              <a:rPr lang="en-IN" b="1" dirty="0" smtClean="0">
+                <a:solidFill>
+                  <a:schemeClr val="bg2">
+                    <a:lumMod val="75000"/>
+                  </a:schemeClr>
+                </a:solidFill>
+              </a:rPr>
+              <a:t>Applications of Computer Vision</a:t>
+            </a:r>
+            <a:endParaRPr lang="en-IN" b="1" dirty="0">
+              <a:solidFill>
+                <a:schemeClr val="bg2">
+                  <a:lumMod val="75000"/>
+                </a:schemeClr>
+              </a:solidFill>
+            </a:endParaRPr>
+          </a:p>
+        </p:txBody>
+      </p:sp>
+      <p:sp>
+        <p:nvSpPr>
+          <p:cNvPr id="4" name="Slide Number Placeholder 3"/>
+          <p:cNvSpPr>
+            <a:spLocks noGrp="1"/>
+          </p:cNvSpPr>
+          <p:nvPr>
+            <p:ph type="sldNum" sz="quarter" idx="12"/>
+          </p:nvPr>
+        </p:nvSpPr>
+        <p:spPr/>
+        <p:txBody>
+          <a:bodyPr/>
+          <a:lstStyle/>
+          <a:p>
+            <a:fld id="{E9D42EC4-55FD-406C-82BB-203E3BBE455C}" type="slidenum">
+              <a:rPr lang="en-IN" smtClean="0"/>
+              <a:t>9</a:t>
+            </a:fld>
+            <a:endParaRPr lang="en-IN"/>
+          </a:p>
+        </p:txBody>
+      </p:sp>
+      <p:sp>
+        <p:nvSpPr>
+          <p:cNvPr id="5" name="TextBox 4"/>
+          <p:cNvSpPr txBox="1"/>
+          <p:nvPr/>
+        </p:nvSpPr>
+        <p:spPr>
+          <a:xfrm>
+            <a:off x="1734916" y="4836899"/>
+            <a:ext cx="3167022" cy="369332"/>
+          </a:xfrm>
+          <a:prstGeom prst="rect">
+            <a:avLst/>
+          </a:prstGeom>
+          <a:noFill/>
+        </p:spPr>
+        <p:txBody>
+          <a:bodyPr wrap="square" rtlCol="0">
+            <a:spAutoFit/>
+          </a:bodyPr>
+          <a:lstStyle/>
+          <a:p>
+            <a:r>
+              <a:rPr lang="en-IN" dirty="0" smtClean="0"/>
+              <a:t>Figure 6 : Monitoring Task </a:t>
+            </a:r>
+            <a:r>
+              <a:rPr lang="en-IN" dirty="0" smtClean="0">
+                <a:hlinkClick r:id="" action="ppaction://hlinkshowjump?jump=lastslide"/>
+              </a:rPr>
+              <a:t>[8]</a:t>
+            </a:r>
+            <a:endParaRPr lang="en-IN" dirty="0"/>
+          </a:p>
+        </p:txBody>
+      </p:sp>
+      <p:sp>
+        <p:nvSpPr>
+          <p:cNvPr id="9" name="TextBox 8"/>
+          <p:cNvSpPr txBox="1"/>
+          <p:nvPr/>
+        </p:nvSpPr>
+        <p:spPr>
+          <a:xfrm>
+            <a:off x="6584618" y="4836899"/>
+            <a:ext cx="4524866" cy="369332"/>
+          </a:xfrm>
+          <a:prstGeom prst="rect">
+            <a:avLst/>
+          </a:prstGeom>
+          <a:noFill/>
+        </p:spPr>
+        <p:txBody>
+          <a:bodyPr wrap="square" rtlCol="0">
+            <a:spAutoFit/>
+          </a:bodyPr>
+          <a:lstStyle/>
+          <a:p>
+            <a:pPr algn="ctr"/>
+            <a:r>
+              <a:rPr lang="en-IN" dirty="0" smtClean="0"/>
+              <a:t>Figure 5: Google Lens </a:t>
+            </a:r>
+            <a:r>
+              <a:rPr lang="en-IN" dirty="0" smtClean="0">
+                <a:hlinkClick r:id="" action="ppaction://hlinkshowjump?jump=lastslide"/>
+              </a:rPr>
+              <a:t>[9]</a:t>
+            </a:r>
+            <a:endParaRPr lang="en-IN" dirty="0"/>
+          </a:p>
+        </p:txBody>
+      </p:sp>
+      <p:sp>
+        <p:nvSpPr>
+          <p:cNvPr id="6" name="TextBox 5"/>
+          <p:cNvSpPr txBox="1"/>
+          <p:nvPr/>
+        </p:nvSpPr>
+        <p:spPr>
+          <a:xfrm>
+            <a:off x="1253956" y="5188673"/>
+            <a:ext cx="4128941" cy="646331"/>
+          </a:xfrm>
+          <a:prstGeom prst="rect">
+            <a:avLst/>
+          </a:prstGeom>
+          <a:noFill/>
+        </p:spPr>
+        <p:txBody>
+          <a:bodyPr wrap="square" rtlCol="0">
+            <a:spAutoFit/>
+          </a:bodyPr>
+          <a:lstStyle/>
+          <a:p>
+            <a:pPr marL="285750" indent="-285750" algn="ctr">
+              <a:buFont typeface="Arial" panose="020B0604020202020204" pitchFamily="34" charset="0"/>
+              <a:buChar char="•"/>
+            </a:pPr>
+            <a:r>
+              <a:rPr lang="en-IN" dirty="0" smtClean="0"/>
+              <a:t>Used for monitor the tasks in a manufacturing Industries.</a:t>
+            </a:r>
+          </a:p>
+        </p:txBody>
+      </p:sp>
+      <p:sp>
+        <p:nvSpPr>
+          <p:cNvPr id="11" name="TextBox 10"/>
+          <p:cNvSpPr txBox="1"/>
+          <p:nvPr/>
+        </p:nvSpPr>
+        <p:spPr>
+          <a:xfrm>
+            <a:off x="7024553" y="5206231"/>
+            <a:ext cx="4011643" cy="1477328"/>
+          </a:xfrm>
+          <a:prstGeom prst="rect">
+            <a:avLst/>
+          </a:prstGeom>
+          <a:noFill/>
+        </p:spPr>
+        <p:txBody>
+          <a:bodyPr wrap="square" rtlCol="0">
+            <a:spAutoFit/>
+          </a:bodyPr>
+          <a:lstStyle/>
+          <a:p>
+            <a:pPr marL="285750" indent="-285750" algn="ctr">
+              <a:buFont typeface="Arial" panose="020B0604020202020204" pitchFamily="34" charset="0"/>
+              <a:buChar char="•"/>
+            </a:pPr>
+            <a:r>
+              <a:rPr lang="en-IN" dirty="0" smtClean="0"/>
+              <a:t>Google Lens also uses and image detection of computer vision to show the similar results of objects on web.</a:t>
+            </a:r>
+          </a:p>
+          <a:p>
+            <a:pPr marL="285750" indent="-285750" algn="ctr">
+              <a:buFont typeface="Arial" panose="020B0604020202020204" pitchFamily="34" charset="0"/>
+              <a:buChar char="•"/>
+            </a:pPr>
+            <a:r>
+              <a:rPr lang="en-IN" dirty="0" smtClean="0"/>
+              <a:t>Google Lens also identify text in an image and convert in into digital text. </a:t>
+            </a:r>
+            <a:endParaRPr lang="en-IN" dirty="0"/>
+          </a:p>
+        </p:txBody>
+      </p:sp>
+      <p:sp>
+        <p:nvSpPr>
+          <p:cNvPr id="10" name="AutoShape 8" descr="Computer Vision in Manufacturing"/>
+          <p:cNvSpPr>
+            <a:spLocks noChangeAspect="1" noChangeArrowheads="1"/>
+          </p:cNvSpPr>
+          <p:nvPr/>
+        </p:nvSpPr>
+        <p:spPr bwMode="auto">
+          <a:xfrm>
+            <a:off x="307975" y="7937"/>
+            <a:ext cx="304800" cy="304801"/>
+          </a:xfrm>
+          <a:prstGeom prst="rect">
+            <a:avLst/>
+          </a:prstGeom>
+          <a:noFill/>
+          <a:extLst>
+            <a:ext uri="{909E8E84-426E-40DD-AFC4-6F175D3DCCD1}">
+              <a14:hiddenFill xmlns:a14="http://schemas.microsoft.com/office/drawing/2010/main">
+                <a:solidFill>
+                  <a:srgbClr val="FFFFFF"/>
+                </a:solidFill>
+              </a14:hiddenFill>
+            </a:ext>
+          </a:extLst>
+        </p:spPr>
+        <p:txBody>
+          <a:bodyPr vert="horz" wrap="square" lIns="91440" tIns="45720" rIns="91440" bIns="45720" numCol="1" anchor="t" anchorCtr="0" compatLnSpc="1">
+            <a:prstTxWarp prst="textNoShape">
+              <a:avLst/>
+            </a:prstTxWarp>
+          </a:bodyPr>
+          <a:lstStyle/>
+          <a:p>
+            <a:endParaRPr lang="en-IN"/>
+          </a:p>
+        </p:txBody>
+      </p:sp>
+      <p:pic>
+        <p:nvPicPr>
+          <p:cNvPr id="12" name="Picture 11"/>
+          <p:cNvPicPr>
+            <a:picLocks noChangeAspect="1"/>
+          </p:cNvPicPr>
+          <p:nvPr/>
+        </p:nvPicPr>
+        <p:blipFill>
+          <a:blip r:embed="rId2">
+            <a:extLst>
+              <a:ext uri="{28A0092B-C50C-407E-A947-70E740481C1C}">
+                <a14:useLocalDpi xmlns:a14="http://schemas.microsoft.com/office/drawing/2010/main" val="0"/>
+              </a:ext>
+            </a:extLst>
+          </a:blip>
+          <a:stretch>
+            <a:fillRect/>
+          </a:stretch>
+        </p:blipFill>
+        <p:spPr>
+          <a:xfrm>
+            <a:off x="976552" y="1636326"/>
+            <a:ext cx="4683747" cy="3003929"/>
+          </a:xfrm>
+          <a:prstGeom prst="rect">
+            <a:avLst/>
+          </a:prstGeom>
+        </p:spPr>
+      </p:pic>
+      <p:pic>
+        <p:nvPicPr>
+          <p:cNvPr id="6154" name="Picture 10" descr="How to Use Google Lens on Android and iPhone | Beebom"/>
+          <p:cNvPicPr>
+            <a:picLocks noChangeAspect="1" noChangeArrowheads="1"/>
+          </p:cNvPicPr>
+          <p:nvPr/>
+        </p:nvPicPr>
+        <p:blipFill>
+          <a:blip r:embed="rId3" cstate="print">
+            <a:extLst>
+              <a:ext uri="{28A0092B-C50C-407E-A947-70E740481C1C}">
+                <a14:useLocalDpi xmlns:a14="http://schemas.microsoft.com/office/drawing/2010/main" val="0"/>
+              </a:ext>
+            </a:extLst>
+          </a:blip>
+          <a:srcRect/>
+          <a:stretch>
+            <a:fillRect/>
+          </a:stretch>
+        </p:blipFill>
+        <p:spPr bwMode="auto">
+          <a:xfrm>
+            <a:off x="6584618" y="1636326"/>
+            <a:ext cx="5095492" cy="3003929"/>
+          </a:xfrm>
+          <a:prstGeom prst="rect">
+            <a:avLst/>
+          </a:prstGeom>
+          <a:noFill/>
+          <a:extLst>
+            <a:ext uri="{909E8E84-426E-40DD-AFC4-6F175D3DCCD1}">
+              <a14:hiddenFill xmlns:a14="http://schemas.microsoft.com/office/drawing/2010/main">
+                <a:solidFill>
+                  <a:srgbClr val="FFFFFF"/>
+                </a:solidFill>
+              </a14:hiddenFill>
+            </a:ext>
+          </a:extLst>
+        </p:spPr>
+      </p:pic>
+    </p:spTree>
+    <p:extLst>
+      <p:ext uri="{BB962C8B-B14F-4D97-AF65-F5344CB8AC3E}">
+        <p14:creationId xmlns:p14="http://schemas.microsoft.com/office/powerpoint/2010/main" val="693441916"/>
       </p:ext>
     </p:extLst>
   </p:cSld>
@@ -19028,7 +25765,7 @@
 <file path=ppt/theme/theme1.xml><?xml version="1.0" encoding="utf-8"?>
 <a:theme xmlns:a="http://schemas.openxmlformats.org/drawingml/2006/main" name="Circuit">
   <a:themeElements>
-    <a:clrScheme name="Circuit">
+    <a:clrScheme name="Office 2007-2010">
       <a:dk1>
         <a:sysClr val="windowText" lastClr="000000"/>
       </a:dk1>
@@ -19036,34 +25773,34 @@
         <a:sysClr val="window" lastClr="FFFFFF"/>
       </a:lt1>
       <a:dk2>
-        <a:srgbClr val="134770"/>
+        <a:srgbClr val="1F497D"/>
       </a:dk2>
       <a:lt2>
-        <a:srgbClr val="82FFFF"/>
+        <a:srgbClr val="EEECE1"/>
       </a:lt2>
       <a:accent1>
-        <a:srgbClr val="9ACD4C"/>
+        <a:srgbClr val="4F81BD"/>
       </a:accent1>
       <a:accent2>
-        <a:srgbClr val="FAA93A"/>
+        <a:srgbClr val="C0504D"/>
       </a:accent2>
       <a:accent3>
-        <a:srgbClr val="D35940"/>
+        <a:srgbClr val="9BBB59"/>
       </a:accent3>
       <a:accent4>
-        <a:srgbClr val="B258D3"/>
+        <a:srgbClr val="8064A2"/>
       </a:accent4>
       <a:accent5>
-        <a:srgbClr val="63A0CC"/>
+        <a:srgbClr val="4BACC6"/>
       </a:accent5>
       <a:accent6>
-        <a:srgbClr val="8AC4A7"/>
+        <a:srgbClr val="F79646"/>
       </a:accent6>
       <a:hlink>
-        <a:srgbClr val="B8FA56"/>
+        <a:srgbClr val="0000FF"/>
       </a:hlink>
       <a:folHlink>
-        <a:srgbClr val="7AF8CC"/>
+        <a:srgbClr val="800080"/>
       </a:folHlink>
     </a:clrScheme>
     <a:fontScheme name="Circuit">

--- a/Presentation/22BEC032-ARYAN-PURI.pptx
+++ b/Presentation/22BEC032-ARYAN-PURI.pptx
@@ -1,11 +1,11 @@
 
 <file path=ppt/presentation.xml><?xml version="1.0" encoding="utf-8"?>
-<p:presentation xmlns:a="http://schemas.openxmlformats.org/drawingml/2006/main" xmlns:r="http://schemas.openxmlformats.org/officeDocument/2006/relationships" xmlns:p="http://schemas.openxmlformats.org/presentationml/2006/main" saveSubsetFonts="1">
+<p:presentation xmlns:a="http://schemas.openxmlformats.org/drawingml/2006/main" xmlns:r="http://schemas.openxmlformats.org/officeDocument/2006/relationships" xmlns:p="http://schemas.openxmlformats.org/presentationml/2006/main" showSpecialPlsOnTitleSld="0" saveSubsetFonts="1">
   <p:sldMasterIdLst>
     <p:sldMasterId id="2147483660" r:id="rId1"/>
   </p:sldMasterIdLst>
   <p:notesMasterIdLst>
-    <p:notesMasterId r:id="rId17"/>
+    <p:notesMasterId r:id="rId19"/>
   </p:notesMasterIdLst>
   <p:sldIdLst>
     <p:sldId id="256" r:id="rId2"/>
@@ -20,9 +20,11 @@
     <p:sldId id="266" r:id="rId11"/>
     <p:sldId id="265" r:id="rId12"/>
     <p:sldId id="272" r:id="rId13"/>
-    <p:sldId id="264" r:id="rId14"/>
+    <p:sldId id="277" r:id="rId14"/>
     <p:sldId id="259" r:id="rId15"/>
-    <p:sldId id="274" r:id="rId16"/>
+    <p:sldId id="276" r:id="rId16"/>
+    <p:sldId id="274" r:id="rId17"/>
+    <p:sldId id="275" r:id="rId18"/>
   </p:sldIdLst>
   <p:sldSz cx="12192000" cy="6858000"/>
   <p:notesSz cx="6858000" cy="9144000"/>
@@ -959,7 +961,7 @@
         <a:p>
           <a:r>
             <a:rPr lang="en-US" dirty="0" smtClean="0"/>
-            <a:t>What does Computer Vison means</a:t>
+            <a:t>What does Computer Vision means</a:t>
           </a:r>
           <a:endParaRPr lang="en-US" dirty="0"/>
         </a:p>
@@ -1033,7 +1035,7 @@
         <a:p>
           <a:r>
             <a:rPr lang="en-US" dirty="0" smtClean="0"/>
-            <a:t>How Computer Vision Works</a:t>
+            <a:t>How it Works</a:t>
           </a:r>
           <a:endParaRPr lang="en-US" dirty="0"/>
         </a:p>
@@ -1070,7 +1072,7 @@
         <a:p>
           <a:r>
             <a:rPr lang="en-US" dirty="0" smtClean="0"/>
-            <a:t>Applications of Computer Vision</a:t>
+            <a:t>Applications</a:t>
           </a:r>
           <a:endParaRPr lang="en-US" dirty="0"/>
         </a:p>
@@ -1489,14 +1491,14 @@
       </dsp:nvSpPr>
       <dsp:spPr>
         <a:xfrm>
-          <a:off x="-5198831" y="-796648"/>
-          <a:ext cx="6193577" cy="6193577"/>
+          <a:off x="-5411676" y="-829076"/>
+          <a:ext cx="6446970" cy="6446970"/>
         </a:xfrm>
         <a:prstGeom prst="blockArc">
           <a:avLst>
             <a:gd name="adj1" fmla="val 18900000"/>
             <a:gd name="adj2" fmla="val 2700000"/>
-            <a:gd name="adj3" fmla="val 349"/>
+            <a:gd name="adj3" fmla="val 335"/>
           </a:avLst>
         </a:prstGeom>
         <a:noFill/>
@@ -1534,8 +1536,8 @@
       </dsp:nvSpPr>
       <dsp:spPr>
         <a:xfrm>
-          <a:off x="322709" y="209128"/>
-          <a:ext cx="9521876" cy="418073"/>
+          <a:off x="335935" y="217699"/>
+          <a:ext cx="9506133" cy="435207"/>
         </a:xfrm>
         <a:prstGeom prst="rect">
           <a:avLst/>
@@ -1577,12 +1579,12 @@
         </a:fontRef>
       </dsp:style>
       <dsp:txBody>
-        <a:bodyPr spcFirstLastPara="0" vert="horz" wrap="square" lIns="331846" tIns="58420" rIns="58420" bIns="58420" numCol="1" spcCol="1270" anchor="ctr" anchorCtr="0">
+        <a:bodyPr spcFirstLastPara="0" vert="horz" wrap="square" lIns="345446" tIns="60960" rIns="60960" bIns="60960" numCol="1" spcCol="1270" anchor="ctr" anchorCtr="0">
           <a:noAutofit/>
         </a:bodyPr>
         <a:lstStyle/>
         <a:p>
-          <a:pPr lvl="0" algn="l" defTabSz="1022350">
+          <a:pPr lvl="0" algn="l" defTabSz="1066800">
             <a:lnSpc>
               <a:spcPct val="90000"/>
             </a:lnSpc>
@@ -1594,15 +1596,15 @@
             </a:spcAft>
           </a:pPr>
           <a:r>
-            <a:rPr lang="en-US" sz="2300" kern="1200" dirty="0" smtClean="0"/>
-            <a:t>What does Computer Vison means</a:t>
+            <a:rPr lang="en-US" sz="2400" kern="1200" dirty="0" smtClean="0"/>
+            <a:t>What does Computer Vision means</a:t>
           </a:r>
-          <a:endParaRPr lang="en-US" sz="2300" kern="1200" dirty="0"/>
+          <a:endParaRPr lang="en-US" sz="2400" kern="1200" dirty="0"/>
         </a:p>
       </dsp:txBody>
       <dsp:txXfrm>
-        <a:off x="322709" y="209128"/>
-        <a:ext cx="9521876" cy="418073"/>
+        <a:off x="335935" y="217699"/>
+        <a:ext cx="9506133" cy="435207"/>
       </dsp:txXfrm>
     </dsp:sp>
     <dsp:sp modelId="{BF688883-4860-474B-B877-22ED24DF2652}">
@@ -1612,8 +1614,8 @@
       </dsp:nvSpPr>
       <dsp:spPr>
         <a:xfrm>
-          <a:off x="61413" y="156869"/>
-          <a:ext cx="522591" cy="522591"/>
+          <a:off x="63930" y="163298"/>
+          <a:ext cx="544009" cy="544009"/>
         </a:xfrm>
         <a:prstGeom prst="ellipse">
           <a:avLst/>
@@ -1659,8 +1661,8 @@
       </dsp:nvSpPr>
       <dsp:spPr>
         <a:xfrm>
-          <a:off x="701312" y="836607"/>
-          <a:ext cx="9143273" cy="418073"/>
+          <a:off x="730055" y="870894"/>
+          <a:ext cx="9112014" cy="435207"/>
         </a:xfrm>
         <a:prstGeom prst="rect">
           <a:avLst/>
@@ -1702,12 +1704,12 @@
         </a:fontRef>
       </dsp:style>
       <dsp:txBody>
-        <a:bodyPr spcFirstLastPara="0" vert="horz" wrap="square" lIns="331846" tIns="58420" rIns="58420" bIns="58420" numCol="1" spcCol="1270" anchor="ctr" anchorCtr="0">
+        <a:bodyPr spcFirstLastPara="0" vert="horz" wrap="square" lIns="345446" tIns="60960" rIns="60960" bIns="60960" numCol="1" spcCol="1270" anchor="ctr" anchorCtr="0">
           <a:noAutofit/>
         </a:bodyPr>
         <a:lstStyle/>
         <a:p>
-          <a:pPr lvl="0" algn="l" defTabSz="1022350">
+          <a:pPr lvl="0" algn="l" defTabSz="1066800">
             <a:lnSpc>
               <a:spcPct val="90000"/>
             </a:lnSpc>
@@ -1719,15 +1721,15 @@
             </a:spcAft>
           </a:pPr>
           <a:r>
-            <a:rPr lang="en-US" sz="2300" kern="1200" dirty="0" smtClean="0"/>
+            <a:rPr lang="en-US" sz="2400" kern="1200" dirty="0" smtClean="0"/>
             <a:t>How Machines See an Image</a:t>
           </a:r>
-          <a:endParaRPr lang="en-US" sz="2300" kern="1200" dirty="0"/>
+          <a:endParaRPr lang="en-US" sz="2400" kern="1200" dirty="0"/>
         </a:p>
       </dsp:txBody>
       <dsp:txXfrm>
-        <a:off x="701312" y="836607"/>
-        <a:ext cx="9143273" cy="418073"/>
+        <a:off x="730055" y="870894"/>
+        <a:ext cx="9112014" cy="435207"/>
       </dsp:txXfrm>
     </dsp:sp>
     <dsp:sp modelId="{B4777A91-1BA2-4E83-9878-D73BD11C19A2}">
@@ -1737,8 +1739,8 @@
       </dsp:nvSpPr>
       <dsp:spPr>
         <a:xfrm>
-          <a:off x="440016" y="784347"/>
-          <a:ext cx="522591" cy="522591"/>
+          <a:off x="458050" y="816493"/>
+          <a:ext cx="544009" cy="544009"/>
         </a:xfrm>
         <a:prstGeom prst="ellipse">
           <a:avLst/>
@@ -1784,8 +1786,8 @@
       </dsp:nvSpPr>
       <dsp:spPr>
         <a:xfrm>
-          <a:off x="908785" y="1463625"/>
-          <a:ext cx="8935800" cy="418073"/>
+          <a:off x="946030" y="1523610"/>
+          <a:ext cx="8896038" cy="435207"/>
         </a:xfrm>
         <a:prstGeom prst="rect">
           <a:avLst/>
@@ -1827,12 +1829,12 @@
         </a:fontRef>
       </dsp:style>
       <dsp:txBody>
-        <a:bodyPr spcFirstLastPara="0" vert="horz" wrap="square" lIns="331846" tIns="58420" rIns="58420" bIns="58420" numCol="1" spcCol="1270" anchor="ctr" anchorCtr="0">
+        <a:bodyPr spcFirstLastPara="0" vert="horz" wrap="square" lIns="345446" tIns="60960" rIns="60960" bIns="60960" numCol="1" spcCol="1270" anchor="ctr" anchorCtr="0">
           <a:noAutofit/>
         </a:bodyPr>
         <a:lstStyle/>
         <a:p>
-          <a:pPr lvl="0" algn="l" defTabSz="1022350">
+          <a:pPr lvl="0" algn="l" defTabSz="1066800">
             <a:lnSpc>
               <a:spcPct val="90000"/>
             </a:lnSpc>
@@ -1844,15 +1846,15 @@
             </a:spcAft>
           </a:pPr>
           <a:r>
-            <a:rPr lang="en-US" sz="2300" kern="1200" dirty="0" smtClean="0"/>
-            <a:t>How Computer Vision Works</a:t>
+            <a:rPr lang="en-US" sz="2400" kern="1200" dirty="0" smtClean="0"/>
+            <a:t>How it Works</a:t>
           </a:r>
-          <a:endParaRPr lang="en-US" sz="2300" kern="1200" dirty="0"/>
+          <a:endParaRPr lang="en-US" sz="2400" kern="1200" dirty="0"/>
         </a:p>
       </dsp:txBody>
       <dsp:txXfrm>
-        <a:off x="908785" y="1463625"/>
-        <a:ext cx="8935800" cy="418073"/>
+        <a:off x="946030" y="1523610"/>
+        <a:ext cx="8896038" cy="435207"/>
       </dsp:txXfrm>
     </dsp:sp>
     <dsp:sp modelId="{D1E5330D-0050-49F7-83E0-A7D39F8A2155}">
@@ -1862,8 +1864,8 @@
       </dsp:nvSpPr>
       <dsp:spPr>
         <a:xfrm>
-          <a:off x="647489" y="1411366"/>
-          <a:ext cx="522591" cy="522591"/>
+          <a:off x="674025" y="1469209"/>
+          <a:ext cx="544009" cy="544009"/>
         </a:xfrm>
         <a:prstGeom prst="ellipse">
           <a:avLst/>
@@ -1909,8 +1911,8 @@
       </dsp:nvSpPr>
       <dsp:spPr>
         <a:xfrm>
-          <a:off x="975029" y="2091103"/>
-          <a:ext cx="8869556" cy="418073"/>
+          <a:off x="1014989" y="2176804"/>
+          <a:ext cx="8827079" cy="435207"/>
         </a:xfrm>
         <a:prstGeom prst="rect">
           <a:avLst/>
@@ -1952,12 +1954,12 @@
         </a:fontRef>
       </dsp:style>
       <dsp:txBody>
-        <a:bodyPr spcFirstLastPara="0" vert="horz" wrap="square" lIns="331846" tIns="58420" rIns="58420" bIns="58420" numCol="1" spcCol="1270" anchor="ctr" anchorCtr="0">
+        <a:bodyPr spcFirstLastPara="0" vert="horz" wrap="square" lIns="345446" tIns="60960" rIns="60960" bIns="60960" numCol="1" spcCol="1270" anchor="ctr" anchorCtr="0">
           <a:noAutofit/>
         </a:bodyPr>
         <a:lstStyle/>
         <a:p>
-          <a:pPr lvl="0" algn="l" defTabSz="1022350">
+          <a:pPr lvl="0" algn="l" defTabSz="1066800">
             <a:lnSpc>
               <a:spcPct val="90000"/>
             </a:lnSpc>
@@ -1969,15 +1971,15 @@
             </a:spcAft>
           </a:pPr>
           <a:r>
-            <a:rPr lang="en-US" sz="2300" kern="1200" dirty="0" smtClean="0"/>
-            <a:t>Applications of Computer Vision</a:t>
+            <a:rPr lang="en-US" sz="2400" kern="1200" dirty="0" smtClean="0"/>
+            <a:t>Applications</a:t>
           </a:r>
-          <a:endParaRPr lang="en-US" sz="2300" kern="1200" dirty="0"/>
+          <a:endParaRPr lang="en-US" sz="2400" kern="1200" dirty="0"/>
         </a:p>
       </dsp:txBody>
       <dsp:txXfrm>
-        <a:off x="975029" y="2091103"/>
-        <a:ext cx="8869556" cy="418073"/>
+        <a:off x="1014989" y="2176804"/>
+        <a:ext cx="8827079" cy="435207"/>
       </dsp:txXfrm>
     </dsp:sp>
     <dsp:sp modelId="{8387E979-7A1B-487D-A541-430DA223FA3A}">
@@ -1987,8 +1989,8 @@
       </dsp:nvSpPr>
       <dsp:spPr>
         <a:xfrm>
-          <a:off x="713733" y="2038844"/>
-          <a:ext cx="522591" cy="522591"/>
+          <a:off x="742984" y="2122403"/>
+          <a:ext cx="544009" cy="544009"/>
         </a:xfrm>
         <a:prstGeom prst="ellipse">
           <a:avLst/>
@@ -2034,8 +2036,8 @@
       </dsp:nvSpPr>
       <dsp:spPr>
         <a:xfrm>
-          <a:off x="908785" y="2718582"/>
-          <a:ext cx="8935800" cy="418073"/>
+          <a:off x="946030" y="2829999"/>
+          <a:ext cx="8896038" cy="435207"/>
         </a:xfrm>
         <a:prstGeom prst="rect">
           <a:avLst/>
@@ -2077,12 +2079,12 @@
         </a:fontRef>
       </dsp:style>
       <dsp:txBody>
-        <a:bodyPr spcFirstLastPara="0" vert="horz" wrap="square" lIns="331846" tIns="58420" rIns="58420" bIns="58420" numCol="1" spcCol="1270" anchor="ctr" anchorCtr="0">
+        <a:bodyPr spcFirstLastPara="0" vert="horz" wrap="square" lIns="345446" tIns="60960" rIns="60960" bIns="60960" numCol="1" spcCol="1270" anchor="ctr" anchorCtr="0">
           <a:noAutofit/>
         </a:bodyPr>
         <a:lstStyle/>
         <a:p>
-          <a:pPr lvl="0" algn="l" defTabSz="1022350">
+          <a:pPr lvl="0" algn="l" defTabSz="1066800">
             <a:lnSpc>
               <a:spcPct val="90000"/>
             </a:lnSpc>
@@ -2094,15 +2096,15 @@
             </a:spcAft>
           </a:pPr>
           <a:r>
-            <a:rPr lang="en-US" sz="2300" kern="1200" dirty="0" smtClean="0"/>
+            <a:rPr lang="en-US" sz="2400" kern="1200" dirty="0" smtClean="0"/>
             <a:t>Tools and Technology Used</a:t>
           </a:r>
-          <a:endParaRPr lang="en-US" sz="2300" kern="1200" dirty="0"/>
+          <a:endParaRPr lang="en-US" sz="2400" kern="1200" dirty="0"/>
         </a:p>
       </dsp:txBody>
       <dsp:txXfrm>
-        <a:off x="908785" y="2718582"/>
-        <a:ext cx="8935800" cy="418073"/>
+        <a:off x="946030" y="2829999"/>
+        <a:ext cx="8896038" cy="435207"/>
       </dsp:txXfrm>
     </dsp:sp>
     <dsp:sp modelId="{89C86576-8779-47AA-9D1F-4693468EA41D}">
@@ -2112,8 +2114,8 @@
       </dsp:nvSpPr>
       <dsp:spPr>
         <a:xfrm>
-          <a:off x="647489" y="2666322"/>
-          <a:ext cx="522591" cy="522591"/>
+          <a:off x="674025" y="2775598"/>
+          <a:ext cx="544009" cy="544009"/>
         </a:xfrm>
         <a:prstGeom prst="ellipse">
           <a:avLst/>
@@ -2159,8 +2161,8 @@
       </dsp:nvSpPr>
       <dsp:spPr>
         <a:xfrm>
-          <a:off x="701312" y="3345600"/>
-          <a:ext cx="9143273" cy="418073"/>
+          <a:off x="730055" y="3482715"/>
+          <a:ext cx="9112014" cy="435207"/>
         </a:xfrm>
         <a:prstGeom prst="rect">
           <a:avLst/>
@@ -2202,12 +2204,12 @@
         </a:fontRef>
       </dsp:style>
       <dsp:txBody>
-        <a:bodyPr spcFirstLastPara="0" vert="horz" wrap="square" lIns="331846" tIns="58420" rIns="58420" bIns="58420" numCol="1" spcCol="1270" anchor="ctr" anchorCtr="0">
+        <a:bodyPr spcFirstLastPara="0" vert="horz" wrap="square" lIns="345446" tIns="60960" rIns="60960" bIns="60960" numCol="1" spcCol="1270" anchor="ctr" anchorCtr="0">
           <a:noAutofit/>
         </a:bodyPr>
         <a:lstStyle/>
         <a:p>
-          <a:pPr lvl="0" algn="l" defTabSz="1022350">
+          <a:pPr lvl="0" algn="l" defTabSz="1066800">
             <a:lnSpc>
               <a:spcPct val="90000"/>
             </a:lnSpc>
@@ -2219,15 +2221,15 @@
             </a:spcAft>
           </a:pPr>
           <a:r>
-            <a:rPr lang="en-US" sz="2300" kern="1200" dirty="0" smtClean="0"/>
+            <a:rPr lang="en-US" sz="2400" kern="1200" dirty="0" smtClean="0"/>
             <a:t>Challenges</a:t>
           </a:r>
-          <a:endParaRPr lang="en-US" sz="2300" kern="1200" dirty="0"/>
+          <a:endParaRPr lang="en-US" sz="2400" kern="1200" dirty="0"/>
         </a:p>
       </dsp:txBody>
       <dsp:txXfrm>
-        <a:off x="701312" y="3345600"/>
-        <a:ext cx="9143273" cy="418073"/>
+        <a:off x="730055" y="3482715"/>
+        <a:ext cx="9112014" cy="435207"/>
       </dsp:txXfrm>
     </dsp:sp>
     <dsp:sp modelId="{8B8AD307-C1FF-4551-ACC3-CA91D608C3CD}">
@@ -2237,8 +2239,8 @@
       </dsp:nvSpPr>
       <dsp:spPr>
         <a:xfrm>
-          <a:off x="440016" y="3293341"/>
-          <a:ext cx="522591" cy="522591"/>
+          <a:off x="458050" y="3428314"/>
+          <a:ext cx="544009" cy="544009"/>
         </a:xfrm>
         <a:prstGeom prst="ellipse">
           <a:avLst/>
@@ -2284,8 +2286,8 @@
       </dsp:nvSpPr>
       <dsp:spPr>
         <a:xfrm>
-          <a:off x="322709" y="3973078"/>
-          <a:ext cx="9521876" cy="418073"/>
+          <a:off x="335935" y="4135909"/>
+          <a:ext cx="9506133" cy="435207"/>
         </a:xfrm>
         <a:prstGeom prst="rect">
           <a:avLst/>
@@ -2327,12 +2329,12 @@
         </a:fontRef>
       </dsp:style>
       <dsp:txBody>
-        <a:bodyPr spcFirstLastPara="0" vert="horz" wrap="square" lIns="331846" tIns="58420" rIns="58420" bIns="58420" numCol="1" spcCol="1270" anchor="ctr" anchorCtr="0">
+        <a:bodyPr spcFirstLastPara="0" vert="horz" wrap="square" lIns="345446" tIns="60960" rIns="60960" bIns="60960" numCol="1" spcCol="1270" anchor="ctr" anchorCtr="0">
           <a:noAutofit/>
         </a:bodyPr>
         <a:lstStyle/>
         <a:p>
-          <a:pPr lvl="0" algn="l" defTabSz="1022350">
+          <a:pPr lvl="0" algn="l" defTabSz="1066800">
             <a:lnSpc>
               <a:spcPct val="90000"/>
             </a:lnSpc>
@@ -2344,15 +2346,15 @@
             </a:spcAft>
           </a:pPr>
           <a:r>
-            <a:rPr lang="en-US" sz="2300" kern="1200" dirty="0" smtClean="0"/>
+            <a:rPr lang="en-US" sz="2400" kern="1200" dirty="0" smtClean="0"/>
             <a:t>Conclusions</a:t>
           </a:r>
-          <a:endParaRPr lang="en-US" sz="2300" kern="1200" dirty="0"/>
+          <a:endParaRPr lang="en-US" sz="2400" kern="1200" dirty="0"/>
         </a:p>
       </dsp:txBody>
       <dsp:txXfrm>
-        <a:off x="322709" y="3973078"/>
-        <a:ext cx="9521876" cy="418073"/>
+        <a:off x="335935" y="4135909"/>
+        <a:ext cx="9506133" cy="435207"/>
       </dsp:txXfrm>
     </dsp:sp>
     <dsp:sp modelId="{AD0955EC-A162-44CE-B2DC-C714F9DB4418}">
@@ -2362,8 +2364,8 @@
       </dsp:nvSpPr>
       <dsp:spPr>
         <a:xfrm>
-          <a:off x="61413" y="3920819"/>
-          <a:ext cx="522591" cy="522591"/>
+          <a:off x="63930" y="4081508"/>
+          <a:ext cx="544009" cy="544009"/>
         </a:xfrm>
         <a:prstGeom prst="ellipse">
           <a:avLst/>
@@ -4800,7 +4802,7 @@
           <a:p>
             <a:fld id="{2A7BC5EC-9E33-49A7-9216-DEE32BFA872B}" type="datetimeFigureOut">
               <a:rPr lang="en-IN" smtClean="0"/>
-              <a:t>05-02-2025</a:t>
+              <a:t>13-02-2025</a:t>
             </a:fld>
             <a:endParaRPr lang="en-IN"/>
           </a:p>
@@ -9342,9 +9344,9 @@
           <a:bodyPr/>
           <a:lstStyle/>
           <a:p>
-            <a:fld id="{F6A9C4AC-78AE-4945-87BF-8629A8A10DC6}" type="datetime1">
+            <a:fld id="{B52A910B-62A7-4E1E-B3C0-ADEE33A92941}" type="datetime1">
               <a:rPr lang="en-IN" smtClean="0"/>
-              <a:t>05-02-2025</a:t>
+              <a:t>13-02-2025</a:t>
             </a:fld>
             <a:endParaRPr lang="en-IN"/>
           </a:p>
@@ -9612,9 +9614,9 @@
           <a:bodyPr/>
           <a:lstStyle/>
           <a:p>
-            <a:fld id="{39A3CC2C-E02D-408A-926D-CD763B43A6D3}" type="datetime1">
+            <a:fld id="{9D628BE6-4C6E-4407-966D-63568283CF98}" type="datetime1">
               <a:rPr lang="en-IN" smtClean="0"/>
-              <a:t>05-02-2025</a:t>
+              <a:t>13-02-2025</a:t>
             </a:fld>
             <a:endParaRPr lang="en-IN"/>
           </a:p>
@@ -9675,7 +9677,6 @@
   <p:transition spd="slow">
     <p:wipe/>
   </p:transition>
-  <p:hf hdr="0" ftr="0" dt="0"/>
 </p:sldLayout>
 </file>
 
@@ -9812,9 +9813,9 @@
           <a:bodyPr/>
           <a:lstStyle/>
           <a:p>
-            <a:fld id="{39A3CC2C-E02D-408A-926D-CD763B43A6D3}" type="datetime1">
+            <a:fld id="{DA48C904-E2DD-4142-982B-F6DD47119002}" type="datetime1">
               <a:rPr lang="en-IN" smtClean="0"/>
-              <a:t>05-02-2025</a:t>
+              <a:t>13-02-2025</a:t>
             </a:fld>
             <a:endParaRPr lang="en-IN"/>
           </a:p>
@@ -9875,7 +9876,6 @@
   <p:transition spd="slow">
     <p:wipe/>
   </p:transition>
-  <p:hf hdr="0" ftr="0" dt="0"/>
 </p:sldLayout>
 </file>
 
@@ -10079,9 +10079,9 @@
           <a:bodyPr/>
           <a:lstStyle/>
           <a:p>
-            <a:fld id="{39A3CC2C-E02D-408A-926D-CD763B43A6D3}" type="datetime1">
+            <a:fld id="{40948B57-0A93-4B85-A16B-FBC3E100F2BC}" type="datetime1">
               <a:rPr lang="en-IN" smtClean="0"/>
-              <a:t>05-02-2025</a:t>
+              <a:t>13-02-2025</a:t>
             </a:fld>
             <a:endParaRPr lang="en-IN"/>
           </a:p>
@@ -10380,7 +10380,6 @@
   <p:transition spd="slow">
     <p:wipe/>
   </p:transition>
-  <p:hf hdr="0" ftr="0" dt="0"/>
 </p:sldLayout>
 </file>
 
@@ -10517,9 +10516,9 @@
           <a:bodyPr/>
           <a:lstStyle/>
           <a:p>
-            <a:fld id="{39A3CC2C-E02D-408A-926D-CD763B43A6D3}" type="datetime1">
+            <a:fld id="{FECAAA6D-2E8C-4D9A-A6A9-BE966EE6CF5A}" type="datetime1">
               <a:rPr lang="en-IN" smtClean="0"/>
-              <a:t>05-02-2025</a:t>
+              <a:t>13-02-2025</a:t>
             </a:fld>
             <a:endParaRPr lang="en-IN"/>
           </a:p>
@@ -10580,7 +10579,6 @@
   <p:transition spd="slow">
     <p:wipe/>
   </p:transition>
-  <p:hf hdr="0" ftr="0" dt="0"/>
 </p:sldLayout>
 </file>
 
@@ -11067,9 +11065,9 @@
           <a:bodyPr/>
           <a:lstStyle/>
           <a:p>
-            <a:fld id="{39A3CC2C-E02D-408A-926D-CD763B43A6D3}" type="datetime1">
+            <a:fld id="{A93EA0AC-39D6-4A25-9A5E-51C62B544299}" type="datetime1">
               <a:rPr lang="en-IN" smtClean="0"/>
-              <a:t>05-02-2025</a:t>
+              <a:t>13-02-2025</a:t>
             </a:fld>
             <a:endParaRPr lang="en-IN"/>
           </a:p>
@@ -11130,7 +11128,6 @@
   <p:transition spd="slow">
     <p:wipe/>
   </p:transition>
-  <p:hf hdr="0" ftr="0" dt="0"/>
 </p:sldLayout>
 </file>
 
@@ -11791,9 +11788,9 @@
           <a:bodyPr/>
           <a:lstStyle/>
           <a:p>
-            <a:fld id="{39A3CC2C-E02D-408A-926D-CD763B43A6D3}" type="datetime1">
+            <a:fld id="{98569F31-AFCF-445E-850E-43B6AA89D957}" type="datetime1">
               <a:rPr lang="en-IN" smtClean="0"/>
-              <a:t>05-02-2025</a:t>
+              <a:t>13-02-2025</a:t>
             </a:fld>
             <a:endParaRPr lang="en-IN"/>
           </a:p>
@@ -11854,7 +11851,6 @@
   <p:transition spd="slow">
     <p:wipe/>
   </p:transition>
-  <p:hf hdr="0" ftr="0" dt="0"/>
 </p:sldLayout>
 </file>
 
@@ -11965,9 +11961,9 @@
           <a:bodyPr/>
           <a:lstStyle/>
           <a:p>
-            <a:fld id="{8BC07190-C773-4795-9CB1-91054EFC1944}" type="datetime1">
+            <a:fld id="{C50A078A-B9C1-4794-984A-4747680CD064}" type="datetime1">
               <a:rPr lang="en-IN" smtClean="0"/>
-              <a:t>05-02-2025</a:t>
+              <a:t>13-02-2025</a:t>
             </a:fld>
             <a:endParaRPr lang="en-IN"/>
           </a:p>
@@ -12148,9 +12144,9 @@
           <a:bodyPr/>
           <a:lstStyle/>
           <a:p>
-            <a:fld id="{0DC6BC1D-ADB7-4C71-BAE5-DC9B63599D7D}" type="datetime1">
+            <a:fld id="{5D51BB25-042A-40C5-88E0-EEF356BF3F4C}" type="datetime1">
               <a:rPr lang="en-IN" smtClean="0"/>
-              <a:t>05-02-2025</a:t>
+              <a:t>13-02-2025</a:t>
             </a:fld>
             <a:endParaRPr lang="en-IN"/>
           </a:p>
@@ -12321,9 +12317,9 @@
           <a:bodyPr/>
           <a:lstStyle/>
           <a:p>
-            <a:fld id="{97FE4B94-E4FD-4737-8C8C-9AEADB23C545}" type="datetime1">
+            <a:fld id="{62E42470-D56A-4076-8F51-8478B15A0D73}" type="datetime1">
               <a:rPr lang="en-IN" smtClean="0"/>
-              <a:t>05-02-2025</a:t>
+              <a:t>13-02-2025</a:t>
             </a:fld>
             <a:endParaRPr lang="en-IN"/>
           </a:p>
@@ -12574,9 +12570,9 @@
           <a:bodyPr/>
           <a:lstStyle/>
           <a:p>
-            <a:fld id="{ABC59FC6-F408-470B-83FD-D275F464AE1C}" type="datetime1">
+            <a:fld id="{AF607E66-EC2A-416B-B9FE-FAE715ED5641}" type="datetime1">
               <a:rPr lang="en-IN" smtClean="0"/>
-              <a:t>05-02-2025</a:t>
+              <a:t>13-02-2025</a:t>
             </a:fld>
             <a:endParaRPr lang="en-IN"/>
           </a:p>
@@ -12809,9 +12805,9 @@
           <a:bodyPr/>
           <a:lstStyle/>
           <a:p>
-            <a:fld id="{25238236-B933-4F38-8446-2F15045CDFFA}" type="datetime1">
+            <a:fld id="{DC163DA8-612F-4F9C-BE0D-205AD2D114B0}" type="datetime1">
               <a:rPr lang="en-IN" smtClean="0"/>
-              <a:t>05-02-2025</a:t>
+              <a:t>13-02-2025</a:t>
             </a:fld>
             <a:endParaRPr lang="en-IN"/>
           </a:p>
@@ -13193,9 +13189,9 @@
           <a:bodyPr/>
           <a:lstStyle/>
           <a:p>
-            <a:fld id="{1CBADFDF-B2AA-492A-9486-2139597BA49C}" type="datetime1">
+            <a:fld id="{0C329C18-71EC-42F0-B82C-DCB74A79C8EE}" type="datetime1">
               <a:rPr lang="en-IN" smtClean="0"/>
-              <a:t>05-02-2025</a:t>
+              <a:t>13-02-2025</a:t>
             </a:fld>
             <a:endParaRPr lang="en-IN"/>
           </a:p>
@@ -13314,9 +13310,9 @@
           <a:bodyPr/>
           <a:lstStyle/>
           <a:p>
-            <a:fld id="{C8BA6409-1C39-45BD-ABED-E8127D5B8DA2}" type="datetime1">
+            <a:fld id="{42701395-1742-4394-8CB2-120F27E3D1DB}" type="datetime1">
               <a:rPr lang="en-IN" smtClean="0"/>
-              <a:t>05-02-2025</a:t>
+              <a:t>13-02-2025</a:t>
             </a:fld>
             <a:endParaRPr lang="en-IN"/>
           </a:p>
@@ -13412,9 +13408,9 @@
           <a:bodyPr/>
           <a:lstStyle/>
           <a:p>
-            <a:fld id="{E0DE04FF-EEBD-432F-A8FD-37D1F851470E}" type="datetime1">
+            <a:fld id="{87BE0915-5F51-45F2-95F1-63B9B88E8B70}" type="datetime1">
               <a:rPr lang="en-IN" smtClean="0"/>
-              <a:t>05-02-2025</a:t>
+              <a:t>13-02-2025</a:t>
             </a:fld>
             <a:endParaRPr lang="en-IN"/>
           </a:p>
@@ -13664,9 +13660,9 @@
           <a:bodyPr/>
           <a:lstStyle/>
           <a:p>
-            <a:fld id="{77B6C7F9-9949-4E08-8E17-E0AE4CD201EC}" type="datetime1">
+            <a:fld id="{A70AB531-F652-4E7F-8AAF-BB3DD532AE35}" type="datetime1">
               <a:rPr lang="en-IN" smtClean="0"/>
-              <a:t>05-02-2025</a:t>
+              <a:t>13-02-2025</a:t>
             </a:fld>
             <a:endParaRPr lang="en-IN"/>
           </a:p>
@@ -13947,9 +13943,9 @@
           <a:bodyPr/>
           <a:lstStyle/>
           <a:p>
-            <a:fld id="{2596FA6F-C774-47F3-B2BD-2E12A35AF6B4}" type="datetime1">
+            <a:fld id="{EC34000F-8204-4D65-BB89-382291F3BC36}" type="datetime1">
               <a:rPr lang="en-IN" smtClean="0"/>
-              <a:t>05-02-2025</a:t>
+              <a:t>13-02-2025</a:t>
             </a:fld>
             <a:endParaRPr lang="en-IN"/>
           </a:p>
@@ -14020,7 +14016,6 @@
       <p:bgPr>
         <a:blipFill dpi="0" rotWithShape="1">
           <a:blip r:embed="rId19">
-            <a:alphaModFix amt="85000"/>
             <a:duotone>
               <a:schemeClr val="bg2">
                 <a:shade val="88000"/>
@@ -14036,6 +14031,17 @@
               </a:schemeClr>
             </a:duotone>
             <a:lum/>
+            <a:extLst>
+              <a:ext uri="{BEBA8EAE-BF5A-486C-A8C5-ECC9F3942E4B}">
+                <a14:imgProps xmlns:a14="http://schemas.microsoft.com/office/drawing/2010/main">
+                  <a14:imgLayer r:embed="rId20">
+                    <a14:imgEffect>
+                      <a14:artisticPhotocopy trans="0" detail="0"/>
+                    </a14:imgEffect>
+                  </a14:imgLayer>
+                </a14:imgProps>
+              </a:ext>
+            </a:extLst>
           </a:blip>
           <a:srcRect/>
           <a:stretch>
@@ -14068,7 +14074,7 @@
           <p:nvPr/>
         </p:nvPicPr>
         <p:blipFill>
-          <a:blip r:embed="rId20">
+          <a:blip r:embed="rId21">
             <a:alphaModFix amt="30000"/>
             <a:extLst>
               <a:ext uri="{28A0092B-C50C-407E-A947-70E740481C1C}">
@@ -17051,9 +17057,9 @@
             </a:lvl1pPr>
           </a:lstStyle>
           <a:p>
-            <a:fld id="{39A3CC2C-E02D-408A-926D-CD763B43A6D3}" type="datetime1">
+            <a:fld id="{7788B477-5DB7-41ED-AFC5-9BEA61AD1BC6}" type="datetime1">
               <a:rPr lang="en-IN" smtClean="0"/>
-              <a:t>05-02-2025</a:t>
+              <a:t>13-02-2025</a:t>
             </a:fld>
             <a:endParaRPr lang="en-IN"/>
           </a:p>
@@ -17579,10 +17585,24 @@
           <a:p>
             <a:pPr algn="ctr"/>
             <a:r>
-              <a:rPr lang="en-IN" sz="2800" b="1" dirty="0" smtClean="0"/>
+              <a:rPr lang="en-IN" sz="2800" b="1" dirty="0" smtClean="0">
+                <a:solidFill>
+                  <a:schemeClr val="bg1">
+                    <a:lumMod val="95000"/>
+                    <a:lumOff val="5000"/>
+                  </a:schemeClr>
+                </a:solidFill>
+              </a:rPr>
               <a:t>Department of Computer Science and Engineering</a:t>
             </a:r>
-            <a:endParaRPr lang="en-IN" sz="2800" b="1" dirty="0"/>
+            <a:endParaRPr lang="en-IN" sz="2800" b="1" dirty="0">
+              <a:solidFill>
+                <a:schemeClr val="bg1">
+                  <a:lumMod val="95000"/>
+                  <a:lumOff val="5000"/>
+                </a:schemeClr>
+              </a:solidFill>
+            </a:endParaRPr>
           </a:p>
         </p:txBody>
       </p:sp>
@@ -17610,10 +17630,24 @@
           <a:p>
             <a:pPr algn="ctr"/>
             <a:r>
-              <a:rPr lang="en-IN" sz="2400" b="1" dirty="0" smtClean="0"/>
+              <a:rPr lang="en-IN" sz="2400" b="1" dirty="0" smtClean="0">
+                <a:solidFill>
+                  <a:schemeClr val="bg1">
+                    <a:lumMod val="95000"/>
+                    <a:lumOff val="5000"/>
+                  </a:schemeClr>
+                </a:solidFill>
+              </a:rPr>
               <a:t>National Institute of Technology Hamirpur</a:t>
             </a:r>
-            <a:endParaRPr lang="en-IN" sz="2400" b="1" dirty="0"/>
+            <a:endParaRPr lang="en-IN" sz="2400" b="1" dirty="0">
+              <a:solidFill>
+                <a:schemeClr val="bg1">
+                  <a:lumMod val="95000"/>
+                  <a:lumOff val="5000"/>
+                </a:schemeClr>
+              </a:solidFill>
+            </a:endParaRPr>
           </a:p>
         </p:txBody>
       </p:sp>
@@ -17673,29 +17707,6 @@
                 </a:schemeClr>
               </a:solidFill>
             </a:endParaRPr>
-          </a:p>
-        </p:txBody>
-      </p:sp>
-      <p:sp>
-        <p:nvSpPr>
-          <p:cNvPr id="12" name="Slide Number Placeholder 11"/>
-          <p:cNvSpPr>
-            <a:spLocks noGrp="1"/>
-          </p:cNvSpPr>
-          <p:nvPr>
-            <p:ph type="sldNum" sz="quarter" idx="12"/>
-          </p:nvPr>
-        </p:nvSpPr>
-        <p:spPr/>
-        <p:txBody>
-          <a:bodyPr/>
-          <a:lstStyle/>
-          <a:p>
-            <a:fld id="{E9D42EC4-55FD-406C-82BB-203E3BBE455C}" type="slidenum">
-              <a:rPr lang="en-IN" smtClean="0"/>
-              <a:t>1</a:t>
-            </a:fld>
-            <a:endParaRPr lang="en-IN"/>
           </a:p>
         </p:txBody>
       </p:sp>
@@ -18742,7 +18753,7 @@
                   </a:schemeClr>
                 </a:solidFill>
               </a:rPr>
-              <a:t>(You Look Only Once)-used for object detection </a:t>
+              <a:t>(You Only Look Once)-used for object detection </a:t>
             </a:r>
             <a:endParaRPr lang="en-IN" dirty="0">
               <a:solidFill>
@@ -18973,13 +18984,13 @@
         </p:nvSpPr>
         <p:spPr>
           <a:xfrm>
-            <a:off x="675797" y="979714"/>
-            <a:ext cx="10837228" cy="5786846"/>
+            <a:off x="675796" y="979714"/>
+            <a:ext cx="11201243" cy="5786846"/>
           </a:xfrm>
         </p:spPr>
         <p:txBody>
           <a:bodyPr>
-            <a:normAutofit fontScale="92500" lnSpcReduction="10000"/>
+            <a:normAutofit/>
           </a:bodyPr>
           <a:lstStyle/>
           <a:p>
@@ -19010,26 +19021,7 @@
                   <a:srgbClr val="451717"/>
                 </a:solidFill>
               </a:rPr>
-              <a:t>pixels are there in HD Image, require large computational power.</a:t>
-            </a:r>
-          </a:p>
-          <a:p>
-            <a:pPr lvl="1"/>
-            <a:r>
-              <a:rPr lang="en-IN" sz="2400" dirty="0">
-                <a:solidFill>
-                  <a:srgbClr val="451717"/>
-                </a:solidFill>
-              </a:rPr>
-              <a:t>-</a:t>
-            </a:r>
-            <a:r>
-              <a:rPr lang="en-IN" sz="2400" dirty="0" smtClean="0">
-                <a:solidFill>
-                  <a:srgbClr val="451717"/>
-                </a:solidFill>
-              </a:rPr>
-              <a:t>Resolution of images are increasing day by day, resulting in fast GPUs required. </a:t>
+              <a:t>pixels are there in HD Image, require large computational power. </a:t>
             </a:r>
             <a:r>
               <a:rPr lang="en-IN" sz="2400" dirty="0" smtClean="0">
@@ -19072,18 +19064,7 @@
                   <a:srgbClr val="451717"/>
                 </a:solidFill>
               </a:rPr>
-              <a:t>Analog Intensities are digitized into digital form result in loss of data.</a:t>
-            </a:r>
-          </a:p>
-          <a:p>
-            <a:pPr lvl="1"/>
-            <a:r>
-              <a:rPr lang="en-IN" sz="2400" dirty="0" smtClean="0">
-                <a:solidFill>
-                  <a:srgbClr val="451717"/>
-                </a:solidFill>
-              </a:rPr>
-              <a:t>-So, we can not get the exact image of real world, results in limiting the power of CV. </a:t>
+              <a:t>Analog Intensities are digitized into digital form result in loss of data. </a:t>
             </a:r>
             <a:r>
               <a:rPr lang="en-IN" sz="2400" dirty="0" smtClean="0">
@@ -19139,21 +19120,13 @@
               </a:rPr>
               <a:t>.</a:t>
             </a:r>
-            <a:endParaRPr lang="en-IN" sz="2400" dirty="0" smtClean="0">
-              <a:solidFill>
-                <a:srgbClr val="451717"/>
-              </a:solidFill>
-            </a:endParaRPr>
-          </a:p>
-          <a:p>
-            <a:pPr lvl="1"/>
-            <a:r>
-              <a:rPr lang="en-IN" sz="2400" dirty="0" smtClean="0">
+            <a:r>
+              <a:rPr lang="en-IN" sz="2400" dirty="0">
                 <a:solidFill>
                   <a:srgbClr val="451717"/>
                 </a:solidFill>
               </a:rPr>
-              <a:t>-Biased Data set may affect the generalization of the model. </a:t>
+              <a:t> </a:t>
             </a:r>
             <a:r>
               <a:rPr lang="en-IN" sz="2400" dirty="0" smtClean="0">
@@ -19244,7 +19217,7 @@
                                         <p:tgtEl>
                                           <p:spTgt spid="3">
                                             <p:txEl>
-                                              <p:pRg st="0" end="0"/>
+                                              <p:pRg st="3" end="3"/>
                                             </p:txEl>
                                           </p:spTgt>
                                         </p:tgtEl>
@@ -19262,7 +19235,7 @@
                                         <p:tgtEl>
                                           <p:spTgt spid="3">
                                             <p:txEl>
-                                              <p:pRg st="0" end="0"/>
+                                              <p:pRg st="3" end="3"/>
                                             </p:txEl>
                                           </p:spTgt>
                                         </p:tgtEl>
@@ -19289,7 +19262,7 @@
                                         <p:tgtEl>
                                           <p:spTgt spid="3">
                                             <p:txEl>
-                                              <p:pRg st="0" end="0"/>
+                                              <p:pRg st="3" end="3"/>
                                             </p:txEl>
                                           </p:spTgt>
                                         </p:tgtEl>
@@ -19329,7 +19302,7 @@
                                         <p:tgtEl>
                                           <p:spTgt spid="3">
                                             <p:txEl>
-                                              <p:pRg st="1" end="1"/>
+                                              <p:pRg st="4" end="4"/>
                                             </p:txEl>
                                           </p:spTgt>
                                         </p:tgtEl>
@@ -19347,7 +19320,7 @@
                                         <p:tgtEl>
                                           <p:spTgt spid="3">
                                             <p:txEl>
-                                              <p:pRg st="1" end="1"/>
+                                              <p:pRg st="4" end="4"/>
                                             </p:txEl>
                                           </p:spTgt>
                                         </p:tgtEl>
@@ -19374,92 +19347,7 @@
                                         <p:tgtEl>
                                           <p:spTgt spid="3">
                                             <p:txEl>
-                                              <p:pRg st="1" end="1"/>
-                                            </p:txEl>
-                                          </p:spTgt>
-                                        </p:tgtEl>
-                                        <p:attrNameLst>
-                                          <p:attrName>ppt_y</p:attrName>
-                                        </p:attrNameLst>
-                                      </p:cBhvr>
-                                      <p:tavLst>
-                                        <p:tav tm="0">
-                                          <p:val>
-                                            <p:strVal val="1+#ppt_h/2"/>
-                                          </p:val>
-                                        </p:tav>
-                                        <p:tav tm="100000">
-                                          <p:val>
-                                            <p:strVal val="#ppt_y"/>
-                                          </p:val>
-                                        </p:tav>
-                                      </p:tavLst>
-                                    </p:anim>
-                                  </p:childTnLst>
-                                </p:cTn>
-                              </p:par>
-                              <p:par>
-                                <p:cTn id="13" presetID="2" presetClass="entr" presetSubtype="4" fill="hold" nodeType="withEffect">
-                                  <p:stCondLst>
-                                    <p:cond delay="0"/>
-                                  </p:stCondLst>
-                                  <p:childTnLst>
-                                    <p:set>
-                                      <p:cBhvr>
-                                        <p:cTn id="14" dur="1" fill="hold">
-                                          <p:stCondLst>
-                                            <p:cond delay="0"/>
-                                          </p:stCondLst>
-                                        </p:cTn>
-                                        <p:tgtEl>
-                                          <p:spTgt spid="3">
-                                            <p:txEl>
-                                              <p:pRg st="2" end="2"/>
-                                            </p:txEl>
-                                          </p:spTgt>
-                                        </p:tgtEl>
-                                        <p:attrNameLst>
-                                          <p:attrName>style.visibility</p:attrName>
-                                        </p:attrNameLst>
-                                      </p:cBhvr>
-                                      <p:to>
-                                        <p:strVal val="visible"/>
-                                      </p:to>
-                                    </p:set>
-                                    <p:anim calcmode="lin" valueType="num">
-                                      <p:cBhvr additive="base">
-                                        <p:cTn id="15" dur="500" fill="hold"/>
-                                        <p:tgtEl>
-                                          <p:spTgt spid="3">
-                                            <p:txEl>
-                                              <p:pRg st="2" end="2"/>
-                                            </p:txEl>
-                                          </p:spTgt>
-                                        </p:tgtEl>
-                                        <p:attrNameLst>
-                                          <p:attrName>ppt_x</p:attrName>
-                                        </p:attrNameLst>
-                                      </p:cBhvr>
-                                      <p:tavLst>
-                                        <p:tav tm="0">
-                                          <p:val>
-                                            <p:strVal val="#ppt_x"/>
-                                          </p:val>
-                                        </p:tav>
-                                        <p:tav tm="100000">
-                                          <p:val>
-                                            <p:strVal val="#ppt_x"/>
-                                          </p:val>
-                                        </p:tav>
-                                      </p:tavLst>
-                                    </p:anim>
-                                    <p:anim calcmode="lin" valueType="num">
-                                      <p:cBhvr additive="base">
-                                        <p:cTn id="16" dur="500" fill="hold"/>
-                                        <p:tgtEl>
-                                          <p:spTgt spid="3">
-                                            <p:txEl>
-                                              <p:pRg st="2" end="2"/>
+                                              <p:pRg st="4" end="4"/>
                                             </p:txEl>
                                           </p:spTgt>
                                         </p:tgtEl>
@@ -19490,196 +19378,26 @@
                     </p:cTn>
                   </p:par>
                   <p:par>
-                    <p:cTn id="17" fill="hold">
+                    <p:cTn id="13" fill="hold">
                       <p:stCondLst>
                         <p:cond delay="indefinite"/>
                       </p:stCondLst>
                       <p:childTnLst>
                         <p:par>
-                          <p:cTn id="18" fill="hold">
+                          <p:cTn id="14" fill="hold">
                             <p:stCondLst>
                               <p:cond delay="0"/>
                             </p:stCondLst>
                             <p:childTnLst>
                               <p:par>
-                                <p:cTn id="19" presetID="2" presetClass="entr" presetSubtype="4" fill="hold" nodeType="clickEffect">
+                                <p:cTn id="15" presetID="2" presetClass="entr" presetSubtype="4" fill="hold" nodeType="clickEffect">
                                   <p:stCondLst>
                                     <p:cond delay="0"/>
                                   </p:stCondLst>
                                   <p:childTnLst>
                                     <p:set>
                                       <p:cBhvr>
-                                        <p:cTn id="20" dur="1" fill="hold">
-                                          <p:stCondLst>
-                                            <p:cond delay="0"/>
-                                          </p:stCondLst>
-                                        </p:cTn>
-                                        <p:tgtEl>
-                                          <p:spTgt spid="3">
-                                            <p:txEl>
-                                              <p:pRg st="4" end="4"/>
-                                            </p:txEl>
-                                          </p:spTgt>
-                                        </p:tgtEl>
-                                        <p:attrNameLst>
-                                          <p:attrName>style.visibility</p:attrName>
-                                        </p:attrNameLst>
-                                      </p:cBhvr>
-                                      <p:to>
-                                        <p:strVal val="visible"/>
-                                      </p:to>
-                                    </p:set>
-                                    <p:anim calcmode="lin" valueType="num">
-                                      <p:cBhvr additive="base">
-                                        <p:cTn id="21" dur="500" fill="hold"/>
-                                        <p:tgtEl>
-                                          <p:spTgt spid="3">
-                                            <p:txEl>
-                                              <p:pRg st="4" end="4"/>
-                                            </p:txEl>
-                                          </p:spTgt>
-                                        </p:tgtEl>
-                                        <p:attrNameLst>
-                                          <p:attrName>ppt_x</p:attrName>
-                                        </p:attrNameLst>
-                                      </p:cBhvr>
-                                      <p:tavLst>
-                                        <p:tav tm="0">
-                                          <p:val>
-                                            <p:strVal val="#ppt_x"/>
-                                          </p:val>
-                                        </p:tav>
-                                        <p:tav tm="100000">
-                                          <p:val>
-                                            <p:strVal val="#ppt_x"/>
-                                          </p:val>
-                                        </p:tav>
-                                      </p:tavLst>
-                                    </p:anim>
-                                    <p:anim calcmode="lin" valueType="num">
-                                      <p:cBhvr additive="base">
-                                        <p:cTn id="22" dur="500" fill="hold"/>
-                                        <p:tgtEl>
-                                          <p:spTgt spid="3">
-                                            <p:txEl>
-                                              <p:pRg st="4" end="4"/>
-                                            </p:txEl>
-                                          </p:spTgt>
-                                        </p:tgtEl>
-                                        <p:attrNameLst>
-                                          <p:attrName>ppt_y</p:attrName>
-                                        </p:attrNameLst>
-                                      </p:cBhvr>
-                                      <p:tavLst>
-                                        <p:tav tm="0">
-                                          <p:val>
-                                            <p:strVal val="1+#ppt_h/2"/>
-                                          </p:val>
-                                        </p:tav>
-                                        <p:tav tm="100000">
-                                          <p:val>
-                                            <p:strVal val="#ppt_y"/>
-                                          </p:val>
-                                        </p:tav>
-                                      </p:tavLst>
-                                    </p:anim>
-                                  </p:childTnLst>
-                                </p:cTn>
-                              </p:par>
-                              <p:par>
-                                <p:cTn id="23" presetID="2" presetClass="entr" presetSubtype="4" fill="hold" nodeType="withEffect">
-                                  <p:stCondLst>
-                                    <p:cond delay="0"/>
-                                  </p:stCondLst>
-                                  <p:childTnLst>
-                                    <p:set>
-                                      <p:cBhvr>
-                                        <p:cTn id="24" dur="1" fill="hold">
-                                          <p:stCondLst>
-                                            <p:cond delay="0"/>
-                                          </p:stCondLst>
-                                        </p:cTn>
-                                        <p:tgtEl>
-                                          <p:spTgt spid="3">
-                                            <p:txEl>
-                                              <p:pRg st="5" end="5"/>
-                                            </p:txEl>
-                                          </p:spTgt>
-                                        </p:tgtEl>
-                                        <p:attrNameLst>
-                                          <p:attrName>style.visibility</p:attrName>
-                                        </p:attrNameLst>
-                                      </p:cBhvr>
-                                      <p:to>
-                                        <p:strVal val="visible"/>
-                                      </p:to>
-                                    </p:set>
-                                    <p:anim calcmode="lin" valueType="num">
-                                      <p:cBhvr additive="base">
-                                        <p:cTn id="25" dur="500" fill="hold"/>
-                                        <p:tgtEl>
-                                          <p:spTgt spid="3">
-                                            <p:txEl>
-                                              <p:pRg st="5" end="5"/>
-                                            </p:txEl>
-                                          </p:spTgt>
-                                        </p:tgtEl>
-                                        <p:attrNameLst>
-                                          <p:attrName>ppt_x</p:attrName>
-                                        </p:attrNameLst>
-                                      </p:cBhvr>
-                                      <p:tavLst>
-                                        <p:tav tm="0">
-                                          <p:val>
-                                            <p:strVal val="#ppt_x"/>
-                                          </p:val>
-                                        </p:tav>
-                                        <p:tav tm="100000">
-                                          <p:val>
-                                            <p:strVal val="#ppt_x"/>
-                                          </p:val>
-                                        </p:tav>
-                                      </p:tavLst>
-                                    </p:anim>
-                                    <p:anim calcmode="lin" valueType="num">
-                                      <p:cBhvr additive="base">
-                                        <p:cTn id="26" dur="500" fill="hold"/>
-                                        <p:tgtEl>
-                                          <p:spTgt spid="3">
-                                            <p:txEl>
-                                              <p:pRg st="5" end="5"/>
-                                            </p:txEl>
-                                          </p:spTgt>
-                                        </p:tgtEl>
-                                        <p:attrNameLst>
-                                          <p:attrName>ppt_y</p:attrName>
-                                        </p:attrNameLst>
-                                      </p:cBhvr>
-                                      <p:tavLst>
-                                        <p:tav tm="0">
-                                          <p:val>
-                                            <p:strVal val="1+#ppt_h/2"/>
-                                          </p:val>
-                                        </p:tav>
-                                        <p:tav tm="100000">
-                                          <p:val>
-                                            <p:strVal val="#ppt_y"/>
-                                          </p:val>
-                                        </p:tav>
-                                      </p:tavLst>
-                                    </p:anim>
-                                  </p:childTnLst>
-                                </p:cTn>
-                              </p:par>
-                              <p:par>
-                                <p:cTn id="27" presetID="2" presetClass="entr" presetSubtype="4" fill="hold" nodeType="withEffect">
-                                  <p:stCondLst>
-                                    <p:cond delay="0"/>
-                                  </p:stCondLst>
-                                  <p:childTnLst>
-                                    <p:set>
-                                      <p:cBhvr>
-                                        <p:cTn id="28" dur="1" fill="hold">
+                                        <p:cTn id="16" dur="1" fill="hold">
                                           <p:stCondLst>
                                             <p:cond delay="0"/>
                                           </p:stCondLst>
@@ -19701,7 +19419,7 @@
                                     </p:set>
                                     <p:anim calcmode="lin" valueType="num">
                                       <p:cBhvr additive="base">
-                                        <p:cTn id="29" dur="500" fill="hold"/>
+                                        <p:cTn id="17" dur="500" fill="hold"/>
                                         <p:tgtEl>
                                           <p:spTgt spid="3">
                                             <p:txEl>
@@ -19728,7 +19446,7 @@
                                     </p:anim>
                                     <p:anim calcmode="lin" valueType="num">
                                       <p:cBhvr additive="base">
-                                        <p:cTn id="30" dur="500" fill="hold"/>
+                                        <p:cTn id="18" dur="500" fill="hold"/>
                                         <p:tgtEl>
                                           <p:spTgt spid="3">
                                             <p:txEl>
@@ -19756,33 +19474,15 @@
                                   </p:childTnLst>
                                 </p:cTn>
                               </p:par>
-                            </p:childTnLst>
-                          </p:cTn>
-                        </p:par>
-                      </p:childTnLst>
-                    </p:cTn>
-                  </p:par>
-                  <p:par>
-                    <p:cTn id="31" fill="hold">
-                      <p:stCondLst>
-                        <p:cond delay="indefinite"/>
-                      </p:stCondLst>
-                      <p:childTnLst>
-                        <p:par>
-                          <p:cTn id="32" fill="hold">
-                            <p:stCondLst>
-                              <p:cond delay="0"/>
-                            </p:stCondLst>
-                            <p:childTnLst>
                               <p:par>
-                                <p:cTn id="33" presetID="2" presetClass="entr" presetSubtype="4" fill="hold" nodeType="clickEffect">
+                                <p:cTn id="19" presetID="2" presetClass="entr" presetSubtype="4" fill="hold" nodeType="withEffect">
                                   <p:stCondLst>
                                     <p:cond delay="0"/>
                                   </p:stCondLst>
                                   <p:childTnLst>
                                     <p:set>
                                       <p:cBhvr>
-                                        <p:cTn id="34" dur="1" fill="hold">
+                                        <p:cTn id="20" dur="1" fill="hold">
                                           <p:stCondLst>
                                             <p:cond delay="0"/>
                                           </p:stCondLst>
@@ -19790,7 +19490,7 @@
                                         <p:tgtEl>
                                           <p:spTgt spid="3">
                                             <p:txEl>
-                                              <p:pRg st="8" end="8"/>
+                                              <p:pRg st="7" end="7"/>
                                             </p:txEl>
                                           </p:spTgt>
                                         </p:tgtEl>
@@ -19804,11 +19504,11 @@
                                     </p:set>
                                     <p:anim calcmode="lin" valueType="num">
                                       <p:cBhvr additive="base">
-                                        <p:cTn id="35" dur="500" fill="hold"/>
+                                        <p:cTn id="21" dur="500" fill="hold"/>
                                         <p:tgtEl>
                                           <p:spTgt spid="3">
                                             <p:txEl>
-                                              <p:pRg st="8" end="8"/>
+                                              <p:pRg st="7" end="7"/>
                                             </p:txEl>
                                           </p:spTgt>
                                         </p:tgtEl>
@@ -19831,181 +19531,11 @@
                                     </p:anim>
                                     <p:anim calcmode="lin" valueType="num">
                                       <p:cBhvr additive="base">
-                                        <p:cTn id="36" dur="500" fill="hold"/>
+                                        <p:cTn id="22" dur="500" fill="hold"/>
                                         <p:tgtEl>
                                           <p:spTgt spid="3">
                                             <p:txEl>
-                                              <p:pRg st="8" end="8"/>
-                                            </p:txEl>
-                                          </p:spTgt>
-                                        </p:tgtEl>
-                                        <p:attrNameLst>
-                                          <p:attrName>ppt_y</p:attrName>
-                                        </p:attrNameLst>
-                                      </p:cBhvr>
-                                      <p:tavLst>
-                                        <p:tav tm="0">
-                                          <p:val>
-                                            <p:strVal val="1+#ppt_h/2"/>
-                                          </p:val>
-                                        </p:tav>
-                                        <p:tav tm="100000">
-                                          <p:val>
-                                            <p:strVal val="#ppt_y"/>
-                                          </p:val>
-                                        </p:tav>
-                                      </p:tavLst>
-                                    </p:anim>
-                                  </p:childTnLst>
-                                </p:cTn>
-                              </p:par>
-                              <p:par>
-                                <p:cTn id="37" presetID="2" presetClass="entr" presetSubtype="4" fill="hold" nodeType="withEffect">
-                                  <p:stCondLst>
-                                    <p:cond delay="0"/>
-                                  </p:stCondLst>
-                                  <p:childTnLst>
-                                    <p:set>
-                                      <p:cBhvr>
-                                        <p:cTn id="38" dur="1" fill="hold">
-                                          <p:stCondLst>
-                                            <p:cond delay="0"/>
-                                          </p:stCondLst>
-                                        </p:cTn>
-                                        <p:tgtEl>
-                                          <p:spTgt spid="3">
-                                            <p:txEl>
-                                              <p:pRg st="9" end="9"/>
-                                            </p:txEl>
-                                          </p:spTgt>
-                                        </p:tgtEl>
-                                        <p:attrNameLst>
-                                          <p:attrName>style.visibility</p:attrName>
-                                        </p:attrNameLst>
-                                      </p:cBhvr>
-                                      <p:to>
-                                        <p:strVal val="visible"/>
-                                      </p:to>
-                                    </p:set>
-                                    <p:anim calcmode="lin" valueType="num">
-                                      <p:cBhvr additive="base">
-                                        <p:cTn id="39" dur="500" fill="hold"/>
-                                        <p:tgtEl>
-                                          <p:spTgt spid="3">
-                                            <p:txEl>
-                                              <p:pRg st="9" end="9"/>
-                                            </p:txEl>
-                                          </p:spTgt>
-                                        </p:tgtEl>
-                                        <p:attrNameLst>
-                                          <p:attrName>ppt_x</p:attrName>
-                                        </p:attrNameLst>
-                                      </p:cBhvr>
-                                      <p:tavLst>
-                                        <p:tav tm="0">
-                                          <p:val>
-                                            <p:strVal val="#ppt_x"/>
-                                          </p:val>
-                                        </p:tav>
-                                        <p:tav tm="100000">
-                                          <p:val>
-                                            <p:strVal val="#ppt_x"/>
-                                          </p:val>
-                                        </p:tav>
-                                      </p:tavLst>
-                                    </p:anim>
-                                    <p:anim calcmode="lin" valueType="num">
-                                      <p:cBhvr additive="base">
-                                        <p:cTn id="40" dur="500" fill="hold"/>
-                                        <p:tgtEl>
-                                          <p:spTgt spid="3">
-                                            <p:txEl>
-                                              <p:pRg st="9" end="9"/>
-                                            </p:txEl>
-                                          </p:spTgt>
-                                        </p:tgtEl>
-                                        <p:attrNameLst>
-                                          <p:attrName>ppt_y</p:attrName>
-                                        </p:attrNameLst>
-                                      </p:cBhvr>
-                                      <p:tavLst>
-                                        <p:tav tm="0">
-                                          <p:val>
-                                            <p:strVal val="1+#ppt_h/2"/>
-                                          </p:val>
-                                        </p:tav>
-                                        <p:tav tm="100000">
-                                          <p:val>
-                                            <p:strVal val="#ppt_y"/>
-                                          </p:val>
-                                        </p:tav>
-                                      </p:tavLst>
-                                    </p:anim>
-                                  </p:childTnLst>
-                                </p:cTn>
-                              </p:par>
-                              <p:par>
-                                <p:cTn id="41" presetID="2" presetClass="entr" presetSubtype="4" fill="hold" nodeType="withEffect">
-                                  <p:stCondLst>
-                                    <p:cond delay="0"/>
-                                  </p:stCondLst>
-                                  <p:childTnLst>
-                                    <p:set>
-                                      <p:cBhvr>
-                                        <p:cTn id="42" dur="1" fill="hold">
-                                          <p:stCondLst>
-                                            <p:cond delay="0"/>
-                                          </p:stCondLst>
-                                        </p:cTn>
-                                        <p:tgtEl>
-                                          <p:spTgt spid="3">
-                                            <p:txEl>
-                                              <p:pRg st="10" end="10"/>
-                                            </p:txEl>
-                                          </p:spTgt>
-                                        </p:tgtEl>
-                                        <p:attrNameLst>
-                                          <p:attrName>style.visibility</p:attrName>
-                                        </p:attrNameLst>
-                                      </p:cBhvr>
-                                      <p:to>
-                                        <p:strVal val="visible"/>
-                                      </p:to>
-                                    </p:set>
-                                    <p:anim calcmode="lin" valueType="num">
-                                      <p:cBhvr additive="base">
-                                        <p:cTn id="43" dur="500" fill="hold"/>
-                                        <p:tgtEl>
-                                          <p:spTgt spid="3">
-                                            <p:txEl>
-                                              <p:pRg st="10" end="10"/>
-                                            </p:txEl>
-                                          </p:spTgt>
-                                        </p:tgtEl>
-                                        <p:attrNameLst>
-                                          <p:attrName>ppt_x</p:attrName>
-                                        </p:attrNameLst>
-                                      </p:cBhvr>
-                                      <p:tavLst>
-                                        <p:tav tm="0">
-                                          <p:val>
-                                            <p:strVal val="#ppt_x"/>
-                                          </p:val>
-                                        </p:tav>
-                                        <p:tav tm="100000">
-                                          <p:val>
-                                            <p:strVal val="#ppt_x"/>
-                                          </p:val>
-                                        </p:tav>
-                                      </p:tavLst>
-                                    </p:anim>
-                                    <p:anim calcmode="lin" valueType="num">
-                                      <p:cBhvr additive="base">
-                                        <p:cTn id="44" dur="500" fill="hold"/>
-                                        <p:tgtEl>
-                                          <p:spTgt spid="3">
-                                            <p:txEl>
-                                              <p:pRg st="10" end="10"/>
+                                              <p:pRg st="7" end="7"/>
                                             </p:txEl>
                                           </p:spTgt>
                                         </p:tgtEl>
@@ -20400,7 +19930,7 @@
                                         <p:tgtEl>
                                           <p:spTgt spid="3">
                                             <p:txEl>
-                                              <p:pRg st="0" end="0"/>
+                                              <p:pRg st="6" end="6"/>
                                             </p:txEl>
                                           </p:spTgt>
                                         </p:tgtEl>
@@ -20418,7 +19948,7 @@
                                         <p:tgtEl>
                                           <p:spTgt spid="3">
                                             <p:txEl>
-                                              <p:pRg st="0" end="0"/>
+                                              <p:pRg st="6" end="6"/>
                                             </p:txEl>
                                           </p:spTgt>
                                         </p:tgtEl>
@@ -20445,7 +19975,7 @@
                                         <p:tgtEl>
                                           <p:spTgt spid="3">
                                             <p:txEl>
-                                              <p:pRg st="0" end="0"/>
+                                              <p:pRg st="6" end="6"/>
                                             </p:txEl>
                                           </p:spTgt>
                                         </p:tgtEl>
@@ -20485,7 +20015,7 @@
                                         <p:tgtEl>
                                           <p:spTgt spid="3">
                                             <p:txEl>
-                                              <p:pRg st="1" end="1"/>
+                                              <p:pRg st="7" end="7"/>
                                             </p:txEl>
                                           </p:spTgt>
                                         </p:tgtEl>
@@ -20503,7 +20033,7 @@
                                         <p:tgtEl>
                                           <p:spTgt spid="3">
                                             <p:txEl>
-                                              <p:pRg st="1" end="1"/>
+                                              <p:pRg st="7" end="7"/>
                                             </p:txEl>
                                           </p:spTgt>
                                         </p:tgtEl>
@@ -20530,7 +20060,7 @@
                                         <p:tgtEl>
                                           <p:spTgt spid="3">
                                             <p:txEl>
-                                              <p:pRg st="1" end="1"/>
+                                              <p:pRg st="7" end="7"/>
                                             </p:txEl>
                                           </p:spTgt>
                                         </p:tgtEl>
@@ -20570,7 +20100,7 @@
                                         <p:tgtEl>
                                           <p:spTgt spid="3">
                                             <p:txEl>
-                                              <p:pRg st="2" end="2"/>
+                                              <p:pRg st="8" end="8"/>
                                             </p:txEl>
                                           </p:spTgt>
                                         </p:tgtEl>
@@ -20585,449 +20115,6 @@
                                     <p:anim calcmode="lin" valueType="num">
                                       <p:cBhvr additive="base">
                                         <p:cTn id="15" dur="500" fill="hold"/>
-                                        <p:tgtEl>
-                                          <p:spTgt spid="3">
-                                            <p:txEl>
-                                              <p:pRg st="2" end="2"/>
-                                            </p:txEl>
-                                          </p:spTgt>
-                                        </p:tgtEl>
-                                        <p:attrNameLst>
-                                          <p:attrName>ppt_x</p:attrName>
-                                        </p:attrNameLst>
-                                      </p:cBhvr>
-                                      <p:tavLst>
-                                        <p:tav tm="0">
-                                          <p:val>
-                                            <p:strVal val="#ppt_x"/>
-                                          </p:val>
-                                        </p:tav>
-                                        <p:tav tm="100000">
-                                          <p:val>
-                                            <p:strVal val="#ppt_x"/>
-                                          </p:val>
-                                        </p:tav>
-                                      </p:tavLst>
-                                    </p:anim>
-                                    <p:anim calcmode="lin" valueType="num">
-                                      <p:cBhvr additive="base">
-                                        <p:cTn id="16" dur="500" fill="hold"/>
-                                        <p:tgtEl>
-                                          <p:spTgt spid="3">
-                                            <p:txEl>
-                                              <p:pRg st="2" end="2"/>
-                                            </p:txEl>
-                                          </p:spTgt>
-                                        </p:tgtEl>
-                                        <p:attrNameLst>
-                                          <p:attrName>ppt_y</p:attrName>
-                                        </p:attrNameLst>
-                                      </p:cBhvr>
-                                      <p:tavLst>
-                                        <p:tav tm="0">
-                                          <p:val>
-                                            <p:strVal val="1+#ppt_h/2"/>
-                                          </p:val>
-                                        </p:tav>
-                                        <p:tav tm="100000">
-                                          <p:val>
-                                            <p:strVal val="#ppt_y"/>
-                                          </p:val>
-                                        </p:tav>
-                                      </p:tavLst>
-                                    </p:anim>
-                                  </p:childTnLst>
-                                </p:cTn>
-                              </p:par>
-                              <p:par>
-                                <p:cTn id="17" presetID="2" presetClass="entr" presetSubtype="4" fill="hold" nodeType="withEffect">
-                                  <p:stCondLst>
-                                    <p:cond delay="0"/>
-                                  </p:stCondLst>
-                                  <p:childTnLst>
-                                    <p:set>
-                                      <p:cBhvr>
-                                        <p:cTn id="18" dur="1" fill="hold">
-                                          <p:stCondLst>
-                                            <p:cond delay="0"/>
-                                          </p:stCondLst>
-                                        </p:cTn>
-                                        <p:tgtEl>
-                                          <p:spTgt spid="3">
-                                            <p:txEl>
-                                              <p:pRg st="3" end="3"/>
-                                            </p:txEl>
-                                          </p:spTgt>
-                                        </p:tgtEl>
-                                        <p:attrNameLst>
-                                          <p:attrName>style.visibility</p:attrName>
-                                        </p:attrNameLst>
-                                      </p:cBhvr>
-                                      <p:to>
-                                        <p:strVal val="visible"/>
-                                      </p:to>
-                                    </p:set>
-                                    <p:anim calcmode="lin" valueType="num">
-                                      <p:cBhvr additive="base">
-                                        <p:cTn id="19" dur="500" fill="hold"/>
-                                        <p:tgtEl>
-                                          <p:spTgt spid="3">
-                                            <p:txEl>
-                                              <p:pRg st="3" end="3"/>
-                                            </p:txEl>
-                                          </p:spTgt>
-                                        </p:tgtEl>
-                                        <p:attrNameLst>
-                                          <p:attrName>ppt_x</p:attrName>
-                                        </p:attrNameLst>
-                                      </p:cBhvr>
-                                      <p:tavLst>
-                                        <p:tav tm="0">
-                                          <p:val>
-                                            <p:strVal val="#ppt_x"/>
-                                          </p:val>
-                                        </p:tav>
-                                        <p:tav tm="100000">
-                                          <p:val>
-                                            <p:strVal val="#ppt_x"/>
-                                          </p:val>
-                                        </p:tav>
-                                      </p:tavLst>
-                                    </p:anim>
-                                    <p:anim calcmode="lin" valueType="num">
-                                      <p:cBhvr additive="base">
-                                        <p:cTn id="20" dur="500" fill="hold"/>
-                                        <p:tgtEl>
-                                          <p:spTgt spid="3">
-                                            <p:txEl>
-                                              <p:pRg st="3" end="3"/>
-                                            </p:txEl>
-                                          </p:spTgt>
-                                        </p:tgtEl>
-                                        <p:attrNameLst>
-                                          <p:attrName>ppt_y</p:attrName>
-                                        </p:attrNameLst>
-                                      </p:cBhvr>
-                                      <p:tavLst>
-                                        <p:tav tm="0">
-                                          <p:val>
-                                            <p:strVal val="1+#ppt_h/2"/>
-                                          </p:val>
-                                        </p:tav>
-                                        <p:tav tm="100000">
-                                          <p:val>
-                                            <p:strVal val="#ppt_y"/>
-                                          </p:val>
-                                        </p:tav>
-                                      </p:tavLst>
-                                    </p:anim>
-                                  </p:childTnLst>
-                                </p:cTn>
-                              </p:par>
-                              <p:par>
-                                <p:cTn id="21" presetID="2" presetClass="entr" presetSubtype="4" fill="hold" nodeType="withEffect">
-                                  <p:stCondLst>
-                                    <p:cond delay="0"/>
-                                  </p:stCondLst>
-                                  <p:childTnLst>
-                                    <p:set>
-                                      <p:cBhvr>
-                                        <p:cTn id="22" dur="1" fill="hold">
-                                          <p:stCondLst>
-                                            <p:cond delay="0"/>
-                                          </p:stCondLst>
-                                        </p:cTn>
-                                        <p:tgtEl>
-                                          <p:spTgt spid="3">
-                                            <p:txEl>
-                                              <p:pRg st="4" end="4"/>
-                                            </p:txEl>
-                                          </p:spTgt>
-                                        </p:tgtEl>
-                                        <p:attrNameLst>
-                                          <p:attrName>style.visibility</p:attrName>
-                                        </p:attrNameLst>
-                                      </p:cBhvr>
-                                      <p:to>
-                                        <p:strVal val="visible"/>
-                                      </p:to>
-                                    </p:set>
-                                    <p:anim calcmode="lin" valueType="num">
-                                      <p:cBhvr additive="base">
-                                        <p:cTn id="23" dur="500" fill="hold"/>
-                                        <p:tgtEl>
-                                          <p:spTgt spid="3">
-                                            <p:txEl>
-                                              <p:pRg st="4" end="4"/>
-                                            </p:txEl>
-                                          </p:spTgt>
-                                        </p:tgtEl>
-                                        <p:attrNameLst>
-                                          <p:attrName>ppt_x</p:attrName>
-                                        </p:attrNameLst>
-                                      </p:cBhvr>
-                                      <p:tavLst>
-                                        <p:tav tm="0">
-                                          <p:val>
-                                            <p:strVal val="#ppt_x"/>
-                                          </p:val>
-                                        </p:tav>
-                                        <p:tav tm="100000">
-                                          <p:val>
-                                            <p:strVal val="#ppt_x"/>
-                                          </p:val>
-                                        </p:tav>
-                                      </p:tavLst>
-                                    </p:anim>
-                                    <p:anim calcmode="lin" valueType="num">
-                                      <p:cBhvr additive="base">
-                                        <p:cTn id="24" dur="500" fill="hold"/>
-                                        <p:tgtEl>
-                                          <p:spTgt spid="3">
-                                            <p:txEl>
-                                              <p:pRg st="4" end="4"/>
-                                            </p:txEl>
-                                          </p:spTgt>
-                                        </p:tgtEl>
-                                        <p:attrNameLst>
-                                          <p:attrName>ppt_y</p:attrName>
-                                        </p:attrNameLst>
-                                      </p:cBhvr>
-                                      <p:tavLst>
-                                        <p:tav tm="0">
-                                          <p:val>
-                                            <p:strVal val="1+#ppt_h/2"/>
-                                          </p:val>
-                                        </p:tav>
-                                        <p:tav tm="100000">
-                                          <p:val>
-                                            <p:strVal val="#ppt_y"/>
-                                          </p:val>
-                                        </p:tav>
-                                      </p:tavLst>
-                                    </p:anim>
-                                  </p:childTnLst>
-                                </p:cTn>
-                              </p:par>
-                            </p:childTnLst>
-                          </p:cTn>
-                        </p:par>
-                      </p:childTnLst>
-                    </p:cTn>
-                  </p:par>
-                  <p:par>
-                    <p:cTn id="25" fill="hold">
-                      <p:stCondLst>
-                        <p:cond delay="indefinite"/>
-                      </p:stCondLst>
-                      <p:childTnLst>
-                        <p:par>
-                          <p:cTn id="26" fill="hold">
-                            <p:stCondLst>
-                              <p:cond delay="0"/>
-                            </p:stCondLst>
-                            <p:childTnLst>
-                              <p:par>
-                                <p:cTn id="27" presetID="2" presetClass="entr" presetSubtype="4" fill="hold" nodeType="clickEffect">
-                                  <p:stCondLst>
-                                    <p:cond delay="0"/>
-                                  </p:stCondLst>
-                                  <p:childTnLst>
-                                    <p:set>
-                                      <p:cBhvr>
-                                        <p:cTn id="28" dur="1" fill="hold">
-                                          <p:stCondLst>
-                                            <p:cond delay="0"/>
-                                          </p:stCondLst>
-                                        </p:cTn>
-                                        <p:tgtEl>
-                                          <p:spTgt spid="3">
-                                            <p:txEl>
-                                              <p:pRg st="6" end="6"/>
-                                            </p:txEl>
-                                          </p:spTgt>
-                                        </p:tgtEl>
-                                        <p:attrNameLst>
-                                          <p:attrName>style.visibility</p:attrName>
-                                        </p:attrNameLst>
-                                      </p:cBhvr>
-                                      <p:to>
-                                        <p:strVal val="visible"/>
-                                      </p:to>
-                                    </p:set>
-                                    <p:anim calcmode="lin" valueType="num">
-                                      <p:cBhvr additive="base">
-                                        <p:cTn id="29" dur="500" fill="hold"/>
-                                        <p:tgtEl>
-                                          <p:spTgt spid="3">
-                                            <p:txEl>
-                                              <p:pRg st="6" end="6"/>
-                                            </p:txEl>
-                                          </p:spTgt>
-                                        </p:tgtEl>
-                                        <p:attrNameLst>
-                                          <p:attrName>ppt_x</p:attrName>
-                                        </p:attrNameLst>
-                                      </p:cBhvr>
-                                      <p:tavLst>
-                                        <p:tav tm="0">
-                                          <p:val>
-                                            <p:strVal val="#ppt_x"/>
-                                          </p:val>
-                                        </p:tav>
-                                        <p:tav tm="100000">
-                                          <p:val>
-                                            <p:strVal val="#ppt_x"/>
-                                          </p:val>
-                                        </p:tav>
-                                      </p:tavLst>
-                                    </p:anim>
-                                    <p:anim calcmode="lin" valueType="num">
-                                      <p:cBhvr additive="base">
-                                        <p:cTn id="30" dur="500" fill="hold"/>
-                                        <p:tgtEl>
-                                          <p:spTgt spid="3">
-                                            <p:txEl>
-                                              <p:pRg st="6" end="6"/>
-                                            </p:txEl>
-                                          </p:spTgt>
-                                        </p:tgtEl>
-                                        <p:attrNameLst>
-                                          <p:attrName>ppt_y</p:attrName>
-                                        </p:attrNameLst>
-                                      </p:cBhvr>
-                                      <p:tavLst>
-                                        <p:tav tm="0">
-                                          <p:val>
-                                            <p:strVal val="1+#ppt_h/2"/>
-                                          </p:val>
-                                        </p:tav>
-                                        <p:tav tm="100000">
-                                          <p:val>
-                                            <p:strVal val="#ppt_y"/>
-                                          </p:val>
-                                        </p:tav>
-                                      </p:tavLst>
-                                    </p:anim>
-                                  </p:childTnLst>
-                                </p:cTn>
-                              </p:par>
-                              <p:par>
-                                <p:cTn id="31" presetID="2" presetClass="entr" presetSubtype="4" fill="hold" nodeType="withEffect">
-                                  <p:stCondLst>
-                                    <p:cond delay="0"/>
-                                  </p:stCondLst>
-                                  <p:childTnLst>
-                                    <p:set>
-                                      <p:cBhvr>
-                                        <p:cTn id="32" dur="1" fill="hold">
-                                          <p:stCondLst>
-                                            <p:cond delay="0"/>
-                                          </p:stCondLst>
-                                        </p:cTn>
-                                        <p:tgtEl>
-                                          <p:spTgt spid="3">
-                                            <p:txEl>
-                                              <p:pRg st="7" end="7"/>
-                                            </p:txEl>
-                                          </p:spTgt>
-                                        </p:tgtEl>
-                                        <p:attrNameLst>
-                                          <p:attrName>style.visibility</p:attrName>
-                                        </p:attrNameLst>
-                                      </p:cBhvr>
-                                      <p:to>
-                                        <p:strVal val="visible"/>
-                                      </p:to>
-                                    </p:set>
-                                    <p:anim calcmode="lin" valueType="num">
-                                      <p:cBhvr additive="base">
-                                        <p:cTn id="33" dur="500" fill="hold"/>
-                                        <p:tgtEl>
-                                          <p:spTgt spid="3">
-                                            <p:txEl>
-                                              <p:pRg st="7" end="7"/>
-                                            </p:txEl>
-                                          </p:spTgt>
-                                        </p:tgtEl>
-                                        <p:attrNameLst>
-                                          <p:attrName>ppt_x</p:attrName>
-                                        </p:attrNameLst>
-                                      </p:cBhvr>
-                                      <p:tavLst>
-                                        <p:tav tm="0">
-                                          <p:val>
-                                            <p:strVal val="#ppt_x"/>
-                                          </p:val>
-                                        </p:tav>
-                                        <p:tav tm="100000">
-                                          <p:val>
-                                            <p:strVal val="#ppt_x"/>
-                                          </p:val>
-                                        </p:tav>
-                                      </p:tavLst>
-                                    </p:anim>
-                                    <p:anim calcmode="lin" valueType="num">
-                                      <p:cBhvr additive="base">
-                                        <p:cTn id="34" dur="500" fill="hold"/>
-                                        <p:tgtEl>
-                                          <p:spTgt spid="3">
-                                            <p:txEl>
-                                              <p:pRg st="7" end="7"/>
-                                            </p:txEl>
-                                          </p:spTgt>
-                                        </p:tgtEl>
-                                        <p:attrNameLst>
-                                          <p:attrName>ppt_y</p:attrName>
-                                        </p:attrNameLst>
-                                      </p:cBhvr>
-                                      <p:tavLst>
-                                        <p:tav tm="0">
-                                          <p:val>
-                                            <p:strVal val="1+#ppt_h/2"/>
-                                          </p:val>
-                                        </p:tav>
-                                        <p:tav tm="100000">
-                                          <p:val>
-                                            <p:strVal val="#ppt_y"/>
-                                          </p:val>
-                                        </p:tav>
-                                      </p:tavLst>
-                                    </p:anim>
-                                  </p:childTnLst>
-                                </p:cTn>
-                              </p:par>
-                              <p:par>
-                                <p:cTn id="35" presetID="2" presetClass="entr" presetSubtype="4" fill="hold" nodeType="withEffect">
-                                  <p:stCondLst>
-                                    <p:cond delay="0"/>
-                                  </p:stCondLst>
-                                  <p:childTnLst>
-                                    <p:set>
-                                      <p:cBhvr>
-                                        <p:cTn id="36" dur="1" fill="hold">
-                                          <p:stCondLst>
-                                            <p:cond delay="0"/>
-                                          </p:stCondLst>
-                                        </p:cTn>
-                                        <p:tgtEl>
-                                          <p:spTgt spid="3">
-                                            <p:txEl>
-                                              <p:pRg st="8" end="8"/>
-                                            </p:txEl>
-                                          </p:spTgt>
-                                        </p:tgtEl>
-                                        <p:attrNameLst>
-                                          <p:attrName>style.visibility</p:attrName>
-                                        </p:attrNameLst>
-                                      </p:cBhvr>
-                                      <p:to>
-                                        <p:strVal val="visible"/>
-                                      </p:to>
-                                    </p:set>
-                                    <p:anim calcmode="lin" valueType="num">
-                                      <p:cBhvr additive="base">
-                                        <p:cTn id="37" dur="500" fill="hold"/>
                                         <p:tgtEl>
                                           <p:spTgt spid="3">
                                             <p:txEl>
@@ -21054,7 +20141,7 @@
                                     </p:anim>
                                     <p:anim calcmode="lin" valueType="num">
                                       <p:cBhvr additive="base">
-                                        <p:cTn id="38" dur="500" fill="hold"/>
+                                        <p:cTn id="16" dur="500" fill="hold"/>
                                         <p:tgtEl>
                                           <p:spTgt spid="3">
                                             <p:txEl>
@@ -21335,7 +20422,7 @@
     </p:spTree>
     <p:extLst>
       <p:ext uri="{BB962C8B-B14F-4D97-AF65-F5344CB8AC3E}">
-        <p14:creationId xmlns:p14="http://schemas.microsoft.com/office/powerpoint/2010/main" val="370006920"/>
+        <p14:creationId xmlns:p14="http://schemas.microsoft.com/office/powerpoint/2010/main" val="1196243364"/>
       </p:ext>
     </p:extLst>
   </p:cSld>
@@ -21424,8 +20511,8 @@
         </p:nvSpPr>
         <p:spPr>
           <a:xfrm>
-            <a:off x="558801" y="1329179"/>
-            <a:ext cx="11214100" cy="5335572"/>
+            <a:off x="399068" y="1329179"/>
+            <a:ext cx="11792932" cy="5335572"/>
           </a:xfrm>
         </p:spPr>
         <p:txBody>
@@ -21443,7 +20530,7 @@
                   <a:srgbClr val="451717"/>
                 </a:solidFill>
               </a:rPr>
-              <a:t>[1] IBM, </a:t>
+              <a:t>[1] </a:t>
             </a:r>
             <a:r>
               <a:rPr lang="en-IN" sz="11200" b="1" dirty="0" smtClean="0">
@@ -21475,16 +20562,108 @@
                   <a:srgbClr val="451717"/>
                 </a:solidFill>
               </a:rPr>
+              <a:t>, IBM, [Available </a:t>
+            </a:r>
+            <a:r>
+              <a:rPr lang="en-IN" sz="11200" dirty="0">
+                <a:solidFill>
+                  <a:srgbClr val="451717"/>
+                </a:solidFill>
+              </a:rPr>
+              <a:t>at: </a:t>
+            </a:r>
+            <a:r>
+              <a:rPr lang="en-IN" sz="11200" dirty="0">
+                <a:solidFill>
+                  <a:srgbClr val="0000FF"/>
+                </a:solidFill>
+              </a:rPr>
+              <a:t>https://www.ibm.com/think/topics/computer-vision</a:t>
+            </a:r>
+            <a:r>
+              <a:rPr lang="en-IN" sz="11200" dirty="0" smtClean="0">
+                <a:solidFill>
+                  <a:srgbClr val="451717"/>
+                </a:solidFill>
+              </a:rPr>
+              <a:t>], [</a:t>
+            </a:r>
+            <a:r>
+              <a:rPr lang="en-IN" sz="11200" dirty="0">
+                <a:solidFill>
+                  <a:srgbClr val="451717"/>
+                </a:solidFill>
+              </a:rPr>
+              <a:t>Accessed: </a:t>
+            </a:r>
+            <a:r>
+              <a:rPr lang="en-IN" sz="11200" dirty="0" smtClean="0">
+                <a:solidFill>
+                  <a:srgbClr val="451717"/>
+                </a:solidFill>
+              </a:rPr>
+              <a:t>Feb. 12, 2025].</a:t>
+            </a:r>
+          </a:p>
+          <a:p>
+            <a:pPr marL="0" indent="0">
+              <a:buNone/>
+            </a:pPr>
+            <a:r>
+              <a:rPr lang="en-IN" sz="11200" dirty="0" smtClean="0">
+                <a:solidFill>
+                  <a:srgbClr val="451717"/>
+                </a:solidFill>
+              </a:rPr>
+              <a:t>[2] </a:t>
+            </a:r>
+            <a:r>
+              <a:rPr lang="en-IN" sz="11200" dirty="0" err="1">
+                <a:solidFill>
+                  <a:srgbClr val="451717"/>
+                </a:solidFill>
+              </a:rPr>
+              <a:t>Hmrishav</a:t>
+            </a:r>
+            <a:r>
+              <a:rPr lang="en-IN" sz="11200" dirty="0">
+                <a:solidFill>
+                  <a:srgbClr val="451717"/>
+                </a:solidFill>
+              </a:rPr>
+              <a:t> </a:t>
+            </a:r>
+            <a:r>
+              <a:rPr lang="en-IN" sz="11200" dirty="0" err="1" smtClean="0">
+                <a:solidFill>
+                  <a:srgbClr val="451717"/>
+                </a:solidFill>
+              </a:rPr>
+              <a:t>Bandyopadhyay</a:t>
+            </a:r>
+            <a:r>
+              <a:rPr lang="en-IN" sz="11200" dirty="0" smtClean="0">
+                <a:solidFill>
+                  <a:srgbClr val="451717"/>
+                </a:solidFill>
+              </a:rPr>
               <a:t>, </a:t>
             </a:r>
             <a:r>
+              <a:rPr lang="en-IN" sz="11200" b="1" dirty="0" smtClean="0">
+                <a:solidFill>
+                  <a:srgbClr val="451717"/>
+                </a:solidFill>
+              </a:rPr>
+              <a:t>Human Vision Vs Computer Vision Image</a:t>
+            </a:r>
+            <a:r>
               <a:rPr lang="en-IN" sz="11200" dirty="0" smtClean="0">
                 <a:solidFill>
                   <a:srgbClr val="451717"/>
                 </a:solidFill>
-                <a:hlinkClick r:id="rId2"/>
-              </a:rPr>
-              <a:t>URL</a:t>
+              </a:rPr>
+              <a:t>, V7labs</a:t>
             </a:r>
             <a:r>
               <a:rPr lang="en-IN" sz="11200" dirty="0">
@@ -21492,15 +20671,31 @@
                   <a:srgbClr val="451717"/>
                 </a:solidFill>
               </a:rPr>
-              <a:t> </a:t>
+              <a:t>, [Available at: </a:t>
+            </a:r>
+            <a:r>
+              <a:rPr lang="en-IN" sz="11200" dirty="0">
+                <a:solidFill>
+                  <a:srgbClr val="0000FF"/>
+                </a:solidFill>
+              </a:rPr>
+              <a:t>https://</a:t>
             </a:r>
             <a:r>
               <a:rPr lang="en-IN" sz="11200" dirty="0" smtClean="0">
                 <a:solidFill>
+                  <a:srgbClr val="0000FF"/>
+                </a:solidFill>
+              </a:rPr>
+              <a:t>www.v7labs.com/blog/what-is-computer-vision</a:t>
+            </a:r>
+            <a:r>
+              <a:rPr lang="en-IN" sz="11200" dirty="0" smtClean="0">
+                <a:solidFill>
                   <a:srgbClr val="451717"/>
                 </a:solidFill>
               </a:rPr>
-              <a:t>, [</a:t>
+              <a:t>], </a:t>
             </a:r>
             <a:r>
               <a:rPr lang="en-IN" sz="11200" dirty="0">
@@ -21508,7 +20703,7 @@
                   <a:srgbClr val="451717"/>
                 </a:solidFill>
               </a:rPr>
-              <a:t>Accessed: </a:t>
+              <a:t>[Accessed: Feb. </a:t>
             </a:r>
             <a:r>
               <a:rPr lang="en-IN" sz="11200" dirty="0" smtClean="0">
@@ -21516,7 +20711,23 @@
                   <a:srgbClr val="451717"/>
                 </a:solidFill>
               </a:rPr>
-              <a:t>Feb. 2, 2025].</a:t>
+              <a:t>12</a:t>
+            </a:r>
+            <a:r>
+              <a:rPr lang="en-IN" sz="11200" dirty="0">
+                <a:solidFill>
+                  <a:srgbClr val="451717"/>
+                </a:solidFill>
+              </a:rPr>
+              <a:t>, 2025</a:t>
+            </a:r>
+            <a:r>
+              <a:rPr lang="en-IN" sz="11200" dirty="0" smtClean="0">
+                <a:solidFill>
+                  <a:srgbClr val="451717"/>
+                </a:solidFill>
+              </a:rPr>
+              <a:t>].</a:t>
             </a:r>
           </a:p>
           <a:p>
@@ -21529,34 +20740,71 @@
                   <a:srgbClr val="451717"/>
                 </a:solidFill>
               </a:rPr>
-              <a:t>[2] </a:t>
-            </a:r>
-            <a:r>
-              <a:rPr lang="en-IN" sz="11200" dirty="0" err="1">
+              <a:t>[3] ARYAN-PURI, </a:t>
+            </a:r>
+            <a:r>
+              <a:rPr lang="en-IN" sz="11200" b="1" dirty="0" smtClean="0">
                 <a:solidFill>
                   <a:srgbClr val="451717"/>
                 </a:solidFill>
-                <a:hlinkClick r:id="rId3"/>
-              </a:rPr>
-              <a:t>Hmrishav</a:t>
+              </a:rPr>
+              <a:t>OpenCV-Learning</a:t>
+            </a:r>
+            <a:r>
+              <a:rPr lang="en-IN" sz="11200" dirty="0" smtClean="0">
+                <a:solidFill>
+                  <a:srgbClr val="451717"/>
+                </a:solidFill>
+              </a:rPr>
+              <a:t>, GitHub, </a:t>
             </a:r>
             <a:r>
               <a:rPr lang="en-IN" sz="11200" dirty="0">
                 <a:solidFill>
                   <a:srgbClr val="451717"/>
                 </a:solidFill>
-                <a:hlinkClick r:id="rId3"/>
-              </a:rPr>
-              <a:t> </a:t>
-            </a:r>
-            <a:r>
-              <a:rPr lang="en-IN" sz="11200" dirty="0" err="1" smtClean="0">
+              </a:rPr>
+              <a:t>[Available at: </a:t>
+            </a:r>
+            <a:r>
+              <a:rPr lang="en-IN" sz="11200" dirty="0" smtClean="0">
+                <a:solidFill>
+                  <a:srgbClr val="0000FF"/>
+                </a:solidFill>
+              </a:rPr>
+              <a:t>https</a:t>
+            </a:r>
+            <a:r>
+              <a:rPr lang="en-IN" sz="11200" dirty="0">
+                <a:solidFill>
+                  <a:srgbClr val="0000FF"/>
+                </a:solidFill>
+              </a:rPr>
+              <a:t>://</a:t>
+            </a:r>
+            <a:r>
+              <a:rPr lang="en-IN" sz="11200" dirty="0" smtClean="0">
+                <a:solidFill>
+                  <a:srgbClr val="0000FF"/>
+                </a:solidFill>
+              </a:rPr>
+              <a:t>github.com/ARYAN-PURI/OpenCV-Learning/blob/main/8.py</a:t>
+            </a:r>
+            <a:r>
+              <a:rPr lang="en-IN" sz="11200" dirty="0" smtClean="0">
                 <a:solidFill>
                   <a:srgbClr val="451717"/>
                 </a:solidFill>
-                <a:hlinkClick r:id="rId3"/>
-              </a:rPr>
-              <a:t>Bandyopadhyay</a:t>
+              </a:rPr>
+              <a:t>], </a:t>
+            </a:r>
+            <a:r>
+              <a:rPr lang="en-IN" sz="11200" dirty="0">
+                <a:solidFill>
+                  <a:srgbClr val="451717"/>
+                </a:solidFill>
+              </a:rPr>
+              <a:t>[Accessed: Feb. </a:t>
             </a:r>
             <a:r>
               <a:rPr lang="en-IN" sz="11200" dirty="0" smtClean="0">
@@ -21564,7 +20812,36 @@
                   <a:srgbClr val="451717"/>
                 </a:solidFill>
               </a:rPr>
-              <a:t>, </a:t>
+              <a:t>12</a:t>
+            </a:r>
+            <a:r>
+              <a:rPr lang="en-IN" sz="11200" dirty="0">
+                <a:solidFill>
+                  <a:srgbClr val="451717"/>
+                </a:solidFill>
+              </a:rPr>
+              <a:t>, 2025</a:t>
+            </a:r>
+            <a:r>
+              <a:rPr lang="en-IN" sz="11200" dirty="0" smtClean="0">
+                <a:solidFill>
+                  <a:srgbClr val="451717"/>
+                </a:solidFill>
+              </a:rPr>
+              <a:t>].</a:t>
+            </a:r>
+          </a:p>
+          <a:p>
+            <a:pPr marL="0" indent="0">
+              <a:buNone/>
+            </a:pPr>
+            <a:r>
+              <a:rPr lang="en-IN" sz="11200" dirty="0" smtClean="0">
+                <a:solidFill>
+                  <a:srgbClr val="451717"/>
+                </a:solidFill>
+              </a:rPr>
+              <a:t>[4] </a:t>
             </a:r>
             <a:r>
               <a:rPr lang="en-IN" sz="11200" b="1" dirty="0" smtClean="0">
@@ -21572,7 +20849,7 @@
                   <a:srgbClr val="451717"/>
                 </a:solidFill>
               </a:rPr>
-              <a:t>Human Vision Vs Computer Vision Image</a:t>
+              <a:t>top-11-computer-vision-applications-in-healthcare Image</a:t>
             </a:r>
             <a:r>
               <a:rPr lang="en-IN" sz="11200" dirty="0" smtClean="0">
@@ -21580,16 +20857,47 @@
                   <a:srgbClr val="451717"/>
                 </a:solidFill>
               </a:rPr>
-              <a:t>, V7labs, </a:t>
+              <a:t>, Plugger.AI</a:t>
+            </a:r>
+            <a:r>
+              <a:rPr lang="en-IN" sz="11200" dirty="0">
+                <a:solidFill>
+                  <a:srgbClr val="451717"/>
+                </a:solidFill>
+              </a:rPr>
+              <a:t>, [Available at: </a:t>
+            </a:r>
+            <a:r>
+              <a:rPr lang="en-IN" sz="11200" dirty="0">
+                <a:solidFill>
+                  <a:srgbClr val="0000FF"/>
+                </a:solidFill>
+              </a:rPr>
+              <a:t>https://</a:t>
             </a:r>
             <a:r>
               <a:rPr lang="en-IN" sz="11200" dirty="0" smtClean="0">
                 <a:solidFill>
+                  <a:srgbClr val="0000FF"/>
+                </a:solidFill>
+              </a:rPr>
+              <a:t>www.plugger.ai/blog/top-11-computer-vision-applications-in-healthcare</a:t>
+            </a:r>
+            <a:r>
+              <a:rPr lang="en-IN" sz="11200" dirty="0" smtClean="0">
+                <a:solidFill>
                   <a:srgbClr val="451717"/>
                 </a:solidFill>
-                <a:hlinkClick r:id="rId4"/>
-              </a:rPr>
-              <a:t>URL</a:t>
+              </a:rPr>
+              <a:t>], </a:t>
+            </a:r>
+            <a:r>
+              <a:rPr lang="en-IN" sz="11200" dirty="0">
+                <a:solidFill>
+                  <a:srgbClr val="451717"/>
+                </a:solidFill>
+              </a:rPr>
+              <a:t>[Accessed: Feb. </a:t>
             </a:r>
             <a:r>
               <a:rPr lang="en-IN" sz="11200" dirty="0" smtClean="0">
@@ -21597,7 +20905,7 @@
                   <a:srgbClr val="451717"/>
                 </a:solidFill>
               </a:rPr>
-              <a:t>, </a:t>
+              <a:t>13, </a:t>
             </a:r>
             <a:r>
               <a:rPr lang="en-IN" sz="11200" dirty="0">
@@ -21605,7 +20913,7 @@
                   <a:srgbClr val="451717"/>
                 </a:solidFill>
               </a:rPr>
-              <a:t>[Accessed: Feb. 2, 2025</a:t>
+              <a:t>2025</a:t>
             </a:r>
             <a:r>
               <a:rPr lang="en-IN" sz="11200" dirty="0" smtClean="0">
@@ -21615,343 +20923,6 @@
               </a:rPr>
               <a:t>].</a:t>
             </a:r>
-          </a:p>
-          <a:p>
-            <a:pPr marL="0" indent="0">
-              <a:buNone/>
-            </a:pPr>
-            <a:r>
-              <a:rPr lang="en-IN" sz="11200" dirty="0" smtClean="0">
-                <a:solidFill>
-                  <a:srgbClr val="451717"/>
-                </a:solidFill>
-              </a:rPr>
-              <a:t>[3] ARYAN-PURI, </a:t>
-            </a:r>
-            <a:r>
-              <a:rPr lang="en-IN" sz="11200" b="1" dirty="0" smtClean="0">
-                <a:solidFill>
-                  <a:srgbClr val="451717"/>
-                </a:solidFill>
-              </a:rPr>
-              <a:t>OpenCV-Learning</a:t>
-            </a:r>
-            <a:r>
-              <a:rPr lang="en-IN" sz="11200" dirty="0" smtClean="0">
-                <a:solidFill>
-                  <a:srgbClr val="451717"/>
-                </a:solidFill>
-              </a:rPr>
-              <a:t>, GitHub, </a:t>
-            </a:r>
-            <a:r>
-              <a:rPr lang="en-IN" sz="11200" dirty="0" smtClean="0">
-                <a:solidFill>
-                  <a:srgbClr val="451717"/>
-                </a:solidFill>
-                <a:hlinkClick r:id="rId5"/>
-              </a:rPr>
-              <a:t>URL</a:t>
-            </a:r>
-            <a:r>
-              <a:rPr lang="en-IN" sz="11200" dirty="0" smtClean="0">
-                <a:solidFill>
-                  <a:srgbClr val="451717"/>
-                </a:solidFill>
-              </a:rPr>
-              <a:t>, </a:t>
-            </a:r>
-            <a:r>
-              <a:rPr lang="en-IN" sz="11200" dirty="0">
-                <a:solidFill>
-                  <a:srgbClr val="451717"/>
-                </a:solidFill>
-              </a:rPr>
-              <a:t>[Accessed: Feb. 2, 2025</a:t>
-            </a:r>
-            <a:r>
-              <a:rPr lang="en-IN" sz="11200" dirty="0" smtClean="0">
-                <a:solidFill>
-                  <a:srgbClr val="451717"/>
-                </a:solidFill>
-              </a:rPr>
-              <a:t>].</a:t>
-            </a:r>
-          </a:p>
-          <a:p>
-            <a:pPr marL="0" indent="0">
-              <a:buNone/>
-            </a:pPr>
-            <a:r>
-              <a:rPr lang="en-IN" sz="11200" dirty="0" smtClean="0">
-                <a:solidFill>
-                  <a:srgbClr val="451717"/>
-                </a:solidFill>
-              </a:rPr>
-              <a:t>[4] Plugger.AI</a:t>
-            </a:r>
-            <a:r>
-              <a:rPr lang="en-IN" sz="11200" dirty="0">
-                <a:solidFill>
-                  <a:srgbClr val="451717"/>
-                </a:solidFill>
-              </a:rPr>
-              <a:t>, </a:t>
-            </a:r>
-            <a:r>
-              <a:rPr lang="en-IN" sz="11200" b="1" dirty="0" smtClean="0">
-                <a:solidFill>
-                  <a:srgbClr val="451717"/>
-                </a:solidFill>
-              </a:rPr>
-              <a:t>top-11-computer-vision-applications-in-healthcare Image</a:t>
-            </a:r>
-            <a:r>
-              <a:rPr lang="en-IN" sz="11200" dirty="0" smtClean="0">
-                <a:solidFill>
-                  <a:srgbClr val="451717"/>
-                </a:solidFill>
-              </a:rPr>
-              <a:t>, Plugger.AI, </a:t>
-            </a:r>
-            <a:r>
-              <a:rPr lang="en-IN" sz="11200" dirty="0">
-                <a:solidFill>
-                  <a:srgbClr val="451717"/>
-                </a:solidFill>
-                <a:hlinkClick r:id="rId6"/>
-              </a:rPr>
-              <a:t>URL</a:t>
-            </a:r>
-            <a:r>
-              <a:rPr lang="en-IN" sz="11200" dirty="0">
-                <a:solidFill>
-                  <a:srgbClr val="451717"/>
-                </a:solidFill>
-              </a:rPr>
-              <a:t>, [Accessed: Feb. </a:t>
-            </a:r>
-            <a:r>
-              <a:rPr lang="en-IN" sz="11200" dirty="0" smtClean="0">
-                <a:solidFill>
-                  <a:srgbClr val="451717"/>
-                </a:solidFill>
-              </a:rPr>
-              <a:t>3, </a:t>
-            </a:r>
-            <a:r>
-              <a:rPr lang="en-IN" sz="11200" dirty="0">
-                <a:solidFill>
-                  <a:srgbClr val="451717"/>
-                </a:solidFill>
-              </a:rPr>
-              <a:t>2025</a:t>
-            </a:r>
-            <a:r>
-              <a:rPr lang="en-IN" sz="11200" dirty="0" smtClean="0">
-                <a:solidFill>
-                  <a:srgbClr val="451717"/>
-                </a:solidFill>
-              </a:rPr>
-              <a:t>].</a:t>
-            </a:r>
-          </a:p>
-          <a:p>
-            <a:pPr marL="0" indent="0">
-              <a:buNone/>
-            </a:pPr>
-            <a:r>
-              <a:rPr lang="en-IN" sz="11200" dirty="0" smtClean="0">
-                <a:solidFill>
-                  <a:srgbClr val="451717"/>
-                </a:solidFill>
-              </a:rPr>
-              <a:t>[5</a:t>
-            </a:r>
-            <a:r>
-              <a:rPr lang="en-IN" sz="11200" dirty="0">
-                <a:solidFill>
-                  <a:srgbClr val="451717"/>
-                </a:solidFill>
-              </a:rPr>
-              <a:t>] </a:t>
-            </a:r>
-            <a:r>
-              <a:rPr lang="en-IN" sz="11200" dirty="0" smtClean="0">
-                <a:solidFill>
-                  <a:srgbClr val="451717"/>
-                </a:solidFill>
-              </a:rPr>
-              <a:t>becomminghuman.AI, </a:t>
-            </a:r>
-            <a:r>
-              <a:rPr lang="en-IN" sz="11200" b="1" dirty="0" smtClean="0">
-                <a:solidFill>
-                  <a:srgbClr val="451717"/>
-                </a:solidFill>
-              </a:rPr>
-              <a:t>computer-vision-applications-in-self-driving-cars Image</a:t>
-            </a:r>
-            <a:r>
-              <a:rPr lang="en-IN" sz="11200" dirty="0" smtClean="0">
-                <a:solidFill>
-                  <a:srgbClr val="451717"/>
-                </a:solidFill>
-              </a:rPr>
-              <a:t>, </a:t>
-            </a:r>
-            <a:r>
-              <a:rPr lang="en-IN" sz="11200" dirty="0">
-                <a:solidFill>
-                  <a:srgbClr val="451717"/>
-                </a:solidFill>
-              </a:rPr>
-              <a:t>becomminghuman.AI</a:t>
-            </a:r>
-            <a:r>
-              <a:rPr lang="en-IN" sz="11200" dirty="0" smtClean="0">
-                <a:solidFill>
-                  <a:srgbClr val="451717"/>
-                </a:solidFill>
-              </a:rPr>
-              <a:t>, </a:t>
-            </a:r>
-            <a:r>
-              <a:rPr lang="en-IN" sz="11200" dirty="0">
-                <a:solidFill>
-                  <a:srgbClr val="451717"/>
-                </a:solidFill>
-                <a:hlinkClick r:id="rId7"/>
-              </a:rPr>
-              <a:t>URL</a:t>
-            </a:r>
-            <a:r>
-              <a:rPr lang="en-IN" sz="11200" dirty="0">
-                <a:solidFill>
-                  <a:srgbClr val="451717"/>
-                </a:solidFill>
-              </a:rPr>
-              <a:t>, [Accessed: Feb. 3, 2025</a:t>
-            </a:r>
-            <a:r>
-              <a:rPr lang="en-IN" sz="11200" dirty="0" smtClean="0">
-                <a:solidFill>
-                  <a:srgbClr val="451717"/>
-                </a:solidFill>
-              </a:rPr>
-              <a:t>].</a:t>
-            </a:r>
-          </a:p>
-          <a:p>
-            <a:pPr marL="0" indent="0">
-              <a:buNone/>
-            </a:pPr>
-            <a:r>
-              <a:rPr lang="en-IN" sz="11200" dirty="0" smtClean="0">
-                <a:solidFill>
-                  <a:srgbClr val="451717"/>
-                </a:solidFill>
-              </a:rPr>
-              <a:t>[6] </a:t>
-            </a:r>
-            <a:r>
-              <a:rPr lang="en-IN" sz="11200" b="1" dirty="0" smtClean="0">
-                <a:solidFill>
-                  <a:srgbClr val="451717"/>
-                </a:solidFill>
-                <a:hlinkClick r:id="rId8"/>
-              </a:rPr>
-              <a:t>Harry </a:t>
-            </a:r>
-            <a:r>
-              <a:rPr lang="en-IN" sz="11200" b="1" dirty="0" err="1" smtClean="0">
-                <a:solidFill>
-                  <a:srgbClr val="451717"/>
-                </a:solidFill>
-                <a:hlinkClick r:id="rId8"/>
-              </a:rPr>
-              <a:t>Thapa</a:t>
-            </a:r>
-            <a:r>
-              <a:rPr lang="en-IN" sz="11200" b="1" dirty="0" smtClean="0">
-                <a:solidFill>
-                  <a:srgbClr val="451717"/>
-                </a:solidFill>
-                <a:hlinkClick r:id="rId8"/>
-              </a:rPr>
-              <a:t>, </a:t>
-            </a:r>
-            <a:r>
-              <a:rPr lang="en-IN" sz="11200" b="1" dirty="0" err="1" smtClean="0">
-                <a:solidFill>
-                  <a:srgbClr val="451717"/>
-                </a:solidFill>
-              </a:rPr>
-              <a:t>ai</a:t>
-            </a:r>
-            <a:r>
-              <a:rPr lang="en-IN" sz="11200" b="1" dirty="0" smtClean="0">
-                <a:solidFill>
-                  <a:srgbClr val="451717"/>
-                </a:solidFill>
-              </a:rPr>
-              <a:t>-machine-learning-facial-recognition Image,</a:t>
-            </a:r>
-            <a:r>
-              <a:rPr lang="en-IN" sz="11200" dirty="0" smtClean="0">
-                <a:solidFill>
-                  <a:srgbClr val="451717"/>
-                </a:solidFill>
-              </a:rPr>
-              <a:t> </a:t>
-            </a:r>
-            <a:r>
-              <a:rPr lang="en-IN" sz="11200" dirty="0" err="1" smtClean="0">
-                <a:solidFill>
-                  <a:srgbClr val="451717"/>
-                </a:solidFill>
-              </a:rPr>
-              <a:t>Linkdin</a:t>
-            </a:r>
-            <a:r>
-              <a:rPr lang="en-IN" sz="11200" b="1" dirty="0" smtClean="0">
-                <a:solidFill>
-                  <a:srgbClr val="451717"/>
-                </a:solidFill>
-              </a:rPr>
-              <a:t>, </a:t>
-            </a:r>
-            <a:r>
-              <a:rPr lang="en-IN" sz="11200" b="1" dirty="0" smtClean="0">
-                <a:solidFill>
-                  <a:srgbClr val="451717"/>
-                </a:solidFill>
-                <a:hlinkClick r:id="rId9"/>
-              </a:rPr>
-              <a:t>URL</a:t>
-            </a:r>
-            <a:r>
-              <a:rPr lang="en-IN" sz="11200" b="1" dirty="0" smtClean="0">
-                <a:solidFill>
-                  <a:srgbClr val="451717"/>
-                </a:solidFill>
-              </a:rPr>
-              <a:t>, </a:t>
-            </a:r>
-            <a:r>
-              <a:rPr lang="en-IN" sz="11200" dirty="0" smtClean="0">
-                <a:solidFill>
-                  <a:srgbClr val="451717"/>
-                </a:solidFill>
-              </a:rPr>
-              <a:t>[Accessed: Feb. 3, 2025].</a:t>
-            </a:r>
-            <a:endParaRPr lang="en-IN" sz="11200" b="1" dirty="0" smtClean="0">
-              <a:solidFill>
-                <a:srgbClr val="451717"/>
-              </a:solidFill>
-              <a:hlinkClick r:id="rId8"/>
-            </a:endParaRPr>
           </a:p>
           <a:p>
             <a:pPr marL="0" indent="0">
@@ -21970,7 +20941,7 @@
               <a:buNone/>
             </a:pPr>
             <a:endParaRPr lang="en-IN" b="1" dirty="0">
-              <a:hlinkClick r:id="rId8"/>
+              <a:hlinkClick r:id="rId2"/>
             </a:endParaRPr>
           </a:p>
           <a:p>
@@ -22118,8 +21089,8 @@
         </p:nvSpPr>
         <p:spPr>
           <a:xfrm>
-            <a:off x="620712" y="1518107"/>
-            <a:ext cx="10947399" cy="5335572"/>
+            <a:off x="399068" y="1207022"/>
+            <a:ext cx="11792932" cy="5335572"/>
           </a:xfrm>
         </p:spPr>
         <p:txBody>
@@ -22132,20 +21103,97 @@
               <a:buNone/>
             </a:pPr>
             <a:r>
+              <a:rPr lang="en-IN" sz="11200" dirty="0">
+                <a:solidFill>
+                  <a:srgbClr val="451717"/>
+                </a:solidFill>
+              </a:rPr>
+              <a:t>[5] </a:t>
+            </a:r>
+            <a:r>
+              <a:rPr lang="en-IN" sz="11200" b="1" dirty="0" smtClean="0">
+                <a:solidFill>
+                  <a:srgbClr val="451717"/>
+                </a:solidFill>
+              </a:rPr>
+              <a:t>computer-vision-applications-in-self-driving-cars </a:t>
+            </a:r>
+            <a:r>
+              <a:rPr lang="en-IN" sz="11200" b="1" dirty="0">
+                <a:solidFill>
+                  <a:srgbClr val="451717"/>
+                </a:solidFill>
+              </a:rPr>
+              <a:t>Image</a:t>
+            </a:r>
+            <a:r>
+              <a:rPr lang="en-IN" sz="11200" dirty="0">
+                <a:solidFill>
+                  <a:srgbClr val="451717"/>
+                </a:solidFill>
+              </a:rPr>
+              <a:t>, </a:t>
+            </a:r>
+            <a:r>
               <a:rPr lang="en-IN" sz="11200" dirty="0" smtClean="0">
                 <a:solidFill>
                   <a:srgbClr val="451717"/>
                 </a:solidFill>
               </a:rPr>
-              <a:t>[</a:t>
+              <a:t>becominghuman.AI</a:t>
+            </a:r>
+            <a:r>
+              <a:rPr lang="en-IN" sz="11200" dirty="0" smtClean="0">
+                <a:solidFill>
+                  <a:srgbClr val="451717"/>
+                </a:solidFill>
+              </a:rPr>
+              <a:t>, [Available at: </a:t>
             </a:r>
             <a:r>
               <a:rPr lang="en-IN" sz="11200" dirty="0">
                 <a:solidFill>
+                  <a:srgbClr val="0000FF"/>
+                </a:solidFill>
+              </a:rPr>
+              <a:t>https://</a:t>
+            </a:r>
+            <a:r>
+              <a:rPr lang="en-IN" sz="11200" dirty="0" smtClean="0">
+                <a:solidFill>
+                  <a:srgbClr val="0000FF"/>
+                </a:solidFill>
+              </a:rPr>
+              <a:t>becominghuman.ai/computer-vision-applications-in-self-driving-cars-610561e14118</a:t>
+            </a:r>
+            <a:r>
+              <a:rPr lang="en-IN" sz="11200" dirty="0" smtClean="0">
+                <a:solidFill>
                   <a:srgbClr val="451717"/>
                 </a:solidFill>
               </a:rPr>
-              <a:t>7] yolov8, </a:t>
+              <a:t>], </a:t>
+            </a:r>
+            <a:r>
+              <a:rPr lang="en-IN" sz="11200" dirty="0">
+                <a:solidFill>
+                  <a:srgbClr val="451717"/>
+                </a:solidFill>
+              </a:rPr>
+              <a:t>[Accessed: Feb. 13, 2025].</a:t>
+            </a:r>
+          </a:p>
+          <a:p>
+            <a:pPr marL="0" indent="0">
+              <a:buNone/>
+            </a:pPr>
+            <a:r>
+              <a:rPr lang="en-IN" sz="11200" dirty="0">
+                <a:solidFill>
+                  <a:srgbClr val="451717"/>
+                </a:solidFill>
+              </a:rPr>
+              <a:t>[6] </a:t>
             </a:r>
             <a:r>
               <a:rPr lang="en-IN" sz="11200" b="1" dirty="0">
@@ -22153,7 +21201,47 @@
                   <a:srgbClr val="451717"/>
                 </a:solidFill>
               </a:rPr>
-              <a:t>Object Detection Image</a:t>
+              <a:t>Harry </a:t>
+            </a:r>
+            <a:r>
+              <a:rPr lang="en-IN" sz="11200" b="1" dirty="0" err="1" smtClean="0">
+                <a:solidFill>
+                  <a:srgbClr val="451717"/>
+                </a:solidFill>
+              </a:rPr>
+              <a:t>Thapa</a:t>
+            </a:r>
+            <a:r>
+              <a:rPr lang="en-IN" sz="11200" b="1" dirty="0" smtClean="0">
+                <a:solidFill>
+                  <a:srgbClr val="451717"/>
+                </a:solidFill>
+              </a:rPr>
+              <a:t>, </a:t>
+            </a:r>
+            <a:r>
+              <a:rPr lang="en-IN" sz="11200" b="1" dirty="0" err="1" smtClean="0">
+                <a:solidFill>
+                  <a:srgbClr val="451717"/>
+                </a:solidFill>
+              </a:rPr>
+              <a:t>ai</a:t>
+            </a:r>
+            <a:r>
+              <a:rPr lang="en-IN" sz="11200" b="1" dirty="0" smtClean="0">
+                <a:solidFill>
+                  <a:srgbClr val="451717"/>
+                </a:solidFill>
+              </a:rPr>
+              <a:t>-machine-learning-facial-recognition </a:t>
+            </a:r>
+            <a:r>
+              <a:rPr lang="en-IN" sz="11200" b="1" dirty="0">
+                <a:solidFill>
+                  <a:srgbClr val="451717"/>
+                </a:solidFill>
+              </a:rPr>
+              <a:t>Image,</a:t>
             </a:r>
             <a:r>
               <a:rPr lang="en-IN" sz="11200" dirty="0">
@@ -22161,16 +21249,71 @@
                   <a:srgbClr val="451717"/>
                 </a:solidFill>
               </a:rPr>
-              <a:t>, YoloV8, </a:t>
+              <a:t> </a:t>
+            </a:r>
+            <a:r>
+              <a:rPr lang="en-IN" sz="11200" smtClean="0">
+                <a:solidFill>
+                  <a:srgbClr val="451717"/>
+                </a:solidFill>
+              </a:rPr>
+              <a:t>Linkedin</a:t>
+            </a:r>
+            <a:r>
+              <a:rPr lang="en-IN" sz="11200" b="1" dirty="0">
+                <a:solidFill>
+                  <a:srgbClr val="451717"/>
+                </a:solidFill>
+              </a:rPr>
+              <a:t>, </a:t>
+            </a:r>
+            <a:r>
+              <a:rPr lang="en-IN" sz="11200" dirty="0" smtClean="0">
+                <a:solidFill>
+                  <a:srgbClr val="451717"/>
+                </a:solidFill>
+              </a:rPr>
+              <a:t>[Available at: </a:t>
+            </a:r>
+            <a:r>
+              <a:rPr lang="en-IN" sz="11200" dirty="0" smtClean="0">
+                <a:solidFill>
+                  <a:srgbClr val="0000FF"/>
+                </a:solidFill>
+              </a:rPr>
+              <a:t>https</a:t>
             </a:r>
             <a:r>
               <a:rPr lang="en-IN" sz="11200" dirty="0">
                 <a:solidFill>
+                  <a:srgbClr val="0000FF"/>
+                </a:solidFill>
+              </a:rPr>
+              <a:t>://</a:t>
+            </a:r>
+            <a:r>
+              <a:rPr lang="en-IN" sz="11200" dirty="0" smtClean="0">
+                <a:solidFill>
+                  <a:srgbClr val="0000FF"/>
+                </a:solidFill>
+              </a:rPr>
+              <a:t>www.linkedin.com/pulse/ai-machine-learning-facial-recognition-opencv-hemant-thapa</a:t>
+            </a:r>
+            <a:r>
+              <a:rPr lang="en-IN" sz="11200" dirty="0" smtClean="0">
+                <a:solidFill>
                   <a:srgbClr val="451717"/>
                 </a:solidFill>
-                <a:hlinkClick r:id="rId2"/>
-              </a:rPr>
-              <a:t>URL</a:t>
+              </a:rPr>
+              <a:t>]</a:t>
+            </a:r>
+            <a:r>
+              <a:rPr lang="en-IN" sz="11200" b="1" dirty="0" smtClean="0">
+                <a:solidFill>
+                  <a:srgbClr val="451717"/>
+                </a:solidFill>
+              </a:rPr>
+              <a:t>, </a:t>
             </a:r>
             <a:r>
               <a:rPr lang="en-IN" sz="11200" dirty="0">
@@ -22178,7 +21321,7 @@
                   <a:srgbClr val="451717"/>
                 </a:solidFill>
               </a:rPr>
-              <a:t>, [Accessed: Feb. 3, 2025</a:t>
+              <a:t>[Accessed: Feb. 13, 2025</a:t>
             </a:r>
             <a:r>
               <a:rPr lang="en-IN" sz="11200" dirty="0" smtClean="0">
@@ -22199,20 +21342,158 @@
               <a:buNone/>
             </a:pPr>
             <a:r>
+              <a:rPr lang="en-IN" sz="11200" dirty="0" smtClean="0">
+                <a:solidFill>
+                  <a:srgbClr val="451717"/>
+                </a:solidFill>
+              </a:rPr>
+              <a:t>[</a:t>
+            </a:r>
+            <a:r>
+              <a:rPr lang="en-IN" sz="11200" dirty="0">
+                <a:solidFill>
+                  <a:srgbClr val="451717"/>
+                </a:solidFill>
+              </a:rPr>
+              <a:t>7] </a:t>
+            </a:r>
+            <a:r>
               <a:rPr lang="en-IN" sz="11200" b="1" dirty="0" smtClean="0">
                 <a:solidFill>
                   <a:srgbClr val="451717"/>
                 </a:solidFill>
               </a:rPr>
+              <a:t>Object </a:t>
+            </a:r>
+            <a:r>
+              <a:rPr lang="en-IN" sz="11200" b="1" dirty="0">
+                <a:solidFill>
+                  <a:srgbClr val="451717"/>
+                </a:solidFill>
+              </a:rPr>
+              <a:t>Detection Image</a:t>
+            </a:r>
+            <a:r>
+              <a:rPr lang="en-IN" sz="11200" dirty="0">
+                <a:solidFill>
+                  <a:srgbClr val="451717"/>
+                </a:solidFill>
+              </a:rPr>
+              <a:t>, YoloV8, </a:t>
+            </a:r>
+            <a:r>
+              <a:rPr lang="en-IN" sz="11200" dirty="0" smtClean="0">
+                <a:solidFill>
+                  <a:srgbClr val="451717"/>
+                </a:solidFill>
+              </a:rPr>
+              <a:t>[Available at: </a:t>
+            </a:r>
+            <a:r>
+              <a:rPr lang="en-IN" sz="11200" dirty="0" smtClean="0">
+                <a:solidFill>
+                  <a:srgbClr val="0000FF"/>
+                </a:solidFill>
+              </a:rPr>
+              <a:t>https</a:t>
+            </a:r>
+            <a:r>
+              <a:rPr lang="en-IN" sz="11200" dirty="0">
+                <a:solidFill>
+                  <a:srgbClr val="0000FF"/>
+                </a:solidFill>
+              </a:rPr>
+              <a:t>://</a:t>
+            </a:r>
+            <a:r>
+              <a:rPr lang="en-IN" sz="11200" dirty="0" smtClean="0">
+                <a:solidFill>
+                  <a:srgbClr val="0000FF"/>
+                </a:solidFill>
+              </a:rPr>
+              <a:t>visionplatform.ai/yolov8</a:t>
+            </a:r>
+            <a:r>
+              <a:rPr lang="en-IN" sz="11200" dirty="0" smtClean="0">
+                <a:solidFill>
+                  <a:srgbClr val="451717"/>
+                </a:solidFill>
+              </a:rPr>
+              <a:t>], </a:t>
+            </a:r>
+            <a:r>
+              <a:rPr lang="en-IN" sz="11200" dirty="0">
+                <a:solidFill>
+                  <a:srgbClr val="451717"/>
+                </a:solidFill>
+              </a:rPr>
+              <a:t>[Accessed: Feb. </a:t>
+            </a:r>
+            <a:r>
+              <a:rPr lang="en-IN" sz="11200" dirty="0" smtClean="0">
+                <a:solidFill>
+                  <a:srgbClr val="451717"/>
+                </a:solidFill>
+              </a:rPr>
+              <a:t>13</a:t>
+            </a:r>
+            <a:r>
+              <a:rPr lang="en-IN" sz="11200" dirty="0">
+                <a:solidFill>
+                  <a:srgbClr val="451717"/>
+                </a:solidFill>
+              </a:rPr>
+              <a:t>, 2025</a:t>
+            </a:r>
+            <a:r>
+              <a:rPr lang="en-IN" sz="11200" dirty="0" smtClean="0">
+                <a:solidFill>
+                  <a:srgbClr val="451717"/>
+                </a:solidFill>
+              </a:rPr>
+              <a:t>].</a:t>
+            </a:r>
+            <a:endParaRPr lang="en-IN" sz="11200" b="1" dirty="0" smtClean="0">
+              <a:solidFill>
+                <a:srgbClr val="451717"/>
+              </a:solidFill>
+            </a:endParaRPr>
+          </a:p>
+          <a:p>
+            <a:pPr marL="0" indent="0">
+              <a:buNone/>
+            </a:pPr>
+            <a:r>
+              <a:rPr lang="en-IN" sz="11200" dirty="0" smtClean="0">
+                <a:solidFill>
+                  <a:srgbClr val="451717"/>
+                </a:solidFill>
+              </a:rPr>
               <a:t>[</a:t>
             </a:r>
             <a:r>
+              <a:rPr lang="en-IN" sz="11200" dirty="0">
+                <a:solidFill>
+                  <a:srgbClr val="451717"/>
+                </a:solidFill>
+              </a:rPr>
+              <a:t>8] </a:t>
+            </a:r>
+            <a:r>
+              <a:rPr lang="en-IN" sz="11200" b="1" dirty="0" smtClean="0">
+                <a:solidFill>
+                  <a:srgbClr val="451717"/>
+                </a:solidFill>
+              </a:rPr>
+              <a:t>computer-vision-in-manufacturing </a:t>
+            </a:r>
+            <a:r>
               <a:rPr lang="en-IN" sz="11200" b="1" dirty="0">
                 <a:solidFill>
                   <a:srgbClr val="451717"/>
                 </a:solidFill>
               </a:rPr>
-              <a:t>8] </a:t>
+              <a:t>Image, viso.ai, </a:t>
             </a:r>
             <a:r>
               <a:rPr lang="en-IN" sz="11200" dirty="0">
@@ -22220,326 +21501,47 @@
                   <a:srgbClr val="451717"/>
                 </a:solidFill>
               </a:rPr>
-              <a:t>viso.ai</a:t>
-            </a:r>
-            <a:r>
-              <a:rPr lang="en-IN" sz="11200" b="1" dirty="0">
+              <a:t>[Available at: </a:t>
+            </a:r>
+            <a:r>
+              <a:rPr lang="en-IN" sz="11200" dirty="0">
+                <a:solidFill>
+                  <a:srgbClr val="0000FF"/>
+                </a:solidFill>
+              </a:rPr>
+              <a:t>https://</a:t>
+            </a:r>
+            <a:r>
+              <a:rPr lang="en-IN" sz="11200" dirty="0" smtClean="0">
+                <a:solidFill>
+                  <a:srgbClr val="0000FF"/>
+                </a:solidFill>
+              </a:rPr>
+              <a:t>viso.ai/applications/computer-vision-in-manufacturing</a:t>
+            </a:r>
+            <a:r>
+              <a:rPr lang="en-IN" sz="11200" dirty="0" smtClean="0">
                 <a:solidFill>
                   <a:srgbClr val="451717"/>
                 </a:solidFill>
               </a:rPr>
-              <a:t>, computer-vision-in-manufacturing Image, viso.ai, </a:t>
-            </a:r>
-            <a:r>
-              <a:rPr lang="en-IN" sz="11200" b="1" dirty="0">
+              <a:t>]</a:t>
+            </a:r>
+            <a:r>
+              <a:rPr lang="en-IN" sz="11200" b="1" dirty="0" smtClean="0">
                 <a:solidFill>
                   <a:srgbClr val="451717"/>
                 </a:solidFill>
-                <a:hlinkClick r:id="rId3"/>
-              </a:rPr>
-              <a:t>URL</a:t>
-            </a:r>
-            <a:r>
-              <a:rPr lang="en-IN" sz="11200" b="1" dirty="0">
+              </a:rPr>
+              <a:t>, </a:t>
+            </a:r>
+            <a:r>
+              <a:rPr lang="en-IN" sz="11200" dirty="0">
                 <a:solidFill>
                   <a:srgbClr val="451717"/>
                 </a:solidFill>
               </a:rPr>
-              <a:t>, </a:t>
-            </a:r>
-            <a:r>
-              <a:rPr lang="en-IN" sz="11200" dirty="0">
-                <a:solidFill>
-                  <a:srgbClr val="451717"/>
-                </a:solidFill>
-              </a:rPr>
               <a:t>[Accessed: Feb. 3, 2025].</a:t>
-            </a:r>
-          </a:p>
-          <a:p>
-            <a:pPr marL="0" indent="0">
-              <a:buNone/>
-            </a:pPr>
-            <a:r>
-              <a:rPr lang="en-IN" sz="11200" dirty="0">
-                <a:solidFill>
-                  <a:srgbClr val="451717"/>
-                </a:solidFill>
-              </a:rPr>
-              <a:t>[9] </a:t>
-            </a:r>
-            <a:r>
-              <a:rPr lang="en-IN" sz="11200" dirty="0" err="1">
-                <a:solidFill>
-                  <a:srgbClr val="451717"/>
-                </a:solidFill>
-              </a:rPr>
-              <a:t>beebom</a:t>
-            </a:r>
-            <a:r>
-              <a:rPr lang="en-IN" sz="11200" dirty="0">
-                <a:solidFill>
-                  <a:srgbClr val="451717"/>
-                </a:solidFill>
-              </a:rPr>
-              <a:t>, </a:t>
-            </a:r>
-            <a:r>
-              <a:rPr lang="en-IN" sz="11200" b="1" dirty="0">
-                <a:solidFill>
-                  <a:srgbClr val="451717"/>
-                </a:solidFill>
-              </a:rPr>
-              <a:t>Google Lens Image</a:t>
-            </a:r>
-            <a:r>
-              <a:rPr lang="en-IN" sz="11200" dirty="0">
-                <a:solidFill>
-                  <a:srgbClr val="451717"/>
-                </a:solidFill>
-              </a:rPr>
-              <a:t>, </a:t>
-            </a:r>
-            <a:r>
-              <a:rPr lang="en-IN" sz="11200" dirty="0" err="1">
-                <a:solidFill>
-                  <a:srgbClr val="451717"/>
-                </a:solidFill>
-              </a:rPr>
-              <a:t>beebom</a:t>
-            </a:r>
-            <a:r>
-              <a:rPr lang="en-IN" sz="11200" dirty="0">
-                <a:solidFill>
-                  <a:srgbClr val="451717"/>
-                </a:solidFill>
-                <a:hlinkClick r:id="rId4"/>
-              </a:rPr>
-              <a:t>, URL</a:t>
-            </a:r>
-            <a:r>
-              <a:rPr lang="en-IN" sz="11200" dirty="0">
-                <a:solidFill>
-                  <a:srgbClr val="451717"/>
-                </a:solidFill>
-              </a:rPr>
-              <a:t>, [Accessed: Feb. 3, 2025].</a:t>
-            </a:r>
-          </a:p>
-          <a:p>
-            <a:pPr marL="0" indent="0">
-              <a:buNone/>
-            </a:pPr>
-            <a:r>
-              <a:rPr lang="en-IN" sz="11200" dirty="0">
-                <a:solidFill>
-                  <a:srgbClr val="451717"/>
-                </a:solidFill>
-              </a:rPr>
-              <a:t>[10] </a:t>
-            </a:r>
-            <a:r>
-              <a:rPr lang="en-IN" sz="11200" dirty="0" err="1">
-                <a:solidFill>
-                  <a:srgbClr val="451717"/>
-                </a:solidFill>
-              </a:rPr>
-              <a:t>opencv</a:t>
-            </a:r>
-            <a:r>
-              <a:rPr lang="en-IN" sz="11200" dirty="0">
-                <a:solidFill>
-                  <a:srgbClr val="451717"/>
-                </a:solidFill>
-              </a:rPr>
-              <a:t>, </a:t>
-            </a:r>
-            <a:r>
-              <a:rPr lang="en-IN" sz="11200" b="1" dirty="0">
-                <a:solidFill>
-                  <a:srgbClr val="451717"/>
-                </a:solidFill>
-              </a:rPr>
-              <a:t>computer-vision-problems</a:t>
-            </a:r>
-            <a:r>
-              <a:rPr lang="en-IN" sz="11200" dirty="0">
-                <a:solidFill>
-                  <a:srgbClr val="451717"/>
-                </a:solidFill>
-              </a:rPr>
-              <a:t>, </a:t>
-            </a:r>
-            <a:r>
-              <a:rPr lang="en-IN" sz="11200" dirty="0" err="1">
-                <a:solidFill>
-                  <a:srgbClr val="451717"/>
-                </a:solidFill>
-              </a:rPr>
-              <a:t>OpenCv.Org</a:t>
-            </a:r>
-            <a:r>
-              <a:rPr lang="en-IN" sz="11200" dirty="0">
-                <a:solidFill>
-                  <a:srgbClr val="451717"/>
-                </a:solidFill>
-              </a:rPr>
-              <a:t>, </a:t>
-            </a:r>
-            <a:r>
-              <a:rPr lang="en-IN" sz="11200" dirty="0">
-                <a:solidFill>
-                  <a:srgbClr val="451717"/>
-                </a:solidFill>
-                <a:hlinkClick r:id="rId5"/>
-              </a:rPr>
-              <a:t>URL</a:t>
-            </a:r>
-            <a:r>
-              <a:rPr lang="en-IN" sz="11200" dirty="0">
-                <a:solidFill>
-                  <a:srgbClr val="451717"/>
-                </a:solidFill>
-              </a:rPr>
-              <a:t>, [Accessed: Feb. 4, 2025].</a:t>
-            </a:r>
-          </a:p>
-          <a:p>
-            <a:pPr marL="0" indent="0">
-              <a:buNone/>
-            </a:pPr>
-            <a:r>
-              <a:rPr lang="en-IN" sz="11200" dirty="0">
-                <a:solidFill>
-                  <a:srgbClr val="451717"/>
-                </a:solidFill>
-              </a:rPr>
-              <a:t>[11] Neha </a:t>
-            </a:r>
-            <a:r>
-              <a:rPr lang="en-IN" sz="11200" dirty="0" err="1" smtClean="0">
-                <a:solidFill>
-                  <a:srgbClr val="451717"/>
-                </a:solidFill>
-              </a:rPr>
-              <a:t>Bagawari</a:t>
-            </a:r>
-            <a:r>
-              <a:rPr lang="en-IN" sz="11200" dirty="0" smtClean="0">
-                <a:solidFill>
-                  <a:srgbClr val="451717"/>
-                </a:solidFill>
-              </a:rPr>
-              <a:t>, </a:t>
-            </a:r>
-            <a:r>
-              <a:rPr lang="en-IN" sz="11200" dirty="0" err="1">
-                <a:solidFill>
-                  <a:srgbClr val="451717"/>
-                </a:solidFill>
-              </a:rPr>
-              <a:t>Tarushi</a:t>
-            </a:r>
-            <a:r>
-              <a:rPr lang="en-IN" sz="11200" dirty="0">
-                <a:solidFill>
-                  <a:srgbClr val="451717"/>
-                </a:solidFill>
-              </a:rPr>
-              <a:t> Khanna,</a:t>
-            </a:r>
-            <a:r>
-              <a:rPr lang="en-US" sz="11200" dirty="0">
-                <a:solidFill>
-                  <a:srgbClr val="451717"/>
-                </a:solidFill>
-              </a:rPr>
-              <a:t> </a:t>
-            </a:r>
-            <a:r>
-              <a:rPr lang="en-US" sz="11200" b="1" dirty="0">
-                <a:solidFill>
-                  <a:srgbClr val="451717"/>
-                </a:solidFill>
-              </a:rPr>
-              <a:t>Computer Vision And Its Application </a:t>
-            </a:r>
-            <a:r>
-              <a:rPr lang="en-US" sz="11200" b="1" dirty="0" smtClean="0">
-                <a:solidFill>
-                  <a:srgbClr val="451717"/>
-                </a:solidFill>
-              </a:rPr>
-              <a:t>Areas</a:t>
-            </a:r>
-            <a:r>
-              <a:rPr lang="en-IN" sz="11200" dirty="0" smtClean="0">
-                <a:solidFill>
-                  <a:srgbClr val="451717"/>
-                </a:solidFill>
-              </a:rPr>
-              <a:t>,</a:t>
-            </a:r>
-            <a:r>
-              <a:rPr lang="en-US" sz="9600" dirty="0"/>
-              <a:t> </a:t>
-            </a:r>
-            <a:r>
-              <a:rPr lang="en-US" sz="9600" dirty="0">
-                <a:solidFill>
-                  <a:srgbClr val="451717"/>
-                </a:solidFill>
-              </a:rPr>
-              <a:t>GLIMPSE -Journal of Computer Science •Vol. 1(1) , JANUARY-JUNE 2022, pp. </a:t>
-            </a:r>
-            <a:r>
-              <a:rPr lang="en-US" sz="9600" dirty="0" smtClean="0">
-                <a:solidFill>
-                  <a:srgbClr val="451717"/>
-                </a:solidFill>
-              </a:rPr>
-              <a:t>7-10,</a:t>
-            </a:r>
-            <a:r>
-              <a:rPr lang="en-IN" sz="11200" dirty="0" smtClean="0">
-                <a:solidFill>
-                  <a:srgbClr val="451717"/>
-                </a:solidFill>
-              </a:rPr>
-              <a:t> </a:t>
-            </a:r>
-            <a:r>
-              <a:rPr lang="en-IN" sz="11200" dirty="0" err="1">
-                <a:solidFill>
-                  <a:srgbClr val="451717"/>
-                </a:solidFill>
-              </a:rPr>
-              <a:t>akgec</a:t>
-            </a:r>
-            <a:r>
-              <a:rPr lang="en-IN" sz="11200" dirty="0">
-                <a:solidFill>
-                  <a:srgbClr val="451717"/>
-                </a:solidFill>
-              </a:rPr>
-              <a:t>, </a:t>
-            </a:r>
-            <a:r>
-              <a:rPr lang="en-IN" sz="11200" dirty="0">
-                <a:solidFill>
-                  <a:srgbClr val="451717"/>
-                </a:solidFill>
-                <a:hlinkClick r:id="rId6"/>
-              </a:rPr>
-              <a:t>URL</a:t>
-            </a:r>
-            <a:r>
-              <a:rPr lang="en-IN" sz="11200" dirty="0">
-                <a:solidFill>
-                  <a:srgbClr val="451717"/>
-                </a:solidFill>
-              </a:rPr>
-              <a:t>, [Accessed: Feb. 4, 2025].</a:t>
             </a:r>
           </a:p>
           <a:p>
@@ -22559,7 +21561,7 @@
               <a:buNone/>
             </a:pPr>
             <a:endParaRPr lang="en-IN" b="1" dirty="0">
-              <a:hlinkClick r:id="rId7"/>
+              <a:hlinkClick r:id="rId2"/>
             </a:endParaRPr>
           </a:p>
           <a:p>
@@ -22618,7 +21620,680 @@
     </p:spTree>
     <p:extLst>
       <p:ext uri="{BB962C8B-B14F-4D97-AF65-F5344CB8AC3E}">
+        <p14:creationId xmlns:p14="http://schemas.microsoft.com/office/powerpoint/2010/main" val="182799620"/>
+      </p:ext>
+    </p:extLst>
+  </p:cSld>
+  <p:clrMapOvr>
+    <a:masterClrMapping/>
+  </p:clrMapOvr>
+  <p:transition spd="slow">
+    <p:wipe/>
+  </p:transition>
+  <p:timing>
+    <p:tnLst>
+      <p:par>
+        <p:cTn id="1" dur="indefinite" restart="never" nodeType="tmRoot"/>
+      </p:par>
+    </p:tnLst>
+  </p:timing>
+</p:sld>
+</file>
+
+<file path=ppt/slides/slide16.xml><?xml version="1.0" encoding="utf-8"?>
+<p:sld xmlns:a="http://schemas.openxmlformats.org/drawingml/2006/main" xmlns:r="http://schemas.openxmlformats.org/officeDocument/2006/relationships" xmlns:p="http://schemas.openxmlformats.org/presentationml/2006/main">
+  <p:cSld>
+    <p:spTree>
+      <p:nvGrpSpPr>
+        <p:cNvPr id="1" name=""/>
+        <p:cNvGrpSpPr/>
+        <p:nvPr/>
+      </p:nvGrpSpPr>
+      <p:grpSpPr>
+        <a:xfrm>
+          <a:off x="0" y="0"/>
+          <a:ext cx="0" cy="0"/>
+          <a:chOff x="0" y="0"/>
+          <a:chExt cx="0" cy="0"/>
+        </a:xfrm>
+      </p:grpSpPr>
+      <p:sp>
+        <p:nvSpPr>
+          <p:cNvPr id="2" name="Title 1"/>
+          <p:cNvSpPr>
+            <a:spLocks noGrp="1"/>
+          </p:cNvSpPr>
+          <p:nvPr>
+            <p:ph type="title"/>
+          </p:nvPr>
+        </p:nvSpPr>
+        <p:spPr>
+          <a:xfrm>
+            <a:off x="1141413" y="618518"/>
+            <a:ext cx="9905998" cy="710661"/>
+          </a:xfrm>
+        </p:spPr>
+        <p:txBody>
+          <a:bodyPr/>
+          <a:lstStyle/>
+          <a:p>
+            <a:r>
+              <a:rPr lang="en-IN" dirty="0" smtClean="0">
+                <a:solidFill>
+                  <a:schemeClr val="bg2">
+                    <a:lumMod val="50000"/>
+                  </a:schemeClr>
+                </a:solidFill>
+              </a:rPr>
+              <a:t>References Used</a:t>
+            </a:r>
+            <a:endParaRPr lang="en-IN" dirty="0">
+              <a:solidFill>
+                <a:schemeClr val="bg2">
+                  <a:lumMod val="50000"/>
+                </a:schemeClr>
+              </a:solidFill>
+            </a:endParaRPr>
+          </a:p>
+        </p:txBody>
+      </p:sp>
+      <p:sp>
+        <p:nvSpPr>
+          <p:cNvPr id="3" name="Content Placeholder 2"/>
+          <p:cNvSpPr>
+            <a:spLocks noGrp="1"/>
+          </p:cNvSpPr>
+          <p:nvPr>
+            <p:ph idx="1"/>
+          </p:nvPr>
+        </p:nvSpPr>
+        <p:spPr>
+          <a:xfrm>
+            <a:off x="465056" y="1310325"/>
+            <a:ext cx="11726944" cy="5335572"/>
+          </a:xfrm>
+        </p:spPr>
+        <p:txBody>
+          <a:bodyPr>
+            <a:normAutofit fontScale="25000" lnSpcReduction="20000"/>
+          </a:bodyPr>
+          <a:lstStyle/>
+          <a:p>
+            <a:pPr marL="0" indent="0">
+              <a:buNone/>
+            </a:pPr>
+            <a:r>
+              <a:rPr lang="en-IN" sz="11200" dirty="0" smtClean="0">
+                <a:solidFill>
+                  <a:srgbClr val="451717"/>
+                </a:solidFill>
+              </a:rPr>
+              <a:t>[</a:t>
+            </a:r>
+            <a:r>
+              <a:rPr lang="en-IN" sz="11200" dirty="0">
+                <a:solidFill>
+                  <a:srgbClr val="451717"/>
+                </a:solidFill>
+              </a:rPr>
+              <a:t>9] </a:t>
+            </a:r>
+            <a:r>
+              <a:rPr lang="en-IN" sz="11200" b="1" dirty="0" smtClean="0">
+                <a:solidFill>
+                  <a:srgbClr val="451717"/>
+                </a:solidFill>
+              </a:rPr>
+              <a:t>Google </a:t>
+            </a:r>
+            <a:r>
+              <a:rPr lang="en-IN" sz="11200" b="1" dirty="0">
+                <a:solidFill>
+                  <a:srgbClr val="451717"/>
+                </a:solidFill>
+              </a:rPr>
+              <a:t>Lens Image</a:t>
+            </a:r>
+            <a:r>
+              <a:rPr lang="en-IN" sz="11200" dirty="0">
+                <a:solidFill>
+                  <a:srgbClr val="451717"/>
+                </a:solidFill>
+              </a:rPr>
+              <a:t>, </a:t>
+            </a:r>
+            <a:r>
+              <a:rPr lang="en-IN" sz="11200" dirty="0" err="1">
+                <a:solidFill>
+                  <a:srgbClr val="451717"/>
+                </a:solidFill>
+              </a:rPr>
+              <a:t>beebom</a:t>
+            </a:r>
+            <a:r>
+              <a:rPr lang="en-IN" sz="11200" dirty="0" smtClean="0">
+                <a:solidFill>
+                  <a:srgbClr val="451717"/>
+                </a:solidFill>
+              </a:rPr>
+              <a:t>, [Available at:  </a:t>
+            </a:r>
+            <a:r>
+              <a:rPr lang="en-IN" sz="11200" dirty="0">
+                <a:solidFill>
+                  <a:srgbClr val="0000FF"/>
+                </a:solidFill>
+              </a:rPr>
+              <a:t>https://</a:t>
+            </a:r>
+            <a:r>
+              <a:rPr lang="en-IN" sz="11200" dirty="0" smtClean="0">
+                <a:solidFill>
+                  <a:srgbClr val="0000FF"/>
+                </a:solidFill>
+              </a:rPr>
+              <a:t>beebom.com/how-use-google-lens</a:t>
+            </a:r>
+            <a:r>
+              <a:rPr lang="en-IN" sz="11200" dirty="0" smtClean="0">
+                <a:solidFill>
+                  <a:srgbClr val="451717"/>
+                </a:solidFill>
+              </a:rPr>
+              <a:t>], </a:t>
+            </a:r>
+            <a:r>
+              <a:rPr lang="en-IN" sz="11200" dirty="0">
+                <a:solidFill>
+                  <a:srgbClr val="451717"/>
+                </a:solidFill>
+              </a:rPr>
+              <a:t>[Accessed: Feb. </a:t>
+            </a:r>
+            <a:r>
+              <a:rPr lang="en-IN" sz="11200" dirty="0" smtClean="0">
+                <a:solidFill>
+                  <a:srgbClr val="451717"/>
+                </a:solidFill>
+              </a:rPr>
+              <a:t>13</a:t>
+            </a:r>
+            <a:r>
+              <a:rPr lang="en-IN" sz="11200" dirty="0">
+                <a:solidFill>
+                  <a:srgbClr val="451717"/>
+                </a:solidFill>
+              </a:rPr>
+              <a:t>, 2025].</a:t>
+            </a:r>
+          </a:p>
+          <a:p>
+            <a:pPr marL="0" indent="0">
+              <a:buNone/>
+            </a:pPr>
+            <a:r>
+              <a:rPr lang="en-IN" sz="11200" dirty="0">
+                <a:solidFill>
+                  <a:srgbClr val="451717"/>
+                </a:solidFill>
+              </a:rPr>
+              <a:t>[10] </a:t>
+            </a:r>
+            <a:r>
+              <a:rPr lang="en-IN" sz="11200" b="1" dirty="0" smtClean="0">
+                <a:solidFill>
+                  <a:srgbClr val="451717"/>
+                </a:solidFill>
+              </a:rPr>
+              <a:t>computer-vision-problems</a:t>
+            </a:r>
+            <a:r>
+              <a:rPr lang="en-IN" sz="11200" dirty="0">
+                <a:solidFill>
+                  <a:srgbClr val="451717"/>
+                </a:solidFill>
+              </a:rPr>
+              <a:t>, </a:t>
+            </a:r>
+            <a:r>
+              <a:rPr lang="en-IN" sz="11200" dirty="0" err="1">
+                <a:solidFill>
+                  <a:srgbClr val="451717"/>
+                </a:solidFill>
+              </a:rPr>
+              <a:t>OpenCv.Org</a:t>
+            </a:r>
+            <a:r>
+              <a:rPr lang="en-IN" sz="11200" dirty="0">
+                <a:solidFill>
+                  <a:srgbClr val="451717"/>
+                </a:solidFill>
+              </a:rPr>
+              <a:t>, </a:t>
+            </a:r>
+            <a:r>
+              <a:rPr lang="en-IN" sz="11200" dirty="0" smtClean="0">
+                <a:solidFill>
+                  <a:srgbClr val="451717"/>
+                </a:solidFill>
+              </a:rPr>
+              <a:t>[Available at: </a:t>
+            </a:r>
+            <a:r>
+              <a:rPr lang="en-IN" sz="11200" dirty="0" smtClean="0">
+                <a:solidFill>
+                  <a:srgbClr val="0000FF"/>
+                </a:solidFill>
+              </a:rPr>
+              <a:t>https</a:t>
+            </a:r>
+            <a:r>
+              <a:rPr lang="en-IN" sz="11200" dirty="0">
+                <a:solidFill>
+                  <a:srgbClr val="0000FF"/>
+                </a:solidFill>
+              </a:rPr>
+              <a:t>://</a:t>
+            </a:r>
+            <a:r>
+              <a:rPr lang="en-IN" sz="11200" dirty="0" smtClean="0">
+                <a:solidFill>
+                  <a:srgbClr val="0000FF"/>
+                </a:solidFill>
+              </a:rPr>
+              <a:t>opencv.org/blog/computer-vision-problems</a:t>
+            </a:r>
+            <a:r>
+              <a:rPr lang="en-IN" sz="11200" dirty="0" smtClean="0">
+                <a:solidFill>
+                  <a:srgbClr val="451717"/>
+                </a:solidFill>
+              </a:rPr>
+              <a:t>], </a:t>
+            </a:r>
+            <a:r>
+              <a:rPr lang="en-IN" sz="11200" dirty="0">
+                <a:solidFill>
+                  <a:srgbClr val="451717"/>
+                </a:solidFill>
+              </a:rPr>
+              <a:t>[Accessed: Feb. </a:t>
+            </a:r>
+            <a:r>
+              <a:rPr lang="en-IN" sz="11200" dirty="0" smtClean="0">
+                <a:solidFill>
+                  <a:srgbClr val="451717"/>
+                </a:solidFill>
+              </a:rPr>
+              <a:t>14</a:t>
+            </a:r>
+            <a:r>
+              <a:rPr lang="en-IN" sz="11200" dirty="0">
+                <a:solidFill>
+                  <a:srgbClr val="451717"/>
+                </a:solidFill>
+              </a:rPr>
+              <a:t>, 2025].</a:t>
+            </a:r>
+          </a:p>
+          <a:p>
+            <a:pPr marL="0" indent="0">
+              <a:buNone/>
+            </a:pPr>
+            <a:r>
+              <a:rPr lang="en-IN" sz="11200" dirty="0">
+                <a:solidFill>
+                  <a:srgbClr val="451717"/>
+                </a:solidFill>
+              </a:rPr>
+              <a:t>[11] Neha </a:t>
+            </a:r>
+            <a:r>
+              <a:rPr lang="en-IN" sz="11200" dirty="0" err="1" smtClean="0">
+                <a:solidFill>
+                  <a:srgbClr val="451717"/>
+                </a:solidFill>
+              </a:rPr>
+              <a:t>Bagawari</a:t>
+            </a:r>
+            <a:r>
+              <a:rPr lang="en-IN" sz="11200" dirty="0" smtClean="0">
+                <a:solidFill>
+                  <a:srgbClr val="451717"/>
+                </a:solidFill>
+              </a:rPr>
+              <a:t>, </a:t>
+            </a:r>
+            <a:r>
+              <a:rPr lang="en-IN" sz="11200" dirty="0" err="1">
+                <a:solidFill>
+                  <a:srgbClr val="451717"/>
+                </a:solidFill>
+              </a:rPr>
+              <a:t>Tarushi</a:t>
+            </a:r>
+            <a:r>
+              <a:rPr lang="en-IN" sz="11200" dirty="0">
+                <a:solidFill>
+                  <a:srgbClr val="451717"/>
+                </a:solidFill>
+              </a:rPr>
+              <a:t> Khanna,</a:t>
+            </a:r>
+            <a:r>
+              <a:rPr lang="en-US" sz="11200" dirty="0">
+                <a:solidFill>
+                  <a:srgbClr val="451717"/>
+                </a:solidFill>
+              </a:rPr>
+              <a:t> </a:t>
+            </a:r>
+            <a:r>
+              <a:rPr lang="en-US" sz="11200" b="1" dirty="0">
+                <a:solidFill>
+                  <a:srgbClr val="451717"/>
+                </a:solidFill>
+              </a:rPr>
+              <a:t>Computer Vision And Its Application </a:t>
+            </a:r>
+            <a:r>
+              <a:rPr lang="en-US" sz="11200" b="1" dirty="0" smtClean="0">
+                <a:solidFill>
+                  <a:srgbClr val="451717"/>
+                </a:solidFill>
+              </a:rPr>
+              <a:t>Areas</a:t>
+            </a:r>
+            <a:r>
+              <a:rPr lang="en-IN" sz="11200" dirty="0" smtClean="0">
+                <a:solidFill>
+                  <a:srgbClr val="451717"/>
+                </a:solidFill>
+              </a:rPr>
+              <a:t>,</a:t>
+            </a:r>
+            <a:r>
+              <a:rPr lang="en-US" sz="9600" dirty="0"/>
+              <a:t> </a:t>
+            </a:r>
+            <a:r>
+              <a:rPr lang="en-US" sz="9600" dirty="0">
+                <a:solidFill>
+                  <a:srgbClr val="451717"/>
+                </a:solidFill>
+              </a:rPr>
+              <a:t>GLIMPSE -Journal of Computer Science •Vol. 1(1) , JANUARY-JUNE 2022, pp. </a:t>
+            </a:r>
+            <a:r>
+              <a:rPr lang="en-US" sz="9600" dirty="0" smtClean="0">
+                <a:solidFill>
+                  <a:srgbClr val="451717"/>
+                </a:solidFill>
+              </a:rPr>
+              <a:t>7-10,</a:t>
+            </a:r>
+            <a:r>
+              <a:rPr lang="en-IN" sz="11200" dirty="0" smtClean="0">
+                <a:solidFill>
+                  <a:srgbClr val="451717"/>
+                </a:solidFill>
+              </a:rPr>
+              <a:t> </a:t>
+            </a:r>
+            <a:r>
+              <a:rPr lang="en-IN" sz="11200" dirty="0" err="1" smtClean="0">
+                <a:solidFill>
+                  <a:srgbClr val="451717"/>
+                </a:solidFill>
+              </a:rPr>
+              <a:t>akgec</a:t>
+            </a:r>
+            <a:r>
+              <a:rPr lang="en-IN" sz="11200" dirty="0" smtClean="0">
+                <a:solidFill>
+                  <a:srgbClr val="451717"/>
+                </a:solidFill>
+              </a:rPr>
+              <a:t>, [Available at: </a:t>
+            </a:r>
+            <a:r>
+              <a:rPr lang="en-IN" sz="11200" dirty="0" smtClean="0">
+                <a:solidFill>
+                  <a:srgbClr val="0000FF"/>
+                </a:solidFill>
+              </a:rPr>
+              <a:t>https</a:t>
+            </a:r>
+            <a:r>
+              <a:rPr lang="en-IN" sz="11200" dirty="0">
+                <a:solidFill>
+                  <a:srgbClr val="0000FF"/>
+                </a:solidFill>
+              </a:rPr>
+              <a:t>://</a:t>
+            </a:r>
+            <a:r>
+              <a:rPr lang="en-IN" sz="11200" dirty="0" smtClean="0">
+                <a:solidFill>
+                  <a:srgbClr val="0000FF"/>
+                </a:solidFill>
+              </a:rPr>
+              <a:t>www.akgec.ac.in/wp-content/uploads/2024/01/Jan-Jun2022_2.pdf</a:t>
+            </a:r>
+            <a:r>
+              <a:rPr lang="en-IN" sz="11200" dirty="0" smtClean="0">
+                <a:solidFill>
+                  <a:srgbClr val="451717"/>
+                </a:solidFill>
+              </a:rPr>
+              <a:t>], </a:t>
+            </a:r>
+            <a:r>
+              <a:rPr lang="en-IN" sz="11200" dirty="0">
+                <a:solidFill>
+                  <a:srgbClr val="451717"/>
+                </a:solidFill>
+              </a:rPr>
+              <a:t>[Accessed: Feb. </a:t>
+            </a:r>
+            <a:r>
+              <a:rPr lang="en-IN" sz="11200" dirty="0" smtClean="0">
+                <a:solidFill>
+                  <a:srgbClr val="451717"/>
+                </a:solidFill>
+              </a:rPr>
+              <a:t>14</a:t>
+            </a:r>
+            <a:r>
+              <a:rPr lang="en-IN" sz="11200" dirty="0">
+                <a:solidFill>
+                  <a:srgbClr val="451717"/>
+                </a:solidFill>
+              </a:rPr>
+              <a:t>, 2025].</a:t>
+            </a:r>
+          </a:p>
+          <a:p>
+            <a:pPr marL="0" indent="0">
+              <a:buNone/>
+            </a:pPr>
+            <a:endParaRPr lang="en-IN" dirty="0"/>
+          </a:p>
+          <a:p>
+            <a:pPr marL="0" indent="0">
+              <a:buNone/>
+            </a:pPr>
+            <a:endParaRPr lang="en-IN" dirty="0"/>
+          </a:p>
+          <a:p>
+            <a:pPr marL="0" indent="0">
+              <a:buNone/>
+            </a:pPr>
+            <a:endParaRPr lang="en-IN" b="1" dirty="0">
+              <a:hlinkClick r:id="rId2"/>
+            </a:endParaRPr>
+          </a:p>
+          <a:p>
+            <a:pPr marL="0" indent="0">
+              <a:buNone/>
+            </a:pPr>
+            <a:endParaRPr lang="en-IN" dirty="0" smtClean="0"/>
+          </a:p>
+          <a:p>
+            <a:pPr marL="0" indent="0">
+              <a:buNone/>
+            </a:pPr>
+            <a:endParaRPr lang="en-IN" dirty="0"/>
+          </a:p>
+          <a:p>
+            <a:pPr marL="0" indent="0">
+              <a:buNone/>
+            </a:pPr>
+            <a:endParaRPr lang="en-IN" dirty="0"/>
+          </a:p>
+          <a:p>
+            <a:pPr marL="0" indent="0">
+              <a:buNone/>
+            </a:pPr>
+            <a:r>
+              <a:rPr lang="en-IN" dirty="0" smtClean="0"/>
+              <a:t> </a:t>
+            </a:r>
+            <a:endParaRPr lang="en-IN" dirty="0"/>
+          </a:p>
+        </p:txBody>
+      </p:sp>
+      <p:sp>
+        <p:nvSpPr>
+          <p:cNvPr id="4" name="Slide Number Placeholder 3"/>
+          <p:cNvSpPr>
+            <a:spLocks noGrp="1"/>
+          </p:cNvSpPr>
+          <p:nvPr>
+            <p:ph type="sldNum" sz="quarter" idx="12"/>
+          </p:nvPr>
+        </p:nvSpPr>
+        <p:spPr/>
+        <p:txBody>
+          <a:bodyPr/>
+          <a:lstStyle/>
+          <a:p>
+            <a:fld id="{E9D42EC4-55FD-406C-82BB-203E3BBE455C}" type="slidenum">
+              <a:rPr lang="en-IN" smtClean="0"/>
+              <a:t>16</a:t>
+            </a:fld>
+            <a:endParaRPr lang="en-IN"/>
+          </a:p>
+        </p:txBody>
+      </p:sp>
+    </p:spTree>
+    <p:extLst>
+      <p:ext uri="{BB962C8B-B14F-4D97-AF65-F5344CB8AC3E}">
         <p14:creationId xmlns:p14="http://schemas.microsoft.com/office/powerpoint/2010/main" val="2219693651"/>
+      </p:ext>
+    </p:extLst>
+  </p:cSld>
+  <p:clrMapOvr>
+    <a:masterClrMapping/>
+  </p:clrMapOvr>
+  <p:transition spd="slow">
+    <p:wipe/>
+  </p:transition>
+  <p:timing>
+    <p:tnLst>
+      <p:par>
+        <p:cTn id="1" dur="indefinite" restart="never" nodeType="tmRoot"/>
+      </p:par>
+    </p:tnLst>
+  </p:timing>
+</p:sld>
+</file>
+
+<file path=ppt/slides/slide17.xml><?xml version="1.0" encoding="utf-8"?>
+<p:sld xmlns:a="http://schemas.openxmlformats.org/drawingml/2006/main" xmlns:r="http://schemas.openxmlformats.org/officeDocument/2006/relationships" xmlns:p="http://schemas.openxmlformats.org/presentationml/2006/main">
+  <p:cSld>
+    <p:spTree>
+      <p:nvGrpSpPr>
+        <p:cNvPr id="1" name=""/>
+        <p:cNvGrpSpPr/>
+        <p:nvPr/>
+      </p:nvGrpSpPr>
+      <p:grpSpPr>
+        <a:xfrm>
+          <a:off x="0" y="0"/>
+          <a:ext cx="0" cy="0"/>
+          <a:chOff x="0" y="0"/>
+          <a:chExt cx="0" cy="0"/>
+        </a:xfrm>
+      </p:grpSpPr>
+      <p:pic>
+        <p:nvPicPr>
+          <p:cNvPr id="5" name="Picture 4" descr="Free Google Thank You Slide &amp; PowerPoint Templates"/>
+          <p:cNvPicPr>
+            <a:picLocks noChangeAspect="1" noChangeArrowheads="1"/>
+          </p:cNvPicPr>
+          <p:nvPr/>
+        </p:nvPicPr>
+        <p:blipFill>
+          <a:blip r:embed="rId2">
+            <a:extLst>
+              <a:ext uri="{28A0092B-C50C-407E-A947-70E740481C1C}">
+                <a14:useLocalDpi xmlns:a14="http://schemas.microsoft.com/office/drawing/2010/main" val="0"/>
+              </a:ext>
+            </a:extLst>
+          </a:blip>
+          <a:srcRect/>
+          <a:stretch>
+            <a:fillRect/>
+          </a:stretch>
+        </p:blipFill>
+        <p:spPr bwMode="auto">
+          <a:xfrm>
+            <a:off x="0" y="0"/>
+            <a:ext cx="12192000" cy="6858001"/>
+          </a:xfrm>
+          <a:prstGeom prst="rect">
+            <a:avLst/>
+          </a:prstGeom>
+          <a:noFill/>
+          <a:extLst>
+            <a:ext uri="{909E8E84-426E-40DD-AFC4-6F175D3DCCD1}">
+              <a14:hiddenFill xmlns:a14="http://schemas.microsoft.com/office/drawing/2010/main">
+                <a:solidFill>
+                  <a:srgbClr val="FFFFFF"/>
+                </a:solidFill>
+              </a14:hiddenFill>
+            </a:ext>
+          </a:extLst>
+        </p:spPr>
+      </p:pic>
+      <p:sp>
+        <p:nvSpPr>
+          <p:cNvPr id="2" name="Slide Number Placeholder 1"/>
+          <p:cNvSpPr>
+            <a:spLocks noGrp="1"/>
+          </p:cNvSpPr>
+          <p:nvPr>
+            <p:ph type="sldNum" sz="quarter" idx="12"/>
+          </p:nvPr>
+        </p:nvSpPr>
+        <p:spPr/>
+        <p:txBody>
+          <a:bodyPr/>
+          <a:lstStyle/>
+          <a:p>
+            <a:fld id="{E9D42EC4-55FD-406C-82BB-203E3BBE455C}" type="slidenum">
+              <a:rPr lang="en-IN" smtClean="0"/>
+              <a:t>17</a:t>
+            </a:fld>
+            <a:endParaRPr lang="en-IN"/>
+          </a:p>
+        </p:txBody>
+      </p:sp>
+    </p:spTree>
+    <p:extLst>
+      <p:ext uri="{BB962C8B-B14F-4D97-AF65-F5344CB8AC3E}">
+        <p14:creationId xmlns:p14="http://schemas.microsoft.com/office/powerpoint/2010/main" val="1852025197"/>
       </p:ext>
     </p:extLst>
   </p:cSld>
@@ -22701,14 +22376,14 @@
             <p:ph idx="1"/>
             <p:extLst>
               <p:ext uri="{D42A27DB-BD31-4B8C-83A1-F6EECF244321}">
-                <p14:modId xmlns:p14="http://schemas.microsoft.com/office/powerpoint/2010/main" val="4227707703"/>
+                <p14:modId xmlns:p14="http://schemas.microsoft.com/office/powerpoint/2010/main" val="3391477489"/>
               </p:ext>
             </p:extLst>
           </p:nvPr>
         </p:nvGraphicFramePr>
         <p:xfrm>
           <a:off x="1141413" y="1564849"/>
-          <a:ext cx="9906000" cy="4600281"/>
+          <a:ext cx="9906000" cy="4788817"/>
         </p:xfrm>
         <a:graphic>
           <a:graphicData uri="http://schemas.openxmlformats.org/drawingml/2006/diagram">
@@ -23225,7 +22900,11 @@
           <a:p>
             <a:pPr algn="ctr"/>
             <a:r>
-              <a:rPr lang="en-IN" dirty="0" smtClean="0"/>
+              <a:rPr lang="en-IN" dirty="0" smtClean="0">
+                <a:solidFill>
+                  <a:srgbClr val="451717"/>
+                </a:solidFill>
+              </a:rPr>
               <a:t>Figure1 : Human Vision vs Computer Vision </a:t>
             </a:r>
             <a:r>
@@ -23419,7 +23098,11 @@
           <a:lstStyle/>
           <a:p>
             <a:r>
-              <a:rPr lang="en-IN" dirty="0" smtClean="0"/>
+              <a:rPr lang="en-IN" dirty="0" smtClean="0">
+                <a:solidFill>
+                  <a:srgbClr val="451717"/>
+                </a:solidFill>
+              </a:rPr>
               <a:t>Figure 2 : Original Image </a:t>
             </a:r>
             <a:r>
@@ -23455,14 +23138,27 @@
           <a:lstStyle/>
           <a:p>
             <a:r>
-              <a:rPr lang="en-IN" dirty="0" smtClean="0"/>
+              <a:rPr lang="en-IN" dirty="0" smtClean="0">
+                <a:solidFill>
+                  <a:srgbClr val="451717"/>
+                </a:solidFill>
+              </a:rPr>
               <a:t>Figure 3 : Pixelated Image</a:t>
+            </a:r>
+            <a:r>
+              <a:rPr lang="en-IN" dirty="0" smtClean="0">
+                <a:solidFill>
+                  <a:srgbClr val="451717"/>
+                </a:solidFill>
+                <a:hlinkClick r:id="" action="ppaction://hlinkshowjump?jump=lastslide"/>
+              </a:rPr>
+              <a:t> </a:t>
             </a:r>
             <a:r>
               <a:rPr lang="en-IN" dirty="0" smtClean="0">
                 <a:hlinkClick r:id="" action="ppaction://hlinkshowjump?jump=lastslide"/>
               </a:rPr>
-              <a:t> [3]</a:t>
+              <a:t>[3]</a:t>
             </a:r>
             <a:endParaRPr lang="en-IN" dirty="0"/>
           </a:p>
@@ -24816,7 +24512,11 @@
           <a:lstStyle/>
           <a:p>
             <a:r>
-              <a:rPr lang="en-IN" dirty="0" smtClean="0"/>
+              <a:rPr lang="en-IN" dirty="0" smtClean="0">
+                <a:solidFill>
+                  <a:srgbClr val="451717"/>
+                </a:solidFill>
+              </a:rPr>
               <a:t>Figure 4 : Face Recognition </a:t>
             </a:r>
             <a:r>
@@ -24894,7 +24594,11 @@
           <a:p>
             <a:pPr algn="ctr"/>
             <a:r>
-              <a:rPr lang="en-IN" dirty="0" smtClean="0"/>
+              <a:rPr lang="en-IN" dirty="0" smtClean="0">
+                <a:solidFill>
+                  <a:srgbClr val="451717"/>
+                </a:solidFill>
+              </a:rPr>
               <a:t>Figure 5: Object Detection </a:t>
             </a:r>
             <a:r>
@@ -24934,7 +24638,13 @@
               <a:buChar char="•"/>
             </a:pPr>
             <a:r>
-              <a:rPr lang="en-IN" dirty="0" smtClean="0"/>
+              <a:rPr lang="en-IN" dirty="0" smtClean="0">
+                <a:solidFill>
+                  <a:schemeClr val="bg2">
+                    <a:lumMod val="50000"/>
+                  </a:schemeClr>
+                </a:solidFill>
+              </a:rPr>
               <a:t>Face Attendance System</a:t>
             </a:r>
           </a:p>
@@ -24944,7 +24654,13 @@
               <a:buChar char="•"/>
             </a:pPr>
             <a:r>
-              <a:rPr lang="en-IN" dirty="0" smtClean="0"/>
+              <a:rPr lang="en-IN" dirty="0" smtClean="0">
+                <a:solidFill>
+                  <a:schemeClr val="bg2">
+                    <a:lumMod val="50000"/>
+                  </a:schemeClr>
+                </a:solidFill>
+              </a:rPr>
               <a:t>Face Locks</a:t>
             </a:r>
           </a:p>
@@ -24954,10 +24670,21 @@
               <a:buChar char="•"/>
             </a:pPr>
             <a:r>
-              <a:rPr lang="en-IN" dirty="0" smtClean="0"/>
+              <a:rPr lang="en-IN" dirty="0" smtClean="0">
+                <a:solidFill>
+                  <a:schemeClr val="bg2">
+                    <a:lumMod val="50000"/>
+                  </a:schemeClr>
+                </a:solidFill>
+              </a:rPr>
               <a:t>Forensic facial reconstruction</a:t>
             </a:r>
             <a:endParaRPr lang="en-IN" dirty="0" smtClean="0">
+              <a:solidFill>
+                <a:schemeClr val="bg2">
+                  <a:lumMod val="50000"/>
+                </a:schemeClr>
+              </a:solidFill>
               <a:hlinkClick r:id="rId4"/>
             </a:endParaRPr>
           </a:p>
@@ -24979,7 +24706,7 @@
         <p:spPr>
           <a:xfrm>
             <a:off x="7117770" y="5599519"/>
-            <a:ext cx="3478491" cy="646331"/>
+            <a:ext cx="3478491" cy="369332"/>
           </a:xfrm>
           <a:prstGeom prst="rect">
             <a:avLst/>
@@ -24997,25 +24724,42 @@
               <a:buChar char="•"/>
             </a:pPr>
             <a:r>
-              <a:rPr lang="en-IN" dirty="0"/>
-              <a:t>Surveillance &amp; Security</a:t>
-            </a:r>
-            <a:endParaRPr lang="en-IN" dirty="0" smtClean="0"/>
-          </a:p>
-          <a:p>
-            <a:pPr marL="285750" indent="-285750" algn="ctr">
-              <a:buFont typeface="Arial" panose="020B0604020202020204" pitchFamily="34" charset="0"/>
-              <a:buChar char="•"/>
-            </a:pPr>
-            <a:r>
-              <a:rPr lang="en-IN" dirty="0"/>
-              <a:t>Retail &amp; </a:t>
-            </a:r>
-            <a:r>
-              <a:rPr lang="en-IN" dirty="0" smtClean="0"/>
+              <a:rPr lang="en-IN" dirty="0" smtClean="0">
+                <a:solidFill>
+                  <a:schemeClr val="bg2">
+                    <a:lumMod val="50000"/>
+                  </a:schemeClr>
+                </a:solidFill>
+              </a:rPr>
+              <a:t>Retail </a:t>
+            </a:r>
+            <a:r>
+              <a:rPr lang="en-IN" dirty="0">
+                <a:solidFill>
+                  <a:schemeClr val="bg2">
+                    <a:lumMod val="50000"/>
+                  </a:schemeClr>
+                </a:solidFill>
+              </a:rPr>
+              <a:t>&amp; </a:t>
+            </a:r>
+            <a:r>
+              <a:rPr lang="en-IN" dirty="0" smtClean="0">
+                <a:solidFill>
+                  <a:schemeClr val="bg2">
+                    <a:lumMod val="50000"/>
+                  </a:schemeClr>
+                </a:solidFill>
+              </a:rPr>
               <a:t>E-commerce</a:t>
             </a:r>
-            <a:endParaRPr lang="en-IN" dirty="0"/>
+            <a:endParaRPr lang="en-IN" dirty="0">
+              <a:solidFill>
+                <a:schemeClr val="bg2">
+                  <a:lumMod val="50000"/>
+                </a:schemeClr>
+              </a:solidFill>
+            </a:endParaRPr>
           </a:p>
         </p:txBody>
       </p:sp>
@@ -25146,7 +24890,11 @@
           <a:lstStyle/>
           <a:p>
             <a:r>
-              <a:rPr lang="en-IN" dirty="0" smtClean="0"/>
+              <a:rPr lang="en-IN" dirty="0" smtClean="0">
+                <a:solidFill>
+                  <a:srgbClr val="451717"/>
+                </a:solidFill>
+              </a:rPr>
               <a:t>Figure 6 : Self Driving Cars </a:t>
             </a:r>
             <a:r>
@@ -25183,7 +24931,11 @@
           <a:p>
             <a:pPr algn="ctr"/>
             <a:r>
-              <a:rPr lang="en-IN" dirty="0" smtClean="0"/>
+              <a:rPr lang="en-IN" dirty="0" smtClean="0">
+                <a:solidFill>
+                  <a:srgbClr val="451717"/>
+                </a:solidFill>
+              </a:rPr>
               <a:t>Figure 5: HealthCare </a:t>
             </a:r>
             <a:r>
@@ -25223,7 +24975,13 @@
               <a:buChar char="•"/>
             </a:pPr>
             <a:r>
-              <a:rPr lang="en-IN" dirty="0" smtClean="0"/>
+              <a:rPr lang="en-IN" dirty="0" smtClean="0">
+                <a:solidFill>
+                  <a:schemeClr val="bg2">
+                    <a:lumMod val="50000"/>
+                  </a:schemeClr>
+                </a:solidFill>
+              </a:rPr>
               <a:t>Uses maps to set source and destination.</a:t>
             </a:r>
           </a:p>
@@ -25233,10 +24991,21 @@
               <a:buChar char="•"/>
             </a:pPr>
             <a:r>
-              <a:rPr lang="en-IN" dirty="0" smtClean="0"/>
+              <a:rPr lang="en-IN" dirty="0" smtClean="0">
+                <a:solidFill>
+                  <a:schemeClr val="bg2">
+                    <a:lumMod val="50000"/>
+                  </a:schemeClr>
+                </a:solidFill>
+              </a:rPr>
               <a:t>Use Computer Vision Object Detection to Identify the obstacles in the road and traffic lights.</a:t>
             </a:r>
             <a:endParaRPr lang="en-IN" dirty="0" smtClean="0">
+              <a:solidFill>
+                <a:schemeClr val="bg2">
+                  <a:lumMod val="50000"/>
+                </a:schemeClr>
+              </a:solidFill>
               <a:hlinkClick r:id="rId2"/>
             </a:endParaRPr>
           </a:p>
@@ -25276,7 +25045,13 @@
               <a:buChar char="•"/>
             </a:pPr>
             <a:r>
-              <a:rPr lang="en-IN" dirty="0" smtClean="0"/>
+              <a:rPr lang="en-IN" dirty="0" smtClean="0">
+                <a:solidFill>
+                  <a:schemeClr val="bg2">
+                    <a:lumMod val="50000"/>
+                  </a:schemeClr>
+                </a:solidFill>
+              </a:rPr>
               <a:t>Used to analyse medical reports like X-Rays, MRI etc.</a:t>
             </a:r>
           </a:p>
@@ -25286,10 +25061,22 @@
               <a:buChar char="•"/>
             </a:pPr>
             <a:r>
-              <a:rPr lang="en-IN" dirty="0" smtClean="0"/>
+              <a:rPr lang="en-IN" dirty="0" smtClean="0">
+                <a:solidFill>
+                  <a:schemeClr val="bg2">
+                    <a:lumMod val="50000"/>
+                  </a:schemeClr>
+                </a:solidFill>
+              </a:rPr>
               <a:t>Helps in the diagnosis of disease</a:t>
             </a:r>
-            <a:endParaRPr lang="en-IN" dirty="0"/>
+            <a:endParaRPr lang="en-IN" dirty="0">
+              <a:solidFill>
+                <a:schemeClr val="bg2">
+                  <a:lumMod val="50000"/>
+                </a:schemeClr>
+              </a:solidFill>
+            </a:endParaRPr>
           </a:p>
         </p:txBody>
       </p:sp>
@@ -25502,7 +25289,11 @@
           <a:lstStyle/>
           <a:p>
             <a:r>
-              <a:rPr lang="en-IN" dirty="0" smtClean="0"/>
+              <a:rPr lang="en-IN" dirty="0" smtClean="0">
+                <a:solidFill>
+                  <a:srgbClr val="451717"/>
+                </a:solidFill>
+              </a:rPr>
               <a:t>Figure 6 : Monitoring Task </a:t>
             </a:r>
             <a:r>
@@ -25539,7 +25330,11 @@
           <a:p>
             <a:pPr algn="ctr"/>
             <a:r>
-              <a:rPr lang="en-IN" dirty="0" smtClean="0"/>
+              <a:rPr lang="en-IN" dirty="0" smtClean="0">
+                <a:solidFill>
+                  <a:srgbClr val="451717"/>
+                </a:solidFill>
+              </a:rPr>
               <a:t>Figure 5: Google Lens </a:t>
             </a:r>
             <a:r>
@@ -25579,7 +25374,13 @@
               <a:buChar char="•"/>
             </a:pPr>
             <a:r>
-              <a:rPr lang="en-IN" dirty="0" smtClean="0"/>
+              <a:rPr lang="en-IN" dirty="0" smtClean="0">
+                <a:solidFill>
+                  <a:schemeClr val="bg2">
+                    <a:lumMod val="50000"/>
+                  </a:schemeClr>
+                </a:solidFill>
+              </a:rPr>
               <a:t>Used for monitor the tasks in a manufacturing Industries.</a:t>
             </a:r>
           </a:p>
@@ -25612,8 +25413,14 @@
               <a:buChar char="•"/>
             </a:pPr>
             <a:r>
-              <a:rPr lang="en-IN" dirty="0" smtClean="0"/>
-              <a:t>Google Lens also uses and image detection of computer vision to show the similar results of objects on web.</a:t>
+              <a:rPr lang="en-IN" dirty="0" smtClean="0">
+                <a:solidFill>
+                  <a:schemeClr val="bg2">
+                    <a:lumMod val="50000"/>
+                  </a:schemeClr>
+                </a:solidFill>
+              </a:rPr>
+              <a:t>Google Lens also uses object detection to show the similar results of objects on web.</a:t>
             </a:r>
           </a:p>
           <a:p>
@@ -25622,10 +25429,22 @@
               <a:buChar char="•"/>
             </a:pPr>
             <a:r>
-              <a:rPr lang="en-IN" dirty="0" smtClean="0"/>
+              <a:rPr lang="en-IN" dirty="0" smtClean="0">
+                <a:solidFill>
+                  <a:schemeClr val="bg2">
+                    <a:lumMod val="50000"/>
+                  </a:schemeClr>
+                </a:solidFill>
+              </a:rPr>
               <a:t>Google Lens also identify text in an image and convert in into digital text. </a:t>
             </a:r>
-            <a:endParaRPr lang="en-IN" dirty="0"/>
+            <a:endParaRPr lang="en-IN" dirty="0">
+              <a:solidFill>
+                <a:schemeClr val="bg2">
+                  <a:lumMod val="50000"/>
+                </a:schemeClr>
+              </a:solidFill>
+            </a:endParaRPr>
           </a:p>
         </p:txBody>
       </p:sp>

--- a/Presentation/22BEC032-ARYAN-PURI.pptx
+++ b/Presentation/22BEC032-ARYAN-PURI.pptx
@@ -1422,22 +1422,22 @@
     </dgm:pt>
   </dgm:ptLst>
   <dgm:cxnLst>
+    <dgm:cxn modelId="{8F9FE852-55B8-41EF-95B9-194576ED6D23}" srcId="{0D8B6200-36CB-496B-A007-5DAAA3F8C926}" destId="{E197CE62-D2D9-4474-B8DD-D6A83AFE5E13}" srcOrd="5" destOrd="0" parTransId="{9C538898-33CF-4FD3-8EC9-BCB78387CC87}" sibTransId="{BEB174B4-BC92-4F78-B621-FDD68AFC82E0}"/>
+    <dgm:cxn modelId="{C1DBC5AD-3D8D-4671-BE55-253995E4DC0A}" type="presOf" srcId="{E197CE62-D2D9-4474-B8DD-D6A83AFE5E13}" destId="{A48CB934-370D-46C4-9E18-8387D2B3C2EB}" srcOrd="0" destOrd="0" presId="urn:microsoft.com/office/officeart/2008/layout/VerticalCurvedList"/>
+    <dgm:cxn modelId="{E0CA08E1-9DA5-4913-929E-1F58C0166DFA}" type="presOf" srcId="{981712A5-4D1F-4057-ADDF-F51F5F31B68F}" destId="{37778989-5798-4D95-B81A-80D77CF6FC02}" srcOrd="0" destOrd="0" presId="urn:microsoft.com/office/officeart/2008/layout/VerticalCurvedList"/>
+    <dgm:cxn modelId="{3432E45D-1782-40C6-B687-F584E4BE9999}" srcId="{0D8B6200-36CB-496B-A007-5DAAA3F8C926}" destId="{9C46430F-50A9-4207-A596-CFD56A7964A8}" srcOrd="0" destOrd="0" parTransId="{6401AA60-E921-408B-BF16-EE62C4EA14E6}" sibTransId="{981712A5-4D1F-4057-ADDF-F51F5F31B68F}"/>
+    <dgm:cxn modelId="{4B5AF97A-1C4D-43DF-B54D-2E88D1CF595A}" srcId="{0D8B6200-36CB-496B-A007-5DAAA3F8C926}" destId="{148D630E-3757-4BF6-B265-BC86D0FD2B6F}" srcOrd="2" destOrd="0" parTransId="{09BB42E4-BD8D-4F82-AF7C-9E280BBE90CA}" sibTransId="{EA4C80C4-3059-4758-8497-7462C2521651}"/>
+    <dgm:cxn modelId="{B8A8BFC2-7F5F-4884-8C38-49D4A69EC718}" type="presOf" srcId="{9C46430F-50A9-4207-A596-CFD56A7964A8}" destId="{83DD4071-084D-40DA-837B-DC7C5BA59E04}" srcOrd="0" destOrd="0" presId="urn:microsoft.com/office/officeart/2008/layout/VerticalCurvedList"/>
+    <dgm:cxn modelId="{08704E1D-F19E-451C-A4A7-41157453A695}" type="presOf" srcId="{83E2B95D-66A7-4327-9961-2061916E3E46}" destId="{2B77186D-785D-46AA-9937-2EE65C6F063B}" srcOrd="0" destOrd="0" presId="urn:microsoft.com/office/officeart/2008/layout/VerticalCurvedList"/>
+    <dgm:cxn modelId="{8FA0CAF8-C600-4BD7-B2FE-45283D9FB57D}" type="presOf" srcId="{D2B65C22-24C4-40EF-B91D-7C3B1F1801E5}" destId="{0334CE2A-2A6B-43E9-9368-1323632FE16B}" srcOrd="0" destOrd="0" presId="urn:microsoft.com/office/officeart/2008/layout/VerticalCurvedList"/>
+    <dgm:cxn modelId="{EE05BDC6-802D-4B18-BB61-22C246282187}" type="presOf" srcId="{0D8B6200-36CB-496B-A007-5DAAA3F8C926}" destId="{4518BE26-FBAB-4EC9-99D6-BE7A85193408}" srcOrd="0" destOrd="0" presId="urn:microsoft.com/office/officeart/2008/layout/VerticalCurvedList"/>
     <dgm:cxn modelId="{BAE68B0C-9E7C-4861-9CE2-2AC5DC103225}" type="presOf" srcId="{7D2C1D18-851C-48E4-8BBC-DEAA6E7E8A63}" destId="{3D121B7A-4475-4525-B7A2-7EC5375930D9}" srcOrd="0" destOrd="0" presId="urn:microsoft.com/office/officeart/2008/layout/VerticalCurvedList"/>
+    <dgm:cxn modelId="{6EC377C2-30AA-41A4-B29B-B0810B82B0DA}" srcId="{0D8B6200-36CB-496B-A007-5DAAA3F8C926}" destId="{72849F99-3770-4015-922D-3B4BE6975D2B}" srcOrd="3" destOrd="0" parTransId="{358A1A72-D5E4-4DD0-B01B-38CDBAEADB5B}" sibTransId="{F97998E5-24C7-49B5-97BD-B30682308B95}"/>
+    <dgm:cxn modelId="{1D7E246D-463A-45A0-B01C-E6C65D3BEF4D}" type="presOf" srcId="{72849F99-3770-4015-922D-3B4BE6975D2B}" destId="{88300636-204D-4FD9-9486-55F8262BDC0E}" srcOrd="0" destOrd="0" presId="urn:microsoft.com/office/officeart/2008/layout/VerticalCurvedList"/>
+    <dgm:cxn modelId="{EEE8F807-5201-494D-905A-775DEA33CA61}" type="presOf" srcId="{148D630E-3757-4BF6-B265-BC86D0FD2B6F}" destId="{14AB2552-7751-4877-934C-7EED7EADC334}" srcOrd="0" destOrd="0" presId="urn:microsoft.com/office/officeart/2008/layout/VerticalCurvedList"/>
+    <dgm:cxn modelId="{C25BA4EC-B277-4CAD-B90D-ECDF78F7A438}" srcId="{0D8B6200-36CB-496B-A007-5DAAA3F8C926}" destId="{83E2B95D-66A7-4327-9961-2061916E3E46}" srcOrd="4" destOrd="0" parTransId="{B123ABDF-E441-420B-B19A-54F40BEFB9E6}" sibTransId="{E3624C02-4F65-48C6-95C4-53E6A0933F60}"/>
+    <dgm:cxn modelId="{1A112639-CEAA-42E2-807C-5C4A998F557D}" srcId="{0D8B6200-36CB-496B-A007-5DAAA3F8C926}" destId="{D2B65C22-24C4-40EF-B91D-7C3B1F1801E5}" srcOrd="6" destOrd="0" parTransId="{2D5A9D9E-A5A0-4ADB-AC9D-F4F62AFDFAF7}" sibTransId="{56502258-EC50-484D-A5BE-25D25443D442}"/>
     <dgm:cxn modelId="{399C53FF-B35B-42F6-8A1E-9109375E86C1}" srcId="{0D8B6200-36CB-496B-A007-5DAAA3F8C926}" destId="{7D2C1D18-851C-48E4-8BBC-DEAA6E7E8A63}" srcOrd="1" destOrd="0" parTransId="{E717E16D-8201-4B7D-B910-9A0CEC0D432B}" sibTransId="{D76DCCAE-BE7E-4E5B-8D8D-96DB602B1744}"/>
-    <dgm:cxn modelId="{8F9FE852-55B8-41EF-95B9-194576ED6D23}" srcId="{0D8B6200-36CB-496B-A007-5DAAA3F8C926}" destId="{E197CE62-D2D9-4474-B8DD-D6A83AFE5E13}" srcOrd="5" destOrd="0" parTransId="{9C538898-33CF-4FD3-8EC9-BCB78387CC87}" sibTransId="{BEB174B4-BC92-4F78-B621-FDD68AFC82E0}"/>
-    <dgm:cxn modelId="{1D7E246D-463A-45A0-B01C-E6C65D3BEF4D}" type="presOf" srcId="{72849F99-3770-4015-922D-3B4BE6975D2B}" destId="{88300636-204D-4FD9-9486-55F8262BDC0E}" srcOrd="0" destOrd="0" presId="urn:microsoft.com/office/officeart/2008/layout/VerticalCurvedList"/>
-    <dgm:cxn modelId="{8FA0CAF8-C600-4BD7-B2FE-45283D9FB57D}" type="presOf" srcId="{D2B65C22-24C4-40EF-B91D-7C3B1F1801E5}" destId="{0334CE2A-2A6B-43E9-9368-1323632FE16B}" srcOrd="0" destOrd="0" presId="urn:microsoft.com/office/officeart/2008/layout/VerticalCurvedList"/>
-    <dgm:cxn modelId="{EEE8F807-5201-494D-905A-775DEA33CA61}" type="presOf" srcId="{148D630E-3757-4BF6-B265-BC86D0FD2B6F}" destId="{14AB2552-7751-4877-934C-7EED7EADC334}" srcOrd="0" destOrd="0" presId="urn:microsoft.com/office/officeart/2008/layout/VerticalCurvedList"/>
-    <dgm:cxn modelId="{E0CA08E1-9DA5-4913-929E-1F58C0166DFA}" type="presOf" srcId="{981712A5-4D1F-4057-ADDF-F51F5F31B68F}" destId="{37778989-5798-4D95-B81A-80D77CF6FC02}" srcOrd="0" destOrd="0" presId="urn:microsoft.com/office/officeart/2008/layout/VerticalCurvedList"/>
-    <dgm:cxn modelId="{4B5AF97A-1C4D-43DF-B54D-2E88D1CF595A}" srcId="{0D8B6200-36CB-496B-A007-5DAAA3F8C926}" destId="{148D630E-3757-4BF6-B265-BC86D0FD2B6F}" srcOrd="2" destOrd="0" parTransId="{09BB42E4-BD8D-4F82-AF7C-9E280BBE90CA}" sibTransId="{EA4C80C4-3059-4758-8497-7462C2521651}"/>
-    <dgm:cxn modelId="{C1DBC5AD-3D8D-4671-BE55-253995E4DC0A}" type="presOf" srcId="{E197CE62-D2D9-4474-B8DD-D6A83AFE5E13}" destId="{A48CB934-370D-46C4-9E18-8387D2B3C2EB}" srcOrd="0" destOrd="0" presId="urn:microsoft.com/office/officeart/2008/layout/VerticalCurvedList"/>
-    <dgm:cxn modelId="{1A112639-CEAA-42E2-807C-5C4A998F557D}" srcId="{0D8B6200-36CB-496B-A007-5DAAA3F8C926}" destId="{D2B65C22-24C4-40EF-B91D-7C3B1F1801E5}" srcOrd="6" destOrd="0" parTransId="{2D5A9D9E-A5A0-4ADB-AC9D-F4F62AFDFAF7}" sibTransId="{56502258-EC50-484D-A5BE-25D25443D442}"/>
-    <dgm:cxn modelId="{B8A8BFC2-7F5F-4884-8C38-49D4A69EC718}" type="presOf" srcId="{9C46430F-50A9-4207-A596-CFD56A7964A8}" destId="{83DD4071-084D-40DA-837B-DC7C5BA59E04}" srcOrd="0" destOrd="0" presId="urn:microsoft.com/office/officeart/2008/layout/VerticalCurvedList"/>
-    <dgm:cxn modelId="{EE05BDC6-802D-4B18-BB61-22C246282187}" type="presOf" srcId="{0D8B6200-36CB-496B-A007-5DAAA3F8C926}" destId="{4518BE26-FBAB-4EC9-99D6-BE7A85193408}" srcOrd="0" destOrd="0" presId="urn:microsoft.com/office/officeart/2008/layout/VerticalCurvedList"/>
-    <dgm:cxn modelId="{6EC377C2-30AA-41A4-B29B-B0810B82B0DA}" srcId="{0D8B6200-36CB-496B-A007-5DAAA3F8C926}" destId="{72849F99-3770-4015-922D-3B4BE6975D2B}" srcOrd="3" destOrd="0" parTransId="{358A1A72-D5E4-4DD0-B01B-38CDBAEADB5B}" sibTransId="{F97998E5-24C7-49B5-97BD-B30682308B95}"/>
-    <dgm:cxn modelId="{08704E1D-F19E-451C-A4A7-41157453A695}" type="presOf" srcId="{83E2B95D-66A7-4327-9961-2061916E3E46}" destId="{2B77186D-785D-46AA-9937-2EE65C6F063B}" srcOrd="0" destOrd="0" presId="urn:microsoft.com/office/officeart/2008/layout/VerticalCurvedList"/>
-    <dgm:cxn modelId="{C25BA4EC-B277-4CAD-B90D-ECDF78F7A438}" srcId="{0D8B6200-36CB-496B-A007-5DAAA3F8C926}" destId="{83E2B95D-66A7-4327-9961-2061916E3E46}" srcOrd="4" destOrd="0" parTransId="{B123ABDF-E441-420B-B19A-54F40BEFB9E6}" sibTransId="{E3624C02-4F65-48C6-95C4-53E6A0933F60}"/>
-    <dgm:cxn modelId="{3432E45D-1782-40C6-B687-F584E4BE9999}" srcId="{0D8B6200-36CB-496B-A007-5DAAA3F8C926}" destId="{9C46430F-50A9-4207-A596-CFD56A7964A8}" srcOrd="0" destOrd="0" parTransId="{6401AA60-E921-408B-BF16-EE62C4EA14E6}" sibTransId="{981712A5-4D1F-4057-ADDF-F51F5F31B68F}"/>
     <dgm:cxn modelId="{F2502E17-BE88-4145-A957-FBC3F8A1F0B3}" type="presParOf" srcId="{4518BE26-FBAB-4EC9-99D6-BE7A85193408}" destId="{9343E378-D2F9-4F7B-9B84-99E80207056A}" srcOrd="0" destOrd="0" presId="urn:microsoft.com/office/officeart/2008/layout/VerticalCurvedList"/>
     <dgm:cxn modelId="{00C4F62B-96C6-4707-B2EC-94BB21842413}" type="presParOf" srcId="{9343E378-D2F9-4F7B-9B84-99E80207056A}" destId="{5DA60F15-34FB-4A06-9360-14431F0B5D5B}" srcOrd="0" destOrd="0" presId="urn:microsoft.com/office/officeart/2008/layout/VerticalCurvedList"/>
     <dgm:cxn modelId="{63041955-5452-4E48-A251-44BF6E9B799F}" type="presParOf" srcId="{5DA60F15-34FB-4A06-9360-14431F0B5D5B}" destId="{8FE4046D-2646-47C4-847D-5308E63E2E9D}" srcOrd="0" destOrd="0" presId="urn:microsoft.com/office/officeart/2008/layout/VerticalCurvedList"/>
@@ -4802,7 +4802,7 @@
           <a:p>
             <a:fld id="{2A7BC5EC-9E33-49A7-9216-DEE32BFA872B}" type="datetimeFigureOut">
               <a:rPr lang="en-IN" smtClean="0"/>
-              <a:t>13-02-2025</a:t>
+              <a:t>02-03-2025</a:t>
             </a:fld>
             <a:endParaRPr lang="en-IN"/>
           </a:p>
@@ -5120,7 +5120,7 @@
           <a:noFill/>
           <a:extLst>
             <a:ext uri="{909E8E84-426E-40dd-AFC4-6F175D3DCCD1}">
-              <a14:hiddenFill xmlns:a14="http://schemas.microsoft.com/office/drawing/2010/main" xmlns="">
+              <a14:hiddenFill xmlns="" xmlns:a14="http://schemas.microsoft.com/office/drawing/2010/main">
                 <a:solidFill>
                   <a:srgbClr val="FFFFFF"/>
                 </a:solidFill>
@@ -5180,7 +5180,7 @@
             </a:ln>
             <a:extLst>
               <a:ext uri="{91240B29-F687-4f45-9708-019B960494DF}">
-                <a14:hiddenLine xmlns:a14="http://schemas.microsoft.com/office/drawing/2010/main" xmlns="" w="9525">
+                <a14:hiddenLine xmlns="" xmlns:a14="http://schemas.microsoft.com/office/drawing/2010/main" w="9525">
                   <a:solidFill>
                     <a:srgbClr val="000000"/>
                   </a:solidFill>
@@ -5270,7 +5270,7 @@
             </a:ln>
             <a:extLst>
               <a:ext uri="{91240B29-F687-4f45-9708-019B960494DF}">
-                <a14:hiddenLine xmlns:a14="http://schemas.microsoft.com/office/drawing/2010/main" xmlns="" w="9525">
+                <a14:hiddenLine xmlns="" xmlns:a14="http://schemas.microsoft.com/office/drawing/2010/main" w="9525">
                   <a:solidFill>
                     <a:srgbClr val="000000"/>
                   </a:solidFill>
@@ -5360,7 +5360,7 @@
             </a:ln>
             <a:extLst>
               <a:ext uri="{91240B29-F687-4f45-9708-019B960494DF}">
-                <a14:hiddenLine xmlns:a14="http://schemas.microsoft.com/office/drawing/2010/main" xmlns="" w="9525">
+                <a14:hiddenLine xmlns="" xmlns:a14="http://schemas.microsoft.com/office/drawing/2010/main" w="9525">
                   <a:solidFill>
                     <a:srgbClr val="000000"/>
                   </a:solidFill>
@@ -5394,7 +5394,7 @@
             </a:ln>
             <a:extLst>
               <a:ext uri="{91240B29-F687-4f45-9708-019B960494DF}">
-                <a14:hiddenLine xmlns:a14="http://schemas.microsoft.com/office/drawing/2010/main" xmlns="" w="9525">
+                <a14:hiddenLine xmlns="" xmlns:a14="http://schemas.microsoft.com/office/drawing/2010/main" w="9525">
                   <a:solidFill>
                     <a:srgbClr val="000000"/>
                   </a:solidFill>
@@ -5484,7 +5484,7 @@
             </a:ln>
             <a:extLst>
               <a:ext uri="{91240B29-F687-4f45-9708-019B960494DF}">
-                <a14:hiddenLine xmlns:a14="http://schemas.microsoft.com/office/drawing/2010/main" xmlns="" w="9525">
+                <a14:hiddenLine xmlns="" xmlns:a14="http://schemas.microsoft.com/office/drawing/2010/main" w="9525">
                   <a:solidFill>
                     <a:srgbClr val="000000"/>
                   </a:solidFill>
@@ -5546,7 +5546,7 @@
             </a:ln>
             <a:extLst>
               <a:ext uri="{91240B29-F687-4f45-9708-019B960494DF}">
-                <a14:hiddenLine xmlns:a14="http://schemas.microsoft.com/office/drawing/2010/main" xmlns="" w="9525">
+                <a14:hiddenLine xmlns="" xmlns:a14="http://schemas.microsoft.com/office/drawing/2010/main" w="9525">
                   <a:solidFill>
                     <a:srgbClr val="000000"/>
                   </a:solidFill>
@@ -5608,7 +5608,7 @@
             </a:ln>
             <a:extLst>
               <a:ext uri="{91240B29-F687-4f45-9708-019B960494DF}">
-                <a14:hiddenLine xmlns:a14="http://schemas.microsoft.com/office/drawing/2010/main" xmlns="" w="9525">
+                <a14:hiddenLine xmlns="" xmlns:a14="http://schemas.microsoft.com/office/drawing/2010/main" w="9525">
                   <a:solidFill>
                     <a:srgbClr val="000000"/>
                   </a:solidFill>
@@ -5698,7 +5698,7 @@
             </a:ln>
             <a:extLst>
               <a:ext uri="{91240B29-F687-4f45-9708-019B960494DF}">
-                <a14:hiddenLine xmlns:a14="http://schemas.microsoft.com/office/drawing/2010/main" xmlns="" w="9525">
+                <a14:hiddenLine xmlns="" xmlns:a14="http://schemas.microsoft.com/office/drawing/2010/main" w="9525">
                   <a:solidFill>
                     <a:srgbClr val="000000"/>
                   </a:solidFill>
@@ -5760,7 +5760,7 @@
             </a:ln>
             <a:extLst>
               <a:ext uri="{91240B29-F687-4f45-9708-019B960494DF}">
-                <a14:hiddenLine xmlns:a14="http://schemas.microsoft.com/office/drawing/2010/main" xmlns="" w="9525">
+                <a14:hiddenLine xmlns="" xmlns:a14="http://schemas.microsoft.com/office/drawing/2010/main" w="9525">
                   <a:solidFill>
                     <a:srgbClr val="000000"/>
                   </a:solidFill>
@@ -5822,7 +5822,7 @@
             </a:ln>
             <a:extLst>
               <a:ext uri="{91240B29-F687-4f45-9708-019B960494DF}">
-                <a14:hiddenLine xmlns:a14="http://schemas.microsoft.com/office/drawing/2010/main" xmlns="" w="9525">
+                <a14:hiddenLine xmlns="" xmlns:a14="http://schemas.microsoft.com/office/drawing/2010/main" w="9525">
                   <a:solidFill>
                     <a:srgbClr val="000000"/>
                   </a:solidFill>
@@ -5912,7 +5912,7 @@
             </a:ln>
             <a:extLst>
               <a:ext uri="{91240B29-F687-4f45-9708-019B960494DF}">
-                <a14:hiddenLine xmlns:a14="http://schemas.microsoft.com/office/drawing/2010/main" xmlns="" w="9525">
+                <a14:hiddenLine xmlns="" xmlns:a14="http://schemas.microsoft.com/office/drawing/2010/main" w="9525">
                   <a:solidFill>
                     <a:srgbClr val="000000"/>
                   </a:solidFill>
@@ -6002,7 +6002,7 @@
             </a:ln>
             <a:extLst>
               <a:ext uri="{91240B29-F687-4f45-9708-019B960494DF}">
-                <a14:hiddenLine xmlns:a14="http://schemas.microsoft.com/office/drawing/2010/main" xmlns="" w="9525">
+                <a14:hiddenLine xmlns="" xmlns:a14="http://schemas.microsoft.com/office/drawing/2010/main" w="9525">
                   <a:solidFill>
                     <a:srgbClr val="000000"/>
                   </a:solidFill>
@@ -6064,7 +6064,7 @@
             </a:ln>
             <a:extLst>
               <a:ext uri="{91240B29-F687-4f45-9708-019B960494DF}">
-                <a14:hiddenLine xmlns:a14="http://schemas.microsoft.com/office/drawing/2010/main" xmlns="" w="9525">
+                <a14:hiddenLine xmlns="" xmlns:a14="http://schemas.microsoft.com/office/drawing/2010/main" w="9525">
                   <a:solidFill>
                     <a:srgbClr val="000000"/>
                   </a:solidFill>
@@ -6174,7 +6174,7 @@
             </a:ln>
             <a:extLst>
               <a:ext uri="{91240B29-F687-4f45-9708-019B960494DF}">
-                <a14:hiddenLine xmlns:a14="http://schemas.microsoft.com/office/drawing/2010/main" xmlns="" w="9525">
+                <a14:hiddenLine xmlns="" xmlns:a14="http://schemas.microsoft.com/office/drawing/2010/main" w="9525">
                   <a:solidFill>
                     <a:srgbClr val="000000"/>
                   </a:solidFill>
@@ -6236,7 +6236,7 @@
             </a:ln>
             <a:extLst>
               <a:ext uri="{91240B29-F687-4f45-9708-019B960494DF}">
-                <a14:hiddenLine xmlns:a14="http://schemas.microsoft.com/office/drawing/2010/main" xmlns="" w="9525">
+                <a14:hiddenLine xmlns="" xmlns:a14="http://schemas.microsoft.com/office/drawing/2010/main" w="9525">
                   <a:solidFill>
                     <a:srgbClr val="000000"/>
                   </a:solidFill>
@@ -6326,7 +6326,7 @@
             </a:ln>
             <a:extLst>
               <a:ext uri="{91240B29-F687-4f45-9708-019B960494DF}">
-                <a14:hiddenLine xmlns:a14="http://schemas.microsoft.com/office/drawing/2010/main" xmlns="" w="9525">
+                <a14:hiddenLine xmlns="" xmlns:a14="http://schemas.microsoft.com/office/drawing/2010/main" w="9525">
                   <a:solidFill>
                     <a:srgbClr val="000000"/>
                   </a:solidFill>
@@ -6416,7 +6416,7 @@
             </a:ln>
             <a:extLst>
               <a:ext uri="{91240B29-F687-4f45-9708-019B960494DF}">
-                <a14:hiddenLine xmlns:a14="http://schemas.microsoft.com/office/drawing/2010/main" xmlns="" w="9525">
+                <a14:hiddenLine xmlns="" xmlns:a14="http://schemas.microsoft.com/office/drawing/2010/main" w="9525">
                   <a:solidFill>
                     <a:srgbClr val="000000"/>
                   </a:solidFill>
@@ -6478,7 +6478,7 @@
             </a:ln>
             <a:extLst>
               <a:ext uri="{91240B29-F687-4f45-9708-019B960494DF}">
-                <a14:hiddenLine xmlns:a14="http://schemas.microsoft.com/office/drawing/2010/main" xmlns="" w="9525">
+                <a14:hiddenLine xmlns="" xmlns:a14="http://schemas.microsoft.com/office/drawing/2010/main" w="9525">
                   <a:solidFill>
                     <a:srgbClr val="000000"/>
                   </a:solidFill>
@@ -6568,7 +6568,7 @@
             </a:ln>
             <a:extLst>
               <a:ext uri="{91240B29-F687-4f45-9708-019B960494DF}">
-                <a14:hiddenLine xmlns:a14="http://schemas.microsoft.com/office/drawing/2010/main" xmlns="" w="9525">
+                <a14:hiddenLine xmlns="" xmlns:a14="http://schemas.microsoft.com/office/drawing/2010/main" w="9525">
                   <a:solidFill>
                     <a:srgbClr val="000000"/>
                   </a:solidFill>
@@ -6658,7 +6658,7 @@
             </a:ln>
             <a:extLst>
               <a:ext uri="{91240B29-F687-4f45-9708-019B960494DF}">
-                <a14:hiddenLine xmlns:a14="http://schemas.microsoft.com/office/drawing/2010/main" xmlns="" w="9525">
+                <a14:hiddenLine xmlns="" xmlns:a14="http://schemas.microsoft.com/office/drawing/2010/main" w="9525">
                   <a:solidFill>
                     <a:srgbClr val="000000"/>
                   </a:solidFill>
@@ -6714,7 +6714,7 @@
             </a:ln>
             <a:extLst>
               <a:ext uri="{91240B29-F687-4f45-9708-019B960494DF}">
-                <a14:hiddenLine xmlns:a14="http://schemas.microsoft.com/office/drawing/2010/main" xmlns="" w="9525">
+                <a14:hiddenLine xmlns="" xmlns:a14="http://schemas.microsoft.com/office/drawing/2010/main" w="9525">
                   <a:solidFill>
                     <a:srgbClr val="000000"/>
                   </a:solidFill>
@@ -6804,7 +6804,7 @@
             </a:ln>
             <a:extLst>
               <a:ext uri="{91240B29-F687-4f45-9708-019B960494DF}">
-                <a14:hiddenLine xmlns:a14="http://schemas.microsoft.com/office/drawing/2010/main" xmlns="" w="9525">
+                <a14:hiddenLine xmlns="" xmlns:a14="http://schemas.microsoft.com/office/drawing/2010/main" w="9525">
                   <a:solidFill>
                     <a:srgbClr val="000000"/>
                   </a:solidFill>
@@ -6860,7 +6860,7 @@
             </a:ln>
             <a:extLst>
               <a:ext uri="{91240B29-F687-4f45-9708-019B960494DF}">
-                <a14:hiddenLine xmlns:a14="http://schemas.microsoft.com/office/drawing/2010/main" xmlns="" w="9525">
+                <a14:hiddenLine xmlns="" xmlns:a14="http://schemas.microsoft.com/office/drawing/2010/main" w="9525">
                   <a:solidFill>
                     <a:srgbClr val="000000"/>
                   </a:solidFill>
@@ -6950,7 +6950,7 @@
             </a:ln>
             <a:extLst>
               <a:ext uri="{91240B29-F687-4f45-9708-019B960494DF}">
-                <a14:hiddenLine xmlns:a14="http://schemas.microsoft.com/office/drawing/2010/main" xmlns="" w="9525">
+                <a14:hiddenLine xmlns="" xmlns:a14="http://schemas.microsoft.com/office/drawing/2010/main" w="9525">
                   <a:solidFill>
                     <a:srgbClr val="000000"/>
                   </a:solidFill>
@@ -7018,7 +7018,7 @@
             </a:ln>
             <a:extLst>
               <a:ext uri="{91240B29-F687-4f45-9708-019B960494DF}">
-                <a14:hiddenLine xmlns:a14="http://schemas.microsoft.com/office/drawing/2010/main" xmlns="" w="9525">
+                <a14:hiddenLine xmlns="" xmlns:a14="http://schemas.microsoft.com/office/drawing/2010/main" w="9525">
                   <a:solidFill>
                     <a:srgbClr val="000000"/>
                   </a:solidFill>
@@ -7108,7 +7108,7 @@
             </a:ln>
             <a:extLst>
               <a:ext uri="{91240B29-F687-4f45-9708-019B960494DF}">
-                <a14:hiddenLine xmlns:a14="http://schemas.microsoft.com/office/drawing/2010/main" xmlns="" w="9525">
+                <a14:hiddenLine xmlns="" xmlns:a14="http://schemas.microsoft.com/office/drawing/2010/main" w="9525">
                   <a:solidFill>
                     <a:srgbClr val="000000"/>
                   </a:solidFill>
@@ -7176,7 +7176,7 @@
             </a:ln>
             <a:extLst>
               <a:ext uri="{91240B29-F687-4f45-9708-019B960494DF}">
-                <a14:hiddenLine xmlns:a14="http://schemas.microsoft.com/office/drawing/2010/main" xmlns="" w="9525">
+                <a14:hiddenLine xmlns="" xmlns:a14="http://schemas.microsoft.com/office/drawing/2010/main" w="9525">
                   <a:solidFill>
                     <a:srgbClr val="000000"/>
                   </a:solidFill>
@@ -7266,7 +7266,7 @@
             </a:ln>
             <a:extLst>
               <a:ext uri="{91240B29-F687-4f45-9708-019B960494DF}">
-                <a14:hiddenLine xmlns:a14="http://schemas.microsoft.com/office/drawing/2010/main" xmlns="" w="9525">
+                <a14:hiddenLine xmlns="" xmlns:a14="http://schemas.microsoft.com/office/drawing/2010/main" w="9525">
                   <a:solidFill>
                     <a:srgbClr val="000000"/>
                   </a:solidFill>
@@ -7300,7 +7300,7 @@
             </a:ln>
             <a:extLst>
               <a:ext uri="{91240B29-F687-4f45-9708-019B960494DF}">
-                <a14:hiddenLine xmlns:a14="http://schemas.microsoft.com/office/drawing/2010/main" xmlns="" w="9525">
+                <a14:hiddenLine xmlns="" xmlns:a14="http://schemas.microsoft.com/office/drawing/2010/main" w="9525">
                   <a:solidFill>
                     <a:srgbClr val="000000"/>
                   </a:solidFill>
@@ -7390,7 +7390,7 @@
             </a:ln>
             <a:extLst>
               <a:ext uri="{91240B29-F687-4f45-9708-019B960494DF}">
-                <a14:hiddenLine xmlns:a14="http://schemas.microsoft.com/office/drawing/2010/main" xmlns="" w="9525">
+                <a14:hiddenLine xmlns="" xmlns:a14="http://schemas.microsoft.com/office/drawing/2010/main" w="9525">
                   <a:solidFill>
                     <a:srgbClr val="000000"/>
                   </a:solidFill>
@@ -7452,7 +7452,7 @@
             </a:ln>
             <a:extLst>
               <a:ext uri="{91240B29-F687-4f45-9708-019B960494DF}">
-                <a14:hiddenLine xmlns:a14="http://schemas.microsoft.com/office/drawing/2010/main" xmlns="" w="9525">
+                <a14:hiddenLine xmlns="" xmlns:a14="http://schemas.microsoft.com/office/drawing/2010/main" w="9525">
                   <a:solidFill>
                     <a:srgbClr val="000000"/>
                   </a:solidFill>
@@ -7514,7 +7514,7 @@
             </a:ln>
             <a:extLst>
               <a:ext uri="{91240B29-F687-4f45-9708-019B960494DF}">
-                <a14:hiddenLine xmlns:a14="http://schemas.microsoft.com/office/drawing/2010/main" xmlns="" w="9525">
+                <a14:hiddenLine xmlns="" xmlns:a14="http://schemas.microsoft.com/office/drawing/2010/main" w="9525">
                   <a:solidFill>
                     <a:srgbClr val="000000"/>
                   </a:solidFill>
@@ -7604,7 +7604,7 @@
             </a:ln>
             <a:extLst>
               <a:ext uri="{91240B29-F687-4f45-9708-019B960494DF}">
-                <a14:hiddenLine xmlns:a14="http://schemas.microsoft.com/office/drawing/2010/main" xmlns="" w="9525">
+                <a14:hiddenLine xmlns="" xmlns:a14="http://schemas.microsoft.com/office/drawing/2010/main" w="9525">
                   <a:solidFill>
                     <a:srgbClr val="000000"/>
                   </a:solidFill>
@@ -7672,7 +7672,7 @@
             </a:ln>
             <a:extLst>
               <a:ext uri="{91240B29-F687-4f45-9708-019B960494DF}">
-                <a14:hiddenLine xmlns:a14="http://schemas.microsoft.com/office/drawing/2010/main" xmlns="" w="9525">
+                <a14:hiddenLine xmlns="" xmlns:a14="http://schemas.microsoft.com/office/drawing/2010/main" w="9525">
                   <a:solidFill>
                     <a:srgbClr val="000000"/>
                   </a:solidFill>
@@ -7734,7 +7734,7 @@
             </a:ln>
             <a:extLst>
               <a:ext uri="{91240B29-F687-4f45-9708-019B960494DF}">
-                <a14:hiddenLine xmlns:a14="http://schemas.microsoft.com/office/drawing/2010/main" xmlns="" w="9525">
+                <a14:hiddenLine xmlns="" xmlns:a14="http://schemas.microsoft.com/office/drawing/2010/main" w="9525">
                   <a:solidFill>
                     <a:srgbClr val="000000"/>
                   </a:solidFill>
@@ -7824,7 +7824,7 @@
             </a:ln>
             <a:extLst>
               <a:ext uri="{91240B29-F687-4f45-9708-019B960494DF}">
-                <a14:hiddenLine xmlns:a14="http://schemas.microsoft.com/office/drawing/2010/main" xmlns="" w="9525">
+                <a14:hiddenLine xmlns="" xmlns:a14="http://schemas.microsoft.com/office/drawing/2010/main" w="9525">
                   <a:solidFill>
                     <a:srgbClr val="000000"/>
                   </a:solidFill>
@@ -7886,7 +7886,7 @@
             </a:ln>
             <a:extLst>
               <a:ext uri="{91240B29-F687-4f45-9708-019B960494DF}">
-                <a14:hiddenLine xmlns:a14="http://schemas.microsoft.com/office/drawing/2010/main" xmlns="" w="9525">
+                <a14:hiddenLine xmlns="" xmlns:a14="http://schemas.microsoft.com/office/drawing/2010/main" w="9525">
                   <a:solidFill>
                     <a:srgbClr val="000000"/>
                   </a:solidFill>
@@ -7976,7 +7976,7 @@
             </a:ln>
             <a:extLst>
               <a:ext uri="{91240B29-F687-4f45-9708-019B960494DF}">
-                <a14:hiddenLine xmlns:a14="http://schemas.microsoft.com/office/drawing/2010/main" xmlns="" w="9525">
+                <a14:hiddenLine xmlns="" xmlns:a14="http://schemas.microsoft.com/office/drawing/2010/main" w="9525">
                   <a:solidFill>
                     <a:srgbClr val="000000"/>
                   </a:solidFill>
@@ -8038,7 +8038,7 @@
             </a:ln>
             <a:extLst>
               <a:ext uri="{91240B29-F687-4f45-9708-019B960494DF}">
-                <a14:hiddenLine xmlns:a14="http://schemas.microsoft.com/office/drawing/2010/main" xmlns="" w="9525">
+                <a14:hiddenLine xmlns="" xmlns:a14="http://schemas.microsoft.com/office/drawing/2010/main" w="9525">
                   <a:solidFill>
                     <a:srgbClr val="000000"/>
                   </a:solidFill>
@@ -8128,7 +8128,7 @@
             </a:ln>
             <a:extLst>
               <a:ext uri="{91240B29-F687-4f45-9708-019B960494DF}">
-                <a14:hiddenLine xmlns:a14="http://schemas.microsoft.com/office/drawing/2010/main" xmlns="" w="9525">
+                <a14:hiddenLine xmlns="" xmlns:a14="http://schemas.microsoft.com/office/drawing/2010/main" w="9525">
                   <a:solidFill>
                     <a:srgbClr val="000000"/>
                   </a:solidFill>
@@ -8162,7 +8162,7 @@
             </a:ln>
             <a:extLst>
               <a:ext uri="{91240B29-F687-4f45-9708-019B960494DF}">
-                <a14:hiddenLine xmlns:a14="http://schemas.microsoft.com/office/drawing/2010/main" xmlns="" w="9525">
+                <a14:hiddenLine xmlns="" xmlns:a14="http://schemas.microsoft.com/office/drawing/2010/main" w="9525">
                   <a:solidFill>
                     <a:srgbClr val="000000"/>
                   </a:solidFill>
@@ -8227,7 +8227,7 @@
             </a:ln>
             <a:extLst>
               <a:ext uri="{91240B29-F687-4f45-9708-019B960494DF}">
-                <a14:hiddenLine xmlns:a14="http://schemas.microsoft.com/office/drawing/2010/main" xmlns="" w="9525">
+                <a14:hiddenLine xmlns="" xmlns:a14="http://schemas.microsoft.com/office/drawing/2010/main" w="9525">
                   <a:solidFill>
                     <a:srgbClr val="000000"/>
                   </a:solidFill>
@@ -8317,7 +8317,7 @@
             </a:ln>
             <a:extLst>
               <a:ext uri="{91240B29-F687-4f45-9708-019B960494DF}">
-                <a14:hiddenLine xmlns:a14="http://schemas.microsoft.com/office/drawing/2010/main" xmlns="" w="9525">
+                <a14:hiddenLine xmlns="" xmlns:a14="http://schemas.microsoft.com/office/drawing/2010/main" w="9525">
                   <a:solidFill>
                     <a:srgbClr val="000000"/>
                   </a:solidFill>
@@ -8379,7 +8379,7 @@
             </a:ln>
             <a:extLst>
               <a:ext uri="{91240B29-F687-4f45-9708-019B960494DF}">
-                <a14:hiddenLine xmlns:a14="http://schemas.microsoft.com/office/drawing/2010/main" xmlns="" w="9525">
+                <a14:hiddenLine xmlns="" xmlns:a14="http://schemas.microsoft.com/office/drawing/2010/main" w="9525">
                   <a:solidFill>
                     <a:srgbClr val="000000"/>
                   </a:solidFill>
@@ -8469,7 +8469,7 @@
             </a:ln>
             <a:extLst>
               <a:ext uri="{91240B29-F687-4f45-9708-019B960494DF}">
-                <a14:hiddenLine xmlns:a14="http://schemas.microsoft.com/office/drawing/2010/main" xmlns="" w="9525">
+                <a14:hiddenLine xmlns="" xmlns:a14="http://schemas.microsoft.com/office/drawing/2010/main" w="9525">
                   <a:solidFill>
                     <a:srgbClr val="000000"/>
                   </a:solidFill>
@@ -8559,7 +8559,7 @@
             </a:ln>
             <a:extLst>
               <a:ext uri="{91240B29-F687-4f45-9708-019B960494DF}">
-                <a14:hiddenLine xmlns:a14="http://schemas.microsoft.com/office/drawing/2010/main" xmlns="" w="9525">
+                <a14:hiddenLine xmlns="" xmlns:a14="http://schemas.microsoft.com/office/drawing/2010/main" w="9525">
                   <a:solidFill>
                     <a:srgbClr val="000000"/>
                   </a:solidFill>
@@ -8624,7 +8624,7 @@
             </a:ln>
             <a:extLst>
               <a:ext uri="{91240B29-F687-4f45-9708-019B960494DF}">
-                <a14:hiddenLine xmlns:a14="http://schemas.microsoft.com/office/drawing/2010/main" xmlns="" w="9525">
+                <a14:hiddenLine xmlns="" xmlns:a14="http://schemas.microsoft.com/office/drawing/2010/main" w="9525">
                   <a:solidFill>
                     <a:srgbClr val="000000"/>
                   </a:solidFill>
@@ -8686,7 +8686,7 @@
             </a:ln>
             <a:extLst>
               <a:ext uri="{91240B29-F687-4f45-9708-019B960494DF}">
-                <a14:hiddenLine xmlns:a14="http://schemas.microsoft.com/office/drawing/2010/main" xmlns="" w="9525">
+                <a14:hiddenLine xmlns="" xmlns:a14="http://schemas.microsoft.com/office/drawing/2010/main" w="9525">
                   <a:solidFill>
                     <a:srgbClr val="000000"/>
                   </a:solidFill>
@@ -8776,7 +8776,7 @@
             </a:ln>
             <a:extLst>
               <a:ext uri="{91240B29-F687-4f45-9708-019B960494DF}">
-                <a14:hiddenLine xmlns:a14="http://schemas.microsoft.com/office/drawing/2010/main" xmlns="" w="9525">
+                <a14:hiddenLine xmlns="" xmlns:a14="http://schemas.microsoft.com/office/drawing/2010/main" w="9525">
                   <a:solidFill>
                     <a:srgbClr val="000000"/>
                   </a:solidFill>
@@ -8866,7 +8866,7 @@
             </a:ln>
             <a:extLst>
               <a:ext uri="{91240B29-F687-4f45-9708-019B960494DF}">
-                <a14:hiddenLine xmlns:a14="http://schemas.microsoft.com/office/drawing/2010/main" xmlns="" w="9525">
+                <a14:hiddenLine xmlns="" xmlns:a14="http://schemas.microsoft.com/office/drawing/2010/main" w="9525">
                   <a:solidFill>
                     <a:srgbClr val="000000"/>
                   </a:solidFill>
@@ -8928,7 +8928,7 @@
             </a:ln>
             <a:extLst>
               <a:ext uri="{91240B29-F687-4f45-9708-019B960494DF}">
-                <a14:hiddenLine xmlns:a14="http://schemas.microsoft.com/office/drawing/2010/main" xmlns="" w="9525">
+                <a14:hiddenLine xmlns="" xmlns:a14="http://schemas.microsoft.com/office/drawing/2010/main" w="9525">
                   <a:solidFill>
                     <a:srgbClr val="000000"/>
                   </a:solidFill>
@@ -9048,7 +9048,7 @@
             </a:ln>
             <a:extLst>
               <a:ext uri="{91240B29-F687-4f45-9708-019B960494DF}">
-                <a14:hiddenLine xmlns:a14="http://schemas.microsoft.com/office/drawing/2010/main" xmlns="" w="9525">
+                <a14:hiddenLine xmlns="" xmlns:a14="http://schemas.microsoft.com/office/drawing/2010/main" w="9525">
                   <a:solidFill>
                     <a:srgbClr val="000000"/>
                   </a:solidFill>
@@ -9116,7 +9116,7 @@
             </a:ln>
             <a:extLst>
               <a:ext uri="{91240B29-F687-4f45-9708-019B960494DF}">
-                <a14:hiddenLine xmlns:a14="http://schemas.microsoft.com/office/drawing/2010/main" xmlns="" w="9525">
+                <a14:hiddenLine xmlns="" xmlns:a14="http://schemas.microsoft.com/office/drawing/2010/main" w="9525">
                   <a:solidFill>
                     <a:srgbClr val="000000"/>
                   </a:solidFill>
@@ -9206,7 +9206,7 @@
             </a:ln>
             <a:extLst>
               <a:ext uri="{91240B29-F687-4f45-9708-019B960494DF}">
-                <a14:hiddenLine xmlns:a14="http://schemas.microsoft.com/office/drawing/2010/main" xmlns="" w="9525">
+                <a14:hiddenLine xmlns="" xmlns:a14="http://schemas.microsoft.com/office/drawing/2010/main" w="9525">
                   <a:solidFill>
                     <a:srgbClr val="000000"/>
                   </a:solidFill>
@@ -9346,7 +9346,7 @@
           <a:p>
             <a:fld id="{B52A910B-62A7-4E1E-B3C0-ADEE33A92941}" type="datetime1">
               <a:rPr lang="en-IN" smtClean="0"/>
-              <a:t>13-02-2025</a:t>
+              <a:t>02-03-2025</a:t>
             </a:fld>
             <a:endParaRPr lang="en-IN"/>
           </a:p>
@@ -9616,7 +9616,7 @@
           <a:p>
             <a:fld id="{9D628BE6-4C6E-4407-966D-63568283CF98}" type="datetime1">
               <a:rPr lang="en-IN" smtClean="0"/>
-              <a:t>13-02-2025</a:t>
+              <a:t>02-03-2025</a:t>
             </a:fld>
             <a:endParaRPr lang="en-IN"/>
           </a:p>
@@ -9815,7 +9815,7 @@
           <a:p>
             <a:fld id="{DA48C904-E2DD-4142-982B-F6DD47119002}" type="datetime1">
               <a:rPr lang="en-IN" smtClean="0"/>
-              <a:t>13-02-2025</a:t>
+              <a:t>02-03-2025</a:t>
             </a:fld>
             <a:endParaRPr lang="en-IN"/>
           </a:p>
@@ -10081,7 +10081,7 @@
           <a:p>
             <a:fld id="{40948B57-0A93-4B85-A16B-FBC3E100F2BC}" type="datetime1">
               <a:rPr lang="en-IN" smtClean="0"/>
-              <a:t>13-02-2025</a:t>
+              <a:t>02-03-2025</a:t>
             </a:fld>
             <a:endParaRPr lang="en-IN"/>
           </a:p>
@@ -10518,7 +10518,7 @@
           <a:p>
             <a:fld id="{FECAAA6D-2E8C-4D9A-A6A9-BE966EE6CF5A}" type="datetime1">
               <a:rPr lang="en-IN" smtClean="0"/>
-              <a:t>13-02-2025</a:t>
+              <a:t>02-03-2025</a:t>
             </a:fld>
             <a:endParaRPr lang="en-IN"/>
           </a:p>
@@ -11067,7 +11067,7 @@
           <a:p>
             <a:fld id="{A93EA0AC-39D6-4A25-9A5E-51C62B544299}" type="datetime1">
               <a:rPr lang="en-IN" smtClean="0"/>
-              <a:t>13-02-2025</a:t>
+              <a:t>02-03-2025</a:t>
             </a:fld>
             <a:endParaRPr lang="en-IN"/>
           </a:p>
@@ -11790,7 +11790,7 @@
           <a:p>
             <a:fld id="{98569F31-AFCF-445E-850E-43B6AA89D957}" type="datetime1">
               <a:rPr lang="en-IN" smtClean="0"/>
-              <a:t>13-02-2025</a:t>
+              <a:t>02-03-2025</a:t>
             </a:fld>
             <a:endParaRPr lang="en-IN"/>
           </a:p>
@@ -11963,7 +11963,7 @@
           <a:p>
             <a:fld id="{C50A078A-B9C1-4794-984A-4747680CD064}" type="datetime1">
               <a:rPr lang="en-IN" smtClean="0"/>
-              <a:t>13-02-2025</a:t>
+              <a:t>02-03-2025</a:t>
             </a:fld>
             <a:endParaRPr lang="en-IN"/>
           </a:p>
@@ -12146,7 +12146,7 @@
           <a:p>
             <a:fld id="{5D51BB25-042A-40C5-88E0-EEF356BF3F4C}" type="datetime1">
               <a:rPr lang="en-IN" smtClean="0"/>
-              <a:t>13-02-2025</a:t>
+              <a:t>02-03-2025</a:t>
             </a:fld>
             <a:endParaRPr lang="en-IN"/>
           </a:p>
@@ -12319,7 +12319,7 @@
           <a:p>
             <a:fld id="{62E42470-D56A-4076-8F51-8478B15A0D73}" type="datetime1">
               <a:rPr lang="en-IN" smtClean="0"/>
-              <a:t>13-02-2025</a:t>
+              <a:t>02-03-2025</a:t>
             </a:fld>
             <a:endParaRPr lang="en-IN"/>
           </a:p>
@@ -12572,7 +12572,7 @@
           <a:p>
             <a:fld id="{AF607E66-EC2A-416B-B9FE-FAE715ED5641}" type="datetime1">
               <a:rPr lang="en-IN" smtClean="0"/>
-              <a:t>13-02-2025</a:t>
+              <a:t>02-03-2025</a:t>
             </a:fld>
             <a:endParaRPr lang="en-IN"/>
           </a:p>
@@ -12807,7 +12807,7 @@
           <a:p>
             <a:fld id="{DC163DA8-612F-4F9C-BE0D-205AD2D114B0}" type="datetime1">
               <a:rPr lang="en-IN" smtClean="0"/>
-              <a:t>13-02-2025</a:t>
+              <a:t>02-03-2025</a:t>
             </a:fld>
             <a:endParaRPr lang="en-IN"/>
           </a:p>
@@ -13191,7 +13191,7 @@
           <a:p>
             <a:fld id="{0C329C18-71EC-42F0-B82C-DCB74A79C8EE}" type="datetime1">
               <a:rPr lang="en-IN" smtClean="0"/>
-              <a:t>13-02-2025</a:t>
+              <a:t>02-03-2025</a:t>
             </a:fld>
             <a:endParaRPr lang="en-IN"/>
           </a:p>
@@ -13312,7 +13312,7 @@
           <a:p>
             <a:fld id="{42701395-1742-4394-8CB2-120F27E3D1DB}" type="datetime1">
               <a:rPr lang="en-IN" smtClean="0"/>
-              <a:t>13-02-2025</a:t>
+              <a:t>02-03-2025</a:t>
             </a:fld>
             <a:endParaRPr lang="en-IN"/>
           </a:p>
@@ -13410,7 +13410,7 @@
           <a:p>
             <a:fld id="{87BE0915-5F51-45F2-95F1-63B9B88E8B70}" type="datetime1">
               <a:rPr lang="en-IN" smtClean="0"/>
-              <a:t>13-02-2025</a:t>
+              <a:t>02-03-2025</a:t>
             </a:fld>
             <a:endParaRPr lang="en-IN"/>
           </a:p>
@@ -13662,7 +13662,7 @@
           <a:p>
             <a:fld id="{A70AB531-F652-4E7F-8AAF-BB3DD532AE35}" type="datetime1">
               <a:rPr lang="en-IN" smtClean="0"/>
-              <a:t>13-02-2025</a:t>
+              <a:t>02-03-2025</a:t>
             </a:fld>
             <a:endParaRPr lang="en-IN"/>
           </a:p>
@@ -13945,7 +13945,7 @@
           <a:p>
             <a:fld id="{EC34000F-8204-4D65-BB89-382291F3BC36}" type="datetime1">
               <a:rPr lang="en-IN" smtClean="0"/>
-              <a:t>13-02-2025</a:t>
+              <a:t>02-03-2025</a:t>
             </a:fld>
             <a:endParaRPr lang="en-IN"/>
           </a:p>
@@ -14098,7 +14098,7 @@
           <a:noFill/>
           <a:extLst>
             <a:ext uri="{909E8E84-426E-40dd-AFC4-6F175D3DCCD1}">
-              <a14:hiddenFill xmlns:a14="http://schemas.microsoft.com/office/drawing/2010/main" xmlns="">
+              <a14:hiddenFill xmlns="" xmlns:a14="http://schemas.microsoft.com/office/drawing/2010/main">
                 <a:solidFill>
                   <a:srgbClr val="FFFFFF"/>
                 </a:solidFill>
@@ -14172,7 +14172,7 @@
               </a:ln>
               <a:extLst>
                 <a:ext uri="{91240B29-F687-4f45-9708-019B960494DF}">
-                  <a14:hiddenLine xmlns:a14="http://schemas.microsoft.com/office/drawing/2010/main" xmlns="" w="9525">
+                  <a14:hiddenLine xmlns="" xmlns:a14="http://schemas.microsoft.com/office/drawing/2010/main" w="9525">
                     <a:solidFill>
                       <a:srgbClr val="000000"/>
                     </a:solidFill>
@@ -14262,7 +14262,7 @@
               </a:ln>
               <a:extLst>
                 <a:ext uri="{91240B29-F687-4f45-9708-019B960494DF}">
-                  <a14:hiddenLine xmlns:a14="http://schemas.microsoft.com/office/drawing/2010/main" xmlns="" w="9525">
+                  <a14:hiddenLine xmlns="" xmlns:a14="http://schemas.microsoft.com/office/drawing/2010/main" w="9525">
                     <a:solidFill>
                       <a:srgbClr val="000000"/>
                     </a:solidFill>
@@ -14352,7 +14352,7 @@
               </a:ln>
               <a:extLst>
                 <a:ext uri="{91240B29-F687-4f45-9708-019B960494DF}">
-                  <a14:hiddenLine xmlns:a14="http://schemas.microsoft.com/office/drawing/2010/main" xmlns="" w="9525">
+                  <a14:hiddenLine xmlns="" xmlns:a14="http://schemas.microsoft.com/office/drawing/2010/main" w="9525">
                     <a:solidFill>
                       <a:srgbClr val="000000"/>
                     </a:solidFill>
@@ -14414,7 +14414,7 @@
               </a:ln>
               <a:extLst>
                 <a:ext uri="{91240B29-F687-4f45-9708-019B960494DF}">
-                  <a14:hiddenLine xmlns:a14="http://schemas.microsoft.com/office/drawing/2010/main" xmlns="" w="9525">
+                  <a14:hiddenLine xmlns="" xmlns:a14="http://schemas.microsoft.com/office/drawing/2010/main" w="9525">
                     <a:solidFill>
                       <a:srgbClr val="000000"/>
                     </a:solidFill>
@@ -14504,7 +14504,7 @@
               </a:ln>
               <a:extLst>
                 <a:ext uri="{91240B29-F687-4f45-9708-019B960494DF}">
-                  <a14:hiddenLine xmlns:a14="http://schemas.microsoft.com/office/drawing/2010/main" xmlns="" w="9525">
+                  <a14:hiddenLine xmlns="" xmlns:a14="http://schemas.microsoft.com/office/drawing/2010/main" w="9525">
                     <a:solidFill>
                       <a:srgbClr val="000000"/>
                     </a:solidFill>
@@ -14566,7 +14566,7 @@
               </a:ln>
               <a:extLst>
                 <a:ext uri="{91240B29-F687-4f45-9708-019B960494DF}">
-                  <a14:hiddenLine xmlns:a14="http://schemas.microsoft.com/office/drawing/2010/main" xmlns="" w="9525">
+                  <a14:hiddenLine xmlns="" xmlns:a14="http://schemas.microsoft.com/office/drawing/2010/main" w="9525">
                     <a:solidFill>
                       <a:srgbClr val="000000"/>
                     </a:solidFill>
@@ -14628,7 +14628,7 @@
               </a:ln>
               <a:extLst>
                 <a:ext uri="{91240B29-F687-4f45-9708-019B960494DF}">
-                  <a14:hiddenLine xmlns:a14="http://schemas.microsoft.com/office/drawing/2010/main" xmlns="" w="9525">
+                  <a14:hiddenLine xmlns="" xmlns:a14="http://schemas.microsoft.com/office/drawing/2010/main" w="9525">
                     <a:solidFill>
                       <a:srgbClr val="000000"/>
                     </a:solidFill>
@@ -14718,7 +14718,7 @@
               </a:ln>
               <a:extLst>
                 <a:ext uri="{91240B29-F687-4f45-9708-019B960494DF}">
-                  <a14:hiddenLine xmlns:a14="http://schemas.microsoft.com/office/drawing/2010/main" xmlns="" w="9525">
+                  <a14:hiddenLine xmlns="" xmlns:a14="http://schemas.microsoft.com/office/drawing/2010/main" w="9525">
                     <a:solidFill>
                       <a:srgbClr val="000000"/>
                     </a:solidFill>
@@ -14808,7 +14808,7 @@
               </a:ln>
               <a:extLst>
                 <a:ext uri="{91240B29-F687-4f45-9708-019B960494DF}">
-                  <a14:hiddenLine xmlns:a14="http://schemas.microsoft.com/office/drawing/2010/main" xmlns="" w="9525">
+                  <a14:hiddenLine xmlns="" xmlns:a14="http://schemas.microsoft.com/office/drawing/2010/main" w="9525">
                     <a:solidFill>
                       <a:srgbClr val="000000"/>
                     </a:solidFill>
@@ -14870,7 +14870,7 @@
               </a:ln>
               <a:extLst>
                 <a:ext uri="{91240B29-F687-4f45-9708-019B960494DF}">
-                  <a14:hiddenLine xmlns:a14="http://schemas.microsoft.com/office/drawing/2010/main" xmlns="" w="9525">
+                  <a14:hiddenLine xmlns="" xmlns:a14="http://schemas.microsoft.com/office/drawing/2010/main" w="9525">
                     <a:solidFill>
                       <a:srgbClr val="000000"/>
                     </a:solidFill>
@@ -14980,7 +14980,7 @@
               </a:ln>
               <a:extLst>
                 <a:ext uri="{91240B29-F687-4f45-9708-019B960494DF}">
-                  <a14:hiddenLine xmlns:a14="http://schemas.microsoft.com/office/drawing/2010/main" xmlns="" w="9525">
+                  <a14:hiddenLine xmlns="" xmlns:a14="http://schemas.microsoft.com/office/drawing/2010/main" w="9525">
                     <a:solidFill>
                       <a:srgbClr val="000000"/>
                     </a:solidFill>
@@ -15064,7 +15064,7 @@
               </a:ln>
               <a:extLst>
                 <a:ext uri="{91240B29-F687-4f45-9708-019B960494DF}">
-                  <a14:hiddenLine xmlns:a14="http://schemas.microsoft.com/office/drawing/2010/main" xmlns="" w="9525">
+                  <a14:hiddenLine xmlns="" xmlns:a14="http://schemas.microsoft.com/office/drawing/2010/main" w="9525">
                     <a:solidFill>
                       <a:srgbClr val="000000"/>
                     </a:solidFill>
@@ -15126,7 +15126,7 @@
               </a:ln>
               <a:extLst>
                 <a:ext uri="{91240B29-F687-4f45-9708-019B960494DF}">
-                  <a14:hiddenLine xmlns:a14="http://schemas.microsoft.com/office/drawing/2010/main" xmlns="" w="9525">
+                  <a14:hiddenLine xmlns="" xmlns:a14="http://schemas.microsoft.com/office/drawing/2010/main" w="9525">
                     <a:solidFill>
                       <a:srgbClr val="000000"/>
                     </a:solidFill>
@@ -15188,7 +15188,7 @@
               </a:ln>
               <a:extLst>
                 <a:ext uri="{91240B29-F687-4f45-9708-019B960494DF}">
-                  <a14:hiddenLine xmlns:a14="http://schemas.microsoft.com/office/drawing/2010/main" xmlns="" w="9525">
+                  <a14:hiddenLine xmlns="" xmlns:a14="http://schemas.microsoft.com/office/drawing/2010/main" w="9525">
                     <a:solidFill>
                       <a:srgbClr val="000000"/>
                     </a:solidFill>
@@ -15278,7 +15278,7 @@
               </a:ln>
               <a:extLst>
                 <a:ext uri="{91240B29-F687-4f45-9708-019B960494DF}">
-                  <a14:hiddenLine xmlns:a14="http://schemas.microsoft.com/office/drawing/2010/main" xmlns="" w="9525">
+                  <a14:hiddenLine xmlns="" xmlns:a14="http://schemas.microsoft.com/office/drawing/2010/main" w="9525">
                     <a:solidFill>
                       <a:srgbClr val="000000"/>
                     </a:solidFill>
@@ -15312,7 +15312,7 @@
               </a:ln>
               <a:extLst>
                 <a:ext uri="{91240B29-F687-4f45-9708-019B960494DF}">
-                  <a14:hiddenLine xmlns:a14="http://schemas.microsoft.com/office/drawing/2010/main" xmlns="" w="9525">
+                  <a14:hiddenLine xmlns="" xmlns:a14="http://schemas.microsoft.com/office/drawing/2010/main" w="9525">
                     <a:solidFill>
                       <a:srgbClr val="000000"/>
                     </a:solidFill>
@@ -15377,7 +15377,7 @@
               </a:ln>
               <a:extLst>
                 <a:ext uri="{91240B29-F687-4f45-9708-019B960494DF}">
-                  <a14:hiddenLine xmlns:a14="http://schemas.microsoft.com/office/drawing/2010/main" xmlns="" w="9525">
+                  <a14:hiddenLine xmlns="" xmlns:a14="http://schemas.microsoft.com/office/drawing/2010/main" w="9525">
                     <a:solidFill>
                       <a:srgbClr val="000000"/>
                     </a:solidFill>
@@ -15467,7 +15467,7 @@
               </a:ln>
               <a:extLst>
                 <a:ext uri="{91240B29-F687-4f45-9708-019B960494DF}">
-                  <a14:hiddenLine xmlns:a14="http://schemas.microsoft.com/office/drawing/2010/main" xmlns="" w="9525">
+                  <a14:hiddenLine xmlns="" xmlns:a14="http://schemas.microsoft.com/office/drawing/2010/main" w="9525">
                     <a:solidFill>
                       <a:srgbClr val="000000"/>
                     </a:solidFill>
@@ -15529,7 +15529,7 @@
               </a:ln>
               <a:extLst>
                 <a:ext uri="{91240B29-F687-4f45-9708-019B960494DF}">
-                  <a14:hiddenLine xmlns:a14="http://schemas.microsoft.com/office/drawing/2010/main" xmlns="" w="9525">
+                  <a14:hiddenLine xmlns="" xmlns:a14="http://schemas.microsoft.com/office/drawing/2010/main" w="9525">
                     <a:solidFill>
                       <a:srgbClr val="000000"/>
                     </a:solidFill>
@@ -15619,7 +15619,7 @@
               </a:ln>
               <a:extLst>
                 <a:ext uri="{91240B29-F687-4f45-9708-019B960494DF}">
-                  <a14:hiddenLine xmlns:a14="http://schemas.microsoft.com/office/drawing/2010/main" xmlns="" w="9525">
+                  <a14:hiddenLine xmlns="" xmlns:a14="http://schemas.microsoft.com/office/drawing/2010/main" w="9525">
                     <a:solidFill>
                       <a:srgbClr val="000000"/>
                     </a:solidFill>
@@ -15684,7 +15684,7 @@
               </a:ln>
               <a:extLst>
                 <a:ext uri="{91240B29-F687-4f45-9708-019B960494DF}">
-                  <a14:hiddenLine xmlns:a14="http://schemas.microsoft.com/office/drawing/2010/main" xmlns="" w="9525">
+                  <a14:hiddenLine xmlns="" xmlns:a14="http://schemas.microsoft.com/office/drawing/2010/main" w="9525">
                     <a:solidFill>
                       <a:srgbClr val="000000"/>
                     </a:solidFill>
@@ -15746,7 +15746,7 @@
               </a:ln>
               <a:extLst>
                 <a:ext uri="{91240B29-F687-4f45-9708-019B960494DF}">
-                  <a14:hiddenLine xmlns:a14="http://schemas.microsoft.com/office/drawing/2010/main" xmlns="" w="9525">
+                  <a14:hiddenLine xmlns="" xmlns:a14="http://schemas.microsoft.com/office/drawing/2010/main" w="9525">
                     <a:solidFill>
                       <a:srgbClr val="000000"/>
                     </a:solidFill>
@@ -15836,7 +15836,7 @@
               </a:ln>
               <a:extLst>
                 <a:ext uri="{91240B29-F687-4f45-9708-019B960494DF}">
-                  <a14:hiddenLine xmlns:a14="http://schemas.microsoft.com/office/drawing/2010/main" xmlns="" w="9525">
+                  <a14:hiddenLine xmlns="" xmlns:a14="http://schemas.microsoft.com/office/drawing/2010/main" w="9525">
                     <a:solidFill>
                       <a:srgbClr val="000000"/>
                     </a:solidFill>
@@ -15926,7 +15926,7 @@
               </a:ln>
               <a:extLst>
                 <a:ext uri="{91240B29-F687-4f45-9708-019B960494DF}">
-                  <a14:hiddenLine xmlns:a14="http://schemas.microsoft.com/office/drawing/2010/main" xmlns="" w="9525">
+                  <a14:hiddenLine xmlns="" xmlns:a14="http://schemas.microsoft.com/office/drawing/2010/main" w="9525">
                     <a:solidFill>
                       <a:srgbClr val="000000"/>
                     </a:solidFill>
@@ -15991,7 +15991,7 @@
               </a:ln>
               <a:extLst>
                 <a:ext uri="{91240B29-F687-4f45-9708-019B960494DF}">
-                  <a14:hiddenLine xmlns:a14="http://schemas.microsoft.com/office/drawing/2010/main" xmlns="" w="9525">
+                  <a14:hiddenLine xmlns="" xmlns:a14="http://schemas.microsoft.com/office/drawing/2010/main" w="9525">
                     <a:solidFill>
                       <a:srgbClr val="000000"/>
                     </a:solidFill>
@@ -16111,7 +16111,7 @@
               </a:ln>
               <a:extLst>
                 <a:ext uri="{91240B29-F687-4f45-9708-019B960494DF}">
-                  <a14:hiddenLine xmlns:a14="http://schemas.microsoft.com/office/drawing/2010/main" xmlns="" w="9525">
+                  <a14:hiddenLine xmlns="" xmlns:a14="http://schemas.microsoft.com/office/drawing/2010/main" w="9525">
                     <a:solidFill>
                       <a:srgbClr val="000000"/>
                     </a:solidFill>
@@ -16209,7 +16209,7 @@
               </a:ln>
               <a:extLst>
                 <a:ext uri="{91240B29-F687-4f45-9708-019B960494DF}">
-                  <a14:hiddenLine xmlns:a14="http://schemas.microsoft.com/office/drawing/2010/main" xmlns="" w="9525">
+                  <a14:hiddenLine xmlns="" xmlns:a14="http://schemas.microsoft.com/office/drawing/2010/main" w="9525">
                     <a:solidFill>
                       <a:srgbClr val="000000"/>
                     </a:solidFill>
@@ -16324,7 +16324,7 @@
               </a:ln>
               <a:extLst>
                 <a:ext uri="{91240B29-F687-4f45-9708-019B960494DF}">
-                  <a14:hiddenLine xmlns:a14="http://schemas.microsoft.com/office/drawing/2010/main" xmlns="" w="9525">
+                  <a14:hiddenLine xmlns="" xmlns:a14="http://schemas.microsoft.com/office/drawing/2010/main" w="9525">
                     <a:solidFill>
                       <a:srgbClr val="000000"/>
                     </a:solidFill>
@@ -16414,7 +16414,7 @@
               </a:ln>
               <a:extLst>
                 <a:ext uri="{91240B29-F687-4f45-9708-019B960494DF}">
-                  <a14:hiddenLine xmlns:a14="http://schemas.microsoft.com/office/drawing/2010/main" xmlns="" w="9525">
+                  <a14:hiddenLine xmlns="" xmlns:a14="http://schemas.microsoft.com/office/drawing/2010/main" w="9525">
                     <a:solidFill>
                       <a:srgbClr val="000000"/>
                     </a:solidFill>
@@ -16479,7 +16479,7 @@
               </a:ln>
               <a:extLst>
                 <a:ext uri="{91240B29-F687-4f45-9708-019B960494DF}">
-                  <a14:hiddenLine xmlns:a14="http://schemas.microsoft.com/office/drawing/2010/main" xmlns="" w="9525">
+                  <a14:hiddenLine xmlns="" xmlns:a14="http://schemas.microsoft.com/office/drawing/2010/main" w="9525">
                     <a:solidFill>
                       <a:srgbClr val="000000"/>
                     </a:solidFill>
@@ -16569,7 +16569,7 @@
               </a:ln>
               <a:extLst>
                 <a:ext uri="{91240B29-F687-4f45-9708-019B960494DF}">
-                  <a14:hiddenLine xmlns:a14="http://schemas.microsoft.com/office/drawing/2010/main" xmlns="" w="9525">
+                  <a14:hiddenLine xmlns="" xmlns:a14="http://schemas.microsoft.com/office/drawing/2010/main" w="9525">
                     <a:solidFill>
                       <a:srgbClr val="000000"/>
                     </a:solidFill>
@@ -16637,7 +16637,7 @@
               </a:ln>
               <a:extLst>
                 <a:ext uri="{91240B29-F687-4f45-9708-019B960494DF}">
-                  <a14:hiddenLine xmlns:a14="http://schemas.microsoft.com/office/drawing/2010/main" xmlns="" w="9525">
+                  <a14:hiddenLine xmlns="" xmlns:a14="http://schemas.microsoft.com/office/drawing/2010/main" w="9525">
                     <a:solidFill>
                       <a:srgbClr val="000000"/>
                     </a:solidFill>
@@ -16727,7 +16727,7 @@
               </a:ln>
               <a:extLst>
                 <a:ext uri="{91240B29-F687-4f45-9708-019B960494DF}">
-                  <a14:hiddenLine xmlns:a14="http://schemas.microsoft.com/office/drawing/2010/main" xmlns="" w="9525">
+                  <a14:hiddenLine xmlns="" xmlns:a14="http://schemas.microsoft.com/office/drawing/2010/main" w="9525">
                     <a:solidFill>
                       <a:srgbClr val="000000"/>
                     </a:solidFill>
@@ -16795,7 +16795,7 @@
               </a:ln>
               <a:extLst>
                 <a:ext uri="{91240B29-F687-4f45-9708-019B960494DF}">
-                  <a14:hiddenLine xmlns:a14="http://schemas.microsoft.com/office/drawing/2010/main" xmlns="" w="9525">
+                  <a14:hiddenLine xmlns="" xmlns:a14="http://schemas.microsoft.com/office/drawing/2010/main" w="9525">
                     <a:solidFill>
                       <a:srgbClr val="000000"/>
                     </a:solidFill>
@@ -16885,7 +16885,7 @@
               </a:ln>
               <a:extLst>
                 <a:ext uri="{91240B29-F687-4f45-9708-019B960494DF}">
-                  <a14:hiddenLine xmlns:a14="http://schemas.microsoft.com/office/drawing/2010/main" xmlns="" w="9525">
+                  <a14:hiddenLine xmlns="" xmlns:a14="http://schemas.microsoft.com/office/drawing/2010/main" w="9525">
                     <a:solidFill>
                       <a:srgbClr val="000000"/>
                     </a:solidFill>
@@ -16919,7 +16919,7 @@
               </a:ln>
               <a:extLst>
                 <a:ext uri="{91240B29-F687-4f45-9708-019B960494DF}">
-                  <a14:hiddenLine xmlns:a14="http://schemas.microsoft.com/office/drawing/2010/main" xmlns="" w="9525">
+                  <a14:hiddenLine xmlns="" xmlns:a14="http://schemas.microsoft.com/office/drawing/2010/main" w="9525">
                     <a:solidFill>
                       <a:srgbClr val="000000"/>
                     </a:solidFill>
@@ -17059,7 +17059,7 @@
           <a:p>
             <a:fld id="{7788B477-5DB7-41ED-AFC5-9BEA61AD1BC6}" type="datetime1">
               <a:rPr lang="en-IN" smtClean="0"/>
-              <a:t>13-02-2025</a:t>
+              <a:t>02-03-2025</a:t>
             </a:fld>
             <a:endParaRPr lang="en-IN"/>
           </a:p>
@@ -20602,7 +20602,39 @@
                   <a:srgbClr val="451717"/>
                 </a:solidFill>
               </a:rPr>
-              <a:t>Feb. 12, 2025].</a:t>
+              <a:t>Mar.</a:t>
+            </a:r>
+            <a:r>
+              <a:rPr lang="en-IN" sz="11200" dirty="0" smtClean="0">
+                <a:solidFill>
+                  <a:srgbClr val="451717"/>
+                </a:solidFill>
+              </a:rPr>
+              <a:t> </a:t>
+            </a:r>
+            <a:r>
+              <a:rPr lang="en-IN" sz="11200" dirty="0">
+                <a:solidFill>
+                  <a:srgbClr val="451717"/>
+                </a:solidFill>
+              </a:rPr>
+              <a:t>1</a:t>
+            </a:r>
+            <a:r>
+              <a:rPr lang="en-IN" sz="11200" dirty="0" smtClean="0">
+                <a:solidFill>
+                  <a:srgbClr val="451717"/>
+                </a:solidFill>
+              </a:rPr>
+              <a:t>, </a:t>
+            </a:r>
+            <a:r>
+              <a:rPr lang="en-IN" sz="11200" dirty="0" smtClean="0">
+                <a:solidFill>
+                  <a:srgbClr val="451717"/>
+                </a:solidFill>
+              </a:rPr>
+              <a:t>2025].</a:t>
             </a:r>
           </a:p>
           <a:p>
@@ -20703,7 +20735,7 @@
                   <a:srgbClr val="451717"/>
                 </a:solidFill>
               </a:rPr>
-              <a:t>[Accessed: Feb. </a:t>
+              <a:t>[</a:t>
             </a:r>
             <a:r>
               <a:rPr lang="en-IN" sz="11200" dirty="0" smtClean="0">
@@ -20711,7 +20743,7 @@
                   <a:srgbClr val="451717"/>
                 </a:solidFill>
               </a:rPr>
-              <a:t>12</a:t>
+              <a:t>Accessed: </a:t>
             </a:r>
             <a:r>
               <a:rPr lang="en-IN" sz="11200" dirty="0">
@@ -20719,7 +20751,7 @@
                   <a:srgbClr val="451717"/>
                 </a:solidFill>
               </a:rPr>
-              <a:t>, 2025</a:t>
+              <a:t>Mar. 1, 2025</a:t>
             </a:r>
             <a:r>
               <a:rPr lang="en-IN" sz="11200" dirty="0" smtClean="0">
@@ -20804,7 +20836,15 @@
                   <a:srgbClr val="451717"/>
                 </a:solidFill>
               </a:rPr>
-              <a:t>[Accessed: Feb. </a:t>
+              <a:t>[Accessed: </a:t>
+            </a:r>
+            <a:r>
+              <a:rPr lang="en-IN" sz="11200" dirty="0">
+                <a:solidFill>
+                  <a:srgbClr val="451717"/>
+                </a:solidFill>
+              </a:rPr>
+              <a:t>Mar. 1, 2025</a:t>
             </a:r>
             <a:r>
               <a:rPr lang="en-IN" sz="11200" dirty="0" smtClean="0">
@@ -20812,7 +20852,36 @@
                   <a:srgbClr val="451717"/>
                 </a:solidFill>
               </a:rPr>
-              <a:t>12</a:t>
+              <a:t>].</a:t>
+            </a:r>
+          </a:p>
+          <a:p>
+            <a:pPr marL="0" indent="0">
+              <a:buNone/>
+            </a:pPr>
+            <a:r>
+              <a:rPr lang="en-IN" sz="11200" dirty="0" smtClean="0">
+                <a:solidFill>
+                  <a:srgbClr val="451717"/>
+                </a:solidFill>
+              </a:rPr>
+              <a:t>[4] </a:t>
+            </a:r>
+            <a:r>
+              <a:rPr lang="en-IN" sz="11200" b="1" dirty="0" smtClean="0">
+                <a:solidFill>
+                  <a:srgbClr val="451717"/>
+                </a:solidFill>
+              </a:rPr>
+              <a:t>top-11-computer-vision-applications-in-healthcare Image</a:t>
+            </a:r>
+            <a:r>
+              <a:rPr lang="en-IN" sz="11200" dirty="0" smtClean="0">
+                <a:solidFill>
+                  <a:srgbClr val="451717"/>
+                </a:solidFill>
+              </a:rPr>
+              <a:t>, Plugger.AI</a:t>
             </a:r>
             <a:r>
               <a:rPr lang="en-IN" sz="11200" dirty="0">
@@ -20820,100 +20889,47 @@
                   <a:srgbClr val="451717"/>
                 </a:solidFill>
               </a:rPr>
-              <a:t>, 2025</a:t>
+              <a:t>, [Available at: </a:t>
+            </a:r>
+            <a:r>
+              <a:rPr lang="en-IN" sz="11200" dirty="0">
+                <a:solidFill>
+                  <a:srgbClr val="0000FF"/>
+                </a:solidFill>
+              </a:rPr>
+              <a:t>https://</a:t>
             </a:r>
             <a:r>
               <a:rPr lang="en-IN" sz="11200" dirty="0" smtClean="0">
                 <a:solidFill>
+                  <a:srgbClr val="0000FF"/>
+                </a:solidFill>
+              </a:rPr>
+              <a:t>www.plugger.ai/blog/top-11-computer-vision-applications-in-healthcare</a:t>
+            </a:r>
+            <a:r>
+              <a:rPr lang="en-IN" sz="11200" dirty="0" smtClean="0">
+                <a:solidFill>
                   <a:srgbClr val="451717"/>
                 </a:solidFill>
               </a:rPr>
-              <a:t>].</a:t>
-            </a:r>
-          </a:p>
-          <a:p>
-            <a:pPr marL="0" indent="0">
-              <a:buNone/>
-            </a:pPr>
-            <a:r>
-              <a:rPr lang="en-IN" sz="11200" dirty="0" smtClean="0">
+              <a:t>], </a:t>
+            </a:r>
+            <a:r>
+              <a:rPr lang="en-IN" sz="11200" dirty="0">
                 <a:solidFill>
                   <a:srgbClr val="451717"/>
                 </a:solidFill>
               </a:rPr>
-              <a:t>[4] </a:t>
-            </a:r>
-            <a:r>
-              <a:rPr lang="en-IN" sz="11200" b="1" dirty="0" smtClean="0">
+              <a:t>[Accessed: </a:t>
+            </a:r>
+            <a:r>
+              <a:rPr lang="en-IN" sz="11200" dirty="0">
                 <a:solidFill>
                   <a:srgbClr val="451717"/>
                 </a:solidFill>
               </a:rPr>
-              <a:t>top-11-computer-vision-applications-in-healthcare Image</a:t>
-            </a:r>
-            <a:r>
-              <a:rPr lang="en-IN" sz="11200" dirty="0" smtClean="0">
-                <a:solidFill>
-                  <a:srgbClr val="451717"/>
-                </a:solidFill>
-              </a:rPr>
-              <a:t>, Plugger.AI</a:t>
-            </a:r>
-            <a:r>
-              <a:rPr lang="en-IN" sz="11200" dirty="0">
-                <a:solidFill>
-                  <a:srgbClr val="451717"/>
-                </a:solidFill>
-              </a:rPr>
-              <a:t>, [Available at: </a:t>
-            </a:r>
-            <a:r>
-              <a:rPr lang="en-IN" sz="11200" dirty="0">
-                <a:solidFill>
-                  <a:srgbClr val="0000FF"/>
-                </a:solidFill>
-              </a:rPr>
-              <a:t>https://</a:t>
-            </a:r>
-            <a:r>
-              <a:rPr lang="en-IN" sz="11200" dirty="0" smtClean="0">
-                <a:solidFill>
-                  <a:srgbClr val="0000FF"/>
-                </a:solidFill>
-              </a:rPr>
-              <a:t>www.plugger.ai/blog/top-11-computer-vision-applications-in-healthcare</a:t>
-            </a:r>
-            <a:r>
-              <a:rPr lang="en-IN" sz="11200" dirty="0" smtClean="0">
-                <a:solidFill>
-                  <a:srgbClr val="451717"/>
-                </a:solidFill>
-              </a:rPr>
-              <a:t>], </a:t>
-            </a:r>
-            <a:r>
-              <a:rPr lang="en-IN" sz="11200" dirty="0">
-                <a:solidFill>
-                  <a:srgbClr val="451717"/>
-                </a:solidFill>
-              </a:rPr>
-              <a:t>[Accessed: Feb. </a:t>
-            </a:r>
-            <a:r>
-              <a:rPr lang="en-IN" sz="11200" dirty="0" smtClean="0">
-                <a:solidFill>
-                  <a:srgbClr val="451717"/>
-                </a:solidFill>
-              </a:rPr>
-              <a:t>13, </a:t>
-            </a:r>
-            <a:r>
-              <a:rPr lang="en-IN" sz="11200" dirty="0">
-                <a:solidFill>
-                  <a:srgbClr val="451717"/>
-                </a:solidFill>
-              </a:rPr>
-              <a:t>2025</a:t>
+              <a:t>Mar. 1, 2025</a:t>
             </a:r>
             <a:r>
               <a:rPr lang="en-IN" sz="11200" dirty="0" smtClean="0">
@@ -21140,23 +21156,164 @@
                   <a:srgbClr val="451717"/>
                 </a:solidFill>
               </a:rPr>
-              <a:t>becominghuman.AI</a:t>
+              <a:t>becominghuman.AI, [Available at: </a:t>
+            </a:r>
+            <a:r>
+              <a:rPr lang="en-IN" sz="11200" dirty="0">
+                <a:solidFill>
+                  <a:srgbClr val="0000FF"/>
+                </a:solidFill>
+              </a:rPr>
+              <a:t>https://</a:t>
             </a:r>
             <a:r>
               <a:rPr lang="en-IN" sz="11200" dirty="0" smtClean="0">
                 <a:solidFill>
+                  <a:srgbClr val="0000FF"/>
+                </a:solidFill>
+              </a:rPr>
+              <a:t>becominghuman.ai/computer-vision-applications-in-self-driving-cars-610561e14118</a:t>
+            </a:r>
+            <a:r>
+              <a:rPr lang="en-IN" sz="11200" dirty="0" smtClean="0">
+                <a:solidFill>
                   <a:srgbClr val="451717"/>
                 </a:solidFill>
               </a:rPr>
-              <a:t>, [Available at: </a:t>
+              <a:t>], </a:t>
             </a:r>
             <a:r>
               <a:rPr lang="en-IN" sz="11200" dirty="0">
                 <a:solidFill>
+                  <a:srgbClr val="451717"/>
+                </a:solidFill>
+              </a:rPr>
+              <a:t>[Accessed: </a:t>
+            </a:r>
+            <a:r>
+              <a:rPr lang="en-IN" sz="11200" dirty="0">
+                <a:solidFill>
+                  <a:srgbClr val="451717"/>
+                </a:solidFill>
+              </a:rPr>
+              <a:t>Mar. 1, 2025</a:t>
+            </a:r>
+            <a:r>
+              <a:rPr lang="en-IN" sz="11200" dirty="0">
+                <a:solidFill>
+                  <a:srgbClr val="451717"/>
+                </a:solidFill>
+              </a:rPr>
+              <a:t>].</a:t>
+            </a:r>
+          </a:p>
+          <a:p>
+            <a:pPr marL="0" indent="0">
+              <a:buNone/>
+            </a:pPr>
+            <a:r>
+              <a:rPr lang="en-IN" sz="11200" dirty="0">
+                <a:solidFill>
+                  <a:srgbClr val="451717"/>
+                </a:solidFill>
+              </a:rPr>
+              <a:t>[6] </a:t>
+            </a:r>
+            <a:r>
+              <a:rPr lang="en-IN" sz="11200" b="1" dirty="0">
+                <a:solidFill>
+                  <a:srgbClr val="451717"/>
+                </a:solidFill>
+              </a:rPr>
+              <a:t>Harry </a:t>
+            </a:r>
+            <a:r>
+              <a:rPr lang="en-IN" sz="11200" b="1" dirty="0" err="1" smtClean="0">
+                <a:solidFill>
+                  <a:srgbClr val="451717"/>
+                </a:solidFill>
+              </a:rPr>
+              <a:t>Thapa</a:t>
+            </a:r>
+            <a:r>
+              <a:rPr lang="en-IN" sz="11200" b="1" dirty="0" smtClean="0">
+                <a:solidFill>
+                  <a:srgbClr val="451717"/>
+                </a:solidFill>
+              </a:rPr>
+              <a:t>, </a:t>
+            </a:r>
+            <a:r>
+              <a:rPr lang="en-IN" sz="11200" b="1" dirty="0" err="1" smtClean="0">
+                <a:solidFill>
+                  <a:srgbClr val="451717"/>
+                </a:solidFill>
+              </a:rPr>
+              <a:t>ai</a:t>
+            </a:r>
+            <a:r>
+              <a:rPr lang="en-IN" sz="11200" b="1" dirty="0" smtClean="0">
+                <a:solidFill>
+                  <a:srgbClr val="451717"/>
+                </a:solidFill>
+              </a:rPr>
+              <a:t>-machine-learning-facial-recognition </a:t>
+            </a:r>
+            <a:r>
+              <a:rPr lang="en-IN" sz="11200" b="1" dirty="0">
+                <a:solidFill>
+                  <a:srgbClr val="451717"/>
+                </a:solidFill>
+              </a:rPr>
+              <a:t>Image,</a:t>
+            </a:r>
+            <a:r>
+              <a:rPr lang="en-IN" sz="11200" dirty="0">
+                <a:solidFill>
+                  <a:srgbClr val="451717"/>
+                </a:solidFill>
+              </a:rPr>
+              <a:t> </a:t>
+            </a:r>
+            <a:r>
+              <a:rPr lang="en-IN" sz="11200" dirty="0" err="1" smtClean="0">
+                <a:solidFill>
+                  <a:srgbClr val="451717"/>
+                </a:solidFill>
+              </a:rPr>
+              <a:t>Linkedin</a:t>
+            </a:r>
+            <a:r>
+              <a:rPr lang="en-IN" sz="11200" b="1" dirty="0">
+                <a:solidFill>
+                  <a:srgbClr val="451717"/>
+                </a:solidFill>
+              </a:rPr>
+              <a:t>, </a:t>
+            </a:r>
+            <a:r>
+              <a:rPr lang="en-IN" sz="11200" dirty="0" smtClean="0">
+                <a:solidFill>
+                  <a:srgbClr val="451717"/>
+                </a:solidFill>
+              </a:rPr>
+              <a:t>[Available at: </a:t>
+            </a:r>
+            <a:r>
+              <a:rPr lang="en-IN" sz="11200" dirty="0" smtClean="0">
+                <a:solidFill>
                   <a:srgbClr val="0000FF"/>
                 </a:solidFill>
               </a:rPr>
-              <a:t>https://</a:t>
+              <a:t>https</a:t>
+            </a:r>
+            <a:r>
+              <a:rPr lang="en-IN" sz="11200" dirty="0">
+                <a:solidFill>
+                  <a:srgbClr val="0000FF"/>
+                </a:solidFill>
+              </a:rPr>
+              <a:t>://</a:t>
             </a:r>
             <a:r>
               <a:rPr lang="en-IN" sz="11200" dirty="0" smtClean="0">
@@ -21164,7 +21321,7 @@
                   <a:srgbClr val="0000FF"/>
                 </a:solidFill>
               </a:rPr>
-              <a:t>becominghuman.ai/computer-vision-applications-in-self-driving-cars-610561e14118</a:t>
+              <a:t>www.linkedin.com/pulse/ai-machine-learning-facial-recognition-opencv-hemant-thapa</a:t>
             </a:r>
             <a:r>
               <a:rPr lang="en-IN" sz="11200" dirty="0" smtClean="0">
@@ -21172,7 +21329,15 @@
                   <a:srgbClr val="451717"/>
                 </a:solidFill>
               </a:rPr>
-              <a:t>], </a:t>
+              <a:t>]</a:t>
+            </a:r>
+            <a:r>
+              <a:rPr lang="en-IN" sz="11200" b="1" dirty="0" smtClean="0">
+                <a:solidFill>
+                  <a:srgbClr val="451717"/>
+                </a:solidFill>
+              </a:rPr>
+              <a:t>, </a:t>
             </a:r>
             <a:r>
               <a:rPr lang="en-IN" sz="11200" dirty="0">
@@ -21180,148 +21345,31 @@
                   <a:srgbClr val="451717"/>
                 </a:solidFill>
               </a:rPr>
-              <a:t>[Accessed: Feb. 13, 2025].</a:t>
-            </a:r>
-          </a:p>
-          <a:p>
-            <a:pPr marL="0" indent="0">
-              <a:buNone/>
-            </a:pPr>
+              <a:t>[Accessed: </a:t>
+            </a:r>
             <a:r>
               <a:rPr lang="en-IN" sz="11200" dirty="0">
                 <a:solidFill>
                   <a:srgbClr val="451717"/>
                 </a:solidFill>
               </a:rPr>
-              <a:t>[6] </a:t>
-            </a:r>
-            <a:r>
-              <a:rPr lang="en-IN" sz="11200" b="1" dirty="0">
+              <a:t>Mar. </a:t>
+            </a:r>
+            <a:r>
+              <a:rPr lang="en-IN" sz="11200" dirty="0" smtClean="0">
                 <a:solidFill>
                   <a:srgbClr val="451717"/>
                 </a:solidFill>
               </a:rPr>
-              <a:t>Harry </a:t>
-            </a:r>
-            <a:r>
-              <a:rPr lang="en-IN" sz="11200" b="1" dirty="0" err="1" smtClean="0">
+              <a:t>2, </a:t>
+            </a:r>
+            <a:r>
+              <a:rPr lang="en-IN" sz="11200" dirty="0">
                 <a:solidFill>
                   <a:srgbClr val="451717"/>
                 </a:solidFill>
               </a:rPr>
-              <a:t>Thapa</a:t>
-            </a:r>
-            <a:r>
-              <a:rPr lang="en-IN" sz="11200" b="1" dirty="0" smtClean="0">
-                <a:solidFill>
-                  <a:srgbClr val="451717"/>
-                </a:solidFill>
-              </a:rPr>
-              <a:t>, </a:t>
-            </a:r>
-            <a:r>
-              <a:rPr lang="en-IN" sz="11200" b="1" dirty="0" err="1" smtClean="0">
-                <a:solidFill>
-                  <a:srgbClr val="451717"/>
-                </a:solidFill>
-              </a:rPr>
-              <a:t>ai</a:t>
-            </a:r>
-            <a:r>
-              <a:rPr lang="en-IN" sz="11200" b="1" dirty="0" smtClean="0">
-                <a:solidFill>
-                  <a:srgbClr val="451717"/>
-                </a:solidFill>
-              </a:rPr>
-              <a:t>-machine-learning-facial-recognition </a:t>
-            </a:r>
-            <a:r>
-              <a:rPr lang="en-IN" sz="11200" b="1" dirty="0">
-                <a:solidFill>
-                  <a:srgbClr val="451717"/>
-                </a:solidFill>
-              </a:rPr>
-              <a:t>Image,</a:t>
-            </a:r>
-            <a:r>
-              <a:rPr lang="en-IN" sz="11200" dirty="0">
-                <a:solidFill>
-                  <a:srgbClr val="451717"/>
-                </a:solidFill>
-              </a:rPr>
-              <a:t> </a:t>
-            </a:r>
-            <a:r>
-              <a:rPr lang="en-IN" sz="11200" smtClean="0">
-                <a:solidFill>
-                  <a:srgbClr val="451717"/>
-                </a:solidFill>
-              </a:rPr>
-              <a:t>Linkedin</a:t>
-            </a:r>
-            <a:r>
-              <a:rPr lang="en-IN" sz="11200" b="1" dirty="0">
-                <a:solidFill>
-                  <a:srgbClr val="451717"/>
-                </a:solidFill>
-              </a:rPr>
-              <a:t>, </a:t>
-            </a:r>
-            <a:r>
-              <a:rPr lang="en-IN" sz="11200" dirty="0" smtClean="0">
-                <a:solidFill>
-                  <a:srgbClr val="451717"/>
-                </a:solidFill>
-              </a:rPr>
-              <a:t>[Available at: </a:t>
-            </a:r>
-            <a:r>
-              <a:rPr lang="en-IN" sz="11200" dirty="0" smtClean="0">
-                <a:solidFill>
-                  <a:srgbClr val="0000FF"/>
-                </a:solidFill>
-              </a:rPr>
-              <a:t>https</a:t>
-            </a:r>
-            <a:r>
-              <a:rPr lang="en-IN" sz="11200" dirty="0">
-                <a:solidFill>
-                  <a:srgbClr val="0000FF"/>
-                </a:solidFill>
-              </a:rPr>
-              <a:t>://</a:t>
-            </a:r>
-            <a:r>
-              <a:rPr lang="en-IN" sz="11200" dirty="0" smtClean="0">
-                <a:solidFill>
-                  <a:srgbClr val="0000FF"/>
-                </a:solidFill>
-              </a:rPr>
-              <a:t>www.linkedin.com/pulse/ai-machine-learning-facial-recognition-opencv-hemant-thapa</a:t>
-            </a:r>
-            <a:r>
-              <a:rPr lang="en-IN" sz="11200" dirty="0" smtClean="0">
-                <a:solidFill>
-                  <a:srgbClr val="451717"/>
-                </a:solidFill>
-              </a:rPr>
-              <a:t>]</a:t>
-            </a:r>
-            <a:r>
-              <a:rPr lang="en-IN" sz="11200" b="1" dirty="0" smtClean="0">
-                <a:solidFill>
-                  <a:srgbClr val="451717"/>
-                </a:solidFill>
-              </a:rPr>
-              <a:t>, </a:t>
-            </a:r>
-            <a:r>
-              <a:rPr lang="en-IN" sz="11200" dirty="0">
-                <a:solidFill>
-                  <a:srgbClr val="451717"/>
-                </a:solidFill>
-              </a:rPr>
-              <a:t>[Accessed: Feb. 13, 2025</a:t>
+              <a:t>2025</a:t>
             </a:r>
             <a:r>
               <a:rPr lang="en-IN" sz="11200" dirty="0" smtClean="0">
@@ -21427,7 +21475,15 @@
                   <a:srgbClr val="451717"/>
                 </a:solidFill>
               </a:rPr>
-              <a:t>[Accessed: Feb. </a:t>
+              <a:t>[Accessed: </a:t>
+            </a:r>
+            <a:r>
+              <a:rPr lang="en-IN" sz="11200" dirty="0">
+                <a:solidFill>
+                  <a:srgbClr val="451717"/>
+                </a:solidFill>
+              </a:rPr>
+              <a:t>Mar. </a:t>
             </a:r>
             <a:r>
               <a:rPr lang="en-IN" sz="11200" dirty="0" smtClean="0">
@@ -21435,7 +21491,7 @@
                   <a:srgbClr val="451717"/>
                 </a:solidFill>
               </a:rPr>
-              <a:t>13</a:t>
+              <a:t>2, </a:t>
             </a:r>
             <a:r>
               <a:rPr lang="en-IN" sz="11200" dirty="0">
@@ -21443,7 +21499,7 @@
                   <a:srgbClr val="451717"/>
                 </a:solidFill>
               </a:rPr>
-              <a:t>, 2025</a:t>
+              <a:t>2025</a:t>
             </a:r>
             <a:r>
               <a:rPr lang="en-IN" sz="11200" dirty="0" smtClean="0">
@@ -21541,7 +21597,39 @@
                   <a:srgbClr val="451717"/>
                 </a:solidFill>
               </a:rPr>
-              <a:t>[Accessed: Feb. 3, 2025].</a:t>
+              <a:t>[Accessed: </a:t>
+            </a:r>
+            <a:r>
+              <a:rPr lang="en-IN" sz="11200" dirty="0">
+                <a:solidFill>
+                  <a:srgbClr val="451717"/>
+                </a:solidFill>
+              </a:rPr>
+              <a:t>Mar. 2</a:t>
+            </a:r>
+            <a:r>
+              <a:rPr lang="en-IN" sz="11200" dirty="0" smtClean="0">
+                <a:solidFill>
+                  <a:srgbClr val="451717"/>
+                </a:solidFill>
+              </a:rPr>
+              <a:t>, </a:t>
+            </a:r>
+            <a:r>
+              <a:rPr lang="en-IN" sz="11200" dirty="0">
+                <a:solidFill>
+                  <a:srgbClr val="451717"/>
+                </a:solidFill>
+              </a:rPr>
+              <a:t>2025</a:t>
+            </a:r>
+            <a:r>
+              <a:rPr lang="en-IN" sz="11200" dirty="0">
+                <a:solidFill>
+                  <a:srgbClr val="451717"/>
+                </a:solidFill>
+              </a:rPr>
+              <a:t>].</a:t>
             </a:r>
           </a:p>
           <a:p>
@@ -21808,7 +21896,15 @@
                   <a:srgbClr val="451717"/>
                 </a:solidFill>
               </a:rPr>
-              <a:t>[Accessed: Feb. </a:t>
+              <a:t>[Accessed: </a:t>
+            </a:r>
+            <a:r>
+              <a:rPr lang="en-IN" sz="11200" dirty="0">
+                <a:solidFill>
+                  <a:srgbClr val="451717"/>
+                </a:solidFill>
+              </a:rPr>
+              <a:t>Mar. 2</a:t>
             </a:r>
             <a:r>
               <a:rPr lang="en-IN" sz="11200" dirty="0" smtClean="0">
@@ -21816,7 +21912,7 @@
                   <a:srgbClr val="451717"/>
                 </a:solidFill>
               </a:rPr>
-              <a:t>13</a:t>
+              <a:t> </a:t>
             </a:r>
             <a:r>
               <a:rPr lang="en-IN" sz="11200" dirty="0">
@@ -21824,7 +21920,15 @@
                   <a:srgbClr val="451717"/>
                 </a:solidFill>
               </a:rPr>
-              <a:t>, 2025].</a:t>
+              <a:t>, </a:t>
+            </a:r>
+            <a:r>
+              <a:rPr lang="en-IN" sz="11200" dirty="0">
+                <a:solidFill>
+                  <a:srgbClr val="451717"/>
+                </a:solidFill>
+              </a:rPr>
+              <a:t>2025].</a:t>
             </a:r>
           </a:p>
           <a:p>
@@ -21917,7 +22021,15 @@
                   <a:srgbClr val="451717"/>
                 </a:solidFill>
               </a:rPr>
-              <a:t>[Accessed: Feb. </a:t>
+              <a:t>[Accessed: </a:t>
+            </a:r>
+            <a:r>
+              <a:rPr lang="en-IN" sz="11200" dirty="0">
+                <a:solidFill>
+                  <a:srgbClr val="451717"/>
+                </a:solidFill>
+              </a:rPr>
+              <a:t>Mar. </a:t>
             </a:r>
             <a:r>
               <a:rPr lang="en-IN" sz="11200" dirty="0" smtClean="0">
@@ -21925,7 +22037,7 @@
                   <a:srgbClr val="451717"/>
                 </a:solidFill>
               </a:rPr>
-              <a:t>14</a:t>
+              <a:t>2, </a:t>
             </a:r>
             <a:r>
               <a:rPr lang="en-IN" sz="11200" dirty="0">
@@ -21933,7 +22045,15 @@
                   <a:srgbClr val="451717"/>
                 </a:solidFill>
               </a:rPr>
-              <a:t>, 2025].</a:t>
+              <a:t>2025</a:t>
+            </a:r>
+            <a:r>
+              <a:rPr lang="en-IN" sz="11200" dirty="0">
+                <a:solidFill>
+                  <a:srgbClr val="451717"/>
+                </a:solidFill>
+              </a:rPr>
+              <a:t>].</a:t>
             </a:r>
           </a:p>
           <a:p>
@@ -22073,7 +22193,7 @@
               <a:t>://</a:t>
             </a:r>
             <a:r>
-              <a:rPr lang="en-IN" sz="11200" dirty="0" smtClean="0">
+              <a:rPr lang="en-IN" sz="11200" smtClean="0">
                 <a:solidFill>
                   <a:srgbClr val="0000FF"/>
                 </a:solidFill>
@@ -22081,43 +22201,24 @@
               <a:t>www.akgec.ac.in/wp-content/uploads/2024/01/Jan-Jun2022_2.pdf</a:t>
             </a:r>
             <a:r>
-              <a:rPr lang="en-IN" sz="11200" dirty="0" smtClean="0">
+              <a:rPr lang="en-IN" sz="11200" smtClean="0">
                 <a:solidFill>
                   <a:srgbClr val="451717"/>
                 </a:solidFill>
               </a:rPr>
-              <a:t>], </a:t>
-            </a:r>
-            <a:r>
-              <a:rPr lang="en-IN" sz="11200" dirty="0">
-                <a:solidFill>
-                  <a:srgbClr val="451717"/>
-                </a:solidFill>
-              </a:rPr>
-              <a:t>[Accessed: Feb. </a:t>
-            </a:r>
-            <a:r>
-              <a:rPr lang="en-IN" sz="11200" dirty="0" smtClean="0">
-                <a:solidFill>
-                  <a:srgbClr val="451717"/>
-                </a:solidFill>
-              </a:rPr>
-              <a:t>14</a:t>
-            </a:r>
-            <a:r>
-              <a:rPr lang="en-IN" sz="11200" dirty="0">
-                <a:solidFill>
-                  <a:srgbClr val="451717"/>
-                </a:solidFill>
-              </a:rPr>
-              <a:t>, 2025].</a:t>
-            </a:r>
+              <a:t>].</a:t>
+            </a:r>
+            <a:endParaRPr lang="en-IN" sz="11200" dirty="0" smtClean="0">
+              <a:solidFill>
+                <a:srgbClr val="451717"/>
+              </a:solidFill>
+            </a:endParaRPr>
           </a:p>
           <a:p>
             <a:pPr marL="0" indent="0">
               <a:buNone/>
             </a:pPr>
-            <a:endParaRPr lang="en-IN" dirty="0"/>
+            <a:endParaRPr lang="en-IN" dirty="0" smtClean="0"/>
           </a:p>
           <a:p>
             <a:pPr marL="0" indent="0">
